--- a/January 19 2019.pptx
+++ b/January 19 2019.pptx
@@ -108,6 +108,22 @@
       </a:defRPr>
     </a:lvl9pPr>
   </p:defaultTextStyle>
+  <p:extLst>
+    <p:ext uri="{EFAFB233-063F-42B5-8137-9DF3F51BA10A}">
+      <p15:sldGuideLst xmlns:p15="http://schemas.microsoft.com/office/powerpoint/2012/main">
+        <p15:guide id="1" orient="horz" pos="2160">
+          <p15:clr>
+            <a:srgbClr val="A4A3A4"/>
+          </p15:clr>
+        </p15:guide>
+        <p15:guide id="2" pos="2880">
+          <p15:clr>
+            <a:srgbClr val="A4A3A4"/>
+          </p15:clr>
+        </p15:guide>
+      </p15:sldGuideLst>
+    </p:ext>
+  </p:extLst>
 </p:presentation>
 </file>
 
@@ -149,10 +165,9 @@
           <a:lstStyle/>
           <a:p>
             <a:r>
-              <a:rPr lang="en-US" smtClean="0"/>
+              <a:rPr lang="en-US"/>
               <a:t>Click to edit Master title style</a:t>
             </a:r>
-            <a:endParaRPr lang="en-US"/>
           </a:p>
         </p:txBody>
       </p:sp>
@@ -268,10 +283,9 @@
           </a:lstStyle>
           <a:p>
             <a:r>
-              <a:rPr lang="en-US" smtClean="0"/>
+              <a:rPr lang="en-US"/>
               <a:t>Click to edit Master subtitle style</a:t>
             </a:r>
-            <a:endParaRPr lang="en-US"/>
           </a:p>
         </p:txBody>
       </p:sp>
@@ -292,7 +306,7 @@
           <a:p>
             <a:fld id="{4ED42B7B-5B47-6B4D-9CEC-D1513411F071}" type="datetimeFigureOut">
               <a:rPr lang="en-US" smtClean="0"/>
-              <a:t>1/4/19</a:t>
+              <a:t>1/7/2019</a:t>
             </a:fld>
             <a:endParaRPr lang="en-US"/>
           </a:p>
@@ -386,10 +400,9 @@
           <a:lstStyle/>
           <a:p>
             <a:r>
-              <a:rPr lang="en-US" smtClean="0"/>
+              <a:rPr lang="en-US"/>
               <a:t>Click to edit Master title style</a:t>
             </a:r>
-            <a:endParaRPr lang="en-US"/>
           </a:p>
         </p:txBody>
       </p:sp>
@@ -410,38 +423,37 @@
           <a:p>
             <a:pPr lvl="0"/>
             <a:r>
-              <a:rPr lang="en-US" smtClean="0"/>
+              <a:rPr lang="en-US"/>
               <a:t>Click to edit Master text styles</a:t>
             </a:r>
           </a:p>
           <a:p>
             <a:pPr lvl="1"/>
             <a:r>
-              <a:rPr lang="en-US" smtClean="0"/>
+              <a:rPr lang="en-US"/>
               <a:t>Second level</a:t>
             </a:r>
           </a:p>
           <a:p>
             <a:pPr lvl="2"/>
             <a:r>
-              <a:rPr lang="en-US" smtClean="0"/>
+              <a:rPr lang="en-US"/>
               <a:t>Third level</a:t>
             </a:r>
           </a:p>
           <a:p>
             <a:pPr lvl="3"/>
             <a:r>
-              <a:rPr lang="en-US" smtClean="0"/>
+              <a:rPr lang="en-US"/>
               <a:t>Fourth level</a:t>
             </a:r>
           </a:p>
           <a:p>
             <a:pPr lvl="4"/>
             <a:r>
-              <a:rPr lang="en-US" smtClean="0"/>
+              <a:rPr lang="en-US"/>
               <a:t>Fifth level</a:t>
             </a:r>
-            <a:endParaRPr lang="en-US"/>
           </a:p>
         </p:txBody>
       </p:sp>
@@ -462,7 +474,7 @@
           <a:p>
             <a:fld id="{4ED42B7B-5B47-6B4D-9CEC-D1513411F071}" type="datetimeFigureOut">
               <a:rPr lang="en-US" smtClean="0"/>
-              <a:t>1/4/19</a:t>
+              <a:t>1/7/2019</a:t>
             </a:fld>
             <a:endParaRPr lang="en-US"/>
           </a:p>
@@ -561,10 +573,9 @@
           <a:lstStyle/>
           <a:p>
             <a:r>
-              <a:rPr lang="en-US" smtClean="0"/>
+              <a:rPr lang="en-US"/>
               <a:t>Click to edit Master title style</a:t>
             </a:r>
-            <a:endParaRPr lang="en-US"/>
           </a:p>
         </p:txBody>
       </p:sp>
@@ -590,38 +601,37 @@
           <a:p>
             <a:pPr lvl="0"/>
             <a:r>
-              <a:rPr lang="en-US" smtClean="0"/>
+              <a:rPr lang="en-US"/>
               <a:t>Click to edit Master text styles</a:t>
             </a:r>
           </a:p>
           <a:p>
             <a:pPr lvl="1"/>
             <a:r>
-              <a:rPr lang="en-US" smtClean="0"/>
+              <a:rPr lang="en-US"/>
               <a:t>Second level</a:t>
             </a:r>
           </a:p>
           <a:p>
             <a:pPr lvl="2"/>
             <a:r>
-              <a:rPr lang="en-US" smtClean="0"/>
+              <a:rPr lang="en-US"/>
               <a:t>Third level</a:t>
             </a:r>
           </a:p>
           <a:p>
             <a:pPr lvl="3"/>
             <a:r>
-              <a:rPr lang="en-US" smtClean="0"/>
+              <a:rPr lang="en-US"/>
               <a:t>Fourth level</a:t>
             </a:r>
           </a:p>
           <a:p>
             <a:pPr lvl="4"/>
             <a:r>
-              <a:rPr lang="en-US" smtClean="0"/>
+              <a:rPr lang="en-US"/>
               <a:t>Fifth level</a:t>
             </a:r>
-            <a:endParaRPr lang="en-US"/>
           </a:p>
         </p:txBody>
       </p:sp>
@@ -642,7 +652,7 @@
           <a:p>
             <a:fld id="{4ED42B7B-5B47-6B4D-9CEC-D1513411F071}" type="datetimeFigureOut">
               <a:rPr lang="en-US" smtClean="0"/>
-              <a:t>1/4/19</a:t>
+              <a:t>1/7/2019</a:t>
             </a:fld>
             <a:endParaRPr lang="en-US"/>
           </a:p>
@@ -736,10 +746,9 @@
           <a:lstStyle/>
           <a:p>
             <a:r>
-              <a:rPr lang="en-US" smtClean="0"/>
+              <a:rPr lang="en-US"/>
               <a:t>Click to edit Master title style</a:t>
             </a:r>
-            <a:endParaRPr lang="en-US"/>
           </a:p>
         </p:txBody>
       </p:sp>
@@ -760,38 +769,37 @@
           <a:p>
             <a:pPr lvl="0"/>
             <a:r>
-              <a:rPr lang="en-US" smtClean="0"/>
+              <a:rPr lang="en-US"/>
               <a:t>Click to edit Master text styles</a:t>
             </a:r>
           </a:p>
           <a:p>
             <a:pPr lvl="1"/>
             <a:r>
-              <a:rPr lang="en-US" smtClean="0"/>
+              <a:rPr lang="en-US"/>
               <a:t>Second level</a:t>
             </a:r>
           </a:p>
           <a:p>
             <a:pPr lvl="2"/>
             <a:r>
-              <a:rPr lang="en-US" smtClean="0"/>
+              <a:rPr lang="en-US"/>
               <a:t>Third level</a:t>
             </a:r>
           </a:p>
           <a:p>
             <a:pPr lvl="3"/>
             <a:r>
-              <a:rPr lang="en-US" smtClean="0"/>
+              <a:rPr lang="en-US"/>
               <a:t>Fourth level</a:t>
             </a:r>
           </a:p>
           <a:p>
             <a:pPr lvl="4"/>
             <a:r>
-              <a:rPr lang="en-US" smtClean="0"/>
+              <a:rPr lang="en-US"/>
               <a:t>Fifth level</a:t>
             </a:r>
-            <a:endParaRPr lang="en-US"/>
           </a:p>
         </p:txBody>
       </p:sp>
@@ -812,7 +820,7 @@
           <a:p>
             <a:fld id="{4ED42B7B-5B47-6B4D-9CEC-D1513411F071}" type="datetimeFigureOut">
               <a:rPr lang="en-US" smtClean="0"/>
-              <a:t>1/4/19</a:t>
+              <a:t>1/7/2019</a:t>
             </a:fld>
             <a:endParaRPr lang="en-US"/>
           </a:p>
@@ -915,10 +923,9 @@
           </a:lstStyle>
           <a:p>
             <a:r>
-              <a:rPr lang="en-US" smtClean="0"/>
+              <a:rPr lang="en-US"/>
               <a:t>Click to edit Master title style</a:t>
             </a:r>
-            <a:endParaRPr lang="en-US"/>
           </a:p>
         </p:txBody>
       </p:sp>
@@ -1035,7 +1042,7 @@
           <a:p>
             <a:pPr lvl="0"/>
             <a:r>
-              <a:rPr lang="en-US" smtClean="0"/>
+              <a:rPr lang="en-US"/>
               <a:t>Click to edit Master text styles</a:t>
             </a:r>
           </a:p>
@@ -1058,7 +1065,7 @@
           <a:p>
             <a:fld id="{4ED42B7B-5B47-6B4D-9CEC-D1513411F071}" type="datetimeFigureOut">
               <a:rPr lang="en-US" smtClean="0"/>
-              <a:t>1/4/19</a:t>
+              <a:t>1/7/2019</a:t>
             </a:fld>
             <a:endParaRPr lang="en-US"/>
           </a:p>
@@ -1152,10 +1159,9 @@
           <a:lstStyle/>
           <a:p>
             <a:r>
-              <a:rPr lang="en-US" smtClean="0"/>
+              <a:rPr lang="en-US"/>
               <a:t>Click to edit Master title style</a:t>
             </a:r>
-            <a:endParaRPr lang="en-US"/>
           </a:p>
         </p:txBody>
       </p:sp>
@@ -1209,38 +1215,37 @@
           <a:p>
             <a:pPr lvl="0"/>
             <a:r>
-              <a:rPr lang="en-US" smtClean="0"/>
+              <a:rPr lang="en-US"/>
               <a:t>Click to edit Master text styles</a:t>
             </a:r>
           </a:p>
           <a:p>
             <a:pPr lvl="1"/>
             <a:r>
-              <a:rPr lang="en-US" smtClean="0"/>
+              <a:rPr lang="en-US"/>
               <a:t>Second level</a:t>
             </a:r>
           </a:p>
           <a:p>
             <a:pPr lvl="2"/>
             <a:r>
-              <a:rPr lang="en-US" smtClean="0"/>
+              <a:rPr lang="en-US"/>
               <a:t>Third level</a:t>
             </a:r>
           </a:p>
           <a:p>
             <a:pPr lvl="3"/>
             <a:r>
-              <a:rPr lang="en-US" smtClean="0"/>
+              <a:rPr lang="en-US"/>
               <a:t>Fourth level</a:t>
             </a:r>
           </a:p>
           <a:p>
             <a:pPr lvl="4"/>
             <a:r>
-              <a:rPr lang="en-US" smtClean="0"/>
+              <a:rPr lang="en-US"/>
               <a:t>Fifth level</a:t>
             </a:r>
-            <a:endParaRPr lang="en-US"/>
           </a:p>
         </p:txBody>
       </p:sp>
@@ -1294,38 +1299,37 @@
           <a:p>
             <a:pPr lvl="0"/>
             <a:r>
-              <a:rPr lang="en-US" smtClean="0"/>
+              <a:rPr lang="en-US"/>
               <a:t>Click to edit Master text styles</a:t>
             </a:r>
           </a:p>
           <a:p>
             <a:pPr lvl="1"/>
             <a:r>
-              <a:rPr lang="en-US" smtClean="0"/>
+              <a:rPr lang="en-US"/>
               <a:t>Second level</a:t>
             </a:r>
           </a:p>
           <a:p>
             <a:pPr lvl="2"/>
             <a:r>
-              <a:rPr lang="en-US" smtClean="0"/>
+              <a:rPr lang="en-US"/>
               <a:t>Third level</a:t>
             </a:r>
           </a:p>
           <a:p>
             <a:pPr lvl="3"/>
             <a:r>
-              <a:rPr lang="en-US" smtClean="0"/>
+              <a:rPr lang="en-US"/>
               <a:t>Fourth level</a:t>
             </a:r>
           </a:p>
           <a:p>
             <a:pPr lvl="4"/>
             <a:r>
-              <a:rPr lang="en-US" smtClean="0"/>
+              <a:rPr lang="en-US"/>
               <a:t>Fifth level</a:t>
             </a:r>
-            <a:endParaRPr lang="en-US"/>
           </a:p>
         </p:txBody>
       </p:sp>
@@ -1346,7 +1350,7 @@
           <a:p>
             <a:fld id="{4ED42B7B-5B47-6B4D-9CEC-D1513411F071}" type="datetimeFigureOut">
               <a:rPr lang="en-US" smtClean="0"/>
-              <a:t>1/4/19</a:t>
+              <a:t>1/7/2019</a:t>
             </a:fld>
             <a:endParaRPr lang="en-US"/>
           </a:p>
@@ -1444,10 +1448,9 @@
           </a:lstStyle>
           <a:p>
             <a:r>
-              <a:rPr lang="en-US" smtClean="0"/>
+              <a:rPr lang="en-US"/>
               <a:t>Click to edit Master title style</a:t>
             </a:r>
-            <a:endParaRPr lang="en-US"/>
           </a:p>
         </p:txBody>
       </p:sp>
@@ -1510,7 +1513,7 @@
           <a:p>
             <a:pPr lvl="0"/>
             <a:r>
-              <a:rPr lang="en-US" smtClean="0"/>
+              <a:rPr lang="en-US"/>
               <a:t>Click to edit Master text styles</a:t>
             </a:r>
           </a:p>
@@ -1566,38 +1569,37 @@
           <a:p>
             <a:pPr lvl="0"/>
             <a:r>
-              <a:rPr lang="en-US" smtClean="0"/>
+              <a:rPr lang="en-US"/>
               <a:t>Click to edit Master text styles</a:t>
             </a:r>
           </a:p>
           <a:p>
             <a:pPr lvl="1"/>
             <a:r>
-              <a:rPr lang="en-US" smtClean="0"/>
+              <a:rPr lang="en-US"/>
               <a:t>Second level</a:t>
             </a:r>
           </a:p>
           <a:p>
             <a:pPr lvl="2"/>
             <a:r>
-              <a:rPr lang="en-US" smtClean="0"/>
+              <a:rPr lang="en-US"/>
               <a:t>Third level</a:t>
             </a:r>
           </a:p>
           <a:p>
             <a:pPr lvl="3"/>
             <a:r>
-              <a:rPr lang="en-US" smtClean="0"/>
+              <a:rPr lang="en-US"/>
               <a:t>Fourth level</a:t>
             </a:r>
           </a:p>
           <a:p>
             <a:pPr lvl="4"/>
             <a:r>
-              <a:rPr lang="en-US" smtClean="0"/>
+              <a:rPr lang="en-US"/>
               <a:t>Fifth level</a:t>
             </a:r>
-            <a:endParaRPr lang="en-US"/>
           </a:p>
         </p:txBody>
       </p:sp>
@@ -1660,7 +1662,7 @@
           <a:p>
             <a:pPr lvl="0"/>
             <a:r>
-              <a:rPr lang="en-US" smtClean="0"/>
+              <a:rPr lang="en-US"/>
               <a:t>Click to edit Master text styles</a:t>
             </a:r>
           </a:p>
@@ -1716,38 +1718,37 @@
           <a:p>
             <a:pPr lvl="0"/>
             <a:r>
-              <a:rPr lang="en-US" smtClean="0"/>
+              <a:rPr lang="en-US"/>
               <a:t>Click to edit Master text styles</a:t>
             </a:r>
           </a:p>
           <a:p>
             <a:pPr lvl="1"/>
             <a:r>
-              <a:rPr lang="en-US" smtClean="0"/>
+              <a:rPr lang="en-US"/>
               <a:t>Second level</a:t>
             </a:r>
           </a:p>
           <a:p>
             <a:pPr lvl="2"/>
             <a:r>
-              <a:rPr lang="en-US" smtClean="0"/>
+              <a:rPr lang="en-US"/>
               <a:t>Third level</a:t>
             </a:r>
           </a:p>
           <a:p>
             <a:pPr lvl="3"/>
             <a:r>
-              <a:rPr lang="en-US" smtClean="0"/>
+              <a:rPr lang="en-US"/>
               <a:t>Fourth level</a:t>
             </a:r>
           </a:p>
           <a:p>
             <a:pPr lvl="4"/>
             <a:r>
-              <a:rPr lang="en-US" smtClean="0"/>
+              <a:rPr lang="en-US"/>
               <a:t>Fifth level</a:t>
             </a:r>
-            <a:endParaRPr lang="en-US"/>
           </a:p>
         </p:txBody>
       </p:sp>
@@ -1768,7 +1769,7 @@
           <a:p>
             <a:fld id="{4ED42B7B-5B47-6B4D-9CEC-D1513411F071}" type="datetimeFigureOut">
               <a:rPr lang="en-US" smtClean="0"/>
-              <a:t>1/4/19</a:t>
+              <a:t>1/7/2019</a:t>
             </a:fld>
             <a:endParaRPr lang="en-US"/>
           </a:p>
@@ -1862,10 +1863,9 @@
           <a:lstStyle/>
           <a:p>
             <a:r>
-              <a:rPr lang="en-US" smtClean="0"/>
+              <a:rPr lang="en-US"/>
               <a:t>Click to edit Master title style</a:t>
             </a:r>
-            <a:endParaRPr lang="en-US"/>
           </a:p>
         </p:txBody>
       </p:sp>
@@ -1886,7 +1886,7 @@
           <a:p>
             <a:fld id="{4ED42B7B-5B47-6B4D-9CEC-D1513411F071}" type="datetimeFigureOut">
               <a:rPr lang="en-US" smtClean="0"/>
-              <a:t>1/4/19</a:t>
+              <a:t>1/7/2019</a:t>
             </a:fld>
             <a:endParaRPr lang="en-US"/>
           </a:p>
@@ -1981,7 +1981,7 @@
           <a:p>
             <a:fld id="{4ED42B7B-5B47-6B4D-9CEC-D1513411F071}" type="datetimeFigureOut">
               <a:rPr lang="en-US" smtClean="0"/>
-              <a:t>1/4/19</a:t>
+              <a:t>1/7/2019</a:t>
             </a:fld>
             <a:endParaRPr lang="en-US"/>
           </a:p>
@@ -2084,10 +2084,9 @@
           </a:lstStyle>
           <a:p>
             <a:r>
-              <a:rPr lang="en-US" smtClean="0"/>
+              <a:rPr lang="en-US"/>
               <a:t>Click to edit Master title style</a:t>
             </a:r>
-            <a:endParaRPr lang="en-US"/>
           </a:p>
         </p:txBody>
       </p:sp>
@@ -2141,38 +2140,37 @@
           <a:p>
             <a:pPr lvl="0"/>
             <a:r>
-              <a:rPr lang="en-US" smtClean="0"/>
+              <a:rPr lang="en-US"/>
               <a:t>Click to edit Master text styles</a:t>
             </a:r>
           </a:p>
           <a:p>
             <a:pPr lvl="1"/>
             <a:r>
-              <a:rPr lang="en-US" smtClean="0"/>
+              <a:rPr lang="en-US"/>
               <a:t>Second level</a:t>
             </a:r>
           </a:p>
           <a:p>
             <a:pPr lvl="2"/>
             <a:r>
-              <a:rPr lang="en-US" smtClean="0"/>
+              <a:rPr lang="en-US"/>
               <a:t>Third level</a:t>
             </a:r>
           </a:p>
           <a:p>
             <a:pPr lvl="3"/>
             <a:r>
-              <a:rPr lang="en-US" smtClean="0"/>
+              <a:rPr lang="en-US"/>
               <a:t>Fourth level</a:t>
             </a:r>
           </a:p>
           <a:p>
             <a:pPr lvl="4"/>
             <a:r>
-              <a:rPr lang="en-US" smtClean="0"/>
+              <a:rPr lang="en-US"/>
               <a:t>Fifth level</a:t>
             </a:r>
-            <a:endParaRPr lang="en-US"/>
           </a:p>
         </p:txBody>
       </p:sp>
@@ -2235,7 +2233,7 @@
           <a:p>
             <a:pPr lvl="0"/>
             <a:r>
-              <a:rPr lang="en-US" smtClean="0"/>
+              <a:rPr lang="en-US"/>
               <a:t>Click to edit Master text styles</a:t>
             </a:r>
           </a:p>
@@ -2258,7 +2256,7 @@
           <a:p>
             <a:fld id="{4ED42B7B-5B47-6B4D-9CEC-D1513411F071}" type="datetimeFigureOut">
               <a:rPr lang="en-US" smtClean="0"/>
-              <a:t>1/4/19</a:t>
+              <a:t>1/7/2019</a:t>
             </a:fld>
             <a:endParaRPr lang="en-US"/>
           </a:p>
@@ -2361,10 +2359,9 @@
           </a:lstStyle>
           <a:p>
             <a:r>
-              <a:rPr lang="en-US" smtClean="0"/>
+              <a:rPr lang="en-US"/>
               <a:t>Click to edit Master title style</a:t>
             </a:r>
-            <a:endParaRPr lang="en-US"/>
           </a:p>
         </p:txBody>
       </p:sp>
@@ -2488,7 +2485,7 @@
           <a:p>
             <a:pPr lvl="0"/>
             <a:r>
-              <a:rPr lang="en-US" smtClean="0"/>
+              <a:rPr lang="en-US"/>
               <a:t>Click to edit Master text styles</a:t>
             </a:r>
           </a:p>
@@ -2511,7 +2508,7 @@
           <a:p>
             <a:fld id="{4ED42B7B-5B47-6B4D-9CEC-D1513411F071}" type="datetimeFigureOut">
               <a:rPr lang="en-US" smtClean="0"/>
-              <a:t>1/4/19</a:t>
+              <a:t>1/7/2019</a:t>
             </a:fld>
             <a:endParaRPr lang="en-US"/>
           </a:p>
@@ -2620,10 +2617,9 @@
           <a:lstStyle/>
           <a:p>
             <a:r>
-              <a:rPr lang="en-US" smtClean="0"/>
+              <a:rPr lang="en-US"/>
               <a:t>Click to edit Master title style</a:t>
             </a:r>
-            <a:endParaRPr lang="en-US"/>
           </a:p>
         </p:txBody>
       </p:sp>
@@ -2654,38 +2650,37 @@
           <a:p>
             <a:pPr lvl="0"/>
             <a:r>
-              <a:rPr lang="en-US" smtClean="0"/>
+              <a:rPr lang="en-US"/>
               <a:t>Click to edit Master text styles</a:t>
             </a:r>
           </a:p>
           <a:p>
             <a:pPr lvl="1"/>
             <a:r>
-              <a:rPr lang="en-US" smtClean="0"/>
+              <a:rPr lang="en-US"/>
               <a:t>Second level</a:t>
             </a:r>
           </a:p>
           <a:p>
             <a:pPr lvl="2"/>
             <a:r>
-              <a:rPr lang="en-US" smtClean="0"/>
+              <a:rPr lang="en-US"/>
               <a:t>Third level</a:t>
             </a:r>
           </a:p>
           <a:p>
             <a:pPr lvl="3"/>
             <a:r>
-              <a:rPr lang="en-US" smtClean="0"/>
+              <a:rPr lang="en-US"/>
               <a:t>Fourth level</a:t>
             </a:r>
           </a:p>
           <a:p>
             <a:pPr lvl="4"/>
             <a:r>
-              <a:rPr lang="en-US" smtClean="0"/>
+              <a:rPr lang="en-US"/>
               <a:t>Fifth level</a:t>
             </a:r>
-            <a:endParaRPr lang="en-US"/>
           </a:p>
         </p:txBody>
       </p:sp>
@@ -2724,7 +2719,7 @@
           <a:p>
             <a:fld id="{4ED42B7B-5B47-6B4D-9CEC-D1513411F071}" type="datetimeFigureOut">
               <a:rPr lang="en-US" smtClean="0"/>
-              <a:t>1/4/19</a:t>
+              <a:t>1/7/2019</a:t>
             </a:fld>
             <a:endParaRPr lang="en-US"/>
           </a:p>
@@ -3115,9 +3110,20 @@
           <a:lstStyle/>
           <a:p>
             <a:r>
-              <a:rPr lang="en-US" dirty="0" smtClean="0"/>
+              <a:rPr lang="en-US" dirty="0"/>
               <a:t>Land use map</a:t>
             </a:r>
+            <a:br>
+              <a:rPr lang="en-US" dirty="0"/>
+            </a:br>
+            <a:r>
+              <a:rPr lang="en-US" dirty="0"/>
+              <a:t>edit </a:t>
+            </a:r>
+            <a:r>
+              <a:rPr lang="en-US"/>
+              <a:t>in desktop</a:t>
+            </a:r>
             <a:endParaRPr lang="en-US" dirty="0"/>
           </a:p>
         </p:txBody>
@@ -3138,10 +3144,9 @@
           <a:lstStyle/>
           <a:p>
             <a:r>
-              <a:rPr lang="en-US" dirty="0" smtClean="0"/>
+              <a:rPr lang="en-US" dirty="0"/>
               <a:t>January 18, 2019</a:t>
             </a:r>
-            <a:endParaRPr lang="en-US" dirty="0"/>
           </a:p>
         </p:txBody>
       </p:sp>
@@ -3198,10 +3203,9 @@
           <a:lstStyle/>
           <a:p>
             <a:r>
-              <a:rPr lang="en-US" b="1" dirty="0" smtClean="0"/>
+              <a:rPr lang="en-US" b="1" dirty="0"/>
               <a:t>Land use</a:t>
             </a:r>
-            <a:endParaRPr lang="en-US" b="1" dirty="0"/>
           </a:p>
         </p:txBody>
       </p:sp>
@@ -3233,18 +3237,13 @@
           <a:lstStyle/>
           <a:p>
             <a:r>
-              <a:rPr lang="en-US" sz="1400" dirty="0" smtClean="0">
+              <a:rPr lang="en-US" sz="1400" dirty="0">
                 <a:solidFill>
                   <a:srgbClr val="0000FF"/>
                 </a:solidFill>
               </a:rPr>
               <a:t>mapbio3</a:t>
             </a:r>
-            <a:endParaRPr lang="en-US" sz="1400" dirty="0">
-              <a:solidFill>
-                <a:srgbClr val="0000FF"/>
-              </a:solidFill>
-            </a:endParaRPr>
           </a:p>
         </p:txBody>
       </p:sp>
@@ -3278,7 +3277,7 @@
           <a:lstStyle/>
           <a:p>
             <a:r>
-              <a:rPr lang="en-US" sz="1400" dirty="0" smtClean="0">
+              <a:rPr lang="en-US" sz="1400" dirty="0">
                 <a:solidFill>
                   <a:schemeClr val="bg1">
                     <a:lumMod val="50000"/>
@@ -3287,13 +3286,6 @@
               </a:rPr>
               <a:t>SAR</a:t>
             </a:r>
-            <a:endParaRPr lang="en-US" sz="1400" dirty="0">
-              <a:solidFill>
-                <a:schemeClr val="bg1">
-                  <a:lumMod val="50000"/>
-                </a:schemeClr>
-              </a:solidFill>
-            </a:endParaRPr>
           </a:p>
         </p:txBody>
       </p:sp>
@@ -3325,18 +3317,13 @@
           <a:lstStyle/>
           <a:p>
             <a:r>
-              <a:rPr lang="en-US" sz="1400" dirty="0" smtClean="0">
+              <a:rPr lang="en-US" sz="1400" dirty="0">
                 <a:solidFill>
                   <a:srgbClr val="0000FF"/>
                 </a:solidFill>
               </a:rPr>
               <a:t>Landsat</a:t>
             </a:r>
-            <a:endParaRPr lang="en-US" sz="1400" dirty="0">
-              <a:solidFill>
-                <a:srgbClr val="0000FF"/>
-              </a:solidFill>
-            </a:endParaRPr>
           </a:p>
         </p:txBody>
       </p:sp>
@@ -3368,18 +3355,13 @@
           <a:lstStyle/>
           <a:p>
             <a:r>
-              <a:rPr lang="en-US" sz="1400" dirty="0" smtClean="0">
+              <a:rPr lang="en-US" sz="1400" dirty="0">
                 <a:solidFill>
                   <a:srgbClr val="0000FF"/>
                 </a:solidFill>
               </a:rPr>
               <a:t>MODIS</a:t>
             </a:r>
-            <a:endParaRPr lang="en-US" sz="1400" dirty="0">
-              <a:solidFill>
-                <a:srgbClr val="0000FF"/>
-              </a:solidFill>
-            </a:endParaRPr>
           </a:p>
         </p:txBody>
       </p:sp>
@@ -3411,7 +3393,7 @@
           <a:lstStyle/>
           <a:p>
             <a:r>
-              <a:rPr lang="en-US" sz="1400" dirty="0" smtClean="0">
+              <a:rPr lang="en-US" sz="1400" dirty="0">
                 <a:solidFill>
                   <a:srgbClr val="0000FF"/>
                 </a:solidFill>
@@ -3425,7 +3407,7 @@
               <a:buChar char="-"/>
             </a:pPr>
             <a:r>
-              <a:rPr lang="en-US" sz="1400" dirty="0" smtClean="0">
+              <a:rPr lang="en-US" sz="1400" dirty="0">
                 <a:solidFill>
                   <a:srgbClr val="0000FF"/>
                 </a:solidFill>
@@ -3433,7 +3415,7 @@
               <a:t>Soy </a:t>
             </a:r>
             <a:r>
-              <a:rPr lang="en-US" sz="1400" dirty="0" err="1" smtClean="0">
+              <a:rPr lang="en-US" sz="1400" dirty="0" err="1">
                 <a:solidFill>
                   <a:srgbClr val="0000FF"/>
                 </a:solidFill>
@@ -3441,7 +3423,7 @@
               <a:t>vs</a:t>
             </a:r>
             <a:r>
-              <a:rPr lang="en-US" sz="1400" dirty="0" smtClean="0">
+              <a:rPr lang="en-US" sz="1400" dirty="0">
                 <a:solidFill>
                   <a:srgbClr val="0000FF"/>
                 </a:solidFill>
@@ -3449,7 +3431,7 @@
               <a:t> not soy, </a:t>
             </a:r>
             <a:r>
-              <a:rPr lang="en-US" sz="1400" dirty="0" err="1" smtClean="0">
+              <a:rPr lang="en-US" sz="1400" dirty="0" err="1">
                 <a:solidFill>
                   <a:srgbClr val="0000FF"/>
                 </a:solidFill>
@@ -3457,7 +3439,7 @@
               <a:t>irrig</a:t>
             </a:r>
             <a:r>
-              <a:rPr lang="en-US" sz="1400" dirty="0" smtClean="0">
+              <a:rPr lang="en-US" sz="1400" dirty="0">
                 <a:solidFill>
                   <a:srgbClr val="0000FF"/>
                 </a:solidFill>
@@ -3465,7 +3447,7 @@
               <a:t> </a:t>
             </a:r>
             <a:r>
-              <a:rPr lang="en-US" sz="1400" dirty="0" err="1" smtClean="0">
+              <a:rPr lang="en-US" sz="1400" dirty="0" err="1">
                 <a:solidFill>
                   <a:srgbClr val="0000FF"/>
                 </a:solidFill>
@@ -3473,7 +3455,7 @@
               <a:t>vs</a:t>
             </a:r>
             <a:r>
-              <a:rPr lang="en-US" sz="1400" dirty="0" smtClean="0">
+              <a:rPr lang="en-US" sz="1400" dirty="0">
                 <a:solidFill>
                   <a:srgbClr val="0000FF"/>
                 </a:solidFill>
@@ -3481,7 +3463,7 @@
               <a:t> </a:t>
             </a:r>
             <a:r>
-              <a:rPr lang="en-US" sz="1400" dirty="0" err="1" smtClean="0">
+              <a:rPr lang="en-US" sz="1400" dirty="0" err="1">
                 <a:solidFill>
                   <a:srgbClr val="0000FF"/>
                 </a:solidFill>
@@ -3489,7 +3471,7 @@
               <a:t>nonirrig</a:t>
             </a:r>
             <a:r>
-              <a:rPr lang="en-US" sz="1400" dirty="0" smtClean="0">
+              <a:rPr lang="en-US" sz="1400" dirty="0">
                 <a:solidFill>
                   <a:srgbClr val="0000FF"/>
                 </a:solidFill>
@@ -3497,7 +3479,7 @@
               <a:t>, SC </a:t>
             </a:r>
             <a:r>
-              <a:rPr lang="en-US" sz="1400" dirty="0" err="1" smtClean="0">
+              <a:rPr lang="en-US" sz="1400" dirty="0" err="1">
                 <a:solidFill>
                   <a:srgbClr val="0000FF"/>
                 </a:solidFill>
@@ -3505,7 +3487,7 @@
               <a:t>vs</a:t>
             </a:r>
             <a:r>
-              <a:rPr lang="en-US" sz="1400" dirty="0" smtClean="0">
+              <a:rPr lang="en-US" sz="1400" dirty="0">
                 <a:solidFill>
                   <a:srgbClr val="0000FF"/>
                 </a:solidFill>
@@ -3543,7 +3525,7 @@
           <a:lstStyle/>
           <a:p>
             <a:r>
-              <a:rPr lang="en-US" sz="1400" dirty="0" smtClean="0"/>
+              <a:rPr lang="en-US" sz="1400" dirty="0"/>
               <a:t>Validation</a:t>
             </a:r>
           </a:p>
@@ -3553,7 +3535,7 @@
               <a:buChar char="-"/>
             </a:pPr>
             <a:r>
-              <a:rPr lang="en-US" sz="1400" dirty="0" smtClean="0">
+              <a:rPr lang="en-US" sz="1400" dirty="0">
                 <a:solidFill>
                   <a:srgbClr val="0000FF"/>
                 </a:solidFill>
@@ -3561,7 +3543,7 @@
               <a:t>Validation points: Jake’s training points (SC </a:t>
             </a:r>
             <a:r>
-              <a:rPr lang="en-US" sz="1400" dirty="0" err="1" smtClean="0">
+              <a:rPr lang="en-US" sz="1400" dirty="0" err="1">
                 <a:solidFill>
                   <a:srgbClr val="0000FF"/>
                 </a:solidFill>
@@ -3569,7 +3551,7 @@
               <a:t>vs</a:t>
             </a:r>
             <a:r>
-              <a:rPr lang="en-US" sz="1400" dirty="0" smtClean="0">
+              <a:rPr lang="en-US" sz="1400" dirty="0">
                 <a:solidFill>
                   <a:srgbClr val="0000FF"/>
                 </a:solidFill>
@@ -3577,11 +3559,11 @@
               <a:t> DC), mapbiomas3</a:t>
             </a:r>
             <a:r>
-              <a:rPr lang="en-US" sz="1400" dirty="0" smtClean="0"/>
+              <a:rPr lang="en-US" sz="1400" dirty="0"/>
               <a:t>, </a:t>
             </a:r>
             <a:r>
-              <a:rPr lang="en-US" sz="1400" dirty="0" smtClean="0">
+              <a:rPr lang="en-US" sz="1400" dirty="0">
                 <a:solidFill>
                   <a:srgbClr val="0000FF"/>
                 </a:solidFill>
@@ -3589,7 +3571,7 @@
               <a:t>2014 center pivot, CAR </a:t>
             </a:r>
             <a:r>
-              <a:rPr lang="en-US" sz="1400" dirty="0" err="1" smtClean="0">
+              <a:rPr lang="en-US" sz="1400" dirty="0" err="1">
                 <a:solidFill>
                   <a:srgbClr val="0000FF"/>
                 </a:solidFill>
@@ -3597,7 +3579,7 @@
               <a:t>imovel</a:t>
             </a:r>
             <a:r>
-              <a:rPr lang="en-US" sz="1400" dirty="0" smtClean="0">
+              <a:rPr lang="en-US" sz="1400" dirty="0">
                 <a:solidFill>
                   <a:srgbClr val="0000FF"/>
                 </a:solidFill>
@@ -3605,7 +3587,7 @@
               <a:t> in </a:t>
             </a:r>
             <a:r>
-              <a:rPr lang="en-US" sz="1400" dirty="0" err="1" smtClean="0">
+              <a:rPr lang="en-US" sz="1400" dirty="0" err="1">
                 <a:solidFill>
                   <a:srgbClr val="0000FF"/>
                 </a:solidFill>
@@ -3613,7 +3595,7 @@
               <a:t>Matopiba</a:t>
             </a:r>
             <a:r>
-              <a:rPr lang="en-US" sz="1400" dirty="0" smtClean="0">
+              <a:rPr lang="en-US" sz="1400" dirty="0">
                 <a:solidFill>
                   <a:srgbClr val="0000FF"/>
                 </a:solidFill>
@@ -3621,14 +3603,9 @@
               <a:t> and maybe MT</a:t>
             </a:r>
             <a:r>
-              <a:rPr lang="en-US" sz="1400" dirty="0" smtClean="0"/>
-              <a:t>, </a:t>
-            </a:r>
-            <a:r>
-              <a:rPr lang="en-US" sz="1400" dirty="0" smtClean="0"/>
-              <a:t>Planet visual inspection (especially for places outside of MT)</a:t>
-            </a:r>
-            <a:endParaRPr lang="en-US" sz="1400" dirty="0" smtClean="0"/>
+              <a:rPr lang="en-US" sz="1400" dirty="0"/>
+              <a:t>, Planet visual inspection (especially for places outside of MT)</a:t>
+            </a:r>
           </a:p>
           <a:p>
             <a:pPr marL="285750" indent="-285750">
@@ -3636,7 +3613,7 @@
               <a:buChar char="-"/>
             </a:pPr>
             <a:r>
-              <a:rPr lang="en-US" sz="1400" dirty="0" smtClean="0">
+              <a:rPr lang="en-US" sz="1400" dirty="0">
                 <a:solidFill>
                   <a:srgbClr val="0000FF"/>
                 </a:solidFill>
@@ -3650,7 +3627,7 @@
               <a:buChar char="-"/>
             </a:pPr>
             <a:r>
-              <a:rPr lang="en-US" sz="1400" dirty="0" smtClean="0"/>
+              <a:rPr lang="en-US" sz="1400" dirty="0"/>
               <a:t>Need SAR? Different classifiers per region?</a:t>
             </a:r>
           </a:p>
@@ -3660,7 +3637,7 @@
               <a:buChar char="-"/>
             </a:pPr>
             <a:r>
-              <a:rPr lang="en-US" sz="1400" dirty="0" smtClean="0">
+              <a:rPr lang="en-US" sz="1400" dirty="0">
                 <a:solidFill>
                   <a:srgbClr val="0000FF"/>
                 </a:solidFill>
@@ -3674,18 +3651,13 @@
               <a:buChar char="-"/>
             </a:pPr>
             <a:r>
-              <a:rPr lang="en-US" sz="1400" dirty="0" smtClean="0">
+              <a:rPr lang="en-US" sz="1400" dirty="0">
                 <a:solidFill>
                   <a:srgbClr val="0000FF"/>
                 </a:solidFill>
               </a:rPr>
               <a:t>Validation for failed first crops and differently timed crop cycles across the country</a:t>
             </a:r>
-            <a:endParaRPr lang="en-US" sz="1400" dirty="0">
-              <a:solidFill>
-                <a:srgbClr val="0000FF"/>
-              </a:solidFill>
-            </a:endParaRPr>
           </a:p>
         </p:txBody>
       </p:sp>
@@ -3718,18 +3690,13 @@
           <a:p>
             <a:pPr algn="ctr"/>
             <a:r>
-              <a:rPr lang="en-US" sz="1400" dirty="0" smtClean="0">
+              <a:rPr lang="en-US" sz="1400" dirty="0">
                 <a:solidFill>
                   <a:srgbClr val="0000FF"/>
                 </a:solidFill>
               </a:rPr>
               <a:t>Center pivot training</a:t>
             </a:r>
-            <a:endParaRPr lang="en-US" sz="1400" dirty="0">
-              <a:solidFill>
-                <a:srgbClr val="0000FF"/>
-              </a:solidFill>
-            </a:endParaRPr>
           </a:p>
         </p:txBody>
       </p:sp>
@@ -3762,10 +3729,9 @@
           <a:p>
             <a:pPr algn="ctr"/>
             <a:r>
-              <a:rPr lang="en-US" sz="1400" dirty="0" smtClean="0"/>
+              <a:rPr lang="en-US" sz="1400" dirty="0"/>
               <a:t>New training points from Planet Labs imagery</a:t>
             </a:r>
-            <a:endParaRPr lang="en-US" sz="1400" dirty="0"/>
           </a:p>
         </p:txBody>
       </p:sp>
@@ -3799,7 +3765,7 @@
           <a:lstStyle/>
           <a:p>
             <a:r>
-              <a:rPr lang="en-US" sz="1400" dirty="0" smtClean="0">
+              <a:rPr lang="en-US" sz="1400" dirty="0">
                 <a:solidFill>
                   <a:schemeClr val="bg1">
                     <a:lumMod val="50000"/>
@@ -3808,13 +3774,6 @@
               </a:rPr>
               <a:t>SAR calibration</a:t>
             </a:r>
-            <a:endParaRPr lang="en-US" sz="1400" dirty="0">
-              <a:solidFill>
-                <a:schemeClr val="bg1">
-                  <a:lumMod val="50000"/>
-                </a:schemeClr>
-              </a:solidFill>
-            </a:endParaRPr>
           </a:p>
         </p:txBody>
       </p:sp>
@@ -3847,10 +3806,9 @@
           <a:p>
             <a:pPr algn="ctr"/>
             <a:r>
-              <a:rPr lang="en-US" sz="1400" dirty="0" smtClean="0"/>
+              <a:rPr lang="en-US" sz="1400" dirty="0"/>
               <a:t>Determine Planet imagery locations for land use training and validation, classify by eye</a:t>
             </a:r>
-            <a:endParaRPr lang="en-US" sz="1400" dirty="0"/>
           </a:p>
         </p:txBody>
       </p:sp>
@@ -4248,7 +4206,7 @@
           <a:p>
             <a:pPr algn="ctr"/>
             <a:r>
-              <a:rPr lang="en-US" sz="1400" dirty="0" smtClean="0">
+              <a:rPr lang="en-US" sz="1400" dirty="0">
                 <a:solidFill>
                   <a:schemeClr val="bg1">
                     <a:lumMod val="50000"/>
@@ -4257,13 +4215,6 @@
               </a:rPr>
               <a:t>Read up on SAR and contact person for SAR cleaning</a:t>
             </a:r>
-            <a:endParaRPr lang="en-US" sz="1400" dirty="0">
-              <a:solidFill>
-                <a:schemeClr val="bg1">
-                  <a:lumMod val="50000"/>
-                </a:schemeClr>
-              </a:solidFill>
-            </a:endParaRPr>
           </a:p>
         </p:txBody>
       </p:sp>
@@ -4337,7 +4288,7 @@
           <a:lstStyle/>
           <a:p>
             <a:r>
-              <a:rPr lang="en-US" sz="1400" dirty="0" smtClean="0">
+              <a:rPr lang="en-US" sz="1400" dirty="0">
                 <a:solidFill>
                   <a:srgbClr val="0000FF"/>
                 </a:solidFill>
@@ -4347,7 +4298,7 @@
           </a:p>
           <a:p>
             <a:r>
-              <a:rPr lang="en-US" sz="1400" dirty="0" smtClean="0">
+              <a:rPr lang="en-US" sz="1400" dirty="0">
                 <a:solidFill>
                   <a:srgbClr val="0000FF"/>
                 </a:solidFill>
@@ -4355,7 +4306,7 @@
               <a:t>- List areas for improvement (by region? by SC </a:t>
             </a:r>
             <a:r>
-              <a:rPr lang="en-US" sz="1400" dirty="0" err="1" smtClean="0">
+              <a:rPr lang="en-US" sz="1400" dirty="0" err="1">
                 <a:solidFill>
                   <a:srgbClr val="0000FF"/>
                 </a:solidFill>
@@ -4363,18 +4314,13 @@
               <a:t>vs</a:t>
             </a:r>
             <a:r>
-              <a:rPr lang="en-US" sz="1400" dirty="0" smtClean="0">
+              <a:rPr lang="en-US" sz="1400" dirty="0">
                 <a:solidFill>
                   <a:srgbClr val="0000FF"/>
                 </a:solidFill>
               </a:rPr>
               <a:t> DC?)</a:t>
             </a:r>
-            <a:endParaRPr lang="en-US" sz="1400" dirty="0">
-              <a:solidFill>
-                <a:srgbClr val="0000FF"/>
-              </a:solidFill>
-            </a:endParaRPr>
           </a:p>
         </p:txBody>
       </p:sp>
@@ -4446,7 +4392,7 @@
           <a:lstStyle/>
           <a:p>
             <a:r>
-              <a:rPr lang="en-US" sz="1400" dirty="0" smtClean="0">
+              <a:rPr lang="en-US" sz="1400" dirty="0">
                 <a:solidFill>
                   <a:srgbClr val="0000FF"/>
                 </a:solidFill>
@@ -4454,7 +4400,7 @@
               <a:t>Final </a:t>
             </a:r>
             <a:r>
-              <a:rPr lang="en-US" sz="1400" dirty="0" err="1" smtClean="0">
+              <a:rPr lang="en-US" sz="1400" dirty="0" err="1">
                 <a:solidFill>
                   <a:srgbClr val="0000FF"/>
                 </a:solidFill>
@@ -4462,7 +4408,7 @@
               <a:t>soymaps</a:t>
             </a:r>
             <a:r>
-              <a:rPr lang="en-US" sz="1400" dirty="0" smtClean="0">
+              <a:rPr lang="en-US" sz="1400" dirty="0">
                 <a:solidFill>
                   <a:srgbClr val="0000FF"/>
                 </a:solidFill>
@@ -4500,7 +4446,7 @@
           <a:lstStyle/>
           <a:p>
             <a:r>
-              <a:rPr lang="en-US" sz="1400" dirty="0" smtClean="0">
+              <a:rPr lang="en-US" sz="1400" dirty="0">
                 <a:solidFill>
                   <a:srgbClr val="0000FF"/>
                 </a:solidFill>
@@ -4510,7 +4456,7 @@
           </a:p>
           <a:p>
             <a:r>
-              <a:rPr lang="en-US" sz="1400" dirty="0" smtClean="0">
+              <a:rPr lang="en-US" sz="1400" dirty="0">
                 <a:solidFill>
                   <a:srgbClr val="0000FF"/>
                 </a:solidFill>
@@ -4520,7 +4466,7 @@
           </a:p>
           <a:p>
             <a:r>
-              <a:rPr lang="en-US" sz="1400" dirty="0" smtClean="0">
+              <a:rPr lang="en-US" sz="1400" dirty="0">
                 <a:solidFill>
                   <a:srgbClr val="0000FF"/>
                 </a:solidFill>
@@ -4663,7 +4609,7 @@
           <a:lstStyle/>
           <a:p>
             <a:r>
-              <a:rPr lang="en-US" sz="1600" b="1" dirty="0" smtClean="0"/>
+              <a:rPr lang="en-US" sz="1600" b="1" dirty="0"/>
               <a:t>Land use exploration tasks</a:t>
             </a:r>
           </a:p>
@@ -4676,15 +4622,15 @@
               <a:buChar char="-"/>
             </a:pPr>
             <a:r>
-              <a:rPr lang="en-US" sz="1600" dirty="0" smtClean="0"/>
+              <a:rPr lang="en-US" sz="1600" dirty="0"/>
               <a:t>For Planet Lab imagery: figure out how to look at cloud cover stats and temporal resolution during planting time before choosing specific images to download. Look for enough temporal resolution to tell SC </a:t>
             </a:r>
             <a:r>
-              <a:rPr lang="en-US" sz="1600" dirty="0" err="1" smtClean="0"/>
+              <a:rPr lang="en-US" sz="1600" dirty="0" err="1"/>
               <a:t>vs</a:t>
             </a:r>
             <a:r>
-              <a:rPr lang="en-US" sz="1600" dirty="0" smtClean="0"/>
+              <a:rPr lang="en-US" sz="1600" dirty="0"/>
               <a:t> DC, first crop or second crop. Figure out sampling technique to choose which images to download.</a:t>
             </a:r>
           </a:p>
@@ -4694,7 +4640,7 @@
               <a:buChar char="-"/>
             </a:pPr>
             <a:r>
-              <a:rPr lang="en-US" sz="1600" dirty="0" smtClean="0">
+              <a:rPr lang="en-US" sz="1600" dirty="0">
                 <a:solidFill>
                   <a:srgbClr val="0000FF"/>
                 </a:solidFill>
@@ -4708,31 +4654,31 @@
               <a:buChar char="-"/>
             </a:pPr>
             <a:r>
-              <a:rPr lang="en-US" sz="1600" dirty="0" smtClean="0"/>
+              <a:rPr lang="en-US" sz="1600" dirty="0"/>
               <a:t>Does </a:t>
             </a:r>
             <a:r>
-              <a:rPr lang="en-US" sz="1600" dirty="0" err="1" smtClean="0"/>
+              <a:rPr lang="en-US" sz="1600" dirty="0" err="1"/>
               <a:t>Mapbiomas</a:t>
             </a:r>
             <a:r>
-              <a:rPr lang="en-US" sz="1600" dirty="0" smtClean="0"/>
+              <a:rPr lang="en-US" sz="1600" dirty="0"/>
               <a:t> 3 do a better job of mapping </a:t>
             </a:r>
             <a:r>
-              <a:rPr lang="en-US" sz="1600" dirty="0" err="1" smtClean="0"/>
+              <a:rPr lang="en-US" sz="1600" dirty="0" err="1"/>
               <a:t>agri</a:t>
             </a:r>
             <a:r>
-              <a:rPr lang="en-US" sz="1600" dirty="0" smtClean="0"/>
+              <a:rPr lang="en-US" sz="1600" dirty="0"/>
               <a:t> thank Jake’s map does? (i.e. do estimates seem more reasonable? Do the small and irregularly shaped patches of natural veg seen in Planet Labs show up in </a:t>
             </a:r>
             <a:r>
-              <a:rPr lang="en-US" sz="1600" dirty="0" err="1" smtClean="0"/>
+              <a:rPr lang="en-US" sz="1600" dirty="0" err="1"/>
               <a:t>mapbiomas</a:t>
             </a:r>
             <a:r>
-              <a:rPr lang="en-US" sz="1600" dirty="0" smtClean="0"/>
+              <a:rPr lang="en-US" sz="1600" dirty="0"/>
               <a:t>? Is it reasonable to enhance the land use map with timing estimates?)</a:t>
             </a:r>
           </a:p>
@@ -4791,21 +4737,21 @@
           <a:lstStyle/>
           <a:p>
             <a:r>
-              <a:rPr lang="en-US" b="1" dirty="0" smtClean="0"/>
+              <a:rPr lang="en-US" b="1" dirty="0"/>
               <a:t>Jake’s original Soy Classification</a:t>
             </a:r>
           </a:p>
           <a:p>
             <a:r>
-              <a:rPr lang="en-US" dirty="0" smtClean="0"/>
+              <a:rPr lang="en-US" dirty="0"/>
               <a:t>GEE file: </a:t>
             </a:r>
             <a:r>
-              <a:rPr lang="en-US" dirty="0" err="1" smtClean="0"/>
+              <a:rPr lang="en-US" dirty="0" err="1"/>
               <a:t>LandCover</a:t>
             </a:r>
             <a:r>
-              <a:rPr lang="en-US" dirty="0" smtClean="0"/>
+              <a:rPr lang="en-US" dirty="0"/>
               <a:t>/Soy Classification Jake mb2_3</a:t>
             </a:r>
           </a:p>
@@ -4818,7 +4764,7 @@
               <a:buChar char="-"/>
             </a:pPr>
             <a:r>
-              <a:rPr lang="en-US" dirty="0" smtClean="0"/>
+              <a:rPr lang="en-US" dirty="0"/>
               <a:t>Sets of training points:</a:t>
             </a:r>
           </a:p>
@@ -4828,19 +4774,19 @@
               <a:buChar char="-"/>
             </a:pPr>
             <a:r>
-              <a:rPr lang="en-US" dirty="0" err="1" smtClean="0"/>
+              <a:rPr lang="en-US" dirty="0" err="1"/>
               <a:t>Kastens</a:t>
             </a:r>
             <a:r>
-              <a:rPr lang="en-US" dirty="0" smtClean="0"/>
+              <a:rPr lang="en-US" dirty="0"/>
               <a:t> training points(</a:t>
             </a:r>
             <a:r>
-              <a:rPr lang="en-US" dirty="0" err="1" smtClean="0"/>
+              <a:rPr lang="en-US" dirty="0" err="1"/>
               <a:t>kpts</a:t>
             </a:r>
             <a:r>
-              <a:rPr lang="en-US" dirty="0" smtClean="0"/>
+              <a:rPr lang="en-US" dirty="0"/>
               <a:t>) are near roads and only in MT, total 3185 points</a:t>
             </a:r>
           </a:p>
@@ -4850,7 +4796,7 @@
               <a:buChar char="-"/>
             </a:pPr>
             <a:r>
-              <a:rPr lang="en-US" dirty="0" smtClean="0"/>
+              <a:rPr lang="en-US" dirty="0"/>
               <a:t>‘soy_pts_agsat_1’ are also only in MT, total 21383</a:t>
             </a:r>
           </a:p>
@@ -4860,15 +4806,15 @@
               <a:buChar char="-"/>
             </a:pPr>
             <a:r>
-              <a:rPr lang="en-US" dirty="0" smtClean="0"/>
+              <a:rPr lang="en-US" dirty="0"/>
               <a:t>‘soy_pts_1’ have some in </a:t>
             </a:r>
             <a:r>
-              <a:rPr lang="en-US" dirty="0" err="1" smtClean="0"/>
+              <a:rPr lang="en-US" dirty="0" err="1"/>
               <a:t>Matopiba</a:t>
             </a:r>
             <a:r>
-              <a:rPr lang="en-US" dirty="0" smtClean="0"/>
+              <a:rPr lang="en-US" dirty="0"/>
               <a:t> and majority in MT, total 32520</a:t>
             </a:r>
           </a:p>
@@ -4878,7 +4824,7 @@
               <a:buChar char="-"/>
             </a:pPr>
             <a:r>
-              <a:rPr lang="en-US" dirty="0" smtClean="0"/>
+              <a:rPr lang="en-US" dirty="0"/>
               <a:t>Need more training points across Brazil </a:t>
             </a:r>
           </a:p>
@@ -4952,15 +4898,15 @@
             <a:lstStyle/>
             <a:p>
               <a:r>
-                <a:rPr lang="en-US" dirty="0" err="1" smtClean="0"/>
+                <a:rPr lang="en-US" dirty="0" err="1"/>
                 <a:t>Kastens</a:t>
               </a:r>
               <a:r>
-                <a:rPr lang="en-US" dirty="0" smtClean="0"/>
+                <a:rPr lang="en-US" dirty="0"/>
                 <a:t> training </a:t>
               </a:r>
               <a:r>
-                <a:rPr lang="en-US" dirty="0" err="1" smtClean="0"/>
+                <a:rPr lang="en-US" dirty="0" err="1"/>
                 <a:t>pts</a:t>
               </a:r>
               <a:endParaRPr lang="en-US" dirty="0"/>
@@ -5029,10 +4975,9 @@
             <a:lstStyle/>
             <a:p>
               <a:r>
-                <a:rPr lang="en-US" dirty="0" smtClean="0"/>
+                <a:rPr lang="en-US" dirty="0"/>
                 <a:t>Soy_pts_1</a:t>
               </a:r>
-              <a:endParaRPr lang="en-US" dirty="0"/>
             </a:p>
           </p:txBody>
         </p:sp>
@@ -5089,24 +5034,23 @@
           <a:lstStyle/>
           <a:p>
             <a:r>
-              <a:rPr lang="en-US" b="1" dirty="0" smtClean="0"/>
+              <a:rPr lang="en-US" b="1" dirty="0"/>
               <a:t>Jake’s original Soy Classification</a:t>
             </a:r>
           </a:p>
           <a:p>
             <a:r>
-              <a:rPr lang="en-US" dirty="0" smtClean="0"/>
+              <a:rPr lang="en-US" dirty="0"/>
               <a:t>GEE file: </a:t>
             </a:r>
             <a:r>
-              <a:rPr lang="en-US" dirty="0" err="1" smtClean="0"/>
+              <a:rPr lang="en-US" dirty="0" err="1"/>
               <a:t>LandCover</a:t>
             </a:r>
             <a:r>
-              <a:rPr lang="en-US" dirty="0" smtClean="0"/>
+              <a:rPr lang="en-US" dirty="0"/>
               <a:t>/Soy Classification Jake mb2_3</a:t>
             </a:r>
-            <a:endParaRPr lang="en-US" dirty="0" smtClean="0"/>
           </a:p>
         </p:txBody>
       </p:sp>
@@ -5133,7 +5077,7 @@
           <a:lstStyle/>
           <a:p>
             <a:r>
-              <a:rPr lang="en-US" dirty="0" smtClean="0"/>
+              <a:rPr lang="en-US" dirty="0"/>
               <a:t>Inputs to classifier</a:t>
             </a:r>
           </a:p>
@@ -5146,19 +5090,19 @@
               <a:buChar char="-"/>
             </a:pPr>
             <a:r>
-              <a:rPr lang="en-US" dirty="0" smtClean="0"/>
+              <a:rPr lang="en-US" dirty="0"/>
               <a:t>MODIS aqua 8 day composite, bands 1-5 and 7 between Aug 1 of </a:t>
             </a:r>
             <a:r>
-              <a:rPr lang="en-US" dirty="0" err="1" smtClean="0"/>
+              <a:rPr lang="en-US" dirty="0" err="1"/>
               <a:t>prev</a:t>
             </a:r>
             <a:r>
-              <a:rPr lang="en-US" dirty="0" smtClean="0"/>
+              <a:rPr lang="en-US" dirty="0"/>
               <a:t> year and Aug 1 of current (classified) year (</a:t>
             </a:r>
             <a:r>
-              <a:rPr lang="en-US" dirty="0" smtClean="0">
+              <a:rPr lang="en-US" dirty="0">
                 <a:solidFill>
                   <a:srgbClr val="FF0000"/>
                 </a:solidFill>
@@ -5166,7 +5110,7 @@
               <a:t>no extra cloud filtering</a:t>
             </a:r>
             <a:r>
-              <a:rPr lang="en-US" dirty="0" smtClean="0"/>
+              <a:rPr lang="en-US" dirty="0"/>
               <a:t>) (276 per year)</a:t>
             </a:r>
           </a:p>
@@ -5176,7 +5120,7 @@
               <a:buChar char="-"/>
             </a:pPr>
             <a:r>
-              <a:rPr lang="en-US" dirty="0" smtClean="0"/>
+              <a:rPr lang="en-US" dirty="0"/>
               <a:t>Landsat NDVI 32 day composite (only 10 per year)</a:t>
             </a:r>
           </a:p>
@@ -5186,15 +5130,15 @@
               <a:buChar char="-"/>
             </a:pPr>
             <a:r>
-              <a:rPr lang="en-US" dirty="0" smtClean="0"/>
+              <a:rPr lang="en-US" dirty="0"/>
               <a:t>SRTM (elevation, slope, aspect, </a:t>
             </a:r>
             <a:r>
-              <a:rPr lang="en-US" dirty="0" err="1" smtClean="0"/>
+              <a:rPr lang="en-US" dirty="0" err="1"/>
               <a:t>hillshade</a:t>
             </a:r>
             <a:r>
-              <a:rPr lang="en-US" dirty="0" smtClean="0"/>
+              <a:rPr lang="en-US" dirty="0"/>
               <a:t>)</a:t>
             </a:r>
           </a:p>
@@ -5204,19 +5148,19 @@
               <a:buChar char="-"/>
             </a:pPr>
             <a:r>
-              <a:rPr lang="en-US" dirty="0" smtClean="0"/>
+              <a:rPr lang="en-US" dirty="0"/>
               <a:t>‘infill’ all these bands with focal mean. Afterward, the </a:t>
             </a:r>
             <a:r>
-              <a:rPr lang="en-US" dirty="0" err="1" smtClean="0"/>
+              <a:rPr lang="en-US" dirty="0" err="1"/>
               <a:t>infilled</a:t>
             </a:r>
             <a:r>
-              <a:rPr lang="en-US" dirty="0" smtClean="0"/>
+              <a:rPr lang="en-US" dirty="0"/>
               <a:t> image has less ‘sharp’ gradients and a lower range of values. </a:t>
             </a:r>
             <a:r>
-              <a:rPr lang="en-US" dirty="0" smtClean="0">
+              <a:rPr lang="en-US" dirty="0">
                 <a:solidFill>
                   <a:srgbClr val="FF0000"/>
                 </a:solidFill>
@@ -5230,23 +5174,23 @@
               <a:buChar char="-"/>
             </a:pPr>
             <a:r>
-              <a:rPr lang="en-US" dirty="0" smtClean="0"/>
+              <a:rPr lang="en-US" dirty="0"/>
               <a:t>Reduce over the </a:t>
             </a:r>
             <a:r>
-              <a:rPr lang="en-US" dirty="0" err="1" smtClean="0"/>
+              <a:rPr lang="en-US" dirty="0" err="1"/>
               <a:t>infilled</a:t>
             </a:r>
             <a:r>
-              <a:rPr lang="en-US" dirty="0" smtClean="0"/>
+              <a:rPr lang="en-US" dirty="0"/>
               <a:t> classifier images at locations of the soy data points, use ‘</a:t>
             </a:r>
             <a:r>
-              <a:rPr lang="en-US" dirty="0" err="1" smtClean="0"/>
+              <a:rPr lang="en-US" dirty="0" err="1"/>
               <a:t>sample_infill</a:t>
             </a:r>
             <a:r>
-              <a:rPr lang="en-US" dirty="0" smtClean="0"/>
+              <a:rPr lang="en-US" dirty="0"/>
               <a:t>’ to fill in null values in sampled collection with feature means</a:t>
             </a:r>
           </a:p>
@@ -5256,7 +5200,7 @@
               <a:buChar char="-"/>
             </a:pPr>
             <a:r>
-              <a:rPr lang="en-US" dirty="0" smtClean="0"/>
+              <a:rPr lang="en-US" dirty="0"/>
               <a:t>Randomly choose 70% to train and 30% to test</a:t>
             </a:r>
           </a:p>
@@ -5285,14 +5229,13 @@
           <a:lstStyle/>
           <a:p>
             <a:r>
-              <a:rPr lang="en-US" dirty="0" smtClean="0"/>
+              <a:rPr lang="en-US" dirty="0"/>
               <a:t>Training and </a:t>
             </a:r>
             <a:r>
-              <a:rPr lang="en-US" smtClean="0"/>
+              <a:rPr lang="en-US"/>
               <a:t>testing classifier</a:t>
             </a:r>
-            <a:endParaRPr lang="en-US"/>
           </a:p>
         </p:txBody>
       </p:sp>

--- a/January 19 2019.pptx
+++ b/January 19 2019.pptx
@@ -110,7 +110,7 @@
   </p:defaultTextStyle>
   <p:extLst>
     <p:ext uri="{EFAFB233-063F-42B5-8137-9DF3F51BA10A}">
-      <p15:sldGuideLst xmlns:p15="http://schemas.microsoft.com/office/powerpoint/2012/main">
+      <p15:sldGuideLst xmlns:p15="http://schemas.microsoft.com/office/powerpoint/2012/main" xmlns="">
         <p15:guide id="1" orient="horz" pos="2160">
           <p15:clr>
             <a:srgbClr val="A4A3A4"/>
@@ -306,7 +306,7 @@
           <a:p>
             <a:fld id="{4ED42B7B-5B47-6B4D-9CEC-D1513411F071}" type="datetimeFigureOut">
               <a:rPr lang="en-US" smtClean="0"/>
-              <a:t>1/7/2019</a:t>
+              <a:t>1/6/19</a:t>
             </a:fld>
             <a:endParaRPr lang="en-US"/>
           </a:p>
@@ -474,7 +474,7 @@
           <a:p>
             <a:fld id="{4ED42B7B-5B47-6B4D-9CEC-D1513411F071}" type="datetimeFigureOut">
               <a:rPr lang="en-US" smtClean="0"/>
-              <a:t>1/7/2019</a:t>
+              <a:t>1/6/19</a:t>
             </a:fld>
             <a:endParaRPr lang="en-US"/>
           </a:p>
@@ -652,7 +652,7 @@
           <a:p>
             <a:fld id="{4ED42B7B-5B47-6B4D-9CEC-D1513411F071}" type="datetimeFigureOut">
               <a:rPr lang="en-US" smtClean="0"/>
-              <a:t>1/7/2019</a:t>
+              <a:t>1/6/19</a:t>
             </a:fld>
             <a:endParaRPr lang="en-US"/>
           </a:p>
@@ -820,7 +820,7 @@
           <a:p>
             <a:fld id="{4ED42B7B-5B47-6B4D-9CEC-D1513411F071}" type="datetimeFigureOut">
               <a:rPr lang="en-US" smtClean="0"/>
-              <a:t>1/7/2019</a:t>
+              <a:t>1/6/19</a:t>
             </a:fld>
             <a:endParaRPr lang="en-US"/>
           </a:p>
@@ -1065,7 +1065,7 @@
           <a:p>
             <a:fld id="{4ED42B7B-5B47-6B4D-9CEC-D1513411F071}" type="datetimeFigureOut">
               <a:rPr lang="en-US" smtClean="0"/>
-              <a:t>1/7/2019</a:t>
+              <a:t>1/6/19</a:t>
             </a:fld>
             <a:endParaRPr lang="en-US"/>
           </a:p>
@@ -1350,7 +1350,7 @@
           <a:p>
             <a:fld id="{4ED42B7B-5B47-6B4D-9CEC-D1513411F071}" type="datetimeFigureOut">
               <a:rPr lang="en-US" smtClean="0"/>
-              <a:t>1/7/2019</a:t>
+              <a:t>1/6/19</a:t>
             </a:fld>
             <a:endParaRPr lang="en-US"/>
           </a:p>
@@ -1769,7 +1769,7 @@
           <a:p>
             <a:fld id="{4ED42B7B-5B47-6B4D-9CEC-D1513411F071}" type="datetimeFigureOut">
               <a:rPr lang="en-US" smtClean="0"/>
-              <a:t>1/7/2019</a:t>
+              <a:t>1/6/19</a:t>
             </a:fld>
             <a:endParaRPr lang="en-US"/>
           </a:p>
@@ -1886,7 +1886,7 @@
           <a:p>
             <a:fld id="{4ED42B7B-5B47-6B4D-9CEC-D1513411F071}" type="datetimeFigureOut">
               <a:rPr lang="en-US" smtClean="0"/>
-              <a:t>1/7/2019</a:t>
+              <a:t>1/6/19</a:t>
             </a:fld>
             <a:endParaRPr lang="en-US"/>
           </a:p>
@@ -1981,7 +1981,7 @@
           <a:p>
             <a:fld id="{4ED42B7B-5B47-6B4D-9CEC-D1513411F071}" type="datetimeFigureOut">
               <a:rPr lang="en-US" smtClean="0"/>
-              <a:t>1/7/2019</a:t>
+              <a:t>1/6/19</a:t>
             </a:fld>
             <a:endParaRPr lang="en-US"/>
           </a:p>
@@ -2256,7 +2256,7 @@
           <a:p>
             <a:fld id="{4ED42B7B-5B47-6B4D-9CEC-D1513411F071}" type="datetimeFigureOut">
               <a:rPr lang="en-US" smtClean="0"/>
-              <a:t>1/7/2019</a:t>
+              <a:t>1/6/19</a:t>
             </a:fld>
             <a:endParaRPr lang="en-US"/>
           </a:p>
@@ -2508,7 +2508,7 @@
           <a:p>
             <a:fld id="{4ED42B7B-5B47-6B4D-9CEC-D1513411F071}" type="datetimeFigureOut">
               <a:rPr lang="en-US" smtClean="0"/>
-              <a:t>1/7/2019</a:t>
+              <a:t>1/6/19</a:t>
             </a:fld>
             <a:endParaRPr lang="en-US"/>
           </a:p>
@@ -2719,7 +2719,7 @@
           <a:p>
             <a:fld id="{4ED42B7B-5B47-6B4D-9CEC-D1513411F071}" type="datetimeFigureOut">
               <a:rPr lang="en-US" smtClean="0"/>
-              <a:t>1/7/2019</a:t>
+              <a:t>1/6/19</a:t>
             </a:fld>
             <a:endParaRPr lang="en-US"/>
           </a:p>
@@ -3118,13 +3118,8 @@
             </a:br>
             <a:r>
               <a:rPr lang="en-US" dirty="0"/>
-              <a:t>edit </a:t>
-            </a:r>
-            <a:r>
-              <a:rPr lang="en-US"/>
-              <a:t>in desktop</a:t>
-            </a:r>
-            <a:endParaRPr lang="en-US" dirty="0"/>
+              <a:t>edit in desktop</a:t>
+            </a:r>
           </a:p>
         </p:txBody>
       </p:sp>
@@ -3150,6 +3145,69 @@
           </a:p>
         </p:txBody>
       </p:sp>
+      <p:sp>
+        <p:nvSpPr>
+          <p:cNvPr id="4" name="TextBox 3"/>
+          <p:cNvSpPr txBox="1"/>
+          <p:nvPr/>
+        </p:nvSpPr>
+        <p:spPr>
+          <a:xfrm>
+            <a:off x="1955800" y="6045200"/>
+            <a:ext cx="2390536" cy="369332"/>
+          </a:xfrm>
+          <a:prstGeom prst="rect">
+            <a:avLst/>
+          </a:prstGeom>
+          <a:noFill/>
+        </p:spPr>
+        <p:txBody>
+          <a:bodyPr wrap="none" rtlCol="0">
+            <a:spAutoFit/>
+          </a:bodyPr>
+          <a:lstStyle/>
+          <a:p>
+            <a:r>
+              <a:rPr lang="en-US" dirty="0" smtClean="0"/>
+              <a:t>New arrow from laptop</a:t>
+            </a:r>
+            <a:endParaRPr lang="en-US" dirty="0"/>
+          </a:p>
+        </p:txBody>
+      </p:sp>
+      <p:cxnSp>
+        <p:nvCxnSpPr>
+          <p:cNvPr id="6" name="Straight Arrow Connector 5"/>
+          <p:cNvCxnSpPr/>
+          <p:nvPr/>
+        </p:nvCxnSpPr>
+        <p:spPr>
+          <a:xfrm>
+            <a:off x="431800" y="4902200"/>
+            <a:ext cx="457200" cy="0"/>
+          </a:xfrm>
+          <a:prstGeom prst="straightConnector1">
+            <a:avLst/>
+          </a:prstGeom>
+          <a:ln>
+            <a:tailEnd type="arrow"/>
+          </a:ln>
+        </p:spPr>
+        <p:style>
+          <a:lnRef idx="2">
+            <a:schemeClr val="accent1"/>
+          </a:lnRef>
+          <a:fillRef idx="0">
+            <a:schemeClr val="accent1"/>
+          </a:fillRef>
+          <a:effectRef idx="1">
+            <a:schemeClr val="accent1"/>
+          </a:effectRef>
+          <a:fontRef idx="minor">
+            <a:schemeClr val="tx1"/>
+          </a:fontRef>
+        </p:style>
+      </p:cxnSp>
     </p:spTree>
     <p:extLst>
       <p:ext uri="{BB962C8B-B14F-4D97-AF65-F5344CB8AC3E}">

--- a/January 19 2019.pptx
+++ b/January 19 2019.pptx
@@ -110,7 +110,7 @@
   </p:defaultTextStyle>
   <p:extLst>
     <p:ext uri="{EFAFB233-063F-42B5-8137-9DF3F51BA10A}">
-      <p15:sldGuideLst xmlns:p15="http://schemas.microsoft.com/office/powerpoint/2012/main" xmlns="">
+      <p15:sldGuideLst xmlns="" xmlns:p15="http://schemas.microsoft.com/office/powerpoint/2012/main">
         <p15:guide id="1" orient="horz" pos="2160">
           <p15:clr>
             <a:srgbClr val="A4A3A4"/>
@@ -3145,69 +3145,6 @@
           </a:p>
         </p:txBody>
       </p:sp>
-      <p:sp>
-        <p:nvSpPr>
-          <p:cNvPr id="4" name="TextBox 3"/>
-          <p:cNvSpPr txBox="1"/>
-          <p:nvPr/>
-        </p:nvSpPr>
-        <p:spPr>
-          <a:xfrm>
-            <a:off x="1955800" y="6045200"/>
-            <a:ext cx="2390536" cy="369332"/>
-          </a:xfrm>
-          <a:prstGeom prst="rect">
-            <a:avLst/>
-          </a:prstGeom>
-          <a:noFill/>
-        </p:spPr>
-        <p:txBody>
-          <a:bodyPr wrap="none" rtlCol="0">
-            <a:spAutoFit/>
-          </a:bodyPr>
-          <a:lstStyle/>
-          <a:p>
-            <a:r>
-              <a:rPr lang="en-US" dirty="0" smtClean="0"/>
-              <a:t>New arrow from laptop</a:t>
-            </a:r>
-            <a:endParaRPr lang="en-US" dirty="0"/>
-          </a:p>
-        </p:txBody>
-      </p:sp>
-      <p:cxnSp>
-        <p:nvCxnSpPr>
-          <p:cNvPr id="6" name="Straight Arrow Connector 5"/>
-          <p:cNvCxnSpPr/>
-          <p:nvPr/>
-        </p:nvCxnSpPr>
-        <p:spPr>
-          <a:xfrm>
-            <a:off x="431800" y="4902200"/>
-            <a:ext cx="457200" cy="0"/>
-          </a:xfrm>
-          <a:prstGeom prst="straightConnector1">
-            <a:avLst/>
-          </a:prstGeom>
-          <a:ln>
-            <a:tailEnd type="arrow"/>
-          </a:ln>
-        </p:spPr>
-        <p:style>
-          <a:lnRef idx="2">
-            <a:schemeClr val="accent1"/>
-          </a:lnRef>
-          <a:fillRef idx="0">
-            <a:schemeClr val="accent1"/>
-          </a:fillRef>
-          <a:effectRef idx="1">
-            <a:schemeClr val="accent1"/>
-          </a:effectRef>
-          <a:fontRef idx="minor">
-            <a:schemeClr val="tx1"/>
-          </a:fontRef>
-        </p:style>
-      </p:cxnSp>
     </p:spTree>
     <p:extLst>
       <p:ext uri="{BB962C8B-B14F-4D97-AF65-F5344CB8AC3E}">

--- a/January 19 2019.pptx
+++ b/January 19 2019.pptx
@@ -10,6 +10,8 @@
     <p:sldId id="259" r:id="rId4"/>
     <p:sldId id="257" r:id="rId5"/>
     <p:sldId id="260" r:id="rId6"/>
+    <p:sldId id="261" r:id="rId7"/>
+    <p:sldId id="262" r:id="rId8"/>
   </p:sldIdLst>
   <p:sldSz cx="9144000" cy="6858000" type="screen4x3"/>
   <p:notesSz cx="6858000" cy="9144000"/>
@@ -110,7 +112,7 @@
   </p:defaultTextStyle>
   <p:extLst>
     <p:ext uri="{EFAFB233-063F-42B5-8137-9DF3F51BA10A}">
-      <p15:sldGuideLst xmlns="" xmlns:p15="http://schemas.microsoft.com/office/powerpoint/2012/main">
+      <p15:sldGuideLst xmlns:p15="http://schemas.microsoft.com/office/powerpoint/2012/main">
         <p15:guide id="1" orient="horz" pos="2160">
           <p15:clr>
             <a:srgbClr val="A4A3A4"/>
@@ -306,7 +308,7 @@
           <a:p>
             <a:fld id="{4ED42B7B-5B47-6B4D-9CEC-D1513411F071}" type="datetimeFigureOut">
               <a:rPr lang="en-US" smtClean="0"/>
-              <a:t>1/6/19</a:t>
+              <a:t>1/8/2019</a:t>
             </a:fld>
             <a:endParaRPr lang="en-US"/>
           </a:p>
@@ -474,7 +476,7 @@
           <a:p>
             <a:fld id="{4ED42B7B-5B47-6B4D-9CEC-D1513411F071}" type="datetimeFigureOut">
               <a:rPr lang="en-US" smtClean="0"/>
-              <a:t>1/6/19</a:t>
+              <a:t>1/8/2019</a:t>
             </a:fld>
             <a:endParaRPr lang="en-US"/>
           </a:p>
@@ -652,7 +654,7 @@
           <a:p>
             <a:fld id="{4ED42B7B-5B47-6B4D-9CEC-D1513411F071}" type="datetimeFigureOut">
               <a:rPr lang="en-US" smtClean="0"/>
-              <a:t>1/6/19</a:t>
+              <a:t>1/8/2019</a:t>
             </a:fld>
             <a:endParaRPr lang="en-US"/>
           </a:p>
@@ -820,7 +822,7 @@
           <a:p>
             <a:fld id="{4ED42B7B-5B47-6B4D-9CEC-D1513411F071}" type="datetimeFigureOut">
               <a:rPr lang="en-US" smtClean="0"/>
-              <a:t>1/6/19</a:t>
+              <a:t>1/8/2019</a:t>
             </a:fld>
             <a:endParaRPr lang="en-US"/>
           </a:p>
@@ -1065,7 +1067,7 @@
           <a:p>
             <a:fld id="{4ED42B7B-5B47-6B4D-9CEC-D1513411F071}" type="datetimeFigureOut">
               <a:rPr lang="en-US" smtClean="0"/>
-              <a:t>1/6/19</a:t>
+              <a:t>1/8/2019</a:t>
             </a:fld>
             <a:endParaRPr lang="en-US"/>
           </a:p>
@@ -1350,7 +1352,7 @@
           <a:p>
             <a:fld id="{4ED42B7B-5B47-6B4D-9CEC-D1513411F071}" type="datetimeFigureOut">
               <a:rPr lang="en-US" smtClean="0"/>
-              <a:t>1/6/19</a:t>
+              <a:t>1/8/2019</a:t>
             </a:fld>
             <a:endParaRPr lang="en-US"/>
           </a:p>
@@ -1769,7 +1771,7 @@
           <a:p>
             <a:fld id="{4ED42B7B-5B47-6B4D-9CEC-D1513411F071}" type="datetimeFigureOut">
               <a:rPr lang="en-US" smtClean="0"/>
-              <a:t>1/6/19</a:t>
+              <a:t>1/8/2019</a:t>
             </a:fld>
             <a:endParaRPr lang="en-US"/>
           </a:p>
@@ -1886,7 +1888,7 @@
           <a:p>
             <a:fld id="{4ED42B7B-5B47-6B4D-9CEC-D1513411F071}" type="datetimeFigureOut">
               <a:rPr lang="en-US" smtClean="0"/>
-              <a:t>1/6/19</a:t>
+              <a:t>1/8/2019</a:t>
             </a:fld>
             <a:endParaRPr lang="en-US"/>
           </a:p>
@@ -1981,7 +1983,7 @@
           <a:p>
             <a:fld id="{4ED42B7B-5B47-6B4D-9CEC-D1513411F071}" type="datetimeFigureOut">
               <a:rPr lang="en-US" smtClean="0"/>
-              <a:t>1/6/19</a:t>
+              <a:t>1/8/2019</a:t>
             </a:fld>
             <a:endParaRPr lang="en-US"/>
           </a:p>
@@ -2256,7 +2258,7 @@
           <a:p>
             <a:fld id="{4ED42B7B-5B47-6B4D-9CEC-D1513411F071}" type="datetimeFigureOut">
               <a:rPr lang="en-US" smtClean="0"/>
-              <a:t>1/6/19</a:t>
+              <a:t>1/8/2019</a:t>
             </a:fld>
             <a:endParaRPr lang="en-US"/>
           </a:p>
@@ -2508,7 +2510,7 @@
           <a:p>
             <a:fld id="{4ED42B7B-5B47-6B4D-9CEC-D1513411F071}" type="datetimeFigureOut">
               <a:rPr lang="en-US" smtClean="0"/>
-              <a:t>1/6/19</a:t>
+              <a:t>1/8/2019</a:t>
             </a:fld>
             <a:endParaRPr lang="en-US"/>
           </a:p>
@@ -2719,7 +2721,7 @@
           <a:p>
             <a:fld id="{4ED42B7B-5B47-6B4D-9CEC-D1513411F071}" type="datetimeFigureOut">
               <a:rPr lang="en-US" smtClean="0"/>
-              <a:t>1/6/19</a:t>
+              <a:t>1/8/2019</a:t>
             </a:fld>
             <a:endParaRPr lang="en-US"/>
           </a:p>
@@ -3330,7 +3332,7 @@
         </p:nvSpPr>
         <p:spPr>
           <a:xfrm>
-            <a:off x="3610009" y="2046954"/>
+            <a:off x="3619607" y="2016175"/>
             <a:ext cx="695222" cy="307777"/>
           </a:xfrm>
           <a:prstGeom prst="rect">
@@ -3981,8 +3983,8 @@
         </p:nvCxnSpPr>
         <p:spPr>
           <a:xfrm>
-            <a:off x="3957620" y="2354731"/>
-            <a:ext cx="767441" cy="308192"/>
+            <a:off x="3967218" y="2323952"/>
+            <a:ext cx="757843" cy="338971"/>
           </a:xfrm>
           <a:prstGeom prst="straightConnector1">
             <a:avLst/>
@@ -4666,7 +4668,7 @@
             </a:r>
             <a:r>
               <a:rPr lang="en-US" sz="1600" dirty="0"/>
-              <a:t> thank Jake’s map does? (i.e. do estimates seem more reasonable? Do the small and irregularly shaped patches of natural veg seen in Planet Labs show up in </a:t>
+              <a:t> than Jake’s map does? (i.e. do estimates seem more reasonable? Do the small and irregularly shaped patches of natural veg seen in Planet Labs show up in </a:t>
             </a:r>
             <a:r>
               <a:rPr lang="en-US" sz="1600" dirty="0" err="1"/>
@@ -4718,7 +4720,7 @@
         <p:spPr>
           <a:xfrm>
             <a:off x="86982" y="191346"/>
-            <a:ext cx="8174033" cy="2585323"/>
+            <a:ext cx="8132483" cy="2862322"/>
           </a:xfrm>
           <a:prstGeom prst="rect">
             <a:avLst/>
@@ -4821,6 +4823,36 @@
             <a:r>
               <a:rPr lang="en-US" dirty="0"/>
               <a:t>Need more training points across Brazil </a:t>
+            </a:r>
+          </a:p>
+          <a:p>
+            <a:pPr marL="285750" indent="-285750">
+              <a:buFontTx/>
+              <a:buChar char="-"/>
+            </a:pPr>
+            <a:r>
+              <a:rPr lang="en-US" dirty="0">
+                <a:solidFill>
+                  <a:srgbClr val="FF0000"/>
+                </a:solidFill>
+              </a:rPr>
+              <a:t>How many training points are in </a:t>
+            </a:r>
+            <a:r>
+              <a:rPr lang="en-US" dirty="0" err="1">
+                <a:solidFill>
+                  <a:srgbClr val="FF0000"/>
+                </a:solidFill>
+              </a:rPr>
+              <a:t>Matopiba</a:t>
+            </a:r>
+            <a:r>
+              <a:rPr lang="en-US" dirty="0">
+                <a:solidFill>
+                  <a:srgbClr val="FF0000"/>
+                </a:solidFill>
+              </a:rPr>
+              <a:t>?</a:t>
             </a:r>
           </a:p>
           <a:p>
@@ -5057,8 +5089,8 @@
         </p:nvSpPr>
         <p:spPr>
           <a:xfrm>
-            <a:off x="143764" y="1078114"/>
-            <a:ext cx="9000236" cy="3416320"/>
+            <a:off x="71882" y="956386"/>
+            <a:ext cx="9000236" cy="3693319"/>
           </a:xfrm>
           <a:prstGeom prst="rect">
             <a:avLst/>
@@ -5116,7 +5148,7 @@
             </a:pPr>
             <a:r>
               <a:rPr lang="en-US" dirty="0"/>
-              <a:t>Landsat NDVI 32 day composite (only 10 per year)</a:t>
+              <a:t>Landsat NDVI 32 day composite (only 10 per year) – note that the original Landsat resolution is still kept in the final classifier image</a:t>
             </a:r>
           </a:p>
           <a:p>
@@ -5209,8 +5241,8 @@
         </p:nvSpPr>
         <p:spPr>
           <a:xfrm>
-            <a:off x="47921" y="4887448"/>
-            <a:ext cx="2908218" cy="369332"/>
+            <a:off x="1" y="4867394"/>
+            <a:ext cx="9000236" cy="1754326"/>
           </a:xfrm>
           <a:prstGeom prst="rect">
             <a:avLst/>
@@ -5218,18 +5250,55 @@
           <a:noFill/>
         </p:spPr>
         <p:txBody>
-          <a:bodyPr wrap="none" rtlCol="0">
+          <a:bodyPr wrap="square" rtlCol="0">
             <a:spAutoFit/>
           </a:bodyPr>
           <a:lstStyle/>
           <a:p>
             <a:r>
               <a:rPr lang="en-US" dirty="0"/>
-              <a:t>Training and </a:t>
-            </a:r>
-            <a:r>
-              <a:rPr lang="en-US"/>
-              <a:t>testing classifier</a:t>
+              <a:t>Training and testing classifier</a:t>
+            </a:r>
+          </a:p>
+          <a:p>
+            <a:endParaRPr lang="en-US" dirty="0"/>
+          </a:p>
+          <a:p>
+            <a:pPr marL="285750" indent="-285750">
+              <a:buFontTx/>
+              <a:buChar char="-"/>
+            </a:pPr>
+            <a:r>
+              <a:rPr lang="en-US" dirty="0"/>
+              <a:t>Train the classifier on the infilled image</a:t>
+            </a:r>
+          </a:p>
+          <a:p>
+            <a:pPr marL="285750" indent="-285750">
+              <a:buFontTx/>
+              <a:buChar char="-"/>
+            </a:pPr>
+            <a:r>
+              <a:rPr lang="en-US" dirty="0"/>
+              <a:t>Calculate accuracy of the classifier</a:t>
+            </a:r>
+          </a:p>
+          <a:p>
+            <a:pPr marL="285750" indent="-285750">
+              <a:buFontTx/>
+              <a:buChar char="-"/>
+            </a:pPr>
+            <a:r>
+              <a:rPr lang="en-US" dirty="0"/>
+              <a:t>Take pre-infilled image, mask with </a:t>
+            </a:r>
+            <a:r>
+              <a:rPr lang="en-US" dirty="0" err="1"/>
+              <a:t>mapbiomas</a:t>
+            </a:r>
+            <a:r>
+              <a:rPr lang="en-US" dirty="0"/>
+              <a:t> 2.3, and apply classifier to it to get the final classified image</a:t>
             </a:r>
           </a:p>
         </p:txBody>
@@ -5238,6 +5307,1523 @@
     <p:extLst>
       <p:ext uri="{BB962C8B-B14F-4D97-AF65-F5344CB8AC3E}">
         <p14:creationId xmlns:p14="http://schemas.microsoft.com/office/powerpoint/2010/main" val="3853894481"/>
+      </p:ext>
+    </p:extLst>
+  </p:cSld>
+  <p:clrMapOvr>
+    <a:masterClrMapping/>
+  </p:clrMapOvr>
+</p:sld>
+</file>
+
+<file path=ppt/slides/slide6.xml><?xml version="1.0" encoding="utf-8"?>
+<p:sld xmlns:a="http://schemas.openxmlformats.org/drawingml/2006/main" xmlns:r="http://schemas.openxmlformats.org/officeDocument/2006/relationships" xmlns:p="http://schemas.openxmlformats.org/presentationml/2006/main">
+  <p:cSld>
+    <p:spTree>
+      <p:nvGrpSpPr>
+        <p:cNvPr id="1" name=""/>
+        <p:cNvGrpSpPr/>
+        <p:nvPr/>
+      </p:nvGrpSpPr>
+      <p:grpSpPr>
+        <a:xfrm>
+          <a:off x="0" y="0"/>
+          <a:ext cx="0" cy="0"/>
+          <a:chOff x="0" y="0"/>
+          <a:chExt cx="0" cy="0"/>
+        </a:xfrm>
+      </p:grpSpPr>
+      <p:sp>
+        <p:nvSpPr>
+          <p:cNvPr id="2" name="Rectangle 1">
+            <a:extLst>
+              <a:ext uri="{FF2B5EF4-FFF2-40B4-BE49-F238E27FC236}">
+                <a16:creationId xmlns:a16="http://schemas.microsoft.com/office/drawing/2014/main" id="{3D073C0E-0B63-4498-88EE-830A1C99F3A8}"/>
+              </a:ext>
+            </a:extLst>
+          </p:cNvPr>
+          <p:cNvSpPr/>
+          <p:nvPr/>
+        </p:nvSpPr>
+        <p:spPr>
+          <a:xfrm>
+            <a:off x="0" y="92366"/>
+            <a:ext cx="5510960" cy="646331"/>
+          </a:xfrm>
+          <a:prstGeom prst="rect">
+            <a:avLst/>
+          </a:prstGeom>
+        </p:spPr>
+        <p:txBody>
+          <a:bodyPr wrap="square">
+            <a:spAutoFit/>
+          </a:bodyPr>
+          <a:lstStyle/>
+          <a:p>
+            <a:r>
+              <a:rPr lang="en-US" b="1" dirty="0"/>
+              <a:t>Jake’s original Soy Classification</a:t>
+            </a:r>
+          </a:p>
+          <a:p>
+            <a:r>
+              <a:rPr lang="en-US" dirty="0"/>
+              <a:t>GEE file: </a:t>
+            </a:r>
+            <a:r>
+              <a:rPr lang="en-US" dirty="0" err="1"/>
+              <a:t>LandCover</a:t>
+            </a:r>
+            <a:r>
+              <a:rPr lang="en-US" dirty="0"/>
+              <a:t>/Soy Classification Jake mb2_3</a:t>
+            </a:r>
+          </a:p>
+        </p:txBody>
+      </p:sp>
+      <p:sp>
+        <p:nvSpPr>
+          <p:cNvPr id="4" name="TextBox 3">
+            <a:extLst>
+              <a:ext uri="{FF2B5EF4-FFF2-40B4-BE49-F238E27FC236}">
+                <a16:creationId xmlns:a16="http://schemas.microsoft.com/office/drawing/2014/main" id="{53BA5805-4815-4DFB-A3B0-9EE75139349D}"/>
+              </a:ext>
+            </a:extLst>
+          </p:cNvPr>
+          <p:cNvSpPr txBox="1"/>
+          <p:nvPr/>
+        </p:nvSpPr>
+        <p:spPr>
+          <a:xfrm>
+            <a:off x="347241" y="892586"/>
+            <a:ext cx="1248932" cy="738664"/>
+          </a:xfrm>
+          <a:prstGeom prst="rect">
+            <a:avLst/>
+          </a:prstGeom>
+          <a:noFill/>
+          <a:ln>
+            <a:solidFill>
+              <a:schemeClr val="tx1"/>
+            </a:solidFill>
+          </a:ln>
+        </p:spPr>
+        <p:txBody>
+          <a:bodyPr wrap="none" rtlCol="0">
+            <a:spAutoFit/>
+          </a:bodyPr>
+          <a:lstStyle/>
+          <a:p>
+            <a:r>
+              <a:rPr lang="en-US" sz="1400" dirty="0"/>
+              <a:t>MODIS aqua </a:t>
+            </a:r>
+          </a:p>
+          <a:p>
+            <a:r>
+              <a:rPr lang="en-US" sz="1400" dirty="0"/>
+              <a:t>8-day, B1-5, 7</a:t>
+            </a:r>
+          </a:p>
+          <a:p>
+            <a:r>
+              <a:rPr lang="en-US" sz="1400" dirty="0"/>
+              <a:t>Aug 1 to Aug 1</a:t>
+            </a:r>
+          </a:p>
+        </p:txBody>
+      </p:sp>
+      <p:sp>
+        <p:nvSpPr>
+          <p:cNvPr id="5" name="TextBox 4">
+            <a:extLst>
+              <a:ext uri="{FF2B5EF4-FFF2-40B4-BE49-F238E27FC236}">
+                <a16:creationId xmlns:a16="http://schemas.microsoft.com/office/drawing/2014/main" id="{D13A418A-6A09-4063-ABF2-79DAC7E9BD86}"/>
+              </a:ext>
+            </a:extLst>
+          </p:cNvPr>
+          <p:cNvSpPr txBox="1"/>
+          <p:nvPr/>
+        </p:nvSpPr>
+        <p:spPr>
+          <a:xfrm>
+            <a:off x="2421039" y="892586"/>
+            <a:ext cx="1803442" cy="523220"/>
+          </a:xfrm>
+          <a:prstGeom prst="rect">
+            <a:avLst/>
+          </a:prstGeom>
+          <a:noFill/>
+          <a:ln>
+            <a:solidFill>
+              <a:schemeClr val="tx1"/>
+            </a:solidFill>
+          </a:ln>
+        </p:spPr>
+        <p:txBody>
+          <a:bodyPr wrap="none" rtlCol="0">
+            <a:spAutoFit/>
+          </a:bodyPr>
+          <a:lstStyle/>
+          <a:p>
+            <a:r>
+              <a:rPr lang="en-US" sz="1400" dirty="0"/>
+              <a:t>Landsat NDVI</a:t>
+            </a:r>
+          </a:p>
+          <a:p>
+            <a:r>
+              <a:rPr lang="en-US" sz="1400" dirty="0"/>
+              <a:t>32 day, Aug 1 to Aug 1</a:t>
+            </a:r>
+          </a:p>
+        </p:txBody>
+      </p:sp>
+      <p:sp>
+        <p:nvSpPr>
+          <p:cNvPr id="6" name="TextBox 5">
+            <a:extLst>
+              <a:ext uri="{FF2B5EF4-FFF2-40B4-BE49-F238E27FC236}">
+                <a16:creationId xmlns:a16="http://schemas.microsoft.com/office/drawing/2014/main" id="{C7628308-E941-4CEB-8E88-E4C24F850CE4}"/>
+              </a:ext>
+            </a:extLst>
+          </p:cNvPr>
+          <p:cNvSpPr txBox="1"/>
+          <p:nvPr/>
+        </p:nvSpPr>
+        <p:spPr>
+          <a:xfrm>
+            <a:off x="5510960" y="892585"/>
+            <a:ext cx="1746367" cy="523220"/>
+          </a:xfrm>
+          <a:prstGeom prst="rect">
+            <a:avLst/>
+          </a:prstGeom>
+          <a:noFill/>
+          <a:ln>
+            <a:solidFill>
+              <a:schemeClr val="tx1"/>
+            </a:solidFill>
+          </a:ln>
+        </p:spPr>
+        <p:txBody>
+          <a:bodyPr wrap="square" rtlCol="0">
+            <a:spAutoFit/>
+          </a:bodyPr>
+          <a:lstStyle/>
+          <a:p>
+            <a:r>
+              <a:rPr lang="en-US" sz="1400" dirty="0" err="1"/>
+              <a:t>Elev</a:t>
+            </a:r>
+            <a:r>
+              <a:rPr lang="en-US" sz="1400" dirty="0"/>
+              <a:t>, slope, aspect, </a:t>
+            </a:r>
+            <a:r>
+              <a:rPr lang="en-US" sz="1400" dirty="0" err="1"/>
+              <a:t>hillshade</a:t>
+            </a:r>
+            <a:endParaRPr lang="en-US" sz="1400" dirty="0"/>
+          </a:p>
+        </p:txBody>
+      </p:sp>
+      <p:sp>
+        <p:nvSpPr>
+          <p:cNvPr id="7" name="TextBox 6">
+            <a:extLst>
+              <a:ext uri="{FF2B5EF4-FFF2-40B4-BE49-F238E27FC236}">
+                <a16:creationId xmlns:a16="http://schemas.microsoft.com/office/drawing/2014/main" id="{E329F720-DE85-457F-BB52-FEE3D2C3E222}"/>
+              </a:ext>
+            </a:extLst>
+          </p:cNvPr>
+          <p:cNvSpPr txBox="1"/>
+          <p:nvPr/>
+        </p:nvSpPr>
+        <p:spPr>
+          <a:xfrm>
+            <a:off x="6176858" y="2021744"/>
+            <a:ext cx="763742" cy="307777"/>
+          </a:xfrm>
+          <a:prstGeom prst="rect">
+            <a:avLst/>
+          </a:prstGeom>
+          <a:noFill/>
+          <a:ln>
+            <a:solidFill>
+              <a:schemeClr val="tx1"/>
+            </a:solidFill>
+          </a:ln>
+        </p:spPr>
+        <p:txBody>
+          <a:bodyPr wrap="square" rtlCol="0">
+            <a:spAutoFit/>
+          </a:bodyPr>
+          <a:lstStyle/>
+          <a:p>
+            <a:r>
+              <a:rPr lang="en-US" sz="1400" dirty="0" err="1"/>
+              <a:t>ft_img</a:t>
+            </a:r>
+            <a:endParaRPr lang="en-US" sz="1400" dirty="0"/>
+          </a:p>
+        </p:txBody>
+      </p:sp>
+      <p:sp>
+        <p:nvSpPr>
+          <p:cNvPr id="8" name="TextBox 7">
+            <a:extLst>
+              <a:ext uri="{FF2B5EF4-FFF2-40B4-BE49-F238E27FC236}">
+                <a16:creationId xmlns:a16="http://schemas.microsoft.com/office/drawing/2014/main" id="{F82FC533-76D8-4E5C-AD48-3BD1EBBE75EA}"/>
+              </a:ext>
+            </a:extLst>
+          </p:cNvPr>
+          <p:cNvSpPr txBox="1"/>
+          <p:nvPr/>
+        </p:nvSpPr>
+        <p:spPr>
+          <a:xfrm>
+            <a:off x="1830077" y="2029598"/>
+            <a:ext cx="1041535" cy="307777"/>
+          </a:xfrm>
+          <a:prstGeom prst="rect">
+            <a:avLst/>
+          </a:prstGeom>
+          <a:noFill/>
+          <a:ln>
+            <a:solidFill>
+              <a:schemeClr val="tx1"/>
+            </a:solidFill>
+          </a:ln>
+        </p:spPr>
+        <p:txBody>
+          <a:bodyPr wrap="square" rtlCol="0">
+            <a:spAutoFit/>
+          </a:bodyPr>
+          <a:lstStyle/>
+          <a:p>
+            <a:r>
+              <a:rPr lang="en-US" sz="1400" dirty="0" err="1"/>
+              <a:t>class_img</a:t>
+            </a:r>
+            <a:endParaRPr lang="en-US" sz="1400" dirty="0"/>
+          </a:p>
+        </p:txBody>
+      </p:sp>
+      <p:cxnSp>
+        <p:nvCxnSpPr>
+          <p:cNvPr id="10" name="Straight Arrow Connector 9">
+            <a:extLst>
+              <a:ext uri="{FF2B5EF4-FFF2-40B4-BE49-F238E27FC236}">
+                <a16:creationId xmlns:a16="http://schemas.microsoft.com/office/drawing/2014/main" id="{797C1FAD-F13C-4F29-A2BC-0542E1D5178A}"/>
+              </a:ext>
+            </a:extLst>
+          </p:cNvPr>
+          <p:cNvCxnSpPr>
+            <a:stCxn id="5" idx="2"/>
+            <a:endCxn id="8" idx="0"/>
+          </p:cNvCxnSpPr>
+          <p:nvPr/>
+        </p:nvCxnSpPr>
+        <p:spPr>
+          <a:xfrm flipH="1">
+            <a:off x="2350845" y="1415806"/>
+            <a:ext cx="971915" cy="613792"/>
+          </a:xfrm>
+          <a:prstGeom prst="straightConnector1">
+            <a:avLst/>
+          </a:prstGeom>
+          <a:ln>
+            <a:solidFill>
+              <a:schemeClr val="tx1"/>
+            </a:solidFill>
+            <a:tailEnd type="triangle"/>
+          </a:ln>
+          <a:effectLst/>
+        </p:spPr>
+        <p:style>
+          <a:lnRef idx="2">
+            <a:schemeClr val="accent1"/>
+          </a:lnRef>
+          <a:fillRef idx="0">
+            <a:schemeClr val="accent1"/>
+          </a:fillRef>
+          <a:effectRef idx="1">
+            <a:schemeClr val="accent1"/>
+          </a:effectRef>
+          <a:fontRef idx="minor">
+            <a:schemeClr val="tx1"/>
+          </a:fontRef>
+        </p:style>
+      </p:cxnSp>
+      <p:cxnSp>
+        <p:nvCxnSpPr>
+          <p:cNvPr id="11" name="Straight Arrow Connector 10">
+            <a:extLst>
+              <a:ext uri="{FF2B5EF4-FFF2-40B4-BE49-F238E27FC236}">
+                <a16:creationId xmlns:a16="http://schemas.microsoft.com/office/drawing/2014/main" id="{62EE8C58-1D1B-4AE7-BF3D-A0F0D56DB49D}"/>
+              </a:ext>
+            </a:extLst>
+          </p:cNvPr>
+          <p:cNvCxnSpPr>
+            <a:cxnSpLocks/>
+            <a:endCxn id="8" idx="0"/>
+          </p:cNvCxnSpPr>
+          <p:nvPr/>
+        </p:nvCxnSpPr>
+        <p:spPr>
+          <a:xfrm flipH="1">
+            <a:off x="2350845" y="1415805"/>
+            <a:ext cx="4223540" cy="613793"/>
+          </a:xfrm>
+          <a:prstGeom prst="straightConnector1">
+            <a:avLst/>
+          </a:prstGeom>
+          <a:ln>
+            <a:solidFill>
+              <a:schemeClr val="tx1"/>
+            </a:solidFill>
+            <a:tailEnd type="triangle"/>
+          </a:ln>
+          <a:effectLst/>
+        </p:spPr>
+        <p:style>
+          <a:lnRef idx="2">
+            <a:schemeClr val="accent1"/>
+          </a:lnRef>
+          <a:fillRef idx="0">
+            <a:schemeClr val="accent1"/>
+          </a:fillRef>
+          <a:effectRef idx="1">
+            <a:schemeClr val="accent1"/>
+          </a:effectRef>
+          <a:fontRef idx="minor">
+            <a:schemeClr val="tx1"/>
+          </a:fontRef>
+        </p:style>
+      </p:cxnSp>
+      <p:cxnSp>
+        <p:nvCxnSpPr>
+          <p:cNvPr id="14" name="Straight Arrow Connector 13">
+            <a:extLst>
+              <a:ext uri="{FF2B5EF4-FFF2-40B4-BE49-F238E27FC236}">
+                <a16:creationId xmlns:a16="http://schemas.microsoft.com/office/drawing/2014/main" id="{813F02CA-CF9E-4907-A047-A1D22957D875}"/>
+              </a:ext>
+            </a:extLst>
+          </p:cNvPr>
+          <p:cNvCxnSpPr>
+            <a:cxnSpLocks/>
+            <a:stCxn id="4" idx="2"/>
+            <a:endCxn id="8" idx="0"/>
+          </p:cNvCxnSpPr>
+          <p:nvPr/>
+        </p:nvCxnSpPr>
+        <p:spPr>
+          <a:xfrm>
+            <a:off x="971707" y="1631250"/>
+            <a:ext cx="1379138" cy="398348"/>
+          </a:xfrm>
+          <a:prstGeom prst="straightConnector1">
+            <a:avLst/>
+          </a:prstGeom>
+          <a:ln>
+            <a:solidFill>
+              <a:schemeClr val="tx1"/>
+            </a:solidFill>
+            <a:tailEnd type="triangle"/>
+          </a:ln>
+          <a:effectLst/>
+        </p:spPr>
+        <p:style>
+          <a:lnRef idx="2">
+            <a:schemeClr val="accent1"/>
+          </a:lnRef>
+          <a:fillRef idx="0">
+            <a:schemeClr val="accent1"/>
+          </a:fillRef>
+          <a:effectRef idx="1">
+            <a:schemeClr val="accent1"/>
+          </a:effectRef>
+          <a:fontRef idx="minor">
+            <a:schemeClr val="tx1"/>
+          </a:fontRef>
+        </p:style>
+      </p:cxnSp>
+      <p:sp>
+        <p:nvSpPr>
+          <p:cNvPr id="17" name="TextBox 16">
+            <a:extLst>
+              <a:ext uri="{FF2B5EF4-FFF2-40B4-BE49-F238E27FC236}">
+                <a16:creationId xmlns:a16="http://schemas.microsoft.com/office/drawing/2014/main" id="{27C640BE-71FC-4084-9E14-C99A65BE39D2}"/>
+              </a:ext>
+            </a:extLst>
+          </p:cNvPr>
+          <p:cNvSpPr txBox="1"/>
+          <p:nvPr/>
+        </p:nvSpPr>
+        <p:spPr>
+          <a:xfrm>
+            <a:off x="4142364" y="2125875"/>
+            <a:ext cx="763742" cy="307777"/>
+          </a:xfrm>
+          <a:prstGeom prst="rect">
+            <a:avLst/>
+          </a:prstGeom>
+          <a:noFill/>
+          <a:ln>
+            <a:noFill/>
+          </a:ln>
+        </p:spPr>
+        <p:txBody>
+          <a:bodyPr wrap="square" rtlCol="0">
+            <a:spAutoFit/>
+          </a:bodyPr>
+          <a:lstStyle/>
+          <a:p>
+            <a:r>
+              <a:rPr lang="en-US" sz="1400" dirty="0"/>
+              <a:t>infill</a:t>
+            </a:r>
+          </a:p>
+        </p:txBody>
+      </p:sp>
+      <p:cxnSp>
+        <p:nvCxnSpPr>
+          <p:cNvPr id="18" name="Straight Arrow Connector 17">
+            <a:extLst>
+              <a:ext uri="{FF2B5EF4-FFF2-40B4-BE49-F238E27FC236}">
+                <a16:creationId xmlns:a16="http://schemas.microsoft.com/office/drawing/2014/main" id="{77DDDF35-E698-40DE-B091-C5A1529B82F9}"/>
+              </a:ext>
+            </a:extLst>
+          </p:cNvPr>
+          <p:cNvCxnSpPr>
+            <a:cxnSpLocks/>
+            <a:stCxn id="8" idx="3"/>
+            <a:endCxn id="7" idx="1"/>
+          </p:cNvCxnSpPr>
+          <p:nvPr/>
+        </p:nvCxnSpPr>
+        <p:spPr>
+          <a:xfrm flipV="1">
+            <a:off x="2871612" y="2175633"/>
+            <a:ext cx="3305246" cy="7854"/>
+          </a:xfrm>
+          <a:prstGeom prst="straightConnector1">
+            <a:avLst/>
+          </a:prstGeom>
+          <a:ln>
+            <a:solidFill>
+              <a:schemeClr val="tx1"/>
+            </a:solidFill>
+            <a:tailEnd type="triangle"/>
+          </a:ln>
+          <a:effectLst/>
+        </p:spPr>
+        <p:style>
+          <a:lnRef idx="2">
+            <a:schemeClr val="accent1"/>
+          </a:lnRef>
+          <a:fillRef idx="0">
+            <a:schemeClr val="accent1"/>
+          </a:fillRef>
+          <a:effectRef idx="1">
+            <a:schemeClr val="accent1"/>
+          </a:effectRef>
+          <a:fontRef idx="minor">
+            <a:schemeClr val="tx1"/>
+          </a:fontRef>
+        </p:style>
+      </p:cxnSp>
+      <p:sp>
+        <p:nvSpPr>
+          <p:cNvPr id="35" name="TextBox 34">
+            <a:extLst>
+              <a:ext uri="{FF2B5EF4-FFF2-40B4-BE49-F238E27FC236}">
+                <a16:creationId xmlns:a16="http://schemas.microsoft.com/office/drawing/2014/main" id="{39CC1429-A401-423B-AE2A-92350CD2B04F}"/>
+              </a:ext>
+            </a:extLst>
+          </p:cNvPr>
+          <p:cNvSpPr txBox="1"/>
+          <p:nvPr/>
+        </p:nvSpPr>
+        <p:spPr>
+          <a:xfrm>
+            <a:off x="5594088" y="2972622"/>
+            <a:ext cx="873184" cy="523220"/>
+          </a:xfrm>
+          <a:prstGeom prst="rect">
+            <a:avLst/>
+          </a:prstGeom>
+          <a:noFill/>
+          <a:ln>
+            <a:solidFill>
+              <a:schemeClr val="tx1"/>
+            </a:solidFill>
+          </a:ln>
+        </p:spPr>
+        <p:txBody>
+          <a:bodyPr wrap="square" rtlCol="0">
+            <a:spAutoFit/>
+          </a:bodyPr>
+          <a:lstStyle/>
+          <a:p>
+            <a:r>
+              <a:rPr lang="en-US" sz="1400" dirty="0"/>
+              <a:t>training pts (70%)</a:t>
+            </a:r>
+          </a:p>
+        </p:txBody>
+      </p:sp>
+      <p:sp>
+        <p:nvSpPr>
+          <p:cNvPr id="36" name="TextBox 35">
+            <a:extLst>
+              <a:ext uri="{FF2B5EF4-FFF2-40B4-BE49-F238E27FC236}">
+                <a16:creationId xmlns:a16="http://schemas.microsoft.com/office/drawing/2014/main" id="{3063C5A0-5F8D-483C-AD4C-D1058588A89B}"/>
+              </a:ext>
+            </a:extLst>
+          </p:cNvPr>
+          <p:cNvSpPr txBox="1"/>
+          <p:nvPr/>
+        </p:nvSpPr>
+        <p:spPr>
+          <a:xfrm>
+            <a:off x="6829925" y="2961820"/>
+            <a:ext cx="1012780" cy="523220"/>
+          </a:xfrm>
+          <a:prstGeom prst="rect">
+            <a:avLst/>
+          </a:prstGeom>
+          <a:noFill/>
+          <a:ln>
+            <a:solidFill>
+              <a:schemeClr val="tx1"/>
+            </a:solidFill>
+          </a:ln>
+        </p:spPr>
+        <p:txBody>
+          <a:bodyPr wrap="square" rtlCol="0">
+            <a:spAutoFit/>
+          </a:bodyPr>
+          <a:lstStyle/>
+          <a:p>
+            <a:r>
+              <a:rPr lang="en-US" sz="1400" dirty="0"/>
+              <a:t>testing pts (30%)</a:t>
+            </a:r>
+          </a:p>
+        </p:txBody>
+      </p:sp>
+      <p:cxnSp>
+        <p:nvCxnSpPr>
+          <p:cNvPr id="37" name="Straight Arrow Connector 36">
+            <a:extLst>
+              <a:ext uri="{FF2B5EF4-FFF2-40B4-BE49-F238E27FC236}">
+                <a16:creationId xmlns:a16="http://schemas.microsoft.com/office/drawing/2014/main" id="{1D6BEA29-7AC0-4C5D-AFA4-1AB93B3A520A}"/>
+              </a:ext>
+            </a:extLst>
+          </p:cNvPr>
+          <p:cNvCxnSpPr>
+            <a:cxnSpLocks/>
+            <a:stCxn id="7" idx="2"/>
+            <a:endCxn id="36" idx="0"/>
+          </p:cNvCxnSpPr>
+          <p:nvPr/>
+        </p:nvCxnSpPr>
+        <p:spPr>
+          <a:xfrm>
+            <a:off x="6558729" y="2329521"/>
+            <a:ext cx="777586" cy="632299"/>
+          </a:xfrm>
+          <a:prstGeom prst="straightConnector1">
+            <a:avLst/>
+          </a:prstGeom>
+          <a:ln>
+            <a:solidFill>
+              <a:schemeClr val="tx1"/>
+            </a:solidFill>
+            <a:tailEnd type="triangle"/>
+          </a:ln>
+          <a:effectLst/>
+        </p:spPr>
+        <p:style>
+          <a:lnRef idx="2">
+            <a:schemeClr val="accent1"/>
+          </a:lnRef>
+          <a:fillRef idx="0">
+            <a:schemeClr val="accent1"/>
+          </a:fillRef>
+          <a:effectRef idx="1">
+            <a:schemeClr val="accent1"/>
+          </a:effectRef>
+          <a:fontRef idx="minor">
+            <a:schemeClr val="tx1"/>
+          </a:fontRef>
+        </p:style>
+      </p:cxnSp>
+      <p:sp>
+        <p:nvSpPr>
+          <p:cNvPr id="40" name="TextBox 39">
+            <a:extLst>
+              <a:ext uri="{FF2B5EF4-FFF2-40B4-BE49-F238E27FC236}">
+                <a16:creationId xmlns:a16="http://schemas.microsoft.com/office/drawing/2014/main" id="{AF652BA2-B19C-4FCC-AFF1-E72AA0DBA855}"/>
+              </a:ext>
+            </a:extLst>
+          </p:cNvPr>
+          <p:cNvSpPr txBox="1"/>
+          <p:nvPr/>
+        </p:nvSpPr>
+        <p:spPr>
+          <a:xfrm>
+            <a:off x="7133820" y="2243352"/>
+            <a:ext cx="1417769" cy="523220"/>
+          </a:xfrm>
+          <a:prstGeom prst="rect">
+            <a:avLst/>
+          </a:prstGeom>
+          <a:noFill/>
+          <a:ln>
+            <a:noFill/>
+          </a:ln>
+        </p:spPr>
+        <p:txBody>
+          <a:bodyPr wrap="square" rtlCol="0">
+            <a:spAutoFit/>
+          </a:bodyPr>
+          <a:lstStyle/>
+          <a:p>
+            <a:r>
+              <a:rPr lang="en-US" sz="1400" dirty="0"/>
+              <a:t>Reduce over data points</a:t>
+            </a:r>
+          </a:p>
+        </p:txBody>
+      </p:sp>
+      <p:cxnSp>
+        <p:nvCxnSpPr>
+          <p:cNvPr id="41" name="Straight Arrow Connector 40">
+            <a:extLst>
+              <a:ext uri="{FF2B5EF4-FFF2-40B4-BE49-F238E27FC236}">
+                <a16:creationId xmlns:a16="http://schemas.microsoft.com/office/drawing/2014/main" id="{FFCE516D-9F28-49BD-B799-B2FC9446A864}"/>
+              </a:ext>
+            </a:extLst>
+          </p:cNvPr>
+          <p:cNvCxnSpPr>
+            <a:cxnSpLocks/>
+            <a:stCxn id="7" idx="2"/>
+            <a:endCxn id="35" idx="0"/>
+          </p:cNvCxnSpPr>
+          <p:nvPr/>
+        </p:nvCxnSpPr>
+        <p:spPr>
+          <a:xfrm flipH="1">
+            <a:off x="6030680" y="2329521"/>
+            <a:ext cx="528049" cy="643101"/>
+          </a:xfrm>
+          <a:prstGeom prst="straightConnector1">
+            <a:avLst/>
+          </a:prstGeom>
+          <a:ln>
+            <a:solidFill>
+              <a:schemeClr val="tx1"/>
+            </a:solidFill>
+            <a:tailEnd type="triangle"/>
+          </a:ln>
+          <a:effectLst/>
+        </p:spPr>
+        <p:style>
+          <a:lnRef idx="2">
+            <a:schemeClr val="accent1"/>
+          </a:lnRef>
+          <a:fillRef idx="0">
+            <a:schemeClr val="accent1"/>
+          </a:fillRef>
+          <a:effectRef idx="1">
+            <a:schemeClr val="accent1"/>
+          </a:effectRef>
+          <a:fontRef idx="minor">
+            <a:schemeClr val="tx1"/>
+          </a:fontRef>
+        </p:style>
+      </p:cxnSp>
+      <p:cxnSp>
+        <p:nvCxnSpPr>
+          <p:cNvPr id="47" name="Straight Arrow Connector 46">
+            <a:extLst>
+              <a:ext uri="{FF2B5EF4-FFF2-40B4-BE49-F238E27FC236}">
+                <a16:creationId xmlns:a16="http://schemas.microsoft.com/office/drawing/2014/main" id="{3286198B-E1A5-41A5-BFB7-4800BC294A32}"/>
+              </a:ext>
+            </a:extLst>
+          </p:cNvPr>
+          <p:cNvCxnSpPr>
+            <a:cxnSpLocks/>
+            <a:stCxn id="35" idx="2"/>
+          </p:cNvCxnSpPr>
+          <p:nvPr/>
+        </p:nvCxnSpPr>
+        <p:spPr>
+          <a:xfrm>
+            <a:off x="6030680" y="3495842"/>
+            <a:ext cx="0" cy="670913"/>
+          </a:xfrm>
+          <a:prstGeom prst="straightConnector1">
+            <a:avLst/>
+          </a:prstGeom>
+          <a:ln>
+            <a:solidFill>
+              <a:schemeClr val="tx1"/>
+            </a:solidFill>
+            <a:tailEnd type="triangle"/>
+          </a:ln>
+          <a:effectLst/>
+        </p:spPr>
+        <p:style>
+          <a:lnRef idx="2">
+            <a:schemeClr val="accent1"/>
+          </a:lnRef>
+          <a:fillRef idx="0">
+            <a:schemeClr val="accent1"/>
+          </a:fillRef>
+          <a:effectRef idx="1">
+            <a:schemeClr val="accent1"/>
+          </a:effectRef>
+          <a:fontRef idx="minor">
+            <a:schemeClr val="tx1"/>
+          </a:fontRef>
+        </p:style>
+      </p:cxnSp>
+      <p:sp>
+        <p:nvSpPr>
+          <p:cNvPr id="52" name="TextBox 51">
+            <a:extLst>
+              <a:ext uri="{FF2B5EF4-FFF2-40B4-BE49-F238E27FC236}">
+                <a16:creationId xmlns:a16="http://schemas.microsoft.com/office/drawing/2014/main" id="{A7BEBC0A-22D5-404B-969E-527EC8D40760}"/>
+              </a:ext>
+            </a:extLst>
+          </p:cNvPr>
+          <p:cNvSpPr txBox="1"/>
+          <p:nvPr/>
+        </p:nvSpPr>
+        <p:spPr>
+          <a:xfrm>
+            <a:off x="5510960" y="3615722"/>
+            <a:ext cx="685800" cy="307777"/>
+          </a:xfrm>
+          <a:prstGeom prst="rect">
+            <a:avLst/>
+          </a:prstGeom>
+          <a:noFill/>
+          <a:ln>
+            <a:noFill/>
+          </a:ln>
+        </p:spPr>
+        <p:txBody>
+          <a:bodyPr wrap="square" rtlCol="0">
+            <a:spAutoFit/>
+          </a:bodyPr>
+          <a:lstStyle/>
+          <a:p>
+            <a:r>
+              <a:rPr lang="en-US" sz="1400" dirty="0"/>
+              <a:t>train</a:t>
+            </a:r>
+          </a:p>
+        </p:txBody>
+      </p:sp>
+      <p:sp>
+        <p:nvSpPr>
+          <p:cNvPr id="53" name="TextBox 52">
+            <a:extLst>
+              <a:ext uri="{FF2B5EF4-FFF2-40B4-BE49-F238E27FC236}">
+                <a16:creationId xmlns:a16="http://schemas.microsoft.com/office/drawing/2014/main" id="{B39C4787-9E31-4723-B7D4-E268E18DDE78}"/>
+              </a:ext>
+            </a:extLst>
+          </p:cNvPr>
+          <p:cNvSpPr txBox="1"/>
+          <p:nvPr/>
+        </p:nvSpPr>
+        <p:spPr>
+          <a:xfrm>
+            <a:off x="5588218" y="4138943"/>
+            <a:ext cx="873184" cy="307777"/>
+          </a:xfrm>
+          <a:prstGeom prst="rect">
+            <a:avLst/>
+          </a:prstGeom>
+          <a:noFill/>
+          <a:ln>
+            <a:solidFill>
+              <a:schemeClr val="tx1"/>
+            </a:solidFill>
+          </a:ln>
+        </p:spPr>
+        <p:txBody>
+          <a:bodyPr wrap="square" rtlCol="0">
+            <a:spAutoFit/>
+          </a:bodyPr>
+          <a:lstStyle/>
+          <a:p>
+            <a:r>
+              <a:rPr lang="en-US" sz="1400" dirty="0"/>
+              <a:t>classifier</a:t>
+            </a:r>
+          </a:p>
+        </p:txBody>
+      </p:sp>
+      <p:cxnSp>
+        <p:nvCxnSpPr>
+          <p:cNvPr id="54" name="Straight Arrow Connector 53">
+            <a:extLst>
+              <a:ext uri="{FF2B5EF4-FFF2-40B4-BE49-F238E27FC236}">
+                <a16:creationId xmlns:a16="http://schemas.microsoft.com/office/drawing/2014/main" id="{08B2DD7A-76A6-4A9E-B00F-E1B140242E95}"/>
+              </a:ext>
+            </a:extLst>
+          </p:cNvPr>
+          <p:cNvCxnSpPr>
+            <a:cxnSpLocks/>
+            <a:stCxn id="53" idx="3"/>
+            <a:endCxn id="58" idx="1"/>
+          </p:cNvCxnSpPr>
+          <p:nvPr/>
+        </p:nvCxnSpPr>
+        <p:spPr>
+          <a:xfrm>
+            <a:off x="6461402" y="4292832"/>
+            <a:ext cx="438827" cy="0"/>
+          </a:xfrm>
+          <a:prstGeom prst="straightConnector1">
+            <a:avLst/>
+          </a:prstGeom>
+          <a:ln>
+            <a:solidFill>
+              <a:schemeClr val="tx1"/>
+            </a:solidFill>
+            <a:tailEnd type="triangle"/>
+          </a:ln>
+          <a:effectLst/>
+        </p:spPr>
+        <p:style>
+          <a:lnRef idx="2">
+            <a:schemeClr val="accent1"/>
+          </a:lnRef>
+          <a:fillRef idx="0">
+            <a:schemeClr val="accent1"/>
+          </a:fillRef>
+          <a:effectRef idx="1">
+            <a:schemeClr val="accent1"/>
+          </a:effectRef>
+          <a:fontRef idx="minor">
+            <a:schemeClr val="tx1"/>
+          </a:fontRef>
+        </p:style>
+      </p:cxnSp>
+      <p:sp>
+        <p:nvSpPr>
+          <p:cNvPr id="58" name="TextBox 57">
+            <a:extLst>
+              <a:ext uri="{FF2B5EF4-FFF2-40B4-BE49-F238E27FC236}">
+                <a16:creationId xmlns:a16="http://schemas.microsoft.com/office/drawing/2014/main" id="{87C24B39-E694-4E88-BD7B-1B4F400131A6}"/>
+              </a:ext>
+            </a:extLst>
+          </p:cNvPr>
+          <p:cNvSpPr txBox="1"/>
+          <p:nvPr/>
+        </p:nvSpPr>
+        <p:spPr>
+          <a:xfrm>
+            <a:off x="6900229" y="4138943"/>
+            <a:ext cx="873184" cy="307777"/>
+          </a:xfrm>
+          <a:prstGeom prst="rect">
+            <a:avLst/>
+          </a:prstGeom>
+          <a:noFill/>
+          <a:ln>
+            <a:solidFill>
+              <a:schemeClr val="tx1"/>
+            </a:solidFill>
+          </a:ln>
+        </p:spPr>
+        <p:txBody>
+          <a:bodyPr wrap="square" rtlCol="0">
+            <a:spAutoFit/>
+          </a:bodyPr>
+          <a:lstStyle/>
+          <a:p>
+            <a:r>
+              <a:rPr lang="en-US" sz="1400" dirty="0"/>
+              <a:t>accuracy</a:t>
+            </a:r>
+          </a:p>
+        </p:txBody>
+      </p:sp>
+      <p:cxnSp>
+        <p:nvCxnSpPr>
+          <p:cNvPr id="60" name="Straight Arrow Connector 59">
+            <a:extLst>
+              <a:ext uri="{FF2B5EF4-FFF2-40B4-BE49-F238E27FC236}">
+                <a16:creationId xmlns:a16="http://schemas.microsoft.com/office/drawing/2014/main" id="{9054BD95-736D-42CA-88D1-F09630D6F7F2}"/>
+              </a:ext>
+            </a:extLst>
+          </p:cNvPr>
+          <p:cNvCxnSpPr>
+            <a:cxnSpLocks/>
+            <a:stCxn id="36" idx="2"/>
+            <a:endCxn id="58" idx="0"/>
+          </p:cNvCxnSpPr>
+          <p:nvPr/>
+        </p:nvCxnSpPr>
+        <p:spPr>
+          <a:xfrm>
+            <a:off x="7336315" y="3485040"/>
+            <a:ext cx="506" cy="653903"/>
+          </a:xfrm>
+          <a:prstGeom prst="straightConnector1">
+            <a:avLst/>
+          </a:prstGeom>
+          <a:ln>
+            <a:solidFill>
+              <a:schemeClr val="tx1"/>
+            </a:solidFill>
+            <a:tailEnd type="triangle"/>
+          </a:ln>
+          <a:effectLst/>
+        </p:spPr>
+        <p:style>
+          <a:lnRef idx="2">
+            <a:schemeClr val="accent1"/>
+          </a:lnRef>
+          <a:fillRef idx="0">
+            <a:schemeClr val="accent1"/>
+          </a:fillRef>
+          <a:effectRef idx="1">
+            <a:schemeClr val="accent1"/>
+          </a:effectRef>
+          <a:fontRef idx="minor">
+            <a:schemeClr val="tx1"/>
+          </a:fontRef>
+        </p:style>
+      </p:cxnSp>
+      <p:cxnSp>
+        <p:nvCxnSpPr>
+          <p:cNvPr id="65" name="Straight Arrow Connector 64">
+            <a:extLst>
+              <a:ext uri="{FF2B5EF4-FFF2-40B4-BE49-F238E27FC236}">
+                <a16:creationId xmlns:a16="http://schemas.microsoft.com/office/drawing/2014/main" id="{E282940C-3568-483E-98EB-F1E7766C81B9}"/>
+              </a:ext>
+            </a:extLst>
+          </p:cNvPr>
+          <p:cNvCxnSpPr>
+            <a:cxnSpLocks/>
+            <a:stCxn id="8" idx="2"/>
+            <a:endCxn id="74" idx="0"/>
+          </p:cNvCxnSpPr>
+          <p:nvPr/>
+        </p:nvCxnSpPr>
+        <p:spPr>
+          <a:xfrm flipH="1">
+            <a:off x="2343910" y="2337375"/>
+            <a:ext cx="6935" cy="1801181"/>
+          </a:xfrm>
+          <a:prstGeom prst="straightConnector1">
+            <a:avLst/>
+          </a:prstGeom>
+          <a:ln>
+            <a:solidFill>
+              <a:schemeClr val="tx1"/>
+            </a:solidFill>
+            <a:tailEnd type="triangle"/>
+          </a:ln>
+          <a:effectLst/>
+        </p:spPr>
+        <p:style>
+          <a:lnRef idx="2">
+            <a:schemeClr val="accent1"/>
+          </a:lnRef>
+          <a:fillRef idx="0">
+            <a:schemeClr val="accent1"/>
+          </a:fillRef>
+          <a:effectRef idx="1">
+            <a:schemeClr val="accent1"/>
+          </a:effectRef>
+          <a:fontRef idx="minor">
+            <a:schemeClr val="tx1"/>
+          </a:fontRef>
+        </p:style>
+      </p:cxnSp>
+      <p:sp>
+        <p:nvSpPr>
+          <p:cNvPr id="69" name="TextBox 68">
+            <a:extLst>
+              <a:ext uri="{FF2B5EF4-FFF2-40B4-BE49-F238E27FC236}">
+                <a16:creationId xmlns:a16="http://schemas.microsoft.com/office/drawing/2014/main" id="{B996DF02-9A87-4181-ABCB-D9A123ED5035}"/>
+              </a:ext>
+            </a:extLst>
+          </p:cNvPr>
+          <p:cNvSpPr txBox="1"/>
+          <p:nvPr/>
+        </p:nvSpPr>
+        <p:spPr>
+          <a:xfrm>
+            <a:off x="200097" y="4138555"/>
+            <a:ext cx="1041535" cy="307777"/>
+          </a:xfrm>
+          <a:prstGeom prst="rect">
+            <a:avLst/>
+          </a:prstGeom>
+          <a:noFill/>
+          <a:ln>
+            <a:solidFill>
+              <a:schemeClr val="tx1"/>
+            </a:solidFill>
+          </a:ln>
+        </p:spPr>
+        <p:txBody>
+          <a:bodyPr wrap="square" rtlCol="0">
+            <a:spAutoFit/>
+          </a:bodyPr>
+          <a:lstStyle/>
+          <a:p>
+            <a:r>
+              <a:rPr lang="en-US" sz="1400" dirty="0"/>
+              <a:t>Mapbio2.3</a:t>
+            </a:r>
+          </a:p>
+        </p:txBody>
+      </p:sp>
+      <p:cxnSp>
+        <p:nvCxnSpPr>
+          <p:cNvPr id="70" name="Straight Arrow Connector 69">
+            <a:extLst>
+              <a:ext uri="{FF2B5EF4-FFF2-40B4-BE49-F238E27FC236}">
+                <a16:creationId xmlns:a16="http://schemas.microsoft.com/office/drawing/2014/main" id="{FF4C8DE2-7291-4293-BB3B-9FDC0762DE4F}"/>
+              </a:ext>
+            </a:extLst>
+          </p:cNvPr>
+          <p:cNvCxnSpPr>
+            <a:cxnSpLocks/>
+            <a:stCxn id="69" idx="3"/>
+            <a:endCxn id="74" idx="1"/>
+          </p:cNvCxnSpPr>
+          <p:nvPr/>
+        </p:nvCxnSpPr>
+        <p:spPr>
+          <a:xfrm>
+            <a:off x="1241632" y="4292444"/>
+            <a:ext cx="449294" cy="1"/>
+          </a:xfrm>
+          <a:prstGeom prst="straightConnector1">
+            <a:avLst/>
+          </a:prstGeom>
+          <a:ln>
+            <a:solidFill>
+              <a:schemeClr val="tx1"/>
+            </a:solidFill>
+            <a:tailEnd type="triangle"/>
+          </a:ln>
+          <a:effectLst/>
+        </p:spPr>
+        <p:style>
+          <a:lnRef idx="2">
+            <a:schemeClr val="accent1"/>
+          </a:lnRef>
+          <a:fillRef idx="0">
+            <a:schemeClr val="accent1"/>
+          </a:fillRef>
+          <a:effectRef idx="1">
+            <a:schemeClr val="accent1"/>
+          </a:effectRef>
+          <a:fontRef idx="minor">
+            <a:schemeClr val="tx1"/>
+          </a:fontRef>
+        </p:style>
+      </p:cxnSp>
+      <p:sp>
+        <p:nvSpPr>
+          <p:cNvPr id="74" name="TextBox 73">
+            <a:extLst>
+              <a:ext uri="{FF2B5EF4-FFF2-40B4-BE49-F238E27FC236}">
+                <a16:creationId xmlns:a16="http://schemas.microsoft.com/office/drawing/2014/main" id="{3CE2D2DC-FD04-4EA2-95B7-CF16F32898F1}"/>
+              </a:ext>
+            </a:extLst>
+          </p:cNvPr>
+          <p:cNvSpPr txBox="1"/>
+          <p:nvPr/>
+        </p:nvSpPr>
+        <p:spPr>
+          <a:xfrm>
+            <a:off x="1690926" y="4138556"/>
+            <a:ext cx="1305967" cy="307777"/>
+          </a:xfrm>
+          <a:prstGeom prst="rect">
+            <a:avLst/>
+          </a:prstGeom>
+          <a:noFill/>
+          <a:ln>
+            <a:solidFill>
+              <a:schemeClr val="tx1"/>
+            </a:solidFill>
+          </a:ln>
+        </p:spPr>
+        <p:txBody>
+          <a:bodyPr wrap="square" rtlCol="0">
+            <a:spAutoFit/>
+          </a:bodyPr>
+          <a:lstStyle/>
+          <a:p>
+            <a:r>
+              <a:rPr lang="en-US" sz="1400" dirty="0" err="1"/>
+              <a:t>Class_img_ag</a:t>
+            </a:r>
+            <a:endParaRPr lang="en-US" sz="1400" dirty="0"/>
+          </a:p>
+        </p:txBody>
+      </p:sp>
+      <p:cxnSp>
+        <p:nvCxnSpPr>
+          <p:cNvPr id="75" name="Straight Arrow Connector 74">
+            <a:extLst>
+              <a:ext uri="{FF2B5EF4-FFF2-40B4-BE49-F238E27FC236}">
+                <a16:creationId xmlns:a16="http://schemas.microsoft.com/office/drawing/2014/main" id="{2CDD7B62-2C4E-4595-B22A-7BE1E0A7F829}"/>
+              </a:ext>
+            </a:extLst>
+          </p:cNvPr>
+          <p:cNvCxnSpPr>
+            <a:cxnSpLocks/>
+            <a:stCxn id="53" idx="1"/>
+            <a:endCxn id="74" idx="3"/>
+          </p:cNvCxnSpPr>
+          <p:nvPr/>
+        </p:nvCxnSpPr>
+        <p:spPr>
+          <a:xfrm flipH="1" flipV="1">
+            <a:off x="2996893" y="4292445"/>
+            <a:ext cx="2591325" cy="387"/>
+          </a:xfrm>
+          <a:prstGeom prst="straightConnector1">
+            <a:avLst/>
+          </a:prstGeom>
+          <a:ln>
+            <a:solidFill>
+              <a:schemeClr val="tx1"/>
+            </a:solidFill>
+            <a:tailEnd type="triangle"/>
+          </a:ln>
+          <a:effectLst/>
+        </p:spPr>
+        <p:style>
+          <a:lnRef idx="2">
+            <a:schemeClr val="accent1"/>
+          </a:lnRef>
+          <a:fillRef idx="0">
+            <a:schemeClr val="accent1"/>
+          </a:fillRef>
+          <a:effectRef idx="1">
+            <a:schemeClr val="accent1"/>
+          </a:effectRef>
+          <a:fontRef idx="minor">
+            <a:schemeClr val="tx1"/>
+          </a:fontRef>
+        </p:style>
+      </p:cxnSp>
+      <p:sp>
+        <p:nvSpPr>
+          <p:cNvPr id="82" name="TextBox 81">
+            <a:extLst>
+              <a:ext uri="{FF2B5EF4-FFF2-40B4-BE49-F238E27FC236}">
+                <a16:creationId xmlns:a16="http://schemas.microsoft.com/office/drawing/2014/main" id="{C9847FC3-9665-4B01-AE57-28D1AD72D078}"/>
+              </a:ext>
+            </a:extLst>
+          </p:cNvPr>
+          <p:cNvSpPr txBox="1"/>
+          <p:nvPr/>
+        </p:nvSpPr>
+        <p:spPr>
+          <a:xfrm>
+            <a:off x="1620344" y="5416517"/>
+            <a:ext cx="1447129" cy="523220"/>
+          </a:xfrm>
+          <a:prstGeom prst="rect">
+            <a:avLst/>
+          </a:prstGeom>
+          <a:noFill/>
+          <a:ln>
+            <a:solidFill>
+              <a:schemeClr val="tx1"/>
+            </a:solidFill>
+          </a:ln>
+        </p:spPr>
+        <p:txBody>
+          <a:bodyPr wrap="square" rtlCol="0">
+            <a:spAutoFit/>
+          </a:bodyPr>
+          <a:lstStyle/>
+          <a:p>
+            <a:r>
+              <a:rPr lang="en-US" sz="1400" dirty="0"/>
+              <a:t>Final image: </a:t>
+            </a:r>
+            <a:r>
+              <a:rPr lang="en-US" sz="1400" dirty="0" err="1"/>
+              <a:t>classed_img</a:t>
+            </a:r>
+            <a:endParaRPr lang="en-US" sz="1400" dirty="0"/>
+          </a:p>
+        </p:txBody>
+      </p:sp>
+      <p:sp>
+        <p:nvSpPr>
+          <p:cNvPr id="83" name="TextBox 82">
+            <a:extLst>
+              <a:ext uri="{FF2B5EF4-FFF2-40B4-BE49-F238E27FC236}">
+                <a16:creationId xmlns:a16="http://schemas.microsoft.com/office/drawing/2014/main" id="{9739CB89-4CAD-43F7-BA43-3D3D10DE7652}"/>
+              </a:ext>
+            </a:extLst>
+          </p:cNvPr>
+          <p:cNvSpPr txBox="1"/>
+          <p:nvPr/>
+        </p:nvSpPr>
+        <p:spPr>
+          <a:xfrm>
+            <a:off x="3724055" y="4012866"/>
+            <a:ext cx="1211179" cy="307777"/>
+          </a:xfrm>
+          <a:prstGeom prst="rect">
+            <a:avLst/>
+          </a:prstGeom>
+          <a:noFill/>
+          <a:ln>
+            <a:noFill/>
+          </a:ln>
+        </p:spPr>
+        <p:txBody>
+          <a:bodyPr wrap="square" rtlCol="0">
+            <a:spAutoFit/>
+          </a:bodyPr>
+          <a:lstStyle/>
+          <a:p>
+            <a:r>
+              <a:rPr lang="en-US" sz="1400" dirty="0"/>
+              <a:t>Classify image</a:t>
+            </a:r>
+          </a:p>
+        </p:txBody>
+      </p:sp>
+      <p:cxnSp>
+        <p:nvCxnSpPr>
+          <p:cNvPr id="100" name="Straight Arrow Connector 99">
+            <a:extLst>
+              <a:ext uri="{FF2B5EF4-FFF2-40B4-BE49-F238E27FC236}">
+                <a16:creationId xmlns:a16="http://schemas.microsoft.com/office/drawing/2014/main" id="{90858639-47D8-448A-AE1C-E1FFB896BA81}"/>
+              </a:ext>
+            </a:extLst>
+          </p:cNvPr>
+          <p:cNvCxnSpPr>
+            <a:cxnSpLocks/>
+            <a:stCxn id="74" idx="2"/>
+            <a:endCxn id="82" idx="0"/>
+          </p:cNvCxnSpPr>
+          <p:nvPr/>
+        </p:nvCxnSpPr>
+        <p:spPr>
+          <a:xfrm flipH="1">
+            <a:off x="2343909" y="4446333"/>
+            <a:ext cx="1" cy="970184"/>
+          </a:xfrm>
+          <a:prstGeom prst="straightConnector1">
+            <a:avLst/>
+          </a:prstGeom>
+          <a:ln>
+            <a:solidFill>
+              <a:schemeClr val="tx1"/>
+            </a:solidFill>
+            <a:tailEnd type="triangle"/>
+          </a:ln>
+          <a:effectLst/>
+        </p:spPr>
+        <p:style>
+          <a:lnRef idx="2">
+            <a:schemeClr val="accent1"/>
+          </a:lnRef>
+          <a:fillRef idx="0">
+            <a:schemeClr val="accent1"/>
+          </a:fillRef>
+          <a:effectRef idx="1">
+            <a:schemeClr val="accent1"/>
+          </a:effectRef>
+          <a:fontRef idx="minor">
+            <a:schemeClr val="tx1"/>
+          </a:fontRef>
+        </p:style>
+      </p:cxnSp>
+    </p:spTree>
+    <p:extLst>
+      <p:ext uri="{BB962C8B-B14F-4D97-AF65-F5344CB8AC3E}">
+        <p14:creationId xmlns:p14="http://schemas.microsoft.com/office/powerpoint/2010/main" val="2798722977"/>
+      </p:ext>
+    </p:extLst>
+  </p:cSld>
+  <p:clrMapOvr>
+    <a:masterClrMapping/>
+  </p:clrMapOvr>
+</p:sld>
+</file>
+
+<file path=ppt/slides/slide7.xml><?xml version="1.0" encoding="utf-8"?>
+<p:sld xmlns:a="http://schemas.openxmlformats.org/drawingml/2006/main" xmlns:r="http://schemas.openxmlformats.org/officeDocument/2006/relationships" xmlns:p="http://schemas.openxmlformats.org/presentationml/2006/main">
+  <p:cSld>
+    <p:spTree>
+      <p:nvGrpSpPr>
+        <p:cNvPr id="1" name=""/>
+        <p:cNvGrpSpPr/>
+        <p:nvPr/>
+      </p:nvGrpSpPr>
+      <p:grpSpPr>
+        <a:xfrm>
+          <a:off x="0" y="0"/>
+          <a:ext cx="0" cy="0"/>
+          <a:chOff x="0" y="0"/>
+          <a:chExt cx="0" cy="0"/>
+        </a:xfrm>
+      </p:grpSpPr>
+      <p:sp>
+        <p:nvSpPr>
+          <p:cNvPr id="2" name="Rectangle 1">
+            <a:extLst>
+              <a:ext uri="{FF2B5EF4-FFF2-40B4-BE49-F238E27FC236}">
+                <a16:creationId xmlns:a16="http://schemas.microsoft.com/office/drawing/2014/main" id="{0A188924-A74D-4A7B-8046-F8AA7DFCC31E}"/>
+              </a:ext>
+            </a:extLst>
+          </p:cNvPr>
+          <p:cNvSpPr/>
+          <p:nvPr/>
+        </p:nvSpPr>
+        <p:spPr>
+          <a:xfrm>
+            <a:off x="0" y="92366"/>
+            <a:ext cx="5510960" cy="646331"/>
+          </a:xfrm>
+          <a:prstGeom prst="rect">
+            <a:avLst/>
+          </a:prstGeom>
+        </p:spPr>
+        <p:txBody>
+          <a:bodyPr wrap="square">
+            <a:spAutoFit/>
+          </a:bodyPr>
+          <a:lstStyle/>
+          <a:p>
+            <a:r>
+              <a:rPr lang="en-US" b="1" dirty="0"/>
+              <a:t>Soy Classification modifications</a:t>
+            </a:r>
+          </a:p>
+          <a:p>
+            <a:r>
+              <a:rPr lang="en-US" dirty="0"/>
+              <a:t>GEE file: </a:t>
+            </a:r>
+            <a:r>
+              <a:rPr lang="en-US" dirty="0" err="1"/>
+              <a:t>LandCover</a:t>
+            </a:r>
+            <a:r>
+              <a:rPr lang="en-US" dirty="0"/>
+              <a:t>/Soy Classification</a:t>
+            </a:r>
+          </a:p>
+        </p:txBody>
+      </p:sp>
+      <p:sp>
+        <p:nvSpPr>
+          <p:cNvPr id="3" name="Rectangle 2">
+            <a:extLst>
+              <a:ext uri="{FF2B5EF4-FFF2-40B4-BE49-F238E27FC236}">
+                <a16:creationId xmlns:a16="http://schemas.microsoft.com/office/drawing/2014/main" id="{D595514F-8764-4E47-A5E0-CA4455FCE160}"/>
+              </a:ext>
+            </a:extLst>
+          </p:cNvPr>
+          <p:cNvSpPr/>
+          <p:nvPr/>
+        </p:nvSpPr>
+        <p:spPr>
+          <a:xfrm>
+            <a:off x="0" y="1263075"/>
+            <a:ext cx="5510960" cy="369332"/>
+          </a:xfrm>
+          <a:prstGeom prst="rect">
+            <a:avLst/>
+          </a:prstGeom>
+        </p:spPr>
+        <p:txBody>
+          <a:bodyPr wrap="square">
+            <a:spAutoFit/>
+          </a:bodyPr>
+          <a:lstStyle/>
+          <a:p>
+            <a:r>
+              <a:rPr lang="en-US" b="1" dirty="0"/>
+              <a:t>Variations on classification</a:t>
+            </a:r>
+            <a:endParaRPr lang="en-US" dirty="0"/>
+          </a:p>
+        </p:txBody>
+      </p:sp>
+      <p:sp>
+        <p:nvSpPr>
+          <p:cNvPr id="4" name="Rectangle 3">
+            <a:extLst>
+              <a:ext uri="{FF2B5EF4-FFF2-40B4-BE49-F238E27FC236}">
+                <a16:creationId xmlns:a16="http://schemas.microsoft.com/office/drawing/2014/main" id="{9E53A49F-6AF9-4B61-BFB8-8839544AC0B1}"/>
+              </a:ext>
+            </a:extLst>
+          </p:cNvPr>
+          <p:cNvSpPr/>
+          <p:nvPr/>
+        </p:nvSpPr>
+        <p:spPr>
+          <a:xfrm>
+            <a:off x="152400" y="3351648"/>
+            <a:ext cx="5510960" cy="923330"/>
+          </a:xfrm>
+          <a:prstGeom prst="rect">
+            <a:avLst/>
+          </a:prstGeom>
+        </p:spPr>
+        <p:txBody>
+          <a:bodyPr wrap="square">
+            <a:spAutoFit/>
+          </a:bodyPr>
+          <a:lstStyle/>
+          <a:p>
+            <a:r>
+              <a:rPr lang="en-US" b="1" dirty="0"/>
+              <a:t>Variations on evaluation</a:t>
+            </a:r>
+          </a:p>
+          <a:p>
+            <a:pPr marL="285750" indent="-285750">
+              <a:buFontTx/>
+              <a:buChar char="-"/>
+            </a:pPr>
+            <a:r>
+              <a:rPr lang="en-US" dirty="0"/>
+              <a:t>Overall accuracy from confusion matrix</a:t>
+            </a:r>
+          </a:p>
+          <a:p>
+            <a:pPr marL="285750" indent="-285750">
+              <a:buFontTx/>
+              <a:buChar char="-"/>
+            </a:pPr>
+            <a:endParaRPr lang="en-US" dirty="0"/>
+          </a:p>
+        </p:txBody>
+      </p:sp>
+    </p:spTree>
+    <p:extLst>
+      <p:ext uri="{BB962C8B-B14F-4D97-AF65-F5344CB8AC3E}">
+        <p14:creationId xmlns:p14="http://schemas.microsoft.com/office/powerpoint/2010/main" val="232429914"/>
       </p:ext>
     </p:extLst>
   </p:cSld>

--- a/January 19 2019.pptx
+++ b/January 19 2019.pptx
@@ -308,7 +308,7 @@
           <a:p>
             <a:fld id="{4ED42B7B-5B47-6B4D-9CEC-D1513411F071}" type="datetimeFigureOut">
               <a:rPr lang="en-US" smtClean="0"/>
-              <a:t>1/8/2019</a:t>
+              <a:t>1/15/2019</a:t>
             </a:fld>
             <a:endParaRPr lang="en-US"/>
           </a:p>
@@ -476,7 +476,7 @@
           <a:p>
             <a:fld id="{4ED42B7B-5B47-6B4D-9CEC-D1513411F071}" type="datetimeFigureOut">
               <a:rPr lang="en-US" smtClean="0"/>
-              <a:t>1/8/2019</a:t>
+              <a:t>1/15/2019</a:t>
             </a:fld>
             <a:endParaRPr lang="en-US"/>
           </a:p>
@@ -654,7 +654,7 @@
           <a:p>
             <a:fld id="{4ED42B7B-5B47-6B4D-9CEC-D1513411F071}" type="datetimeFigureOut">
               <a:rPr lang="en-US" smtClean="0"/>
-              <a:t>1/8/2019</a:t>
+              <a:t>1/15/2019</a:t>
             </a:fld>
             <a:endParaRPr lang="en-US"/>
           </a:p>
@@ -822,7 +822,7 @@
           <a:p>
             <a:fld id="{4ED42B7B-5B47-6B4D-9CEC-D1513411F071}" type="datetimeFigureOut">
               <a:rPr lang="en-US" smtClean="0"/>
-              <a:t>1/8/2019</a:t>
+              <a:t>1/15/2019</a:t>
             </a:fld>
             <a:endParaRPr lang="en-US"/>
           </a:p>
@@ -1067,7 +1067,7 @@
           <a:p>
             <a:fld id="{4ED42B7B-5B47-6B4D-9CEC-D1513411F071}" type="datetimeFigureOut">
               <a:rPr lang="en-US" smtClean="0"/>
-              <a:t>1/8/2019</a:t>
+              <a:t>1/15/2019</a:t>
             </a:fld>
             <a:endParaRPr lang="en-US"/>
           </a:p>
@@ -1352,7 +1352,7 @@
           <a:p>
             <a:fld id="{4ED42B7B-5B47-6B4D-9CEC-D1513411F071}" type="datetimeFigureOut">
               <a:rPr lang="en-US" smtClean="0"/>
-              <a:t>1/8/2019</a:t>
+              <a:t>1/15/2019</a:t>
             </a:fld>
             <a:endParaRPr lang="en-US"/>
           </a:p>
@@ -1771,7 +1771,7 @@
           <a:p>
             <a:fld id="{4ED42B7B-5B47-6B4D-9CEC-D1513411F071}" type="datetimeFigureOut">
               <a:rPr lang="en-US" smtClean="0"/>
-              <a:t>1/8/2019</a:t>
+              <a:t>1/15/2019</a:t>
             </a:fld>
             <a:endParaRPr lang="en-US"/>
           </a:p>
@@ -1888,7 +1888,7 @@
           <a:p>
             <a:fld id="{4ED42B7B-5B47-6B4D-9CEC-D1513411F071}" type="datetimeFigureOut">
               <a:rPr lang="en-US" smtClean="0"/>
-              <a:t>1/8/2019</a:t>
+              <a:t>1/15/2019</a:t>
             </a:fld>
             <a:endParaRPr lang="en-US"/>
           </a:p>
@@ -1983,7 +1983,7 @@
           <a:p>
             <a:fld id="{4ED42B7B-5B47-6B4D-9CEC-D1513411F071}" type="datetimeFigureOut">
               <a:rPr lang="en-US" smtClean="0"/>
-              <a:t>1/8/2019</a:t>
+              <a:t>1/15/2019</a:t>
             </a:fld>
             <a:endParaRPr lang="en-US"/>
           </a:p>
@@ -2258,7 +2258,7 @@
           <a:p>
             <a:fld id="{4ED42B7B-5B47-6B4D-9CEC-D1513411F071}" type="datetimeFigureOut">
               <a:rPr lang="en-US" smtClean="0"/>
-              <a:t>1/8/2019</a:t>
+              <a:t>1/15/2019</a:t>
             </a:fld>
             <a:endParaRPr lang="en-US"/>
           </a:p>
@@ -2510,7 +2510,7 @@
           <a:p>
             <a:fld id="{4ED42B7B-5B47-6B4D-9CEC-D1513411F071}" type="datetimeFigureOut">
               <a:rPr lang="en-US" smtClean="0"/>
-              <a:t>1/8/2019</a:t>
+              <a:t>1/15/2019</a:t>
             </a:fld>
             <a:endParaRPr lang="en-US"/>
           </a:p>
@@ -2721,7 +2721,7 @@
           <a:p>
             <a:fld id="{4ED42B7B-5B47-6B4D-9CEC-D1513411F071}" type="datetimeFigureOut">
               <a:rPr lang="en-US" smtClean="0"/>
-              <a:t>1/8/2019</a:t>
+              <a:t>1/15/2019</a:t>
             </a:fld>
             <a:endParaRPr lang="en-US"/>
           </a:p>
@@ -6353,93 +6353,6 @@
       </p:cxnSp>
       <p:sp>
         <p:nvSpPr>
-          <p:cNvPr id="69" name="TextBox 68">
-            <a:extLst>
-              <a:ext uri="{FF2B5EF4-FFF2-40B4-BE49-F238E27FC236}">
-                <a16:creationId xmlns:a16="http://schemas.microsoft.com/office/drawing/2014/main" id="{B996DF02-9A87-4181-ABCB-D9A123ED5035}"/>
-              </a:ext>
-            </a:extLst>
-          </p:cNvPr>
-          <p:cNvSpPr txBox="1"/>
-          <p:nvPr/>
-        </p:nvSpPr>
-        <p:spPr>
-          <a:xfrm>
-            <a:off x="200097" y="4138555"/>
-            <a:ext cx="1041535" cy="307777"/>
-          </a:xfrm>
-          <a:prstGeom prst="rect">
-            <a:avLst/>
-          </a:prstGeom>
-          <a:noFill/>
-          <a:ln>
-            <a:solidFill>
-              <a:schemeClr val="tx1"/>
-            </a:solidFill>
-          </a:ln>
-        </p:spPr>
-        <p:txBody>
-          <a:bodyPr wrap="square" rtlCol="0">
-            <a:spAutoFit/>
-          </a:bodyPr>
-          <a:lstStyle/>
-          <a:p>
-            <a:r>
-              <a:rPr lang="en-US" sz="1400" dirty="0"/>
-              <a:t>Mapbio2.3</a:t>
-            </a:r>
-          </a:p>
-        </p:txBody>
-      </p:sp>
-      <p:cxnSp>
-        <p:nvCxnSpPr>
-          <p:cNvPr id="70" name="Straight Arrow Connector 69">
-            <a:extLst>
-              <a:ext uri="{FF2B5EF4-FFF2-40B4-BE49-F238E27FC236}">
-                <a16:creationId xmlns:a16="http://schemas.microsoft.com/office/drawing/2014/main" id="{FF4C8DE2-7291-4293-BB3B-9FDC0762DE4F}"/>
-              </a:ext>
-            </a:extLst>
-          </p:cNvPr>
-          <p:cNvCxnSpPr>
-            <a:cxnSpLocks/>
-            <a:stCxn id="69" idx="3"/>
-            <a:endCxn id="74" idx="1"/>
-          </p:cNvCxnSpPr>
-          <p:nvPr/>
-        </p:nvCxnSpPr>
-        <p:spPr>
-          <a:xfrm>
-            <a:off x="1241632" y="4292444"/>
-            <a:ext cx="449294" cy="1"/>
-          </a:xfrm>
-          <a:prstGeom prst="straightConnector1">
-            <a:avLst/>
-          </a:prstGeom>
-          <a:ln>
-            <a:solidFill>
-              <a:schemeClr val="tx1"/>
-            </a:solidFill>
-            <a:tailEnd type="triangle"/>
-          </a:ln>
-          <a:effectLst/>
-        </p:spPr>
-        <p:style>
-          <a:lnRef idx="2">
-            <a:schemeClr val="accent1"/>
-          </a:lnRef>
-          <a:fillRef idx="0">
-            <a:schemeClr val="accent1"/>
-          </a:fillRef>
-          <a:effectRef idx="1">
-            <a:schemeClr val="accent1"/>
-          </a:effectRef>
-          <a:fontRef idx="minor">
-            <a:schemeClr val="tx1"/>
-          </a:fontRef>
-        </p:style>
-      </p:cxnSp>
-      <p:sp>
-        <p:nvSpPr>
           <p:cNvPr id="74" name="TextBox 73">
             <a:extLst>
               <a:ext uri="{FF2B5EF4-FFF2-40B4-BE49-F238E27FC236}">
@@ -6540,7 +6453,7 @@
         </p:nvSpPr>
         <p:spPr>
           <a:xfrm>
-            <a:off x="1620344" y="5416517"/>
+            <a:off x="1627280" y="5008563"/>
             <a:ext cx="1447129" cy="523220"/>
           </a:xfrm>
           <a:prstGeom prst="rect">
@@ -6626,9 +6539,9 @@
           <p:nvPr/>
         </p:nvCxnSpPr>
         <p:spPr>
-          <a:xfrm flipH="1">
-            <a:off x="2343909" y="4446333"/>
-            <a:ext cx="1" cy="970184"/>
+          <a:xfrm>
+            <a:off x="2343910" y="4446333"/>
+            <a:ext cx="6935" cy="562230"/>
           </a:xfrm>
           <a:prstGeom prst="straightConnector1">
             <a:avLst/>
@@ -6656,6 +6569,190 @@
           </a:fontRef>
         </p:style>
       </p:cxnSp>
+      <p:sp>
+        <p:nvSpPr>
+          <p:cNvPr id="3" name="Rectangle 2">
+            <a:extLst>
+              <a:ext uri="{FF2B5EF4-FFF2-40B4-BE49-F238E27FC236}">
+                <a16:creationId xmlns:a16="http://schemas.microsoft.com/office/drawing/2014/main" id="{CF68750C-AC06-4BF7-B1A6-72D946341DC3}"/>
+              </a:ext>
+            </a:extLst>
+          </p:cNvPr>
+          <p:cNvSpPr/>
+          <p:nvPr/>
+        </p:nvSpPr>
+        <p:spPr>
+          <a:xfrm>
+            <a:off x="644591" y="3115048"/>
+            <a:ext cx="1776448" cy="307777"/>
+          </a:xfrm>
+          <a:prstGeom prst="rect">
+            <a:avLst/>
+          </a:prstGeom>
+        </p:spPr>
+        <p:txBody>
+          <a:bodyPr wrap="none">
+            <a:spAutoFit/>
+          </a:bodyPr>
+          <a:lstStyle/>
+          <a:p>
+            <a:r>
+              <a:rPr lang="en-US" sz="1400" dirty="0"/>
+              <a:t>Mask with Mapbio2.3</a:t>
+            </a:r>
+          </a:p>
+        </p:txBody>
+      </p:sp>
+      <p:sp>
+        <p:nvSpPr>
+          <p:cNvPr id="34" name="TextBox 33">
+            <a:extLst>
+              <a:ext uri="{FF2B5EF4-FFF2-40B4-BE49-F238E27FC236}">
+                <a16:creationId xmlns:a16="http://schemas.microsoft.com/office/drawing/2014/main" id="{83A15EBB-5F6B-4E66-8887-F8404C9AF785}"/>
+              </a:ext>
+            </a:extLst>
+          </p:cNvPr>
+          <p:cNvSpPr txBox="1"/>
+          <p:nvPr/>
+        </p:nvSpPr>
+        <p:spPr>
+          <a:xfrm>
+            <a:off x="3910515" y="5545993"/>
+            <a:ext cx="2384189" cy="954107"/>
+          </a:xfrm>
+          <a:prstGeom prst="rect">
+            <a:avLst/>
+          </a:prstGeom>
+          <a:noFill/>
+          <a:ln>
+            <a:solidFill>
+              <a:schemeClr val="tx1"/>
+            </a:solidFill>
+          </a:ln>
+        </p:spPr>
+        <p:txBody>
+          <a:bodyPr wrap="square" rtlCol="0">
+            <a:spAutoFit/>
+          </a:bodyPr>
+          <a:lstStyle/>
+          <a:p>
+            <a:r>
+              <a:rPr lang="en-US" sz="1400" b="1" dirty="0"/>
+              <a:t>Legend for </a:t>
+            </a:r>
+            <a:r>
+              <a:rPr lang="en-US" sz="1400" b="1" dirty="0" err="1"/>
+              <a:t>classed_img</a:t>
+            </a:r>
+            <a:r>
+              <a:rPr lang="en-US" sz="1400" b="1" dirty="0"/>
+              <a:t>:</a:t>
+            </a:r>
+          </a:p>
+          <a:p>
+            <a:r>
+              <a:rPr lang="en-US" sz="1400" dirty="0"/>
+              <a:t>Single soy = 0</a:t>
+            </a:r>
+          </a:p>
+          <a:p>
+            <a:r>
+              <a:rPr lang="en-US" sz="1400" dirty="0"/>
+              <a:t>Double soy = 1</a:t>
+            </a:r>
+          </a:p>
+          <a:p>
+            <a:r>
+              <a:rPr lang="en-US" sz="1400" dirty="0"/>
+              <a:t>Other </a:t>
+            </a:r>
+            <a:r>
+              <a:rPr lang="en-US" sz="1400" dirty="0" err="1"/>
+              <a:t>agri</a:t>
+            </a:r>
+            <a:r>
+              <a:rPr lang="en-US" sz="1400" dirty="0"/>
+              <a:t> = 2</a:t>
+            </a:r>
+          </a:p>
+        </p:txBody>
+      </p:sp>
+      <p:sp>
+        <p:nvSpPr>
+          <p:cNvPr id="38" name="TextBox 37">
+            <a:extLst>
+              <a:ext uri="{FF2B5EF4-FFF2-40B4-BE49-F238E27FC236}">
+                <a16:creationId xmlns:a16="http://schemas.microsoft.com/office/drawing/2014/main" id="{7C059894-168B-4E4E-A661-8A29896F2A2D}"/>
+              </a:ext>
+            </a:extLst>
+          </p:cNvPr>
+          <p:cNvSpPr txBox="1"/>
+          <p:nvPr/>
+        </p:nvSpPr>
+        <p:spPr>
+          <a:xfrm>
+            <a:off x="6581318" y="5747226"/>
+            <a:ext cx="2384189" cy="738664"/>
+          </a:xfrm>
+          <a:prstGeom prst="rect">
+            <a:avLst/>
+          </a:prstGeom>
+          <a:noFill/>
+          <a:ln>
+            <a:solidFill>
+              <a:schemeClr val="tx1"/>
+            </a:solidFill>
+          </a:ln>
+        </p:spPr>
+        <p:txBody>
+          <a:bodyPr wrap="square" rtlCol="0">
+            <a:spAutoFit/>
+          </a:bodyPr>
+          <a:lstStyle/>
+          <a:p>
+            <a:r>
+              <a:rPr lang="en-US" sz="1400" b="1" dirty="0"/>
+              <a:t>Legend for </a:t>
+            </a:r>
+            <a:r>
+              <a:rPr lang="en-US" sz="1400" b="1" dirty="0" err="1"/>
+              <a:t>mapbiomas</a:t>
+            </a:r>
+            <a:r>
+              <a:rPr lang="en-US" sz="1400" b="1" dirty="0"/>
+              <a:t>:</a:t>
+            </a:r>
+          </a:p>
+          <a:p>
+            <a:r>
+              <a:rPr lang="en-US" sz="1400" dirty="0"/>
+              <a:t>Map2.3: </a:t>
+            </a:r>
+            <a:r>
+              <a:rPr lang="en-US" sz="1400" dirty="0" err="1"/>
+              <a:t>agri</a:t>
+            </a:r>
+            <a:r>
+              <a:rPr lang="en-US" sz="1400" dirty="0"/>
+              <a:t> = 18</a:t>
+            </a:r>
+          </a:p>
+          <a:p>
+            <a:r>
+              <a:rPr lang="en-US" sz="1400" dirty="0"/>
+              <a:t>Map3: </a:t>
+            </a:r>
+            <a:r>
+              <a:rPr lang="en-US" sz="1400" dirty="0" err="1"/>
+              <a:t>agri</a:t>
+            </a:r>
+            <a:r>
+              <a:rPr lang="en-US" sz="1400" dirty="0"/>
+              <a:t> = 19</a:t>
+            </a:r>
+          </a:p>
+        </p:txBody>
+      </p:sp>
     </p:spTree>
     <p:extLst>
       <p:ext uri="{BB962C8B-B14F-4D97-AF65-F5344CB8AC3E}">
@@ -6749,7 +6846,7 @@
         <p:spPr>
           <a:xfrm>
             <a:off x="0" y="1263075"/>
-            <a:ext cx="5510960" cy="369332"/>
+            <a:ext cx="4572000" cy="3416320"/>
           </a:xfrm>
           <a:prstGeom prst="rect">
             <a:avLst/>
@@ -6765,7 +6862,118 @@
               <a:rPr lang="en-US" b="1" dirty="0"/>
               <a:t>Variations on classification</a:t>
             </a:r>
-            <a:endParaRPr lang="en-US" dirty="0"/>
+          </a:p>
+          <a:p>
+            <a:pPr marL="285750" indent="-285750">
+              <a:buFontTx/>
+              <a:buChar char="-"/>
+            </a:pPr>
+            <a:r>
+              <a:rPr lang="en-US" dirty="0"/>
+              <a:t>New training data:</a:t>
+            </a:r>
+          </a:p>
+          <a:p>
+            <a:pPr marL="742950" lvl="1" indent="-285750">
+              <a:buFontTx/>
+              <a:buChar char="-"/>
+            </a:pPr>
+            <a:r>
+              <a:rPr lang="en-US" dirty="0"/>
+              <a:t>MODIS EVI</a:t>
+            </a:r>
+          </a:p>
+          <a:p>
+            <a:pPr marL="742950" lvl="1" indent="-285750">
+              <a:buFontTx/>
+              <a:buChar char="-"/>
+            </a:pPr>
+            <a:r>
+              <a:rPr lang="en-US" dirty="0"/>
+              <a:t>Cloud filtered MODIS</a:t>
+            </a:r>
+          </a:p>
+          <a:p>
+            <a:pPr marL="285750" indent="-285750">
+              <a:buFontTx/>
+              <a:buChar char="-"/>
+            </a:pPr>
+            <a:r>
+              <a:rPr lang="en-US" dirty="0"/>
+              <a:t>Pre classification masking of soy points:</a:t>
+            </a:r>
+          </a:p>
+          <a:p>
+            <a:pPr marL="742950" lvl="1" indent="-285750">
+              <a:buFontTx/>
+              <a:buChar char="-"/>
+            </a:pPr>
+            <a:r>
+              <a:rPr lang="en-US" dirty="0"/>
+              <a:t>None (original Jake)</a:t>
+            </a:r>
+          </a:p>
+          <a:p>
+            <a:pPr marL="742950" lvl="1" indent="-285750">
+              <a:buFontTx/>
+              <a:buChar char="-"/>
+            </a:pPr>
+            <a:r>
+              <a:rPr lang="en-US" dirty="0" err="1"/>
+              <a:t>Mapbiomas</a:t>
+            </a:r>
+            <a:r>
+              <a:rPr lang="en-US" dirty="0"/>
+              <a:t> 3</a:t>
+            </a:r>
+          </a:p>
+          <a:p>
+            <a:pPr marL="285750" indent="-285750">
+              <a:buFontTx/>
+              <a:buChar char="-"/>
+            </a:pPr>
+            <a:r>
+              <a:rPr lang="en-US" dirty="0"/>
+              <a:t>Post classification masking of classified image:</a:t>
+            </a:r>
+          </a:p>
+          <a:p>
+            <a:pPr marL="742950" lvl="1" indent="-285750">
+              <a:buFontTx/>
+              <a:buChar char="-"/>
+            </a:pPr>
+            <a:r>
+              <a:rPr lang="en-US" dirty="0" err="1"/>
+              <a:t>Mapbiomas</a:t>
+            </a:r>
+            <a:r>
+              <a:rPr lang="en-US" dirty="0"/>
+              <a:t> 2.3 (original Jake)</a:t>
+            </a:r>
+          </a:p>
+          <a:p>
+            <a:pPr marL="742950" lvl="1" indent="-285750">
+              <a:buFontTx/>
+              <a:buChar char="-"/>
+            </a:pPr>
+            <a:r>
+              <a:rPr lang="en-US" dirty="0" err="1"/>
+              <a:t>Mapbiomas</a:t>
+            </a:r>
+            <a:r>
+              <a:rPr lang="en-US" dirty="0"/>
+              <a:t> 3</a:t>
+            </a:r>
+          </a:p>
+          <a:p>
+            <a:pPr marL="742950" lvl="1" indent="-285750">
+              <a:buFontTx/>
+              <a:buChar char="-"/>
+            </a:pPr>
+            <a:r>
+              <a:rPr lang="en-US" dirty="0"/>
+              <a:t>None </a:t>
+            </a:r>
           </a:p>
         </p:txBody>
       </p:sp>
@@ -6783,8 +6991,8 @@
         </p:nvSpPr>
         <p:spPr>
           <a:xfrm>
-            <a:off x="152400" y="3351648"/>
-            <a:ext cx="5510960" cy="923330"/>
+            <a:off x="4734791" y="1263075"/>
+            <a:ext cx="4211782" cy="1754326"/>
           </a:xfrm>
           <a:prstGeom prst="rect">
             <a:avLst/>
@@ -6809,6 +7017,52 @@
             <a:r>
               <a:rPr lang="en-US" dirty="0"/>
               <a:t>Overall accuracy from confusion matrix</a:t>
+            </a:r>
+          </a:p>
+          <a:p>
+            <a:pPr marL="285750" indent="-285750">
+              <a:buFontTx/>
+              <a:buChar char="-"/>
+            </a:pPr>
+            <a:r>
+              <a:rPr lang="en-US" dirty="0"/>
+              <a:t>Accuracy by region (MT and </a:t>
+            </a:r>
+            <a:r>
+              <a:rPr lang="en-US" dirty="0" err="1"/>
+              <a:t>Matopiba</a:t>
+            </a:r>
+            <a:r>
+              <a:rPr lang="en-US" dirty="0"/>
+              <a:t>)</a:t>
+            </a:r>
+          </a:p>
+          <a:p>
+            <a:pPr marL="285750" indent="-285750">
+              <a:buFontTx/>
+              <a:buChar char="-"/>
+            </a:pPr>
+            <a:r>
+              <a:rPr lang="en-US" dirty="0">
+                <a:solidFill>
+                  <a:srgbClr val="FF0000"/>
+                </a:solidFill>
+              </a:rPr>
+              <a:t>Accuracy assuming mb3 is correct</a:t>
+            </a:r>
+          </a:p>
+          <a:p>
+            <a:pPr marL="285750" indent="-285750">
+              <a:buFontTx/>
+              <a:buChar char="-"/>
+            </a:pPr>
+            <a:r>
+              <a:rPr lang="en-US" dirty="0">
+                <a:solidFill>
+                  <a:srgbClr val="FF0000"/>
+                </a:solidFill>
+              </a:rPr>
+              <a:t>‘reasonableness’ of timing images</a:t>
             </a:r>
           </a:p>
           <a:p>

--- a/January 19 2019.pptx
+++ b/January 19 2019.pptx
@@ -12,6 +12,9 @@
     <p:sldId id="260" r:id="rId6"/>
     <p:sldId id="261" r:id="rId7"/>
     <p:sldId id="262" r:id="rId8"/>
+    <p:sldId id="263" r:id="rId9"/>
+    <p:sldId id="264" r:id="rId10"/>
+    <p:sldId id="265" r:id="rId11"/>
   </p:sldIdLst>
   <p:sldSz cx="9144000" cy="6858000" type="screen4x3"/>
   <p:notesSz cx="6858000" cy="9144000"/>
@@ -112,7 +115,7 @@
   </p:defaultTextStyle>
   <p:extLst>
     <p:ext uri="{EFAFB233-063F-42B5-8137-9DF3F51BA10A}">
-      <p15:sldGuideLst xmlns:p15="http://schemas.microsoft.com/office/powerpoint/2012/main">
+      <p15:sldGuideLst xmlns:p15="http://schemas.microsoft.com/office/powerpoint/2012/main" xmlns="">
         <p15:guide id="1" orient="horz" pos="2160">
           <p15:clr>
             <a:srgbClr val="A4A3A4"/>
@@ -308,7 +311,7 @@
           <a:p>
             <a:fld id="{4ED42B7B-5B47-6B4D-9CEC-D1513411F071}" type="datetimeFigureOut">
               <a:rPr lang="en-US" smtClean="0"/>
-              <a:t>1/15/2019</a:t>
+              <a:t>1/15/19</a:t>
             </a:fld>
             <a:endParaRPr lang="en-US"/>
           </a:p>
@@ -476,7 +479,7 @@
           <a:p>
             <a:fld id="{4ED42B7B-5B47-6B4D-9CEC-D1513411F071}" type="datetimeFigureOut">
               <a:rPr lang="en-US" smtClean="0"/>
-              <a:t>1/15/2019</a:t>
+              <a:t>1/15/19</a:t>
             </a:fld>
             <a:endParaRPr lang="en-US"/>
           </a:p>
@@ -654,7 +657,7 @@
           <a:p>
             <a:fld id="{4ED42B7B-5B47-6B4D-9CEC-D1513411F071}" type="datetimeFigureOut">
               <a:rPr lang="en-US" smtClean="0"/>
-              <a:t>1/15/2019</a:t>
+              <a:t>1/15/19</a:t>
             </a:fld>
             <a:endParaRPr lang="en-US"/>
           </a:p>
@@ -822,7 +825,7 @@
           <a:p>
             <a:fld id="{4ED42B7B-5B47-6B4D-9CEC-D1513411F071}" type="datetimeFigureOut">
               <a:rPr lang="en-US" smtClean="0"/>
-              <a:t>1/15/2019</a:t>
+              <a:t>1/15/19</a:t>
             </a:fld>
             <a:endParaRPr lang="en-US"/>
           </a:p>
@@ -1067,7 +1070,7 @@
           <a:p>
             <a:fld id="{4ED42B7B-5B47-6B4D-9CEC-D1513411F071}" type="datetimeFigureOut">
               <a:rPr lang="en-US" smtClean="0"/>
-              <a:t>1/15/2019</a:t>
+              <a:t>1/15/19</a:t>
             </a:fld>
             <a:endParaRPr lang="en-US"/>
           </a:p>
@@ -1352,7 +1355,7 @@
           <a:p>
             <a:fld id="{4ED42B7B-5B47-6B4D-9CEC-D1513411F071}" type="datetimeFigureOut">
               <a:rPr lang="en-US" smtClean="0"/>
-              <a:t>1/15/2019</a:t>
+              <a:t>1/15/19</a:t>
             </a:fld>
             <a:endParaRPr lang="en-US"/>
           </a:p>
@@ -1771,7 +1774,7 @@
           <a:p>
             <a:fld id="{4ED42B7B-5B47-6B4D-9CEC-D1513411F071}" type="datetimeFigureOut">
               <a:rPr lang="en-US" smtClean="0"/>
-              <a:t>1/15/2019</a:t>
+              <a:t>1/15/19</a:t>
             </a:fld>
             <a:endParaRPr lang="en-US"/>
           </a:p>
@@ -1888,7 +1891,7 @@
           <a:p>
             <a:fld id="{4ED42B7B-5B47-6B4D-9CEC-D1513411F071}" type="datetimeFigureOut">
               <a:rPr lang="en-US" smtClean="0"/>
-              <a:t>1/15/2019</a:t>
+              <a:t>1/15/19</a:t>
             </a:fld>
             <a:endParaRPr lang="en-US"/>
           </a:p>
@@ -1983,7 +1986,7 @@
           <a:p>
             <a:fld id="{4ED42B7B-5B47-6B4D-9CEC-D1513411F071}" type="datetimeFigureOut">
               <a:rPr lang="en-US" smtClean="0"/>
-              <a:t>1/15/2019</a:t>
+              <a:t>1/15/19</a:t>
             </a:fld>
             <a:endParaRPr lang="en-US"/>
           </a:p>
@@ -2258,7 +2261,7 @@
           <a:p>
             <a:fld id="{4ED42B7B-5B47-6B4D-9CEC-D1513411F071}" type="datetimeFigureOut">
               <a:rPr lang="en-US" smtClean="0"/>
-              <a:t>1/15/2019</a:t>
+              <a:t>1/15/19</a:t>
             </a:fld>
             <a:endParaRPr lang="en-US"/>
           </a:p>
@@ -2510,7 +2513,7 @@
           <a:p>
             <a:fld id="{4ED42B7B-5B47-6B4D-9CEC-D1513411F071}" type="datetimeFigureOut">
               <a:rPr lang="en-US" smtClean="0"/>
-              <a:t>1/15/2019</a:t>
+              <a:t>1/15/19</a:t>
             </a:fld>
             <a:endParaRPr lang="en-US"/>
           </a:p>
@@ -2721,7 +2724,7 @@
           <a:p>
             <a:fld id="{4ED42B7B-5B47-6B4D-9CEC-D1513411F071}" type="datetimeFigureOut">
               <a:rPr lang="en-US" smtClean="0"/>
-              <a:t>1/15/2019</a:t>
+              <a:t>1/15/19</a:t>
             </a:fld>
             <a:endParaRPr lang="en-US"/>
           </a:p>
@@ -3160,6 +3163,204 @@
 </p:sld>
 </file>
 
+<file path=ppt/slides/slide10.xml><?xml version="1.0" encoding="utf-8"?>
+<p:sld xmlns:a="http://schemas.openxmlformats.org/drawingml/2006/main" xmlns:r="http://schemas.openxmlformats.org/officeDocument/2006/relationships" xmlns:p="http://schemas.openxmlformats.org/presentationml/2006/main">
+  <p:cSld>
+    <p:spTree>
+      <p:nvGrpSpPr>
+        <p:cNvPr id="1" name=""/>
+        <p:cNvGrpSpPr/>
+        <p:nvPr/>
+      </p:nvGrpSpPr>
+      <p:grpSpPr>
+        <a:xfrm>
+          <a:off x="0" y="0"/>
+          <a:ext cx="0" cy="0"/>
+          <a:chOff x="0" y="0"/>
+          <a:chExt cx="0" cy="0"/>
+        </a:xfrm>
+      </p:grpSpPr>
+      <p:pic>
+        <p:nvPicPr>
+          <p:cNvPr id="2" name="Picture 1"/>
+          <p:cNvPicPr>
+            <a:picLocks noChangeAspect="1"/>
+          </p:cNvPicPr>
+          <p:nvPr/>
+        </p:nvPicPr>
+        <p:blipFill>
+          <a:blip r:embed="rId2"/>
+          <a:stretch>
+            <a:fillRect/>
+          </a:stretch>
+        </p:blipFill>
+        <p:spPr>
+          <a:xfrm>
+            <a:off x="1354452" y="1460525"/>
+            <a:ext cx="6755793" cy="2479376"/>
+          </a:xfrm>
+          <a:prstGeom prst="rect">
+            <a:avLst/>
+          </a:prstGeom>
+        </p:spPr>
+      </p:pic>
+      <p:sp>
+        <p:nvSpPr>
+          <p:cNvPr id="3" name="TextBox 2"/>
+          <p:cNvSpPr txBox="1"/>
+          <p:nvPr/>
+        </p:nvSpPr>
+        <p:spPr>
+          <a:xfrm>
+            <a:off x="191961" y="132914"/>
+            <a:ext cx="4540388" cy="369332"/>
+          </a:xfrm>
+          <a:prstGeom prst="rect">
+            <a:avLst/>
+          </a:prstGeom>
+          <a:noFill/>
+        </p:spPr>
+        <p:txBody>
+          <a:bodyPr wrap="none" rtlCol="0">
+            <a:spAutoFit/>
+          </a:bodyPr>
+          <a:lstStyle/>
+          <a:p>
+            <a:r>
+              <a:rPr lang="en-US" dirty="0" smtClean="0"/>
+              <a:t>GEE file: </a:t>
+            </a:r>
+            <a:r>
+              <a:rPr lang="en-US" dirty="0" err="1" smtClean="0"/>
+              <a:t>LandCover</a:t>
+            </a:r>
+            <a:r>
+              <a:rPr lang="en-US" dirty="0" smtClean="0"/>
+              <a:t>/Soy Classification Masking</a:t>
+            </a:r>
+            <a:endParaRPr lang="en-US" dirty="0"/>
+          </a:p>
+        </p:txBody>
+      </p:sp>
+      <p:sp>
+        <p:nvSpPr>
+          <p:cNvPr id="4" name="TextBox 3"/>
+          <p:cNvSpPr txBox="1"/>
+          <p:nvPr/>
+        </p:nvSpPr>
+        <p:spPr>
+          <a:xfrm>
+            <a:off x="280559" y="679339"/>
+            <a:ext cx="2456021" cy="646331"/>
+          </a:xfrm>
+          <a:prstGeom prst="rect">
+            <a:avLst/>
+          </a:prstGeom>
+          <a:noFill/>
+        </p:spPr>
+        <p:txBody>
+          <a:bodyPr wrap="none" rtlCol="0">
+            <a:spAutoFit/>
+          </a:bodyPr>
+          <a:lstStyle/>
+          <a:p>
+            <a:r>
+              <a:rPr lang="en-US" dirty="0" smtClean="0"/>
+              <a:t>Green = </a:t>
+            </a:r>
+            <a:r>
+              <a:rPr lang="en-US" dirty="0" err="1" smtClean="0"/>
+              <a:t>mapbiomas</a:t>
+            </a:r>
+            <a:r>
+              <a:rPr lang="en-US" dirty="0" smtClean="0"/>
+              <a:t> 3</a:t>
+            </a:r>
+          </a:p>
+          <a:p>
+            <a:r>
+              <a:rPr lang="en-US" dirty="0" smtClean="0"/>
+              <a:t>Purple = </a:t>
+            </a:r>
+            <a:r>
+              <a:rPr lang="en-US" dirty="0" err="1" smtClean="0"/>
+              <a:t>mapbiomas</a:t>
+            </a:r>
+            <a:r>
+              <a:rPr lang="en-US" dirty="0" smtClean="0"/>
+              <a:t> 2.3</a:t>
+            </a:r>
+            <a:endParaRPr lang="en-US" dirty="0"/>
+          </a:p>
+        </p:txBody>
+      </p:sp>
+      <p:sp>
+        <p:nvSpPr>
+          <p:cNvPr id="5" name="TextBox 4"/>
+          <p:cNvSpPr txBox="1"/>
+          <p:nvPr/>
+        </p:nvSpPr>
+        <p:spPr>
+          <a:xfrm>
+            <a:off x="3868758" y="956338"/>
+            <a:ext cx="5070468" cy="369332"/>
+          </a:xfrm>
+          <a:prstGeom prst="rect">
+            <a:avLst/>
+          </a:prstGeom>
+          <a:noFill/>
+        </p:spPr>
+        <p:txBody>
+          <a:bodyPr wrap="none" rtlCol="0">
+            <a:spAutoFit/>
+          </a:bodyPr>
+          <a:lstStyle/>
+          <a:p>
+            <a:r>
+              <a:rPr lang="en-US" dirty="0" smtClean="0"/>
+              <a:t>Map3 seems to be able to catch center pivot better!</a:t>
+            </a:r>
+            <a:endParaRPr lang="en-US" dirty="0"/>
+          </a:p>
+        </p:txBody>
+      </p:sp>
+      <p:pic>
+        <p:nvPicPr>
+          <p:cNvPr id="6" name="Picture 5"/>
+          <p:cNvPicPr>
+            <a:picLocks noChangeAspect="1"/>
+          </p:cNvPicPr>
+          <p:nvPr/>
+        </p:nvPicPr>
+        <p:blipFill>
+          <a:blip r:embed="rId3"/>
+          <a:stretch>
+            <a:fillRect/>
+          </a:stretch>
+        </p:blipFill>
+        <p:spPr>
+          <a:xfrm>
+            <a:off x="1225599" y="3939901"/>
+            <a:ext cx="6869997" cy="2918099"/>
+          </a:xfrm>
+          <a:prstGeom prst="rect">
+            <a:avLst/>
+          </a:prstGeom>
+        </p:spPr>
+      </p:pic>
+    </p:spTree>
+    <p:extLst>
+      <p:ext uri="{BB962C8B-B14F-4D97-AF65-F5344CB8AC3E}">
+        <p14:creationId xmlns:p14="http://schemas.microsoft.com/office/powerpoint/2010/main" val="472432239"/>
+      </p:ext>
+    </p:extLst>
+  </p:cSld>
+  <p:clrMapOvr>
+    <a:masterClrMapping/>
+  </p:clrMapOvr>
+</p:sld>
+</file>
+
 <file path=ppt/slides/slide2.xml><?xml version="1.0" encoding="utf-8"?>
 <p:sld xmlns:a="http://schemas.openxmlformats.org/drawingml/2006/main" xmlns:r="http://schemas.openxmlformats.org/officeDocument/2006/relationships" xmlns:p="http://schemas.openxmlformats.org/presentationml/2006/main">
   <p:cSld>
@@ -5338,7 +5539,7 @@
           <p:cNvPr id="2" name="Rectangle 1">
             <a:extLst>
               <a:ext uri="{FF2B5EF4-FFF2-40B4-BE49-F238E27FC236}">
-                <a16:creationId xmlns:a16="http://schemas.microsoft.com/office/drawing/2014/main" id="{3D073C0E-0B63-4498-88EE-830A1C99F3A8}"/>
+                <a16:creationId xmlns:a16="http://schemas.microsoft.com/office/drawing/2014/main" xmlns="" id="{3D073C0E-0B63-4498-88EE-830A1C99F3A8}"/>
               </a:ext>
             </a:extLst>
           </p:cNvPr>
@@ -5386,7 +5587,7 @@
           <p:cNvPr id="4" name="TextBox 3">
             <a:extLst>
               <a:ext uri="{FF2B5EF4-FFF2-40B4-BE49-F238E27FC236}">
-                <a16:creationId xmlns:a16="http://schemas.microsoft.com/office/drawing/2014/main" id="{53BA5805-4815-4DFB-A3B0-9EE75139349D}"/>
+                <a16:creationId xmlns:a16="http://schemas.microsoft.com/office/drawing/2014/main" xmlns="" id="{53BA5805-4815-4DFB-A3B0-9EE75139349D}"/>
               </a:ext>
             </a:extLst>
           </p:cNvPr>
@@ -5438,7 +5639,7 @@
           <p:cNvPr id="5" name="TextBox 4">
             <a:extLst>
               <a:ext uri="{FF2B5EF4-FFF2-40B4-BE49-F238E27FC236}">
-                <a16:creationId xmlns:a16="http://schemas.microsoft.com/office/drawing/2014/main" id="{D13A418A-6A09-4063-ABF2-79DAC7E9BD86}"/>
+                <a16:creationId xmlns:a16="http://schemas.microsoft.com/office/drawing/2014/main" xmlns="" id="{D13A418A-6A09-4063-ABF2-79DAC7E9BD86}"/>
               </a:ext>
             </a:extLst>
           </p:cNvPr>
@@ -5484,7 +5685,7 @@
           <p:cNvPr id="6" name="TextBox 5">
             <a:extLst>
               <a:ext uri="{FF2B5EF4-FFF2-40B4-BE49-F238E27FC236}">
-                <a16:creationId xmlns:a16="http://schemas.microsoft.com/office/drawing/2014/main" id="{C7628308-E941-4CEB-8E88-E4C24F850CE4}"/>
+                <a16:creationId xmlns:a16="http://schemas.microsoft.com/office/drawing/2014/main" xmlns="" id="{C7628308-E941-4CEB-8E88-E4C24F850CE4}"/>
               </a:ext>
             </a:extLst>
           </p:cNvPr>
@@ -5533,7 +5734,7 @@
           <p:cNvPr id="7" name="TextBox 6">
             <a:extLst>
               <a:ext uri="{FF2B5EF4-FFF2-40B4-BE49-F238E27FC236}">
-                <a16:creationId xmlns:a16="http://schemas.microsoft.com/office/drawing/2014/main" id="{E329F720-DE85-457F-BB52-FEE3D2C3E222}"/>
+                <a16:creationId xmlns:a16="http://schemas.microsoft.com/office/drawing/2014/main" xmlns="" id="{E329F720-DE85-457F-BB52-FEE3D2C3E222}"/>
               </a:ext>
             </a:extLst>
           </p:cNvPr>
@@ -5574,7 +5775,7 @@
           <p:cNvPr id="8" name="TextBox 7">
             <a:extLst>
               <a:ext uri="{FF2B5EF4-FFF2-40B4-BE49-F238E27FC236}">
-                <a16:creationId xmlns:a16="http://schemas.microsoft.com/office/drawing/2014/main" id="{F82FC533-76D8-4E5C-AD48-3BD1EBBE75EA}"/>
+                <a16:creationId xmlns:a16="http://schemas.microsoft.com/office/drawing/2014/main" xmlns="" id="{F82FC533-76D8-4E5C-AD48-3BD1EBBE75EA}"/>
               </a:ext>
             </a:extLst>
           </p:cNvPr>
@@ -5615,7 +5816,7 @@
           <p:cNvPr id="10" name="Straight Arrow Connector 9">
             <a:extLst>
               <a:ext uri="{FF2B5EF4-FFF2-40B4-BE49-F238E27FC236}">
-                <a16:creationId xmlns:a16="http://schemas.microsoft.com/office/drawing/2014/main" id="{797C1FAD-F13C-4F29-A2BC-0542E1D5178A}"/>
+                <a16:creationId xmlns:a16="http://schemas.microsoft.com/office/drawing/2014/main" xmlns="" id="{797C1FAD-F13C-4F29-A2BC-0542E1D5178A}"/>
               </a:ext>
             </a:extLst>
           </p:cNvPr>
@@ -5661,7 +5862,7 @@
           <p:cNvPr id="11" name="Straight Arrow Connector 10">
             <a:extLst>
               <a:ext uri="{FF2B5EF4-FFF2-40B4-BE49-F238E27FC236}">
-                <a16:creationId xmlns:a16="http://schemas.microsoft.com/office/drawing/2014/main" id="{62EE8C58-1D1B-4AE7-BF3D-A0F0D56DB49D}"/>
+                <a16:creationId xmlns:a16="http://schemas.microsoft.com/office/drawing/2014/main" xmlns="" id="{62EE8C58-1D1B-4AE7-BF3D-A0F0D56DB49D}"/>
               </a:ext>
             </a:extLst>
           </p:cNvPr>
@@ -5707,7 +5908,7 @@
           <p:cNvPr id="14" name="Straight Arrow Connector 13">
             <a:extLst>
               <a:ext uri="{FF2B5EF4-FFF2-40B4-BE49-F238E27FC236}">
-                <a16:creationId xmlns:a16="http://schemas.microsoft.com/office/drawing/2014/main" id="{813F02CA-CF9E-4907-A047-A1D22957D875}"/>
+                <a16:creationId xmlns:a16="http://schemas.microsoft.com/office/drawing/2014/main" xmlns="" id="{813F02CA-CF9E-4907-A047-A1D22957D875}"/>
               </a:ext>
             </a:extLst>
           </p:cNvPr>
@@ -5754,7 +5955,7 @@
           <p:cNvPr id="17" name="TextBox 16">
             <a:extLst>
               <a:ext uri="{FF2B5EF4-FFF2-40B4-BE49-F238E27FC236}">
-                <a16:creationId xmlns:a16="http://schemas.microsoft.com/office/drawing/2014/main" id="{27C640BE-71FC-4084-9E14-C99A65BE39D2}"/>
+                <a16:creationId xmlns:a16="http://schemas.microsoft.com/office/drawing/2014/main" xmlns="" id="{27C640BE-71FC-4084-9E14-C99A65BE39D2}"/>
               </a:ext>
             </a:extLst>
           </p:cNvPr>
@@ -5792,7 +5993,7 @@
           <p:cNvPr id="18" name="Straight Arrow Connector 17">
             <a:extLst>
               <a:ext uri="{FF2B5EF4-FFF2-40B4-BE49-F238E27FC236}">
-                <a16:creationId xmlns:a16="http://schemas.microsoft.com/office/drawing/2014/main" id="{77DDDF35-E698-40DE-B091-C5A1529B82F9}"/>
+                <a16:creationId xmlns:a16="http://schemas.microsoft.com/office/drawing/2014/main" xmlns="" id="{77DDDF35-E698-40DE-B091-C5A1529B82F9}"/>
               </a:ext>
             </a:extLst>
           </p:cNvPr>
@@ -5839,7 +6040,7 @@
           <p:cNvPr id="35" name="TextBox 34">
             <a:extLst>
               <a:ext uri="{FF2B5EF4-FFF2-40B4-BE49-F238E27FC236}">
-                <a16:creationId xmlns:a16="http://schemas.microsoft.com/office/drawing/2014/main" id="{39CC1429-A401-423B-AE2A-92350CD2B04F}"/>
+                <a16:creationId xmlns:a16="http://schemas.microsoft.com/office/drawing/2014/main" xmlns="" id="{39CC1429-A401-423B-AE2A-92350CD2B04F}"/>
               </a:ext>
             </a:extLst>
           </p:cNvPr>
@@ -5879,7 +6080,7 @@
           <p:cNvPr id="36" name="TextBox 35">
             <a:extLst>
               <a:ext uri="{FF2B5EF4-FFF2-40B4-BE49-F238E27FC236}">
-                <a16:creationId xmlns:a16="http://schemas.microsoft.com/office/drawing/2014/main" id="{3063C5A0-5F8D-483C-AD4C-D1058588A89B}"/>
+                <a16:creationId xmlns:a16="http://schemas.microsoft.com/office/drawing/2014/main" xmlns="" id="{3063C5A0-5F8D-483C-AD4C-D1058588A89B}"/>
               </a:ext>
             </a:extLst>
           </p:cNvPr>
@@ -5919,7 +6120,7 @@
           <p:cNvPr id="37" name="Straight Arrow Connector 36">
             <a:extLst>
               <a:ext uri="{FF2B5EF4-FFF2-40B4-BE49-F238E27FC236}">
-                <a16:creationId xmlns:a16="http://schemas.microsoft.com/office/drawing/2014/main" id="{1D6BEA29-7AC0-4C5D-AFA4-1AB93B3A520A}"/>
+                <a16:creationId xmlns:a16="http://schemas.microsoft.com/office/drawing/2014/main" xmlns="" id="{1D6BEA29-7AC0-4C5D-AFA4-1AB93B3A520A}"/>
               </a:ext>
             </a:extLst>
           </p:cNvPr>
@@ -5966,7 +6167,7 @@
           <p:cNvPr id="40" name="TextBox 39">
             <a:extLst>
               <a:ext uri="{FF2B5EF4-FFF2-40B4-BE49-F238E27FC236}">
-                <a16:creationId xmlns:a16="http://schemas.microsoft.com/office/drawing/2014/main" id="{AF652BA2-B19C-4FCC-AFF1-E72AA0DBA855}"/>
+                <a16:creationId xmlns:a16="http://schemas.microsoft.com/office/drawing/2014/main" xmlns="" id="{AF652BA2-B19C-4FCC-AFF1-E72AA0DBA855}"/>
               </a:ext>
             </a:extLst>
           </p:cNvPr>
@@ -6004,7 +6205,7 @@
           <p:cNvPr id="41" name="Straight Arrow Connector 40">
             <a:extLst>
               <a:ext uri="{FF2B5EF4-FFF2-40B4-BE49-F238E27FC236}">
-                <a16:creationId xmlns:a16="http://schemas.microsoft.com/office/drawing/2014/main" id="{FFCE516D-9F28-49BD-B799-B2FC9446A864}"/>
+                <a16:creationId xmlns:a16="http://schemas.microsoft.com/office/drawing/2014/main" xmlns="" id="{FFCE516D-9F28-49BD-B799-B2FC9446A864}"/>
               </a:ext>
             </a:extLst>
           </p:cNvPr>
@@ -6051,7 +6252,7 @@
           <p:cNvPr id="47" name="Straight Arrow Connector 46">
             <a:extLst>
               <a:ext uri="{FF2B5EF4-FFF2-40B4-BE49-F238E27FC236}">
-                <a16:creationId xmlns:a16="http://schemas.microsoft.com/office/drawing/2014/main" id="{3286198B-E1A5-41A5-BFB7-4800BC294A32}"/>
+                <a16:creationId xmlns:a16="http://schemas.microsoft.com/office/drawing/2014/main" xmlns="" id="{3286198B-E1A5-41A5-BFB7-4800BC294A32}"/>
               </a:ext>
             </a:extLst>
           </p:cNvPr>
@@ -6097,7 +6298,7 @@
           <p:cNvPr id="52" name="TextBox 51">
             <a:extLst>
               <a:ext uri="{FF2B5EF4-FFF2-40B4-BE49-F238E27FC236}">
-                <a16:creationId xmlns:a16="http://schemas.microsoft.com/office/drawing/2014/main" id="{A7BEBC0A-22D5-404B-969E-527EC8D40760}"/>
+                <a16:creationId xmlns:a16="http://schemas.microsoft.com/office/drawing/2014/main" xmlns="" id="{A7BEBC0A-22D5-404B-969E-527EC8D40760}"/>
               </a:ext>
             </a:extLst>
           </p:cNvPr>
@@ -6135,7 +6336,7 @@
           <p:cNvPr id="53" name="TextBox 52">
             <a:extLst>
               <a:ext uri="{FF2B5EF4-FFF2-40B4-BE49-F238E27FC236}">
-                <a16:creationId xmlns:a16="http://schemas.microsoft.com/office/drawing/2014/main" id="{B39C4787-9E31-4723-B7D4-E268E18DDE78}"/>
+                <a16:creationId xmlns:a16="http://schemas.microsoft.com/office/drawing/2014/main" xmlns="" id="{B39C4787-9E31-4723-B7D4-E268E18DDE78}"/>
               </a:ext>
             </a:extLst>
           </p:cNvPr>
@@ -6175,7 +6376,7 @@
           <p:cNvPr id="54" name="Straight Arrow Connector 53">
             <a:extLst>
               <a:ext uri="{FF2B5EF4-FFF2-40B4-BE49-F238E27FC236}">
-                <a16:creationId xmlns:a16="http://schemas.microsoft.com/office/drawing/2014/main" id="{08B2DD7A-76A6-4A9E-B00F-E1B140242E95}"/>
+                <a16:creationId xmlns:a16="http://schemas.microsoft.com/office/drawing/2014/main" xmlns="" id="{08B2DD7A-76A6-4A9E-B00F-E1B140242E95}"/>
               </a:ext>
             </a:extLst>
           </p:cNvPr>
@@ -6222,7 +6423,7 @@
           <p:cNvPr id="58" name="TextBox 57">
             <a:extLst>
               <a:ext uri="{FF2B5EF4-FFF2-40B4-BE49-F238E27FC236}">
-                <a16:creationId xmlns:a16="http://schemas.microsoft.com/office/drawing/2014/main" id="{87C24B39-E694-4E88-BD7B-1B4F400131A6}"/>
+                <a16:creationId xmlns:a16="http://schemas.microsoft.com/office/drawing/2014/main" xmlns="" id="{87C24B39-E694-4E88-BD7B-1B4F400131A6}"/>
               </a:ext>
             </a:extLst>
           </p:cNvPr>
@@ -6262,7 +6463,7 @@
           <p:cNvPr id="60" name="Straight Arrow Connector 59">
             <a:extLst>
               <a:ext uri="{FF2B5EF4-FFF2-40B4-BE49-F238E27FC236}">
-                <a16:creationId xmlns:a16="http://schemas.microsoft.com/office/drawing/2014/main" id="{9054BD95-736D-42CA-88D1-F09630D6F7F2}"/>
+                <a16:creationId xmlns:a16="http://schemas.microsoft.com/office/drawing/2014/main" xmlns="" id="{9054BD95-736D-42CA-88D1-F09630D6F7F2}"/>
               </a:ext>
             </a:extLst>
           </p:cNvPr>
@@ -6309,7 +6510,7 @@
           <p:cNvPr id="65" name="Straight Arrow Connector 64">
             <a:extLst>
               <a:ext uri="{FF2B5EF4-FFF2-40B4-BE49-F238E27FC236}">
-                <a16:creationId xmlns:a16="http://schemas.microsoft.com/office/drawing/2014/main" id="{E282940C-3568-483E-98EB-F1E7766C81B9}"/>
+                <a16:creationId xmlns:a16="http://schemas.microsoft.com/office/drawing/2014/main" xmlns="" id="{E282940C-3568-483E-98EB-F1E7766C81B9}"/>
               </a:ext>
             </a:extLst>
           </p:cNvPr>
@@ -6356,7 +6557,7 @@
           <p:cNvPr id="74" name="TextBox 73">
             <a:extLst>
               <a:ext uri="{FF2B5EF4-FFF2-40B4-BE49-F238E27FC236}">
-                <a16:creationId xmlns:a16="http://schemas.microsoft.com/office/drawing/2014/main" id="{3CE2D2DC-FD04-4EA2-95B7-CF16F32898F1}"/>
+                <a16:creationId xmlns:a16="http://schemas.microsoft.com/office/drawing/2014/main" xmlns="" id="{3CE2D2DC-FD04-4EA2-95B7-CF16F32898F1}"/>
               </a:ext>
             </a:extLst>
           </p:cNvPr>
@@ -6397,7 +6598,7 @@
           <p:cNvPr id="75" name="Straight Arrow Connector 74">
             <a:extLst>
               <a:ext uri="{FF2B5EF4-FFF2-40B4-BE49-F238E27FC236}">
-                <a16:creationId xmlns:a16="http://schemas.microsoft.com/office/drawing/2014/main" id="{2CDD7B62-2C4E-4595-B22A-7BE1E0A7F829}"/>
+                <a16:creationId xmlns:a16="http://schemas.microsoft.com/office/drawing/2014/main" xmlns="" id="{2CDD7B62-2C4E-4595-B22A-7BE1E0A7F829}"/>
               </a:ext>
             </a:extLst>
           </p:cNvPr>
@@ -6444,7 +6645,7 @@
           <p:cNvPr id="82" name="TextBox 81">
             <a:extLst>
               <a:ext uri="{FF2B5EF4-FFF2-40B4-BE49-F238E27FC236}">
-                <a16:creationId xmlns:a16="http://schemas.microsoft.com/office/drawing/2014/main" id="{C9847FC3-9665-4B01-AE57-28D1AD72D078}"/>
+                <a16:creationId xmlns:a16="http://schemas.microsoft.com/office/drawing/2014/main" xmlns="" id="{C9847FC3-9665-4B01-AE57-28D1AD72D078}"/>
               </a:ext>
             </a:extLst>
           </p:cNvPr>
@@ -6489,7 +6690,7 @@
           <p:cNvPr id="83" name="TextBox 82">
             <a:extLst>
               <a:ext uri="{FF2B5EF4-FFF2-40B4-BE49-F238E27FC236}">
-                <a16:creationId xmlns:a16="http://schemas.microsoft.com/office/drawing/2014/main" id="{9739CB89-4CAD-43F7-BA43-3D3D10DE7652}"/>
+                <a16:creationId xmlns:a16="http://schemas.microsoft.com/office/drawing/2014/main" xmlns="" id="{9739CB89-4CAD-43F7-BA43-3D3D10DE7652}"/>
               </a:ext>
             </a:extLst>
           </p:cNvPr>
@@ -6527,7 +6728,7 @@
           <p:cNvPr id="100" name="Straight Arrow Connector 99">
             <a:extLst>
               <a:ext uri="{FF2B5EF4-FFF2-40B4-BE49-F238E27FC236}">
-                <a16:creationId xmlns:a16="http://schemas.microsoft.com/office/drawing/2014/main" id="{90858639-47D8-448A-AE1C-E1FFB896BA81}"/>
+                <a16:creationId xmlns:a16="http://schemas.microsoft.com/office/drawing/2014/main" xmlns="" id="{90858639-47D8-448A-AE1C-E1FFB896BA81}"/>
               </a:ext>
             </a:extLst>
           </p:cNvPr>
@@ -6574,7 +6775,7 @@
           <p:cNvPr id="3" name="Rectangle 2">
             <a:extLst>
               <a:ext uri="{FF2B5EF4-FFF2-40B4-BE49-F238E27FC236}">
-                <a16:creationId xmlns:a16="http://schemas.microsoft.com/office/drawing/2014/main" id="{CF68750C-AC06-4BF7-B1A6-72D946341DC3}"/>
+                <a16:creationId xmlns:a16="http://schemas.microsoft.com/office/drawing/2014/main" xmlns="" id="{CF68750C-AC06-4BF7-B1A6-72D946341DC3}"/>
               </a:ext>
             </a:extLst>
           </p:cNvPr>
@@ -6608,7 +6809,7 @@
           <p:cNvPr id="34" name="TextBox 33">
             <a:extLst>
               <a:ext uri="{FF2B5EF4-FFF2-40B4-BE49-F238E27FC236}">
-                <a16:creationId xmlns:a16="http://schemas.microsoft.com/office/drawing/2014/main" id="{83A15EBB-5F6B-4E66-8887-F8404C9AF785}"/>
+                <a16:creationId xmlns:a16="http://schemas.microsoft.com/office/drawing/2014/main" xmlns="" id="{83A15EBB-5F6B-4E66-8887-F8404C9AF785}"/>
               </a:ext>
             </a:extLst>
           </p:cNvPr>
@@ -6682,7 +6883,7 @@
           <p:cNvPr id="38" name="TextBox 37">
             <a:extLst>
               <a:ext uri="{FF2B5EF4-FFF2-40B4-BE49-F238E27FC236}">
-                <a16:creationId xmlns:a16="http://schemas.microsoft.com/office/drawing/2014/main" id="{7C059894-168B-4E4E-A661-8A29896F2A2D}"/>
+                <a16:creationId xmlns:a16="http://schemas.microsoft.com/office/drawing/2014/main" xmlns="" id="{7C059894-168B-4E4E-A661-8A29896F2A2D}"/>
               </a:ext>
             </a:extLst>
           </p:cNvPr>
@@ -6788,7 +6989,7 @@
           <p:cNvPr id="2" name="Rectangle 1">
             <a:extLst>
               <a:ext uri="{FF2B5EF4-FFF2-40B4-BE49-F238E27FC236}">
-                <a16:creationId xmlns:a16="http://schemas.microsoft.com/office/drawing/2014/main" id="{0A188924-A74D-4A7B-8046-F8AA7DFCC31E}"/>
+                <a16:creationId xmlns:a16="http://schemas.microsoft.com/office/drawing/2014/main" xmlns="" id="{0A188924-A74D-4A7B-8046-F8AA7DFCC31E}"/>
               </a:ext>
             </a:extLst>
           </p:cNvPr>
@@ -6826,8 +7027,13 @@
             </a:r>
             <a:r>
               <a:rPr lang="en-US" dirty="0"/>
-              <a:t>/Soy Classification</a:t>
-            </a:r>
+              <a:t>/Soy </a:t>
+            </a:r>
+            <a:r>
+              <a:rPr lang="en-US" dirty="0" smtClean="0"/>
+              <a:t>Classification Variations</a:t>
+            </a:r>
+            <a:endParaRPr lang="en-US" dirty="0"/>
           </a:p>
         </p:txBody>
       </p:sp>
@@ -6836,7 +7042,7 @@
           <p:cNvPr id="3" name="Rectangle 2">
             <a:extLst>
               <a:ext uri="{FF2B5EF4-FFF2-40B4-BE49-F238E27FC236}">
-                <a16:creationId xmlns:a16="http://schemas.microsoft.com/office/drawing/2014/main" id="{D595514F-8764-4E47-A5E0-CA4455FCE160}"/>
+                <a16:creationId xmlns:a16="http://schemas.microsoft.com/office/drawing/2014/main" xmlns="" id="{D595514F-8764-4E47-A5E0-CA4455FCE160}"/>
               </a:ext>
             </a:extLst>
           </p:cNvPr>
@@ -6846,7 +7052,7 @@
         <p:spPr>
           <a:xfrm>
             <a:off x="0" y="1263075"/>
-            <a:ext cx="4572000" cy="3416320"/>
+            <a:ext cx="4572000" cy="3693319"/>
           </a:xfrm>
           <a:prstGeom prst="rect">
             <a:avLst/>
@@ -6869,7 +7075,11 @@
               <a:buChar char="-"/>
             </a:pPr>
             <a:r>
-              <a:rPr lang="en-US" dirty="0"/>
+              <a:rPr lang="en-US" dirty="0">
+                <a:solidFill>
+                  <a:srgbClr val="FF0000"/>
+                </a:solidFill>
+              </a:rPr>
               <a:t>New training data:</a:t>
             </a:r>
           </a:p>
@@ -6879,7 +7089,11 @@
               <a:buChar char="-"/>
             </a:pPr>
             <a:r>
-              <a:rPr lang="en-US" dirty="0"/>
+              <a:rPr lang="en-US" dirty="0">
+                <a:solidFill>
+                  <a:srgbClr val="FF0000"/>
+                </a:solidFill>
+              </a:rPr>
               <a:t>MODIS EVI</a:t>
             </a:r>
           </a:p>
@@ -6889,7 +7103,11 @@
               <a:buChar char="-"/>
             </a:pPr>
             <a:r>
-              <a:rPr lang="en-US" dirty="0"/>
+              <a:rPr lang="en-US" dirty="0">
+                <a:solidFill>
+                  <a:srgbClr val="FF0000"/>
+                </a:solidFill>
+              </a:rPr>
               <a:t>Cloud filtered MODIS</a:t>
             </a:r>
           </a:p>
@@ -6910,8 +7128,13 @@
             </a:pPr>
             <a:r>
               <a:rPr lang="en-US" dirty="0"/>
-              <a:t>None (original Jake)</a:t>
-            </a:r>
+              <a:t>None (original Jake</a:t>
+            </a:r>
+            <a:r>
+              <a:rPr lang="en-US" dirty="0" smtClean="0"/>
+              <a:t>)</a:t>
+            </a:r>
+            <a:endParaRPr lang="en-US" dirty="0"/>
           </a:p>
           <a:p>
             <a:pPr marL="742950" lvl="1" indent="-285750">
@@ -6919,12 +7142,31 @@
               <a:buChar char="-"/>
             </a:pPr>
             <a:r>
+              <a:rPr lang="en-US" dirty="0" err="1" smtClean="0"/>
+              <a:t>Mapbiomas</a:t>
+            </a:r>
+            <a:r>
+              <a:rPr lang="en-US" dirty="0" smtClean="0"/>
+              <a:t> 3</a:t>
+            </a:r>
+            <a:endParaRPr lang="en-US" dirty="0"/>
+          </a:p>
+          <a:p>
+            <a:pPr marL="742950" lvl="1" indent="-285750">
+              <a:buFontTx/>
+              <a:buChar char="-"/>
+            </a:pPr>
+            <a:r>
               <a:rPr lang="en-US" dirty="0" err="1"/>
               <a:t>Mapbiomas</a:t>
             </a:r>
             <a:r>
               <a:rPr lang="en-US" dirty="0"/>
-              <a:t> 3</a:t>
+              <a:t> </a:t>
+            </a:r>
+            <a:r>
+              <a:rPr lang="en-US" dirty="0" smtClean="0"/>
+              <a:t>3</a:t>
             </a:r>
           </a:p>
           <a:p>
@@ -6933,8 +7175,20 @@
               <a:buChar char="-"/>
             </a:pPr>
             <a:r>
-              <a:rPr lang="en-US" dirty="0"/>
-              <a:t>Post classification masking of classified image:</a:t>
+              <a:rPr lang="en-US" dirty="0" smtClean="0">
+                <a:solidFill>
+                  <a:srgbClr val="FF0000"/>
+                </a:solidFill>
+              </a:rPr>
+              <a:t>Post </a:t>
+            </a:r>
+            <a:r>
+              <a:rPr lang="en-US" dirty="0">
+                <a:solidFill>
+                  <a:srgbClr val="FF0000"/>
+                </a:solidFill>
+              </a:rPr>
+              <a:t>classification masking of classified image:</a:t>
             </a:r>
           </a:p>
           <a:p>
@@ -6943,11 +7197,19 @@
               <a:buChar char="-"/>
             </a:pPr>
             <a:r>
-              <a:rPr lang="en-US" dirty="0" err="1"/>
+              <a:rPr lang="en-US" dirty="0" err="1">
+                <a:solidFill>
+                  <a:srgbClr val="FF0000"/>
+                </a:solidFill>
+              </a:rPr>
               <a:t>Mapbiomas</a:t>
             </a:r>
             <a:r>
-              <a:rPr lang="en-US" dirty="0"/>
+              <a:rPr lang="en-US" dirty="0">
+                <a:solidFill>
+                  <a:srgbClr val="FF0000"/>
+                </a:solidFill>
+              </a:rPr>
               <a:t> 2.3 (original Jake)</a:t>
             </a:r>
           </a:p>
@@ -6957,11 +7219,19 @@
               <a:buChar char="-"/>
             </a:pPr>
             <a:r>
-              <a:rPr lang="en-US" dirty="0" err="1"/>
+              <a:rPr lang="en-US" dirty="0" err="1">
+                <a:solidFill>
+                  <a:srgbClr val="FF0000"/>
+                </a:solidFill>
+              </a:rPr>
               <a:t>Mapbiomas</a:t>
             </a:r>
             <a:r>
-              <a:rPr lang="en-US" dirty="0"/>
+              <a:rPr lang="en-US" dirty="0">
+                <a:solidFill>
+                  <a:srgbClr val="FF0000"/>
+                </a:solidFill>
+              </a:rPr>
               <a:t> 3</a:t>
             </a:r>
           </a:p>
@@ -6971,7 +7241,11 @@
               <a:buChar char="-"/>
             </a:pPr>
             <a:r>
-              <a:rPr lang="en-US" dirty="0"/>
+              <a:rPr lang="en-US" dirty="0">
+                <a:solidFill>
+                  <a:srgbClr val="FF0000"/>
+                </a:solidFill>
+              </a:rPr>
               <a:t>None </a:t>
             </a:r>
           </a:p>
@@ -6982,7 +7256,7 @@
           <p:cNvPr id="4" name="Rectangle 3">
             <a:extLst>
               <a:ext uri="{FF2B5EF4-FFF2-40B4-BE49-F238E27FC236}">
-                <a16:creationId xmlns:a16="http://schemas.microsoft.com/office/drawing/2014/main" id="{9E53A49F-6AF9-4B61-BFB8-8839544AC0B1}"/>
+                <a16:creationId xmlns:a16="http://schemas.microsoft.com/office/drawing/2014/main" xmlns="" id="{9E53A49F-6AF9-4B61-BFB8-8839544AC0B1}"/>
               </a:ext>
             </a:extLst>
           </p:cNvPr>
@@ -6992,7 +7266,7 @@
         <p:spPr>
           <a:xfrm>
             <a:off x="4734791" y="1263075"/>
-            <a:ext cx="4211782" cy="1754326"/>
+            <a:ext cx="4211782" cy="2031325"/>
           </a:xfrm>
           <a:prstGeom prst="rect">
             <a:avLst/>
@@ -7048,8 +7322,37 @@
                   <a:srgbClr val="FF0000"/>
                 </a:solidFill>
               </a:rPr>
-              <a:t>Accuracy assuming mb3 is correct</a:t>
-            </a:r>
+              <a:t>Accuracy assuming mb3 is </a:t>
+            </a:r>
+            <a:r>
+              <a:rPr lang="en-US" dirty="0" smtClean="0">
+                <a:solidFill>
+                  <a:srgbClr val="FF0000"/>
+                </a:solidFill>
+              </a:rPr>
+              <a:t>correct (but mb3 only gives </a:t>
+            </a:r>
+            <a:r>
+              <a:rPr lang="en-US" dirty="0" err="1" smtClean="0">
+                <a:solidFill>
+                  <a:srgbClr val="FF0000"/>
+                </a:solidFill>
+              </a:rPr>
+              <a:t>agri</a:t>
+            </a:r>
+            <a:r>
+              <a:rPr lang="en-US" dirty="0" smtClean="0">
+                <a:solidFill>
+                  <a:srgbClr val="FF0000"/>
+                </a:solidFill>
+              </a:rPr>
+              <a:t> as a single category)</a:t>
+            </a:r>
+            <a:endParaRPr lang="en-US" dirty="0">
+              <a:solidFill>
+                <a:srgbClr val="FF0000"/>
+              </a:solidFill>
+            </a:endParaRPr>
           </a:p>
           <a:p>
             <a:pPr marL="285750" indent="-285750">
@@ -7078,6 +7381,1213 @@
     <p:extLst>
       <p:ext uri="{BB962C8B-B14F-4D97-AF65-F5344CB8AC3E}">
         <p14:creationId xmlns:p14="http://schemas.microsoft.com/office/powerpoint/2010/main" val="232429914"/>
+      </p:ext>
+    </p:extLst>
+  </p:cSld>
+  <p:clrMapOvr>
+    <a:masterClrMapping/>
+  </p:clrMapOvr>
+</p:sld>
+</file>
+
+<file path=ppt/slides/slide8.xml><?xml version="1.0" encoding="utf-8"?>
+<p:sld xmlns:a="http://schemas.openxmlformats.org/drawingml/2006/main" xmlns:r="http://schemas.openxmlformats.org/officeDocument/2006/relationships" xmlns:p="http://schemas.openxmlformats.org/presentationml/2006/main">
+  <p:cSld>
+    <p:spTree>
+      <p:nvGrpSpPr>
+        <p:cNvPr id="1" name=""/>
+        <p:cNvGrpSpPr/>
+        <p:nvPr/>
+      </p:nvGrpSpPr>
+      <p:grpSpPr>
+        <a:xfrm>
+          <a:off x="0" y="0"/>
+          <a:ext cx="0" cy="0"/>
+          <a:chOff x="0" y="0"/>
+          <a:chExt cx="0" cy="0"/>
+        </a:xfrm>
+      </p:grpSpPr>
+      <p:sp>
+        <p:nvSpPr>
+          <p:cNvPr id="2" name="Rectangle 1">
+            <a:extLst>
+              <a:ext uri="{FF2B5EF4-FFF2-40B4-BE49-F238E27FC236}">
+                <a16:creationId xmlns:a16="http://schemas.microsoft.com/office/drawing/2014/main" xmlns="" id="{0A188924-A74D-4A7B-8046-F8AA7DFCC31E}"/>
+              </a:ext>
+            </a:extLst>
+          </p:cNvPr>
+          <p:cNvSpPr/>
+          <p:nvPr/>
+        </p:nvSpPr>
+        <p:spPr>
+          <a:xfrm>
+            <a:off x="0" y="92366"/>
+            <a:ext cx="5510960" cy="646331"/>
+          </a:xfrm>
+          <a:prstGeom prst="rect">
+            <a:avLst/>
+          </a:prstGeom>
+        </p:spPr>
+        <p:txBody>
+          <a:bodyPr wrap="square">
+            <a:spAutoFit/>
+          </a:bodyPr>
+          <a:lstStyle/>
+          <a:p>
+            <a:r>
+              <a:rPr lang="en-US" b="1" dirty="0"/>
+              <a:t>Soy Classification </a:t>
+            </a:r>
+            <a:r>
+              <a:rPr lang="en-US" b="1" dirty="0" smtClean="0"/>
+              <a:t>visualization</a:t>
+            </a:r>
+            <a:endParaRPr lang="en-US" b="1" dirty="0"/>
+          </a:p>
+          <a:p>
+            <a:r>
+              <a:rPr lang="en-US" dirty="0"/>
+              <a:t>GEE file: </a:t>
+            </a:r>
+            <a:r>
+              <a:rPr lang="en-US" dirty="0" err="1"/>
+              <a:t>LandCover</a:t>
+            </a:r>
+            <a:r>
+              <a:rPr lang="en-US" dirty="0"/>
+              <a:t>/Soy </a:t>
+            </a:r>
+            <a:r>
+              <a:rPr lang="en-US" dirty="0" smtClean="0"/>
+              <a:t>Classification Masking</a:t>
+            </a:r>
+            <a:endParaRPr lang="en-US" dirty="0"/>
+          </a:p>
+        </p:txBody>
+      </p:sp>
+      <p:sp>
+        <p:nvSpPr>
+          <p:cNvPr id="3" name="TextBox 2"/>
+          <p:cNvSpPr txBox="1"/>
+          <p:nvPr/>
+        </p:nvSpPr>
+        <p:spPr>
+          <a:xfrm>
+            <a:off x="251026" y="1284837"/>
+            <a:ext cx="8667789" cy="1477328"/>
+          </a:xfrm>
+          <a:prstGeom prst="rect">
+            <a:avLst/>
+          </a:prstGeom>
+          <a:noFill/>
+        </p:spPr>
+        <p:txBody>
+          <a:bodyPr wrap="square" rtlCol="0">
+            <a:spAutoFit/>
+          </a:bodyPr>
+          <a:lstStyle/>
+          <a:p>
+            <a:pPr marL="285750" indent="-285750">
+              <a:buFont typeface="Arial"/>
+              <a:buChar char="•"/>
+            </a:pPr>
+            <a:r>
+              <a:rPr lang="en-US" dirty="0" smtClean="0"/>
+              <a:t>File visually compares classified images to </a:t>
+            </a:r>
+            <a:r>
+              <a:rPr lang="en-US" dirty="0" err="1" smtClean="0"/>
+              <a:t>mapbiomas</a:t>
+            </a:r>
+            <a:r>
+              <a:rPr lang="en-US" dirty="0" smtClean="0"/>
+              <a:t> 2.3 and 3</a:t>
+            </a:r>
+          </a:p>
+          <a:p>
+            <a:pPr marL="285750" indent="-285750">
+              <a:buFont typeface="Arial"/>
+              <a:buChar char="•"/>
+            </a:pPr>
+            <a:r>
+              <a:rPr lang="en-US" dirty="0" smtClean="0"/>
+              <a:t>Play with masking out classified image by:</a:t>
+            </a:r>
+          </a:p>
+          <a:p>
+            <a:pPr marL="742950" lvl="1" indent="-285750">
+              <a:buFont typeface="Arial"/>
+              <a:buChar char="•"/>
+            </a:pPr>
+            <a:r>
+              <a:rPr lang="en-US" dirty="0" smtClean="0"/>
+              <a:t>‘uniformity’ of pixels</a:t>
+            </a:r>
+          </a:p>
+          <a:p>
+            <a:pPr marL="742950" lvl="1" indent="-285750">
+              <a:buFont typeface="Arial"/>
+              <a:buChar char="•"/>
+            </a:pPr>
+            <a:r>
+              <a:rPr lang="en-US" dirty="0" smtClean="0"/>
+              <a:t>Reasonableness of crop timing estimates</a:t>
+            </a:r>
+          </a:p>
+          <a:p>
+            <a:pPr marL="285750" indent="-285750">
+              <a:buFont typeface="Arial"/>
+              <a:buChar char="•"/>
+            </a:pPr>
+            <a:r>
+              <a:rPr lang="en-US" dirty="0" smtClean="0"/>
+              <a:t> </a:t>
+            </a:r>
+            <a:endParaRPr lang="en-US" dirty="0"/>
+          </a:p>
+        </p:txBody>
+      </p:sp>
+    </p:spTree>
+    <p:extLst>
+      <p:ext uri="{BB962C8B-B14F-4D97-AF65-F5344CB8AC3E}">
+        <p14:creationId xmlns:p14="http://schemas.microsoft.com/office/powerpoint/2010/main" val="3766655065"/>
+      </p:ext>
+    </p:extLst>
+  </p:cSld>
+  <p:clrMapOvr>
+    <a:masterClrMapping/>
+  </p:clrMapOvr>
+</p:sld>
+</file>
+
+<file path=ppt/slides/slide9.xml><?xml version="1.0" encoding="utf-8"?>
+<p:sld xmlns:a="http://schemas.openxmlformats.org/drawingml/2006/main" xmlns:r="http://schemas.openxmlformats.org/officeDocument/2006/relationships" xmlns:p="http://schemas.openxmlformats.org/presentationml/2006/main">
+  <p:cSld>
+    <p:spTree>
+      <p:nvGrpSpPr>
+        <p:cNvPr id="1" name=""/>
+        <p:cNvGrpSpPr/>
+        <p:nvPr/>
+      </p:nvGrpSpPr>
+      <p:grpSpPr>
+        <a:xfrm>
+          <a:off x="0" y="0"/>
+          <a:ext cx="0" cy="0"/>
+          <a:chOff x="0" y="0"/>
+          <a:chExt cx="0" cy="0"/>
+        </a:xfrm>
+      </p:grpSpPr>
+      <p:sp>
+        <p:nvSpPr>
+          <p:cNvPr id="2" name="TextBox 1"/>
+          <p:cNvSpPr txBox="1"/>
+          <p:nvPr/>
+        </p:nvSpPr>
+        <p:spPr>
+          <a:xfrm>
+            <a:off x="103364" y="162451"/>
+            <a:ext cx="2915882" cy="369332"/>
+          </a:xfrm>
+          <a:prstGeom prst="rect">
+            <a:avLst/>
+          </a:prstGeom>
+          <a:noFill/>
+        </p:spPr>
+        <p:txBody>
+          <a:bodyPr wrap="none" rtlCol="0">
+            <a:spAutoFit/>
+          </a:bodyPr>
+          <a:lstStyle/>
+          <a:p>
+            <a:r>
+              <a:rPr lang="en-US" dirty="0" smtClean="0"/>
+              <a:t>Land cover classification flow</a:t>
+            </a:r>
+            <a:endParaRPr lang="en-US" dirty="0"/>
+          </a:p>
+        </p:txBody>
+      </p:sp>
+      <p:sp>
+        <p:nvSpPr>
+          <p:cNvPr id="3" name="TextBox 2"/>
+          <p:cNvSpPr txBox="1"/>
+          <p:nvPr/>
+        </p:nvSpPr>
+        <p:spPr>
+          <a:xfrm>
+            <a:off x="2016086" y="634782"/>
+            <a:ext cx="1236236" cy="1169551"/>
+          </a:xfrm>
+          <a:prstGeom prst="rect">
+            <a:avLst/>
+          </a:prstGeom>
+          <a:noFill/>
+          <a:ln>
+            <a:solidFill>
+              <a:schemeClr val="tx1"/>
+            </a:solidFill>
+          </a:ln>
+        </p:spPr>
+        <p:txBody>
+          <a:bodyPr wrap="none" rtlCol="0">
+            <a:spAutoFit/>
+          </a:bodyPr>
+          <a:lstStyle/>
+          <a:p>
+            <a:r>
+              <a:rPr lang="en-US" sz="1400" dirty="0" smtClean="0">
+                <a:solidFill>
+                  <a:srgbClr val="FF0000"/>
+                </a:solidFill>
+              </a:rPr>
+              <a:t>Training data</a:t>
+            </a:r>
+          </a:p>
+          <a:p>
+            <a:pPr marL="285750" indent="-285750">
+              <a:buFontTx/>
+              <a:buChar char="-"/>
+            </a:pPr>
+            <a:r>
+              <a:rPr lang="en-US" sz="1400" dirty="0" smtClean="0">
+                <a:solidFill>
+                  <a:srgbClr val="FF0000"/>
+                </a:solidFill>
+              </a:rPr>
+              <a:t>MODIS EVI</a:t>
+            </a:r>
+          </a:p>
+          <a:p>
+            <a:pPr marL="285750" indent="-285750">
+              <a:buFontTx/>
+              <a:buChar char="-"/>
+            </a:pPr>
+            <a:r>
+              <a:rPr lang="en-US" sz="1400" dirty="0" smtClean="0">
+                <a:solidFill>
+                  <a:srgbClr val="FF0000"/>
+                </a:solidFill>
+              </a:rPr>
+              <a:t>Landsat</a:t>
+            </a:r>
+          </a:p>
+          <a:p>
+            <a:pPr marL="285750" indent="-285750">
+              <a:buFontTx/>
+              <a:buChar char="-"/>
+            </a:pPr>
+            <a:r>
+              <a:rPr lang="en-US" sz="1400" dirty="0" smtClean="0">
+                <a:solidFill>
+                  <a:srgbClr val="FF0000"/>
+                </a:solidFill>
+              </a:rPr>
+              <a:t>SAR</a:t>
+            </a:r>
+          </a:p>
+          <a:p>
+            <a:pPr marL="285750" indent="-285750">
+              <a:buFontTx/>
+              <a:buChar char="-"/>
+            </a:pPr>
+            <a:r>
+              <a:rPr lang="en-US" sz="1400" dirty="0" err="1" smtClean="0">
+                <a:solidFill>
+                  <a:srgbClr val="FF0000"/>
+                </a:solidFill>
+              </a:rPr>
+              <a:t>etc</a:t>
+            </a:r>
+            <a:endParaRPr lang="en-US" sz="1400" dirty="0">
+              <a:solidFill>
+                <a:srgbClr val="FF0000"/>
+              </a:solidFill>
+            </a:endParaRPr>
+          </a:p>
+        </p:txBody>
+      </p:sp>
+      <p:sp>
+        <p:nvSpPr>
+          <p:cNvPr id="4" name="TextBox 3"/>
+          <p:cNvSpPr txBox="1"/>
+          <p:nvPr/>
+        </p:nvSpPr>
+        <p:spPr>
+          <a:xfrm>
+            <a:off x="3514930" y="634782"/>
+            <a:ext cx="1685077" cy="738664"/>
+          </a:xfrm>
+          <a:prstGeom prst="rect">
+            <a:avLst/>
+          </a:prstGeom>
+          <a:noFill/>
+          <a:ln>
+            <a:solidFill>
+              <a:schemeClr val="tx1"/>
+            </a:solidFill>
+          </a:ln>
+        </p:spPr>
+        <p:txBody>
+          <a:bodyPr wrap="none" rtlCol="0">
+            <a:spAutoFit/>
+          </a:bodyPr>
+          <a:lstStyle/>
+          <a:p>
+            <a:r>
+              <a:rPr lang="en-US" sz="1400" dirty="0" smtClean="0"/>
+              <a:t>Sample soy points</a:t>
+            </a:r>
+          </a:p>
+          <a:p>
+            <a:pPr marL="285750" indent="-285750">
+              <a:buFontTx/>
+              <a:buChar char="-"/>
+            </a:pPr>
+            <a:r>
+              <a:rPr lang="en-US" sz="1400" dirty="0" smtClean="0"/>
+              <a:t>soy_pts_1</a:t>
+            </a:r>
+          </a:p>
+          <a:p>
+            <a:pPr marL="285750" indent="-285750">
+              <a:buFontTx/>
+              <a:buChar char="-"/>
+            </a:pPr>
+            <a:r>
+              <a:rPr lang="en-US" sz="1400" dirty="0" smtClean="0"/>
+              <a:t>Soy_pts_agsat_1</a:t>
+            </a:r>
+            <a:endParaRPr lang="en-US" sz="1400" dirty="0"/>
+          </a:p>
+        </p:txBody>
+      </p:sp>
+      <p:sp>
+        <p:nvSpPr>
+          <p:cNvPr id="5" name="TextBox 4"/>
+          <p:cNvSpPr txBox="1"/>
+          <p:nvPr/>
+        </p:nvSpPr>
+        <p:spPr>
+          <a:xfrm>
+            <a:off x="5449429" y="634782"/>
+            <a:ext cx="1712653" cy="954107"/>
+          </a:xfrm>
+          <a:prstGeom prst="rect">
+            <a:avLst/>
+          </a:prstGeom>
+          <a:noFill/>
+          <a:ln>
+            <a:solidFill>
+              <a:schemeClr val="tx1"/>
+            </a:solidFill>
+          </a:ln>
+        </p:spPr>
+        <p:txBody>
+          <a:bodyPr wrap="none" rtlCol="0">
+            <a:spAutoFit/>
+          </a:bodyPr>
+          <a:lstStyle/>
+          <a:p>
+            <a:r>
+              <a:rPr lang="en-US" sz="1400" dirty="0" smtClean="0"/>
+              <a:t>Classification regions</a:t>
+            </a:r>
+          </a:p>
+          <a:p>
+            <a:pPr marL="285750" indent="-285750">
+              <a:buFontTx/>
+              <a:buChar char="-"/>
+            </a:pPr>
+            <a:r>
+              <a:rPr lang="en-US" sz="1400" dirty="0" smtClean="0"/>
+              <a:t>All</a:t>
+            </a:r>
+          </a:p>
+          <a:p>
+            <a:pPr marL="285750" indent="-285750">
+              <a:buFontTx/>
+              <a:buChar char="-"/>
+            </a:pPr>
+            <a:r>
+              <a:rPr lang="en-US" sz="1400" dirty="0" smtClean="0"/>
+              <a:t>MT</a:t>
+            </a:r>
+          </a:p>
+          <a:p>
+            <a:pPr marL="285750" indent="-285750">
+              <a:buFontTx/>
+              <a:buChar char="-"/>
+            </a:pPr>
+            <a:r>
+              <a:rPr lang="en-US" sz="1400" dirty="0" err="1" smtClean="0"/>
+              <a:t>Matopiba</a:t>
+            </a:r>
+            <a:endParaRPr lang="en-US" sz="1400" dirty="0"/>
+          </a:p>
+        </p:txBody>
+      </p:sp>
+      <p:sp>
+        <p:nvSpPr>
+          <p:cNvPr id="6" name="TextBox 5"/>
+          <p:cNvSpPr txBox="1"/>
+          <p:nvPr/>
+        </p:nvSpPr>
+        <p:spPr>
+          <a:xfrm>
+            <a:off x="7383632" y="622748"/>
+            <a:ext cx="1753492" cy="1169551"/>
+          </a:xfrm>
+          <a:prstGeom prst="rect">
+            <a:avLst/>
+          </a:prstGeom>
+          <a:noFill/>
+          <a:ln>
+            <a:solidFill>
+              <a:schemeClr val="tx1"/>
+            </a:solidFill>
+          </a:ln>
+        </p:spPr>
+        <p:txBody>
+          <a:bodyPr wrap="square" rtlCol="0">
+            <a:spAutoFit/>
+          </a:bodyPr>
+          <a:lstStyle/>
+          <a:p>
+            <a:r>
+              <a:rPr lang="en-US" sz="1400" dirty="0" smtClean="0"/>
+              <a:t>Pre classification soy point filtering</a:t>
+            </a:r>
+          </a:p>
+          <a:p>
+            <a:pPr marL="285750" indent="-285750">
+              <a:buFontTx/>
+              <a:buChar char="-"/>
+            </a:pPr>
+            <a:r>
+              <a:rPr lang="en-US" sz="1400" dirty="0" smtClean="0"/>
+              <a:t>None</a:t>
+            </a:r>
+          </a:p>
+          <a:p>
+            <a:pPr marL="285750" indent="-285750">
+              <a:buFontTx/>
+              <a:buChar char="-"/>
+            </a:pPr>
+            <a:r>
+              <a:rPr lang="en-US" sz="1400" dirty="0" smtClean="0"/>
+              <a:t>Map 2.3</a:t>
+            </a:r>
+          </a:p>
+          <a:p>
+            <a:pPr marL="285750" indent="-285750">
+              <a:buFontTx/>
+              <a:buChar char="-"/>
+            </a:pPr>
+            <a:r>
+              <a:rPr lang="en-US" sz="1400" dirty="0" smtClean="0"/>
+              <a:t>Map 3</a:t>
+            </a:r>
+            <a:endParaRPr lang="en-US" sz="1400" dirty="0"/>
+          </a:p>
+        </p:txBody>
+      </p:sp>
+      <p:sp>
+        <p:nvSpPr>
+          <p:cNvPr id="7" name="TextBox 6"/>
+          <p:cNvSpPr txBox="1"/>
+          <p:nvPr/>
+        </p:nvSpPr>
+        <p:spPr>
+          <a:xfrm>
+            <a:off x="103364" y="693605"/>
+            <a:ext cx="1840817" cy="738664"/>
+          </a:xfrm>
+          <a:prstGeom prst="rect">
+            <a:avLst/>
+          </a:prstGeom>
+          <a:noFill/>
+        </p:spPr>
+        <p:txBody>
+          <a:bodyPr wrap="square" rtlCol="0">
+            <a:spAutoFit/>
+          </a:bodyPr>
+          <a:lstStyle/>
+          <a:p>
+            <a:r>
+              <a:rPr lang="en-US" sz="1400" dirty="0" smtClean="0"/>
+              <a:t>GEE file: </a:t>
+            </a:r>
+            <a:r>
+              <a:rPr lang="en-US" sz="1400" dirty="0" err="1" smtClean="0"/>
+              <a:t>LandCover</a:t>
+            </a:r>
+            <a:r>
+              <a:rPr lang="en-US" sz="1400" dirty="0" smtClean="0"/>
+              <a:t>/Soy Classification Variations</a:t>
+            </a:r>
+            <a:endParaRPr lang="en-US" sz="1400" dirty="0"/>
+          </a:p>
+        </p:txBody>
+      </p:sp>
+      <p:cxnSp>
+        <p:nvCxnSpPr>
+          <p:cNvPr id="8" name="Straight Arrow Connector 7">
+            <a:extLst>
+              <a:ext uri="{FF2B5EF4-FFF2-40B4-BE49-F238E27FC236}">
+                <a16:creationId xmlns:a16="http://schemas.microsoft.com/office/drawing/2014/main" xmlns="" id="{813F02CA-CF9E-4907-A047-A1D22957D875}"/>
+              </a:ext>
+            </a:extLst>
+          </p:cNvPr>
+          <p:cNvCxnSpPr>
+            <a:cxnSpLocks/>
+            <a:stCxn id="3" idx="2"/>
+            <a:endCxn id="11" idx="0"/>
+          </p:cNvCxnSpPr>
+          <p:nvPr/>
+        </p:nvCxnSpPr>
+        <p:spPr>
+          <a:xfrm>
+            <a:off x="2634204" y="1804333"/>
+            <a:ext cx="2704302" cy="469849"/>
+          </a:xfrm>
+          <a:prstGeom prst="straightConnector1">
+            <a:avLst/>
+          </a:prstGeom>
+          <a:ln>
+            <a:solidFill>
+              <a:schemeClr val="tx1"/>
+            </a:solidFill>
+            <a:tailEnd type="triangle"/>
+          </a:ln>
+          <a:effectLst/>
+        </p:spPr>
+        <p:style>
+          <a:lnRef idx="2">
+            <a:schemeClr val="accent1"/>
+          </a:lnRef>
+          <a:fillRef idx="0">
+            <a:schemeClr val="accent1"/>
+          </a:fillRef>
+          <a:effectRef idx="1">
+            <a:schemeClr val="accent1"/>
+          </a:effectRef>
+          <a:fontRef idx="minor">
+            <a:schemeClr val="tx1"/>
+          </a:fontRef>
+        </p:style>
+      </p:cxnSp>
+      <p:sp>
+        <p:nvSpPr>
+          <p:cNvPr id="11" name="TextBox 10"/>
+          <p:cNvSpPr txBox="1"/>
+          <p:nvPr/>
+        </p:nvSpPr>
+        <p:spPr>
+          <a:xfrm>
+            <a:off x="4911364" y="2274182"/>
+            <a:ext cx="854283" cy="369332"/>
+          </a:xfrm>
+          <a:prstGeom prst="rect">
+            <a:avLst/>
+          </a:prstGeom>
+          <a:noFill/>
+        </p:spPr>
+        <p:txBody>
+          <a:bodyPr wrap="none" rtlCol="0">
+            <a:spAutoFit/>
+          </a:bodyPr>
+          <a:lstStyle/>
+          <a:p>
+            <a:r>
+              <a:rPr lang="en-US" dirty="0" smtClean="0"/>
+              <a:t>classify</a:t>
+            </a:r>
+            <a:endParaRPr lang="en-US" dirty="0"/>
+          </a:p>
+        </p:txBody>
+      </p:sp>
+      <p:sp>
+        <p:nvSpPr>
+          <p:cNvPr id="12" name="TextBox 11"/>
+          <p:cNvSpPr txBox="1"/>
+          <p:nvPr/>
+        </p:nvSpPr>
+        <p:spPr>
+          <a:xfrm>
+            <a:off x="3001969" y="2916169"/>
+            <a:ext cx="4673074" cy="1077218"/>
+          </a:xfrm>
+          <a:prstGeom prst="rect">
+            <a:avLst/>
+          </a:prstGeom>
+          <a:noFill/>
+        </p:spPr>
+        <p:txBody>
+          <a:bodyPr wrap="none" rtlCol="0">
+            <a:spAutoFit/>
+          </a:bodyPr>
+          <a:lstStyle/>
+          <a:p>
+            <a:r>
+              <a:rPr lang="en-US" sz="1600" dirty="0" smtClean="0"/>
+              <a:t>Accuracy metrics</a:t>
+            </a:r>
+          </a:p>
+          <a:p>
+            <a:pPr marL="285750" indent="-285750">
+              <a:buFontTx/>
+              <a:buChar char="-"/>
+            </a:pPr>
+            <a:r>
+              <a:rPr lang="en-US" sz="1600" dirty="0" smtClean="0"/>
+              <a:t>Confusion matrix -&gt; </a:t>
+            </a:r>
+            <a:r>
+              <a:rPr lang="en-US" sz="1600" dirty="0" err="1" smtClean="0"/>
+              <a:t>acc</a:t>
+            </a:r>
+            <a:r>
+              <a:rPr lang="en-US" sz="1600" dirty="0" smtClean="0"/>
+              <a:t>, consumers/producers </a:t>
+            </a:r>
+            <a:r>
+              <a:rPr lang="en-US" sz="1600" dirty="0" err="1" smtClean="0"/>
+              <a:t>acc</a:t>
+            </a:r>
+            <a:endParaRPr lang="en-US" sz="1600" dirty="0" smtClean="0"/>
+          </a:p>
+          <a:p>
+            <a:pPr marL="285750" indent="-285750">
+              <a:buFontTx/>
+              <a:buChar char="-"/>
+            </a:pPr>
+            <a:r>
+              <a:rPr lang="en-US" sz="1600" dirty="0" smtClean="0">
+                <a:solidFill>
+                  <a:srgbClr val="FF0000"/>
+                </a:solidFill>
+              </a:rPr>
+              <a:t>Percent agreement with mapbiomas3 </a:t>
+            </a:r>
+          </a:p>
+          <a:p>
+            <a:pPr marL="285750" indent="-285750">
+              <a:buFontTx/>
+              <a:buChar char="-"/>
+            </a:pPr>
+            <a:r>
+              <a:rPr lang="en-US" sz="1600" dirty="0" smtClean="0">
+                <a:solidFill>
+                  <a:srgbClr val="FF0000"/>
+                </a:solidFill>
+              </a:rPr>
+              <a:t>Planet labs imagery</a:t>
+            </a:r>
+            <a:endParaRPr lang="en-US" sz="1600" dirty="0">
+              <a:solidFill>
+                <a:srgbClr val="FF0000"/>
+              </a:solidFill>
+            </a:endParaRPr>
+          </a:p>
+        </p:txBody>
+      </p:sp>
+      <p:sp>
+        <p:nvSpPr>
+          <p:cNvPr id="13" name="TextBox 12"/>
+          <p:cNvSpPr txBox="1"/>
+          <p:nvPr/>
+        </p:nvSpPr>
+        <p:spPr>
+          <a:xfrm>
+            <a:off x="3822462" y="4304015"/>
+            <a:ext cx="3032088" cy="369332"/>
+          </a:xfrm>
+          <a:prstGeom prst="rect">
+            <a:avLst/>
+          </a:prstGeom>
+          <a:noFill/>
+        </p:spPr>
+        <p:txBody>
+          <a:bodyPr wrap="none" rtlCol="0">
+            <a:spAutoFit/>
+          </a:bodyPr>
+          <a:lstStyle/>
+          <a:p>
+            <a:r>
+              <a:rPr lang="en-US" dirty="0" smtClean="0"/>
+              <a:t>Intermediate classified images</a:t>
+            </a:r>
+            <a:endParaRPr lang="en-US" dirty="0"/>
+          </a:p>
+        </p:txBody>
+      </p:sp>
+      <p:sp>
+        <p:nvSpPr>
+          <p:cNvPr id="14" name="TextBox 13"/>
+          <p:cNvSpPr txBox="1"/>
+          <p:nvPr/>
+        </p:nvSpPr>
+        <p:spPr>
+          <a:xfrm>
+            <a:off x="3514930" y="5166769"/>
+            <a:ext cx="3647152" cy="830997"/>
+          </a:xfrm>
+          <a:prstGeom prst="rect">
+            <a:avLst/>
+          </a:prstGeom>
+          <a:noFill/>
+        </p:spPr>
+        <p:txBody>
+          <a:bodyPr wrap="none" rtlCol="0">
+            <a:spAutoFit/>
+          </a:bodyPr>
+          <a:lstStyle/>
+          <a:p>
+            <a:r>
+              <a:rPr lang="en-US" sz="1600" dirty="0" smtClean="0">
+                <a:solidFill>
+                  <a:srgbClr val="FF0000"/>
+                </a:solidFill>
+              </a:rPr>
+              <a:t>Additional masking</a:t>
+            </a:r>
+          </a:p>
+          <a:p>
+            <a:pPr marL="285750" indent="-285750">
+              <a:buFontTx/>
+              <a:buChar char="-"/>
+            </a:pPr>
+            <a:r>
+              <a:rPr lang="en-US" sz="1600" dirty="0" smtClean="0">
+                <a:solidFill>
+                  <a:srgbClr val="FF0000"/>
+                </a:solidFill>
+              </a:rPr>
+              <a:t>Homogeneity (based on mapbiomas3)</a:t>
+            </a:r>
+          </a:p>
+          <a:p>
+            <a:pPr marL="285750" indent="-285750">
+              <a:buFontTx/>
+              <a:buChar char="-"/>
+            </a:pPr>
+            <a:r>
+              <a:rPr lang="en-US" sz="1600" dirty="0" smtClean="0">
+                <a:solidFill>
+                  <a:srgbClr val="FF0000"/>
+                </a:solidFill>
+              </a:rPr>
+              <a:t>Reasonableness of timing estimates</a:t>
+            </a:r>
+            <a:endParaRPr lang="en-US" sz="1600" dirty="0">
+              <a:solidFill>
+                <a:srgbClr val="FF0000"/>
+              </a:solidFill>
+            </a:endParaRPr>
+          </a:p>
+        </p:txBody>
+      </p:sp>
+      <p:sp>
+        <p:nvSpPr>
+          <p:cNvPr id="15" name="TextBox 14"/>
+          <p:cNvSpPr txBox="1"/>
+          <p:nvPr/>
+        </p:nvSpPr>
+        <p:spPr>
+          <a:xfrm>
+            <a:off x="4213839" y="6318644"/>
+            <a:ext cx="2249334" cy="369332"/>
+          </a:xfrm>
+          <a:prstGeom prst="rect">
+            <a:avLst/>
+          </a:prstGeom>
+          <a:noFill/>
+        </p:spPr>
+        <p:txBody>
+          <a:bodyPr wrap="none" rtlCol="0">
+            <a:spAutoFit/>
+          </a:bodyPr>
+          <a:lstStyle/>
+          <a:p>
+            <a:r>
+              <a:rPr lang="en-US" dirty="0" smtClean="0"/>
+              <a:t>Final classified images</a:t>
+            </a:r>
+            <a:endParaRPr lang="en-US" dirty="0"/>
+          </a:p>
+        </p:txBody>
+      </p:sp>
+      <p:cxnSp>
+        <p:nvCxnSpPr>
+          <p:cNvPr id="17" name="Straight Arrow Connector 16">
+            <a:extLst>
+              <a:ext uri="{FF2B5EF4-FFF2-40B4-BE49-F238E27FC236}">
+                <a16:creationId xmlns:a16="http://schemas.microsoft.com/office/drawing/2014/main" xmlns="" id="{813F02CA-CF9E-4907-A047-A1D22957D875}"/>
+              </a:ext>
+            </a:extLst>
+          </p:cNvPr>
+          <p:cNvCxnSpPr>
+            <a:cxnSpLocks/>
+            <a:stCxn id="4" idx="2"/>
+            <a:endCxn id="11" idx="0"/>
+          </p:cNvCxnSpPr>
+          <p:nvPr/>
+        </p:nvCxnSpPr>
+        <p:spPr>
+          <a:xfrm>
+            <a:off x="4357469" y="1373446"/>
+            <a:ext cx="981037" cy="900736"/>
+          </a:xfrm>
+          <a:prstGeom prst="straightConnector1">
+            <a:avLst/>
+          </a:prstGeom>
+          <a:ln>
+            <a:solidFill>
+              <a:schemeClr val="tx1"/>
+            </a:solidFill>
+            <a:tailEnd type="triangle"/>
+          </a:ln>
+          <a:effectLst/>
+        </p:spPr>
+        <p:style>
+          <a:lnRef idx="2">
+            <a:schemeClr val="accent1"/>
+          </a:lnRef>
+          <a:fillRef idx="0">
+            <a:schemeClr val="accent1"/>
+          </a:fillRef>
+          <a:effectRef idx="1">
+            <a:schemeClr val="accent1"/>
+          </a:effectRef>
+          <a:fontRef idx="minor">
+            <a:schemeClr val="tx1"/>
+          </a:fontRef>
+        </p:style>
+      </p:cxnSp>
+      <p:cxnSp>
+        <p:nvCxnSpPr>
+          <p:cNvPr id="20" name="Straight Arrow Connector 19">
+            <a:extLst>
+              <a:ext uri="{FF2B5EF4-FFF2-40B4-BE49-F238E27FC236}">
+                <a16:creationId xmlns:a16="http://schemas.microsoft.com/office/drawing/2014/main" xmlns="" id="{813F02CA-CF9E-4907-A047-A1D22957D875}"/>
+              </a:ext>
+            </a:extLst>
+          </p:cNvPr>
+          <p:cNvCxnSpPr>
+            <a:cxnSpLocks/>
+            <a:stCxn id="5" idx="2"/>
+            <a:endCxn id="11" idx="0"/>
+          </p:cNvCxnSpPr>
+          <p:nvPr/>
+        </p:nvCxnSpPr>
+        <p:spPr>
+          <a:xfrm flipH="1">
+            <a:off x="5338506" y="1588889"/>
+            <a:ext cx="967250" cy="685293"/>
+          </a:xfrm>
+          <a:prstGeom prst="straightConnector1">
+            <a:avLst/>
+          </a:prstGeom>
+          <a:ln>
+            <a:solidFill>
+              <a:schemeClr val="tx1"/>
+            </a:solidFill>
+            <a:tailEnd type="triangle"/>
+          </a:ln>
+          <a:effectLst/>
+        </p:spPr>
+        <p:style>
+          <a:lnRef idx="2">
+            <a:schemeClr val="accent1"/>
+          </a:lnRef>
+          <a:fillRef idx="0">
+            <a:schemeClr val="accent1"/>
+          </a:fillRef>
+          <a:effectRef idx="1">
+            <a:schemeClr val="accent1"/>
+          </a:effectRef>
+          <a:fontRef idx="minor">
+            <a:schemeClr val="tx1"/>
+          </a:fontRef>
+        </p:style>
+      </p:cxnSp>
+      <p:cxnSp>
+        <p:nvCxnSpPr>
+          <p:cNvPr id="23" name="Straight Arrow Connector 22">
+            <a:extLst>
+              <a:ext uri="{FF2B5EF4-FFF2-40B4-BE49-F238E27FC236}">
+                <a16:creationId xmlns:a16="http://schemas.microsoft.com/office/drawing/2014/main" xmlns="" id="{813F02CA-CF9E-4907-A047-A1D22957D875}"/>
+              </a:ext>
+            </a:extLst>
+          </p:cNvPr>
+          <p:cNvCxnSpPr>
+            <a:cxnSpLocks/>
+            <a:stCxn id="6" idx="2"/>
+            <a:endCxn id="11" idx="0"/>
+          </p:cNvCxnSpPr>
+          <p:nvPr/>
+        </p:nvCxnSpPr>
+        <p:spPr>
+          <a:xfrm flipH="1">
+            <a:off x="5338506" y="1792299"/>
+            <a:ext cx="2921872" cy="481883"/>
+          </a:xfrm>
+          <a:prstGeom prst="straightConnector1">
+            <a:avLst/>
+          </a:prstGeom>
+          <a:ln>
+            <a:solidFill>
+              <a:schemeClr val="tx1"/>
+            </a:solidFill>
+            <a:tailEnd type="triangle"/>
+          </a:ln>
+          <a:effectLst/>
+        </p:spPr>
+        <p:style>
+          <a:lnRef idx="2">
+            <a:schemeClr val="accent1"/>
+          </a:lnRef>
+          <a:fillRef idx="0">
+            <a:schemeClr val="accent1"/>
+          </a:fillRef>
+          <a:effectRef idx="1">
+            <a:schemeClr val="accent1"/>
+          </a:effectRef>
+          <a:fontRef idx="minor">
+            <a:schemeClr val="tx1"/>
+          </a:fontRef>
+        </p:style>
+      </p:cxnSp>
+      <p:cxnSp>
+        <p:nvCxnSpPr>
+          <p:cNvPr id="26" name="Straight Arrow Connector 25">
+            <a:extLst>
+              <a:ext uri="{FF2B5EF4-FFF2-40B4-BE49-F238E27FC236}">
+                <a16:creationId xmlns:a16="http://schemas.microsoft.com/office/drawing/2014/main" xmlns="" id="{813F02CA-CF9E-4907-A047-A1D22957D875}"/>
+              </a:ext>
+            </a:extLst>
+          </p:cNvPr>
+          <p:cNvCxnSpPr>
+            <a:cxnSpLocks/>
+            <a:stCxn id="12" idx="2"/>
+            <a:endCxn id="13" idx="0"/>
+          </p:cNvCxnSpPr>
+          <p:nvPr/>
+        </p:nvCxnSpPr>
+        <p:spPr>
+          <a:xfrm>
+            <a:off x="5338506" y="3993387"/>
+            <a:ext cx="0" cy="310628"/>
+          </a:xfrm>
+          <a:prstGeom prst="straightConnector1">
+            <a:avLst/>
+          </a:prstGeom>
+          <a:ln>
+            <a:solidFill>
+              <a:schemeClr val="tx1"/>
+            </a:solidFill>
+            <a:tailEnd type="triangle"/>
+          </a:ln>
+          <a:effectLst/>
+        </p:spPr>
+        <p:style>
+          <a:lnRef idx="2">
+            <a:schemeClr val="accent1"/>
+          </a:lnRef>
+          <a:fillRef idx="0">
+            <a:schemeClr val="accent1"/>
+          </a:fillRef>
+          <a:effectRef idx="1">
+            <a:schemeClr val="accent1"/>
+          </a:effectRef>
+          <a:fontRef idx="minor">
+            <a:schemeClr val="tx1"/>
+          </a:fontRef>
+        </p:style>
+      </p:cxnSp>
+      <p:cxnSp>
+        <p:nvCxnSpPr>
+          <p:cNvPr id="31" name="Straight Arrow Connector 30">
+            <a:extLst>
+              <a:ext uri="{FF2B5EF4-FFF2-40B4-BE49-F238E27FC236}">
+                <a16:creationId xmlns:a16="http://schemas.microsoft.com/office/drawing/2014/main" xmlns="" id="{813F02CA-CF9E-4907-A047-A1D22957D875}"/>
+              </a:ext>
+            </a:extLst>
+          </p:cNvPr>
+          <p:cNvCxnSpPr>
+            <a:cxnSpLocks/>
+            <a:stCxn id="11" idx="2"/>
+            <a:endCxn id="12" idx="0"/>
+          </p:cNvCxnSpPr>
+          <p:nvPr/>
+        </p:nvCxnSpPr>
+        <p:spPr>
+          <a:xfrm>
+            <a:off x="5338506" y="2643514"/>
+            <a:ext cx="0" cy="272655"/>
+          </a:xfrm>
+          <a:prstGeom prst="straightConnector1">
+            <a:avLst/>
+          </a:prstGeom>
+          <a:ln>
+            <a:solidFill>
+              <a:schemeClr val="tx1"/>
+            </a:solidFill>
+            <a:tailEnd type="triangle"/>
+          </a:ln>
+          <a:effectLst/>
+        </p:spPr>
+        <p:style>
+          <a:lnRef idx="2">
+            <a:schemeClr val="accent1"/>
+          </a:lnRef>
+          <a:fillRef idx="0">
+            <a:schemeClr val="accent1"/>
+          </a:fillRef>
+          <a:effectRef idx="1">
+            <a:schemeClr val="accent1"/>
+          </a:effectRef>
+          <a:fontRef idx="minor">
+            <a:schemeClr val="tx1"/>
+          </a:fontRef>
+        </p:style>
+      </p:cxnSp>
+      <p:sp>
+        <p:nvSpPr>
+          <p:cNvPr id="34" name="TextBox 33"/>
+          <p:cNvSpPr txBox="1"/>
+          <p:nvPr/>
+        </p:nvSpPr>
+        <p:spPr>
+          <a:xfrm>
+            <a:off x="-57520" y="4663864"/>
+            <a:ext cx="2001701" cy="523220"/>
+          </a:xfrm>
+          <a:prstGeom prst="rect">
+            <a:avLst/>
+          </a:prstGeom>
+          <a:noFill/>
+        </p:spPr>
+        <p:txBody>
+          <a:bodyPr wrap="square" rtlCol="0">
+            <a:spAutoFit/>
+          </a:bodyPr>
+          <a:lstStyle/>
+          <a:p>
+            <a:r>
+              <a:rPr lang="en-US" sz="1400" dirty="0" smtClean="0"/>
+              <a:t>GEE file: </a:t>
+            </a:r>
+            <a:r>
+              <a:rPr lang="en-US" sz="1400" dirty="0" err="1" smtClean="0"/>
+              <a:t>LandCover</a:t>
+            </a:r>
+            <a:r>
+              <a:rPr lang="en-US" sz="1400" dirty="0" smtClean="0"/>
+              <a:t>/Soy Classification Masking</a:t>
+            </a:r>
+            <a:endParaRPr lang="en-US" sz="1400" dirty="0"/>
+          </a:p>
+        </p:txBody>
+      </p:sp>
+      <p:cxnSp>
+        <p:nvCxnSpPr>
+          <p:cNvPr id="49" name="Straight Arrow Connector 48">
+            <a:extLst>
+              <a:ext uri="{FF2B5EF4-FFF2-40B4-BE49-F238E27FC236}">
+                <a16:creationId xmlns:a16="http://schemas.microsoft.com/office/drawing/2014/main" xmlns="" id="{813F02CA-CF9E-4907-A047-A1D22957D875}"/>
+              </a:ext>
+            </a:extLst>
+          </p:cNvPr>
+          <p:cNvCxnSpPr>
+            <a:cxnSpLocks/>
+            <a:stCxn id="13" idx="2"/>
+            <a:endCxn id="14" idx="0"/>
+          </p:cNvCxnSpPr>
+          <p:nvPr/>
+        </p:nvCxnSpPr>
+        <p:spPr>
+          <a:xfrm>
+            <a:off x="5338506" y="4673347"/>
+            <a:ext cx="0" cy="493422"/>
+          </a:xfrm>
+          <a:prstGeom prst="straightConnector1">
+            <a:avLst/>
+          </a:prstGeom>
+          <a:ln>
+            <a:solidFill>
+              <a:schemeClr val="tx1"/>
+            </a:solidFill>
+            <a:tailEnd type="triangle"/>
+          </a:ln>
+          <a:effectLst/>
+        </p:spPr>
+        <p:style>
+          <a:lnRef idx="2">
+            <a:schemeClr val="accent1"/>
+          </a:lnRef>
+          <a:fillRef idx="0">
+            <a:schemeClr val="accent1"/>
+          </a:fillRef>
+          <a:effectRef idx="1">
+            <a:schemeClr val="accent1"/>
+          </a:effectRef>
+          <a:fontRef idx="minor">
+            <a:schemeClr val="tx1"/>
+          </a:fontRef>
+        </p:style>
+      </p:cxnSp>
+      <p:cxnSp>
+        <p:nvCxnSpPr>
+          <p:cNvPr id="54" name="Straight Arrow Connector 53">
+            <a:extLst>
+              <a:ext uri="{FF2B5EF4-FFF2-40B4-BE49-F238E27FC236}">
+                <a16:creationId xmlns:a16="http://schemas.microsoft.com/office/drawing/2014/main" xmlns="" id="{813F02CA-CF9E-4907-A047-A1D22957D875}"/>
+              </a:ext>
+            </a:extLst>
+          </p:cNvPr>
+          <p:cNvCxnSpPr>
+            <a:cxnSpLocks/>
+            <a:stCxn id="14" idx="2"/>
+            <a:endCxn id="15" idx="0"/>
+          </p:cNvCxnSpPr>
+          <p:nvPr/>
+        </p:nvCxnSpPr>
+        <p:spPr>
+          <a:xfrm>
+            <a:off x="5338506" y="5997766"/>
+            <a:ext cx="0" cy="320878"/>
+          </a:xfrm>
+          <a:prstGeom prst="straightConnector1">
+            <a:avLst/>
+          </a:prstGeom>
+          <a:ln>
+            <a:solidFill>
+              <a:schemeClr val="tx1"/>
+            </a:solidFill>
+            <a:tailEnd type="triangle"/>
+          </a:ln>
+          <a:effectLst/>
+        </p:spPr>
+        <p:style>
+          <a:lnRef idx="2">
+            <a:schemeClr val="accent1"/>
+          </a:lnRef>
+          <a:fillRef idx="0">
+            <a:schemeClr val="accent1"/>
+          </a:fillRef>
+          <a:effectRef idx="1">
+            <a:schemeClr val="accent1"/>
+          </a:effectRef>
+          <a:fontRef idx="minor">
+            <a:schemeClr val="tx1"/>
+          </a:fontRef>
+        </p:style>
+      </p:cxnSp>
+    </p:spTree>
+    <p:extLst>
+      <p:ext uri="{BB962C8B-B14F-4D97-AF65-F5344CB8AC3E}">
+        <p14:creationId xmlns:p14="http://schemas.microsoft.com/office/powerpoint/2010/main" val="2352643018"/>
       </p:ext>
     </p:extLst>
   </p:cSld>

--- a/January 19 2019.pptx
+++ b/January 19 2019.pptx
@@ -115,7 +115,7 @@
   </p:defaultTextStyle>
   <p:extLst>
     <p:ext uri="{EFAFB233-063F-42B5-8137-9DF3F51BA10A}">
-      <p15:sldGuideLst xmlns:p15="http://schemas.microsoft.com/office/powerpoint/2012/main" xmlns="">
+      <p15:sldGuideLst xmlns:p15="http://schemas.microsoft.com/office/powerpoint/2012/main">
         <p15:guide id="1" orient="horz" pos="2160">
           <p15:clr>
             <a:srgbClr val="A4A3A4"/>
@@ -311,7 +311,7 @@
           <a:p>
             <a:fld id="{4ED42B7B-5B47-6B4D-9CEC-D1513411F071}" type="datetimeFigureOut">
               <a:rPr lang="en-US" smtClean="0"/>
-              <a:t>1/15/19</a:t>
+              <a:t>1/17/2019</a:t>
             </a:fld>
             <a:endParaRPr lang="en-US"/>
           </a:p>
@@ -479,7 +479,7 @@
           <a:p>
             <a:fld id="{4ED42B7B-5B47-6B4D-9CEC-D1513411F071}" type="datetimeFigureOut">
               <a:rPr lang="en-US" smtClean="0"/>
-              <a:t>1/15/19</a:t>
+              <a:t>1/17/2019</a:t>
             </a:fld>
             <a:endParaRPr lang="en-US"/>
           </a:p>
@@ -657,7 +657,7 @@
           <a:p>
             <a:fld id="{4ED42B7B-5B47-6B4D-9CEC-D1513411F071}" type="datetimeFigureOut">
               <a:rPr lang="en-US" smtClean="0"/>
-              <a:t>1/15/19</a:t>
+              <a:t>1/17/2019</a:t>
             </a:fld>
             <a:endParaRPr lang="en-US"/>
           </a:p>
@@ -825,7 +825,7 @@
           <a:p>
             <a:fld id="{4ED42B7B-5B47-6B4D-9CEC-D1513411F071}" type="datetimeFigureOut">
               <a:rPr lang="en-US" smtClean="0"/>
-              <a:t>1/15/19</a:t>
+              <a:t>1/17/2019</a:t>
             </a:fld>
             <a:endParaRPr lang="en-US"/>
           </a:p>
@@ -1070,7 +1070,7 @@
           <a:p>
             <a:fld id="{4ED42B7B-5B47-6B4D-9CEC-D1513411F071}" type="datetimeFigureOut">
               <a:rPr lang="en-US" smtClean="0"/>
-              <a:t>1/15/19</a:t>
+              <a:t>1/17/2019</a:t>
             </a:fld>
             <a:endParaRPr lang="en-US"/>
           </a:p>
@@ -1355,7 +1355,7 @@
           <a:p>
             <a:fld id="{4ED42B7B-5B47-6B4D-9CEC-D1513411F071}" type="datetimeFigureOut">
               <a:rPr lang="en-US" smtClean="0"/>
-              <a:t>1/15/19</a:t>
+              <a:t>1/17/2019</a:t>
             </a:fld>
             <a:endParaRPr lang="en-US"/>
           </a:p>
@@ -1774,7 +1774,7 @@
           <a:p>
             <a:fld id="{4ED42B7B-5B47-6B4D-9CEC-D1513411F071}" type="datetimeFigureOut">
               <a:rPr lang="en-US" smtClean="0"/>
-              <a:t>1/15/19</a:t>
+              <a:t>1/17/2019</a:t>
             </a:fld>
             <a:endParaRPr lang="en-US"/>
           </a:p>
@@ -1891,7 +1891,7 @@
           <a:p>
             <a:fld id="{4ED42B7B-5B47-6B4D-9CEC-D1513411F071}" type="datetimeFigureOut">
               <a:rPr lang="en-US" smtClean="0"/>
-              <a:t>1/15/19</a:t>
+              <a:t>1/17/2019</a:t>
             </a:fld>
             <a:endParaRPr lang="en-US"/>
           </a:p>
@@ -1986,7 +1986,7 @@
           <a:p>
             <a:fld id="{4ED42B7B-5B47-6B4D-9CEC-D1513411F071}" type="datetimeFigureOut">
               <a:rPr lang="en-US" smtClean="0"/>
-              <a:t>1/15/19</a:t>
+              <a:t>1/17/2019</a:t>
             </a:fld>
             <a:endParaRPr lang="en-US"/>
           </a:p>
@@ -2261,7 +2261,7 @@
           <a:p>
             <a:fld id="{4ED42B7B-5B47-6B4D-9CEC-D1513411F071}" type="datetimeFigureOut">
               <a:rPr lang="en-US" smtClean="0"/>
-              <a:t>1/15/19</a:t>
+              <a:t>1/17/2019</a:t>
             </a:fld>
             <a:endParaRPr lang="en-US"/>
           </a:p>
@@ -2513,7 +2513,7 @@
           <a:p>
             <a:fld id="{4ED42B7B-5B47-6B4D-9CEC-D1513411F071}" type="datetimeFigureOut">
               <a:rPr lang="en-US" smtClean="0"/>
-              <a:t>1/15/19</a:t>
+              <a:t>1/17/2019</a:t>
             </a:fld>
             <a:endParaRPr lang="en-US"/>
           </a:p>
@@ -2724,7 +2724,7 @@
           <a:p>
             <a:fld id="{4ED42B7B-5B47-6B4D-9CEC-D1513411F071}" type="datetimeFigureOut">
               <a:rPr lang="en-US" smtClean="0"/>
-              <a:t>1/15/19</a:t>
+              <a:t>1/17/2019</a:t>
             </a:fld>
             <a:endParaRPr lang="en-US"/>
           </a:p>
@@ -3227,18 +3227,17 @@
           <a:lstStyle/>
           <a:p>
             <a:r>
-              <a:rPr lang="en-US" dirty="0" smtClean="0"/>
+              <a:rPr lang="en-US" dirty="0"/>
               <a:t>GEE file: </a:t>
             </a:r>
             <a:r>
-              <a:rPr lang="en-US" dirty="0" err="1" smtClean="0"/>
+              <a:rPr lang="en-US" dirty="0" err="1"/>
               <a:t>LandCover</a:t>
             </a:r>
             <a:r>
-              <a:rPr lang="en-US" dirty="0" smtClean="0"/>
+              <a:rPr lang="en-US" dirty="0"/>
               <a:t>/Soy Classification Masking</a:t>
             </a:r>
-            <a:endParaRPr lang="en-US" dirty="0"/>
           </a:p>
         </p:txBody>
       </p:sp>
@@ -3265,32 +3264,31 @@
           <a:lstStyle/>
           <a:p>
             <a:r>
-              <a:rPr lang="en-US" dirty="0" smtClean="0"/>
+              <a:rPr lang="en-US" dirty="0"/>
               <a:t>Green = </a:t>
             </a:r>
             <a:r>
-              <a:rPr lang="en-US" dirty="0" err="1" smtClean="0"/>
+              <a:rPr lang="en-US" dirty="0" err="1"/>
               <a:t>mapbiomas</a:t>
             </a:r>
             <a:r>
-              <a:rPr lang="en-US" dirty="0" smtClean="0"/>
+              <a:rPr lang="en-US" dirty="0"/>
               <a:t> 3</a:t>
             </a:r>
           </a:p>
           <a:p>
             <a:r>
-              <a:rPr lang="en-US" dirty="0" smtClean="0"/>
+              <a:rPr lang="en-US" dirty="0"/>
               <a:t>Purple = </a:t>
             </a:r>
             <a:r>
-              <a:rPr lang="en-US" dirty="0" err="1" smtClean="0"/>
+              <a:rPr lang="en-US" dirty="0" err="1"/>
               <a:t>mapbiomas</a:t>
             </a:r>
             <a:r>
-              <a:rPr lang="en-US" dirty="0" smtClean="0"/>
+              <a:rPr lang="en-US" dirty="0"/>
               <a:t> 2.3</a:t>
             </a:r>
-            <a:endParaRPr lang="en-US" dirty="0"/>
           </a:p>
         </p:txBody>
       </p:sp>
@@ -3317,10 +3315,9 @@
           <a:lstStyle/>
           <a:p>
             <a:r>
-              <a:rPr lang="en-US" dirty="0" smtClean="0"/>
+              <a:rPr lang="en-US" dirty="0"/>
               <a:t>Map3 seems to be able to catch center pivot better!</a:t>
             </a:r>
-            <a:endParaRPr lang="en-US" dirty="0"/>
           </a:p>
         </p:txBody>
       </p:sp>
@@ -4921,7 +4918,7 @@
         <p:spPr>
           <a:xfrm>
             <a:off x="86982" y="191346"/>
-            <a:ext cx="8132483" cy="2862322"/>
+            <a:ext cx="8132483" cy="2308324"/>
           </a:xfrm>
           <a:prstGeom prst="rect">
             <a:avLst/>
@@ -5025,43 +5022,6 @@
               <a:rPr lang="en-US" dirty="0"/>
               <a:t>Need more training points across Brazil </a:t>
             </a:r>
-          </a:p>
-          <a:p>
-            <a:pPr marL="285750" indent="-285750">
-              <a:buFontTx/>
-              <a:buChar char="-"/>
-            </a:pPr>
-            <a:r>
-              <a:rPr lang="en-US" dirty="0">
-                <a:solidFill>
-                  <a:srgbClr val="FF0000"/>
-                </a:solidFill>
-              </a:rPr>
-              <a:t>How many training points are in </a:t>
-            </a:r>
-            <a:r>
-              <a:rPr lang="en-US" dirty="0" err="1">
-                <a:solidFill>
-                  <a:srgbClr val="FF0000"/>
-                </a:solidFill>
-              </a:rPr>
-              <a:t>Matopiba</a:t>
-            </a:r>
-            <a:r>
-              <a:rPr lang="en-US" dirty="0">
-                <a:solidFill>
-                  <a:srgbClr val="FF0000"/>
-                </a:solidFill>
-              </a:rPr>
-              <a:t>?</a:t>
-            </a:r>
-          </a:p>
-          <a:p>
-            <a:pPr marL="285750" indent="-285750">
-              <a:buFontTx/>
-              <a:buChar char="-"/>
-            </a:pPr>
-            <a:endParaRPr lang="en-US" dirty="0"/>
           </a:p>
         </p:txBody>
       </p:sp>
@@ -5539,7 +5499,7 @@
           <p:cNvPr id="2" name="Rectangle 1">
             <a:extLst>
               <a:ext uri="{FF2B5EF4-FFF2-40B4-BE49-F238E27FC236}">
-                <a16:creationId xmlns:a16="http://schemas.microsoft.com/office/drawing/2014/main" xmlns="" id="{3D073C0E-0B63-4498-88EE-830A1C99F3A8}"/>
+                <a16:creationId xmlns:a16="http://schemas.microsoft.com/office/drawing/2014/main" id="{3D073C0E-0B63-4498-88EE-830A1C99F3A8}"/>
               </a:ext>
             </a:extLst>
           </p:cNvPr>
@@ -5587,7 +5547,7 @@
           <p:cNvPr id="4" name="TextBox 3">
             <a:extLst>
               <a:ext uri="{FF2B5EF4-FFF2-40B4-BE49-F238E27FC236}">
-                <a16:creationId xmlns:a16="http://schemas.microsoft.com/office/drawing/2014/main" xmlns="" id="{53BA5805-4815-4DFB-A3B0-9EE75139349D}"/>
+                <a16:creationId xmlns:a16="http://schemas.microsoft.com/office/drawing/2014/main" id="{53BA5805-4815-4DFB-A3B0-9EE75139349D}"/>
               </a:ext>
             </a:extLst>
           </p:cNvPr>
@@ -5639,7 +5599,7 @@
           <p:cNvPr id="5" name="TextBox 4">
             <a:extLst>
               <a:ext uri="{FF2B5EF4-FFF2-40B4-BE49-F238E27FC236}">
-                <a16:creationId xmlns:a16="http://schemas.microsoft.com/office/drawing/2014/main" xmlns="" id="{D13A418A-6A09-4063-ABF2-79DAC7E9BD86}"/>
+                <a16:creationId xmlns:a16="http://schemas.microsoft.com/office/drawing/2014/main" id="{D13A418A-6A09-4063-ABF2-79DAC7E9BD86}"/>
               </a:ext>
             </a:extLst>
           </p:cNvPr>
@@ -5685,7 +5645,7 @@
           <p:cNvPr id="6" name="TextBox 5">
             <a:extLst>
               <a:ext uri="{FF2B5EF4-FFF2-40B4-BE49-F238E27FC236}">
-                <a16:creationId xmlns:a16="http://schemas.microsoft.com/office/drawing/2014/main" xmlns="" id="{C7628308-E941-4CEB-8E88-E4C24F850CE4}"/>
+                <a16:creationId xmlns:a16="http://schemas.microsoft.com/office/drawing/2014/main" id="{C7628308-E941-4CEB-8E88-E4C24F850CE4}"/>
               </a:ext>
             </a:extLst>
           </p:cNvPr>
@@ -5734,7 +5694,7 @@
           <p:cNvPr id="7" name="TextBox 6">
             <a:extLst>
               <a:ext uri="{FF2B5EF4-FFF2-40B4-BE49-F238E27FC236}">
-                <a16:creationId xmlns:a16="http://schemas.microsoft.com/office/drawing/2014/main" xmlns="" id="{E329F720-DE85-457F-BB52-FEE3D2C3E222}"/>
+                <a16:creationId xmlns:a16="http://schemas.microsoft.com/office/drawing/2014/main" id="{E329F720-DE85-457F-BB52-FEE3D2C3E222}"/>
               </a:ext>
             </a:extLst>
           </p:cNvPr>
@@ -5775,7 +5735,7 @@
           <p:cNvPr id="8" name="TextBox 7">
             <a:extLst>
               <a:ext uri="{FF2B5EF4-FFF2-40B4-BE49-F238E27FC236}">
-                <a16:creationId xmlns:a16="http://schemas.microsoft.com/office/drawing/2014/main" xmlns="" id="{F82FC533-76D8-4E5C-AD48-3BD1EBBE75EA}"/>
+                <a16:creationId xmlns:a16="http://schemas.microsoft.com/office/drawing/2014/main" id="{F82FC533-76D8-4E5C-AD48-3BD1EBBE75EA}"/>
               </a:ext>
             </a:extLst>
           </p:cNvPr>
@@ -5816,7 +5776,7 @@
           <p:cNvPr id="10" name="Straight Arrow Connector 9">
             <a:extLst>
               <a:ext uri="{FF2B5EF4-FFF2-40B4-BE49-F238E27FC236}">
-                <a16:creationId xmlns:a16="http://schemas.microsoft.com/office/drawing/2014/main" xmlns="" id="{797C1FAD-F13C-4F29-A2BC-0542E1D5178A}"/>
+                <a16:creationId xmlns:a16="http://schemas.microsoft.com/office/drawing/2014/main" id="{797C1FAD-F13C-4F29-A2BC-0542E1D5178A}"/>
               </a:ext>
             </a:extLst>
           </p:cNvPr>
@@ -5862,7 +5822,7 @@
           <p:cNvPr id="11" name="Straight Arrow Connector 10">
             <a:extLst>
               <a:ext uri="{FF2B5EF4-FFF2-40B4-BE49-F238E27FC236}">
-                <a16:creationId xmlns:a16="http://schemas.microsoft.com/office/drawing/2014/main" xmlns="" id="{62EE8C58-1D1B-4AE7-BF3D-A0F0D56DB49D}"/>
+                <a16:creationId xmlns:a16="http://schemas.microsoft.com/office/drawing/2014/main" id="{62EE8C58-1D1B-4AE7-BF3D-A0F0D56DB49D}"/>
               </a:ext>
             </a:extLst>
           </p:cNvPr>
@@ -5908,7 +5868,7 @@
           <p:cNvPr id="14" name="Straight Arrow Connector 13">
             <a:extLst>
               <a:ext uri="{FF2B5EF4-FFF2-40B4-BE49-F238E27FC236}">
-                <a16:creationId xmlns:a16="http://schemas.microsoft.com/office/drawing/2014/main" xmlns="" id="{813F02CA-CF9E-4907-A047-A1D22957D875}"/>
+                <a16:creationId xmlns:a16="http://schemas.microsoft.com/office/drawing/2014/main" id="{813F02CA-CF9E-4907-A047-A1D22957D875}"/>
               </a:ext>
             </a:extLst>
           </p:cNvPr>
@@ -5955,7 +5915,7 @@
           <p:cNvPr id="17" name="TextBox 16">
             <a:extLst>
               <a:ext uri="{FF2B5EF4-FFF2-40B4-BE49-F238E27FC236}">
-                <a16:creationId xmlns:a16="http://schemas.microsoft.com/office/drawing/2014/main" xmlns="" id="{27C640BE-71FC-4084-9E14-C99A65BE39D2}"/>
+                <a16:creationId xmlns:a16="http://schemas.microsoft.com/office/drawing/2014/main" id="{27C640BE-71FC-4084-9E14-C99A65BE39D2}"/>
               </a:ext>
             </a:extLst>
           </p:cNvPr>
@@ -5993,7 +5953,7 @@
           <p:cNvPr id="18" name="Straight Arrow Connector 17">
             <a:extLst>
               <a:ext uri="{FF2B5EF4-FFF2-40B4-BE49-F238E27FC236}">
-                <a16:creationId xmlns:a16="http://schemas.microsoft.com/office/drawing/2014/main" xmlns="" id="{77DDDF35-E698-40DE-B091-C5A1529B82F9}"/>
+                <a16:creationId xmlns:a16="http://schemas.microsoft.com/office/drawing/2014/main" id="{77DDDF35-E698-40DE-B091-C5A1529B82F9}"/>
               </a:ext>
             </a:extLst>
           </p:cNvPr>
@@ -6040,7 +6000,7 @@
           <p:cNvPr id="35" name="TextBox 34">
             <a:extLst>
               <a:ext uri="{FF2B5EF4-FFF2-40B4-BE49-F238E27FC236}">
-                <a16:creationId xmlns:a16="http://schemas.microsoft.com/office/drawing/2014/main" xmlns="" id="{39CC1429-A401-423B-AE2A-92350CD2B04F}"/>
+                <a16:creationId xmlns:a16="http://schemas.microsoft.com/office/drawing/2014/main" id="{39CC1429-A401-423B-AE2A-92350CD2B04F}"/>
               </a:ext>
             </a:extLst>
           </p:cNvPr>
@@ -6080,7 +6040,7 @@
           <p:cNvPr id="36" name="TextBox 35">
             <a:extLst>
               <a:ext uri="{FF2B5EF4-FFF2-40B4-BE49-F238E27FC236}">
-                <a16:creationId xmlns:a16="http://schemas.microsoft.com/office/drawing/2014/main" xmlns="" id="{3063C5A0-5F8D-483C-AD4C-D1058588A89B}"/>
+                <a16:creationId xmlns:a16="http://schemas.microsoft.com/office/drawing/2014/main" id="{3063C5A0-5F8D-483C-AD4C-D1058588A89B}"/>
               </a:ext>
             </a:extLst>
           </p:cNvPr>
@@ -6120,7 +6080,7 @@
           <p:cNvPr id="37" name="Straight Arrow Connector 36">
             <a:extLst>
               <a:ext uri="{FF2B5EF4-FFF2-40B4-BE49-F238E27FC236}">
-                <a16:creationId xmlns:a16="http://schemas.microsoft.com/office/drawing/2014/main" xmlns="" id="{1D6BEA29-7AC0-4C5D-AFA4-1AB93B3A520A}"/>
+                <a16:creationId xmlns:a16="http://schemas.microsoft.com/office/drawing/2014/main" id="{1D6BEA29-7AC0-4C5D-AFA4-1AB93B3A520A}"/>
               </a:ext>
             </a:extLst>
           </p:cNvPr>
@@ -6167,7 +6127,7 @@
           <p:cNvPr id="40" name="TextBox 39">
             <a:extLst>
               <a:ext uri="{FF2B5EF4-FFF2-40B4-BE49-F238E27FC236}">
-                <a16:creationId xmlns:a16="http://schemas.microsoft.com/office/drawing/2014/main" xmlns="" id="{AF652BA2-B19C-4FCC-AFF1-E72AA0DBA855}"/>
+                <a16:creationId xmlns:a16="http://schemas.microsoft.com/office/drawing/2014/main" id="{AF652BA2-B19C-4FCC-AFF1-E72AA0DBA855}"/>
               </a:ext>
             </a:extLst>
           </p:cNvPr>
@@ -6205,7 +6165,7 @@
           <p:cNvPr id="41" name="Straight Arrow Connector 40">
             <a:extLst>
               <a:ext uri="{FF2B5EF4-FFF2-40B4-BE49-F238E27FC236}">
-                <a16:creationId xmlns:a16="http://schemas.microsoft.com/office/drawing/2014/main" xmlns="" id="{FFCE516D-9F28-49BD-B799-B2FC9446A864}"/>
+                <a16:creationId xmlns:a16="http://schemas.microsoft.com/office/drawing/2014/main" id="{FFCE516D-9F28-49BD-B799-B2FC9446A864}"/>
               </a:ext>
             </a:extLst>
           </p:cNvPr>
@@ -6252,7 +6212,7 @@
           <p:cNvPr id="47" name="Straight Arrow Connector 46">
             <a:extLst>
               <a:ext uri="{FF2B5EF4-FFF2-40B4-BE49-F238E27FC236}">
-                <a16:creationId xmlns:a16="http://schemas.microsoft.com/office/drawing/2014/main" xmlns="" id="{3286198B-E1A5-41A5-BFB7-4800BC294A32}"/>
+                <a16:creationId xmlns:a16="http://schemas.microsoft.com/office/drawing/2014/main" id="{3286198B-E1A5-41A5-BFB7-4800BC294A32}"/>
               </a:ext>
             </a:extLst>
           </p:cNvPr>
@@ -6298,7 +6258,7 @@
           <p:cNvPr id="52" name="TextBox 51">
             <a:extLst>
               <a:ext uri="{FF2B5EF4-FFF2-40B4-BE49-F238E27FC236}">
-                <a16:creationId xmlns:a16="http://schemas.microsoft.com/office/drawing/2014/main" xmlns="" id="{A7BEBC0A-22D5-404B-969E-527EC8D40760}"/>
+                <a16:creationId xmlns:a16="http://schemas.microsoft.com/office/drawing/2014/main" id="{A7BEBC0A-22D5-404B-969E-527EC8D40760}"/>
               </a:ext>
             </a:extLst>
           </p:cNvPr>
@@ -6336,7 +6296,7 @@
           <p:cNvPr id="53" name="TextBox 52">
             <a:extLst>
               <a:ext uri="{FF2B5EF4-FFF2-40B4-BE49-F238E27FC236}">
-                <a16:creationId xmlns:a16="http://schemas.microsoft.com/office/drawing/2014/main" xmlns="" id="{B39C4787-9E31-4723-B7D4-E268E18DDE78}"/>
+                <a16:creationId xmlns:a16="http://schemas.microsoft.com/office/drawing/2014/main" id="{B39C4787-9E31-4723-B7D4-E268E18DDE78}"/>
               </a:ext>
             </a:extLst>
           </p:cNvPr>
@@ -6376,7 +6336,7 @@
           <p:cNvPr id="54" name="Straight Arrow Connector 53">
             <a:extLst>
               <a:ext uri="{FF2B5EF4-FFF2-40B4-BE49-F238E27FC236}">
-                <a16:creationId xmlns:a16="http://schemas.microsoft.com/office/drawing/2014/main" xmlns="" id="{08B2DD7A-76A6-4A9E-B00F-E1B140242E95}"/>
+                <a16:creationId xmlns:a16="http://schemas.microsoft.com/office/drawing/2014/main" id="{08B2DD7A-76A6-4A9E-B00F-E1B140242E95}"/>
               </a:ext>
             </a:extLst>
           </p:cNvPr>
@@ -6423,7 +6383,7 @@
           <p:cNvPr id="58" name="TextBox 57">
             <a:extLst>
               <a:ext uri="{FF2B5EF4-FFF2-40B4-BE49-F238E27FC236}">
-                <a16:creationId xmlns:a16="http://schemas.microsoft.com/office/drawing/2014/main" xmlns="" id="{87C24B39-E694-4E88-BD7B-1B4F400131A6}"/>
+                <a16:creationId xmlns:a16="http://schemas.microsoft.com/office/drawing/2014/main" id="{87C24B39-E694-4E88-BD7B-1B4F400131A6}"/>
               </a:ext>
             </a:extLst>
           </p:cNvPr>
@@ -6463,7 +6423,7 @@
           <p:cNvPr id="60" name="Straight Arrow Connector 59">
             <a:extLst>
               <a:ext uri="{FF2B5EF4-FFF2-40B4-BE49-F238E27FC236}">
-                <a16:creationId xmlns:a16="http://schemas.microsoft.com/office/drawing/2014/main" xmlns="" id="{9054BD95-736D-42CA-88D1-F09630D6F7F2}"/>
+                <a16:creationId xmlns:a16="http://schemas.microsoft.com/office/drawing/2014/main" id="{9054BD95-736D-42CA-88D1-F09630D6F7F2}"/>
               </a:ext>
             </a:extLst>
           </p:cNvPr>
@@ -6510,7 +6470,7 @@
           <p:cNvPr id="65" name="Straight Arrow Connector 64">
             <a:extLst>
               <a:ext uri="{FF2B5EF4-FFF2-40B4-BE49-F238E27FC236}">
-                <a16:creationId xmlns:a16="http://schemas.microsoft.com/office/drawing/2014/main" xmlns="" id="{E282940C-3568-483E-98EB-F1E7766C81B9}"/>
+                <a16:creationId xmlns:a16="http://schemas.microsoft.com/office/drawing/2014/main" id="{E282940C-3568-483E-98EB-F1E7766C81B9}"/>
               </a:ext>
             </a:extLst>
           </p:cNvPr>
@@ -6557,7 +6517,7 @@
           <p:cNvPr id="74" name="TextBox 73">
             <a:extLst>
               <a:ext uri="{FF2B5EF4-FFF2-40B4-BE49-F238E27FC236}">
-                <a16:creationId xmlns:a16="http://schemas.microsoft.com/office/drawing/2014/main" xmlns="" id="{3CE2D2DC-FD04-4EA2-95B7-CF16F32898F1}"/>
+                <a16:creationId xmlns:a16="http://schemas.microsoft.com/office/drawing/2014/main" id="{3CE2D2DC-FD04-4EA2-95B7-CF16F32898F1}"/>
               </a:ext>
             </a:extLst>
           </p:cNvPr>
@@ -6598,7 +6558,7 @@
           <p:cNvPr id="75" name="Straight Arrow Connector 74">
             <a:extLst>
               <a:ext uri="{FF2B5EF4-FFF2-40B4-BE49-F238E27FC236}">
-                <a16:creationId xmlns:a16="http://schemas.microsoft.com/office/drawing/2014/main" xmlns="" id="{2CDD7B62-2C4E-4595-B22A-7BE1E0A7F829}"/>
+                <a16:creationId xmlns:a16="http://schemas.microsoft.com/office/drawing/2014/main" id="{2CDD7B62-2C4E-4595-B22A-7BE1E0A7F829}"/>
               </a:ext>
             </a:extLst>
           </p:cNvPr>
@@ -6645,7 +6605,7 @@
           <p:cNvPr id="82" name="TextBox 81">
             <a:extLst>
               <a:ext uri="{FF2B5EF4-FFF2-40B4-BE49-F238E27FC236}">
-                <a16:creationId xmlns:a16="http://schemas.microsoft.com/office/drawing/2014/main" xmlns="" id="{C9847FC3-9665-4B01-AE57-28D1AD72D078}"/>
+                <a16:creationId xmlns:a16="http://schemas.microsoft.com/office/drawing/2014/main" id="{C9847FC3-9665-4B01-AE57-28D1AD72D078}"/>
               </a:ext>
             </a:extLst>
           </p:cNvPr>
@@ -6690,7 +6650,7 @@
           <p:cNvPr id="83" name="TextBox 82">
             <a:extLst>
               <a:ext uri="{FF2B5EF4-FFF2-40B4-BE49-F238E27FC236}">
-                <a16:creationId xmlns:a16="http://schemas.microsoft.com/office/drawing/2014/main" xmlns="" id="{9739CB89-4CAD-43F7-BA43-3D3D10DE7652}"/>
+                <a16:creationId xmlns:a16="http://schemas.microsoft.com/office/drawing/2014/main" id="{9739CB89-4CAD-43F7-BA43-3D3D10DE7652}"/>
               </a:ext>
             </a:extLst>
           </p:cNvPr>
@@ -6728,7 +6688,7 @@
           <p:cNvPr id="100" name="Straight Arrow Connector 99">
             <a:extLst>
               <a:ext uri="{FF2B5EF4-FFF2-40B4-BE49-F238E27FC236}">
-                <a16:creationId xmlns:a16="http://schemas.microsoft.com/office/drawing/2014/main" xmlns="" id="{90858639-47D8-448A-AE1C-E1FFB896BA81}"/>
+                <a16:creationId xmlns:a16="http://schemas.microsoft.com/office/drawing/2014/main" id="{90858639-47D8-448A-AE1C-E1FFB896BA81}"/>
               </a:ext>
             </a:extLst>
           </p:cNvPr>
@@ -6775,7 +6735,7 @@
           <p:cNvPr id="3" name="Rectangle 2">
             <a:extLst>
               <a:ext uri="{FF2B5EF4-FFF2-40B4-BE49-F238E27FC236}">
-                <a16:creationId xmlns:a16="http://schemas.microsoft.com/office/drawing/2014/main" xmlns="" id="{CF68750C-AC06-4BF7-B1A6-72D946341DC3}"/>
+                <a16:creationId xmlns:a16="http://schemas.microsoft.com/office/drawing/2014/main" id="{CF68750C-AC06-4BF7-B1A6-72D946341DC3}"/>
               </a:ext>
             </a:extLst>
           </p:cNvPr>
@@ -6809,7 +6769,7 @@
           <p:cNvPr id="34" name="TextBox 33">
             <a:extLst>
               <a:ext uri="{FF2B5EF4-FFF2-40B4-BE49-F238E27FC236}">
-                <a16:creationId xmlns:a16="http://schemas.microsoft.com/office/drawing/2014/main" xmlns="" id="{83A15EBB-5F6B-4E66-8887-F8404C9AF785}"/>
+                <a16:creationId xmlns:a16="http://schemas.microsoft.com/office/drawing/2014/main" id="{83A15EBB-5F6B-4E66-8887-F8404C9AF785}"/>
               </a:ext>
             </a:extLst>
           </p:cNvPr>
@@ -6883,7 +6843,7 @@
           <p:cNvPr id="38" name="TextBox 37">
             <a:extLst>
               <a:ext uri="{FF2B5EF4-FFF2-40B4-BE49-F238E27FC236}">
-                <a16:creationId xmlns:a16="http://schemas.microsoft.com/office/drawing/2014/main" xmlns="" id="{7C059894-168B-4E4E-A661-8A29896F2A2D}"/>
+                <a16:creationId xmlns:a16="http://schemas.microsoft.com/office/drawing/2014/main" id="{7C059894-168B-4E4E-A661-8A29896F2A2D}"/>
               </a:ext>
             </a:extLst>
           </p:cNvPr>
@@ -6989,7 +6949,7 @@
           <p:cNvPr id="2" name="Rectangle 1">
             <a:extLst>
               <a:ext uri="{FF2B5EF4-FFF2-40B4-BE49-F238E27FC236}">
-                <a16:creationId xmlns:a16="http://schemas.microsoft.com/office/drawing/2014/main" xmlns="" id="{0A188924-A74D-4A7B-8046-F8AA7DFCC31E}"/>
+                <a16:creationId xmlns:a16="http://schemas.microsoft.com/office/drawing/2014/main" id="{0A188924-A74D-4A7B-8046-F8AA7DFCC31E}"/>
               </a:ext>
             </a:extLst>
           </p:cNvPr>
@@ -7027,13 +6987,8 @@
             </a:r>
             <a:r>
               <a:rPr lang="en-US" dirty="0"/>
-              <a:t>/Soy </a:t>
-            </a:r>
-            <a:r>
-              <a:rPr lang="en-US" dirty="0" smtClean="0"/>
-              <a:t>Classification Variations</a:t>
-            </a:r>
-            <a:endParaRPr lang="en-US" dirty="0"/>
+              <a:t>/Soy Classification Variations</a:t>
+            </a:r>
           </a:p>
         </p:txBody>
       </p:sp>
@@ -7042,7 +6997,7 @@
           <p:cNvPr id="3" name="Rectangle 2">
             <a:extLst>
               <a:ext uri="{FF2B5EF4-FFF2-40B4-BE49-F238E27FC236}">
-                <a16:creationId xmlns:a16="http://schemas.microsoft.com/office/drawing/2014/main" xmlns="" id="{D595514F-8764-4E47-A5E0-CA4455FCE160}"/>
+                <a16:creationId xmlns:a16="http://schemas.microsoft.com/office/drawing/2014/main" id="{D595514F-8764-4E47-A5E0-CA4455FCE160}"/>
               </a:ext>
             </a:extLst>
           </p:cNvPr>
@@ -7052,7 +7007,7 @@
         <p:spPr>
           <a:xfrm>
             <a:off x="0" y="1263075"/>
-            <a:ext cx="4572000" cy="3693319"/>
+            <a:ext cx="4572000" cy="3046988"/>
           </a:xfrm>
           <a:prstGeom prst="rect">
             <a:avLst/>
@@ -7065,7 +7020,7 @@
           <a:lstStyle/>
           <a:p>
             <a:r>
-              <a:rPr lang="en-US" b="1" dirty="0"/>
+              <a:rPr lang="en-US" sz="1600" b="1" dirty="0"/>
               <a:t>Variations on classification</a:t>
             </a:r>
           </a:p>
@@ -7075,7 +7030,7 @@
               <a:buChar char="-"/>
             </a:pPr>
             <a:r>
-              <a:rPr lang="en-US" dirty="0">
+              <a:rPr lang="en-US" sz="1600" dirty="0">
                 <a:solidFill>
                   <a:srgbClr val="FF0000"/>
                 </a:solidFill>
@@ -7089,7 +7044,7 @@
               <a:buChar char="-"/>
             </a:pPr>
             <a:r>
-              <a:rPr lang="en-US" dirty="0">
+              <a:rPr lang="en-US" sz="1600" dirty="0">
                 <a:solidFill>
                   <a:srgbClr val="FF0000"/>
                 </a:solidFill>
@@ -7103,7 +7058,7 @@
               <a:buChar char="-"/>
             </a:pPr>
             <a:r>
-              <a:rPr lang="en-US" dirty="0">
+              <a:rPr lang="en-US" sz="1600" dirty="0">
                 <a:solidFill>
                   <a:srgbClr val="FF0000"/>
                 </a:solidFill>
@@ -7117,7 +7072,7 @@
               <a:buChar char="-"/>
             </a:pPr>
             <a:r>
-              <a:rPr lang="en-US" dirty="0"/>
+              <a:rPr lang="en-US" sz="1600" dirty="0"/>
               <a:t>Pre classification masking of soy points:</a:t>
             </a:r>
           </a:p>
@@ -7127,14 +7082,9 @@
               <a:buChar char="-"/>
             </a:pPr>
             <a:r>
-              <a:rPr lang="en-US" dirty="0"/>
-              <a:t>None (original Jake</a:t>
-            </a:r>
-            <a:r>
-              <a:rPr lang="en-US" dirty="0" smtClean="0"/>
-              <a:t>)</a:t>
-            </a:r>
-            <a:endParaRPr lang="en-US" dirty="0"/>
+              <a:rPr lang="en-US" sz="1600" dirty="0"/>
+              <a:t>None (original Jake)</a:t>
+            </a:r>
           </a:p>
           <a:p>
             <a:pPr marL="742950" lvl="1" indent="-285750">
@@ -7142,14 +7092,13 @@
               <a:buChar char="-"/>
             </a:pPr>
             <a:r>
-              <a:rPr lang="en-US" dirty="0" err="1" smtClean="0"/>
+              <a:rPr lang="en-US" sz="1600" dirty="0" err="1"/>
               <a:t>Mapbiomas</a:t>
             </a:r>
             <a:r>
-              <a:rPr lang="en-US" dirty="0" smtClean="0"/>
+              <a:rPr lang="en-US" sz="1600" dirty="0"/>
               <a:t> 3</a:t>
             </a:r>
-            <a:endParaRPr lang="en-US" dirty="0"/>
           </a:p>
           <a:p>
             <a:pPr marL="742950" lvl="1" indent="-285750">
@@ -7157,16 +7106,12 @@
               <a:buChar char="-"/>
             </a:pPr>
             <a:r>
-              <a:rPr lang="en-US" dirty="0" err="1"/>
+              <a:rPr lang="en-US" sz="1600" dirty="0" err="1"/>
               <a:t>Mapbiomas</a:t>
             </a:r>
             <a:r>
-              <a:rPr lang="en-US" dirty="0"/>
-              <a:t> </a:t>
-            </a:r>
-            <a:r>
-              <a:rPr lang="en-US" dirty="0" smtClean="0"/>
-              <a:t>3</a:t>
+              <a:rPr lang="en-US" sz="1600" dirty="0"/>
+              <a:t> 23</a:t>
             </a:r>
           </a:p>
           <a:p>
@@ -7175,20 +7120,12 @@
               <a:buChar char="-"/>
             </a:pPr>
             <a:r>
-              <a:rPr lang="en-US" dirty="0" smtClean="0">
+              <a:rPr lang="en-US" sz="1600" dirty="0">
                 <a:solidFill>
                   <a:srgbClr val="FF0000"/>
                 </a:solidFill>
               </a:rPr>
-              <a:t>Post </a:t>
-            </a:r>
-            <a:r>
-              <a:rPr lang="en-US" dirty="0">
-                <a:solidFill>
-                  <a:srgbClr val="FF0000"/>
-                </a:solidFill>
-              </a:rPr>
-              <a:t>classification masking of classified image:</a:t>
+              <a:t>Post classification masking of classified image:</a:t>
             </a:r>
           </a:p>
           <a:p>
@@ -7197,7 +7134,7 @@
               <a:buChar char="-"/>
             </a:pPr>
             <a:r>
-              <a:rPr lang="en-US" dirty="0" err="1">
+              <a:rPr lang="en-US" sz="1600" dirty="0" err="1">
                 <a:solidFill>
                   <a:srgbClr val="FF0000"/>
                 </a:solidFill>
@@ -7205,29 +7142,7 @@
               <a:t>Mapbiomas</a:t>
             </a:r>
             <a:r>
-              <a:rPr lang="en-US" dirty="0">
-                <a:solidFill>
-                  <a:srgbClr val="FF0000"/>
-                </a:solidFill>
-              </a:rPr>
-              <a:t> 2.3 (original Jake)</a:t>
-            </a:r>
-          </a:p>
-          <a:p>
-            <a:pPr marL="742950" lvl="1" indent="-285750">
-              <a:buFontTx/>
-              <a:buChar char="-"/>
-            </a:pPr>
-            <a:r>
-              <a:rPr lang="en-US" dirty="0" err="1">
-                <a:solidFill>
-                  <a:srgbClr val="FF0000"/>
-                </a:solidFill>
-              </a:rPr>
-              <a:t>Mapbiomas</a:t>
-            </a:r>
-            <a:r>
-              <a:rPr lang="en-US" dirty="0">
+              <a:rPr lang="en-US" sz="1600" dirty="0">
                 <a:solidFill>
                   <a:srgbClr val="FF0000"/>
                 </a:solidFill>
@@ -7241,12 +7156,12 @@
               <a:buChar char="-"/>
             </a:pPr>
             <a:r>
-              <a:rPr lang="en-US" dirty="0">
+              <a:rPr lang="en-US" sz="1600" dirty="0">
                 <a:solidFill>
                   <a:srgbClr val="FF0000"/>
                 </a:solidFill>
               </a:rPr>
-              <a:t>None </a:t>
+              <a:t>Neighbors (i.e. pixel classified without any similar neighboring pixels will be taken out)</a:t>
             </a:r>
           </a:p>
         </p:txBody>
@@ -7256,7 +7171,7 @@
           <p:cNvPr id="4" name="Rectangle 3">
             <a:extLst>
               <a:ext uri="{FF2B5EF4-FFF2-40B4-BE49-F238E27FC236}">
-                <a16:creationId xmlns:a16="http://schemas.microsoft.com/office/drawing/2014/main" xmlns="" id="{9E53A49F-6AF9-4B61-BFB8-8839544AC0B1}"/>
+                <a16:creationId xmlns:a16="http://schemas.microsoft.com/office/drawing/2014/main" id="{9E53A49F-6AF9-4B61-BFB8-8839544AC0B1}"/>
               </a:ext>
             </a:extLst>
           </p:cNvPr>
@@ -7266,7 +7181,7 @@
         <p:spPr>
           <a:xfrm>
             <a:off x="4734791" y="1263075"/>
-            <a:ext cx="4211782" cy="2031325"/>
+            <a:ext cx="4211782" cy="1846659"/>
           </a:xfrm>
           <a:prstGeom prst="rect">
             <a:avLst/>
@@ -7279,7 +7194,7 @@
           <a:lstStyle/>
           <a:p>
             <a:r>
-              <a:rPr lang="en-US" b="1" dirty="0"/>
+              <a:rPr lang="en-US" sz="1600" b="1" dirty="0"/>
               <a:t>Variations on evaluation</a:t>
             </a:r>
           </a:p>
@@ -7289,7 +7204,7 @@
               <a:buChar char="-"/>
             </a:pPr>
             <a:r>
-              <a:rPr lang="en-US" dirty="0"/>
+              <a:rPr lang="en-US" sz="1600" dirty="0"/>
               <a:t>Overall accuracy from confusion matrix</a:t>
             </a:r>
           </a:p>
@@ -7299,15 +7214,15 @@
               <a:buChar char="-"/>
             </a:pPr>
             <a:r>
-              <a:rPr lang="en-US" dirty="0"/>
+              <a:rPr lang="en-US" sz="1600" dirty="0"/>
               <a:t>Accuracy by region (MT and </a:t>
             </a:r>
             <a:r>
-              <a:rPr lang="en-US" dirty="0" err="1"/>
+              <a:rPr lang="en-US" sz="1600" dirty="0" err="1"/>
               <a:t>Matopiba</a:t>
             </a:r>
             <a:r>
-              <a:rPr lang="en-US" dirty="0"/>
+              <a:rPr lang="en-US" sz="1600" dirty="0"/>
               <a:t>)</a:t>
             </a:r>
           </a:p>
@@ -7317,23 +7232,15 @@
               <a:buChar char="-"/>
             </a:pPr>
             <a:r>
-              <a:rPr lang="en-US" dirty="0">
+              <a:rPr lang="en-US" sz="1600" dirty="0">
                 <a:solidFill>
                   <a:srgbClr val="FF0000"/>
                 </a:solidFill>
               </a:rPr>
-              <a:t>Accuracy assuming mb3 is </a:t>
-            </a:r>
-            <a:r>
-              <a:rPr lang="en-US" dirty="0" smtClean="0">
-                <a:solidFill>
-                  <a:srgbClr val="FF0000"/>
-                </a:solidFill>
-              </a:rPr>
-              <a:t>correct (but mb3 only gives </a:t>
-            </a:r>
-            <a:r>
-              <a:rPr lang="en-US" dirty="0" err="1" smtClean="0">
+              <a:t>Accuracy assuming mb3 is correct (but mb3 only gives </a:t>
+            </a:r>
+            <a:r>
+              <a:rPr lang="en-US" sz="1600" dirty="0" err="1">
                 <a:solidFill>
                   <a:srgbClr val="FF0000"/>
                 </a:solidFill>
@@ -7341,18 +7248,13 @@
               <a:t>agri</a:t>
             </a:r>
             <a:r>
-              <a:rPr lang="en-US" dirty="0" smtClean="0">
+              <a:rPr lang="en-US" sz="1600" dirty="0">
                 <a:solidFill>
                   <a:srgbClr val="FF0000"/>
                 </a:solidFill>
               </a:rPr>
               <a:t> as a single category)</a:t>
             </a:r>
-            <a:endParaRPr lang="en-US" dirty="0">
-              <a:solidFill>
-                <a:srgbClr val="FF0000"/>
-              </a:solidFill>
-            </a:endParaRPr>
           </a:p>
           <a:p>
             <a:pPr marL="285750" indent="-285750">
@@ -7360,7 +7262,7 @@
               <a:buChar char="-"/>
             </a:pPr>
             <a:r>
-              <a:rPr lang="en-US" dirty="0">
+              <a:rPr lang="en-US" sz="1600" dirty="0">
                 <a:solidFill>
                   <a:srgbClr val="FF0000"/>
                 </a:solidFill>
@@ -7373,7 +7275,48 @@
               <a:buFontTx/>
               <a:buChar char="-"/>
             </a:pPr>
-            <a:endParaRPr lang="en-US" dirty="0"/>
+            <a:endParaRPr lang="en-US" sz="1600" dirty="0"/>
+          </a:p>
+        </p:txBody>
+      </p:sp>
+      <p:sp>
+        <p:nvSpPr>
+          <p:cNvPr id="5" name="TextBox 4">
+            <a:extLst>
+              <a:ext uri="{FF2B5EF4-FFF2-40B4-BE49-F238E27FC236}">
+                <a16:creationId xmlns:a16="http://schemas.microsoft.com/office/drawing/2014/main" id="{0320CA0B-00EF-4108-AD6B-47642FC7DA37}"/>
+              </a:ext>
+            </a:extLst>
+          </p:cNvPr>
+          <p:cNvSpPr txBox="1"/>
+          <p:nvPr/>
+        </p:nvSpPr>
+        <p:spPr>
+          <a:xfrm>
+            <a:off x="509154" y="5019706"/>
+            <a:ext cx="8125691" cy="1200329"/>
+          </a:xfrm>
+          <a:prstGeom prst="rect">
+            <a:avLst/>
+          </a:prstGeom>
+          <a:noFill/>
+        </p:spPr>
+        <p:txBody>
+          <a:bodyPr wrap="square" rtlCol="0">
+            <a:spAutoFit/>
+          </a:bodyPr>
+          <a:lstStyle/>
+          <a:p>
+            <a:r>
+              <a:rPr lang="en-US" dirty="0"/>
+              <a:t>Pre-classification masking of soy_pts_agsat_1 improved overall accuracy for both MT and ‘total’ (which is basically just MT for soy_pts_agsat_1). </a:t>
+            </a:r>
+          </a:p>
+          <a:p>
+            <a:r>
+              <a:rPr lang="en-US" dirty="0"/>
+              <a:t>Accuracy didn’t improve a lot in most cases… maybe from mid/low 70s to mid/high 70s</a:t>
+            </a:r>
           </a:p>
         </p:txBody>
       </p:sp>
@@ -7412,7 +7355,7 @@
           <p:cNvPr id="2" name="Rectangle 1">
             <a:extLst>
               <a:ext uri="{FF2B5EF4-FFF2-40B4-BE49-F238E27FC236}">
-                <a16:creationId xmlns:a16="http://schemas.microsoft.com/office/drawing/2014/main" xmlns="" id="{0A188924-A74D-4A7B-8046-F8AA7DFCC31E}"/>
+                <a16:creationId xmlns:a16="http://schemas.microsoft.com/office/drawing/2014/main" id="{0A188924-A74D-4A7B-8046-F8AA7DFCC31E}"/>
               </a:ext>
             </a:extLst>
           </p:cNvPr>
@@ -7436,13 +7379,8 @@
           <a:p>
             <a:r>
               <a:rPr lang="en-US" b="1" dirty="0"/>
-              <a:t>Soy Classification </a:t>
-            </a:r>
-            <a:r>
-              <a:rPr lang="en-US" b="1" dirty="0" smtClean="0"/>
-              <a:t>visualization</a:t>
-            </a:r>
-            <a:endParaRPr lang="en-US" b="1" dirty="0"/>
+              <a:t>Soy Classification visualization</a:t>
+            </a:r>
           </a:p>
           <a:p>
             <a:r>
@@ -7455,13 +7393,8 @@
             </a:r>
             <a:r>
               <a:rPr lang="en-US" dirty="0"/>
-              <a:t>/Soy </a:t>
-            </a:r>
-            <a:r>
-              <a:rPr lang="en-US" dirty="0" smtClean="0"/>
-              <a:t>Classification Masking</a:t>
-            </a:r>
-            <a:endParaRPr lang="en-US" dirty="0"/>
+              <a:t>/Soy Classification Masking</a:t>
+            </a:r>
           </a:p>
         </p:txBody>
       </p:sp>
@@ -7474,7 +7407,7 @@
         <p:spPr>
           <a:xfrm>
             <a:off x="251026" y="1284837"/>
-            <a:ext cx="8667789" cy="1477328"/>
+            <a:ext cx="8667789" cy="1754326"/>
           </a:xfrm>
           <a:prstGeom prst="rect">
             <a:avLst/>
@@ -7492,15 +7425,15 @@
               <a:buChar char="•"/>
             </a:pPr>
             <a:r>
-              <a:rPr lang="en-US" dirty="0" smtClean="0"/>
+              <a:rPr lang="en-US" dirty="0"/>
               <a:t>File visually compares classified images to </a:t>
             </a:r>
             <a:r>
-              <a:rPr lang="en-US" dirty="0" err="1" smtClean="0"/>
+              <a:rPr lang="en-US" dirty="0" err="1"/>
               <a:t>mapbiomas</a:t>
             </a:r>
             <a:r>
-              <a:rPr lang="en-US" dirty="0" smtClean="0"/>
+              <a:rPr lang="en-US" dirty="0"/>
               <a:t> 2.3 and 3</a:t>
             </a:r>
           </a:p>
@@ -7510,7 +7443,7 @@
               <a:buChar char="•"/>
             </a:pPr>
             <a:r>
-              <a:rPr lang="en-US" dirty="0" smtClean="0"/>
+              <a:rPr lang="en-US" dirty="0"/>
               <a:t>Play with masking out classified image by:</a:t>
             </a:r>
           </a:p>
@@ -7520,8 +7453,8 @@
               <a:buChar char="•"/>
             </a:pPr>
             <a:r>
-              <a:rPr lang="en-US" dirty="0" smtClean="0"/>
-              <a:t>‘uniformity’ of pixels</a:t>
+              <a:rPr lang="en-US" dirty="0"/>
+              <a:t>‘uniformity’ of pixels (connected pixels of the same classification)</a:t>
             </a:r>
           </a:p>
           <a:p>
@@ -7530,7 +7463,21 @@
               <a:buChar char="•"/>
             </a:pPr>
             <a:r>
-              <a:rPr lang="en-US" dirty="0" smtClean="0"/>
+              <a:rPr lang="en-US" dirty="0" err="1"/>
+              <a:t>Mapbiomas</a:t>
+            </a:r>
+            <a:r>
+              <a:rPr lang="en-US" dirty="0"/>
+              <a:t> 3</a:t>
+            </a:r>
+          </a:p>
+          <a:p>
+            <a:pPr marL="742950" lvl="1" indent="-285750">
+              <a:buFont typeface="Arial"/>
+              <a:buChar char="•"/>
+            </a:pPr>
+            <a:r>
+              <a:rPr lang="en-US" dirty="0"/>
               <a:t>Reasonableness of crop timing estimates</a:t>
             </a:r>
           </a:p>
@@ -7540,10 +7487,9 @@
               <a:buChar char="•"/>
             </a:pPr>
             <a:r>
-              <a:rPr lang="en-US" dirty="0" smtClean="0"/>
+              <a:rPr lang="en-US" dirty="0"/>
               <a:t> </a:t>
             </a:r>
-            <a:endParaRPr lang="en-US" dirty="0"/>
           </a:p>
         </p:txBody>
       </p:sp>
@@ -7600,10 +7546,9 @@
           <a:lstStyle/>
           <a:p>
             <a:r>
-              <a:rPr lang="en-US" dirty="0" smtClean="0"/>
+              <a:rPr lang="en-US" dirty="0"/>
               <a:t>Land cover classification flow</a:t>
             </a:r>
-            <a:endParaRPr lang="en-US" dirty="0"/>
           </a:p>
         </p:txBody>
       </p:sp>
@@ -7635,7 +7580,7 @@
           <a:lstStyle/>
           <a:p>
             <a:r>
-              <a:rPr lang="en-US" sz="1400" dirty="0" smtClean="0">
+              <a:rPr lang="en-US" sz="1400" dirty="0">
                 <a:solidFill>
                   <a:srgbClr val="FF0000"/>
                 </a:solidFill>
@@ -7649,7 +7594,7 @@
               <a:buChar char="-"/>
             </a:pPr>
             <a:r>
-              <a:rPr lang="en-US" sz="1400" dirty="0" smtClean="0">
+              <a:rPr lang="en-US" sz="1400" dirty="0">
                 <a:solidFill>
                   <a:srgbClr val="FF0000"/>
                 </a:solidFill>
@@ -7663,7 +7608,7 @@
               <a:buChar char="-"/>
             </a:pPr>
             <a:r>
-              <a:rPr lang="en-US" sz="1400" dirty="0" smtClean="0">
+              <a:rPr lang="en-US" sz="1400" dirty="0">
                 <a:solidFill>
                   <a:srgbClr val="FF0000"/>
                 </a:solidFill>
@@ -7677,7 +7622,7 @@
               <a:buChar char="-"/>
             </a:pPr>
             <a:r>
-              <a:rPr lang="en-US" sz="1400" dirty="0" smtClean="0">
+              <a:rPr lang="en-US" sz="1400" dirty="0">
                 <a:solidFill>
                   <a:srgbClr val="FF0000"/>
                 </a:solidFill>
@@ -7691,7 +7636,7 @@
               <a:buChar char="-"/>
             </a:pPr>
             <a:r>
-              <a:rPr lang="en-US" sz="1400" dirty="0" err="1" smtClean="0">
+              <a:rPr lang="en-US" sz="1400" dirty="0" err="1">
                 <a:solidFill>
                   <a:srgbClr val="FF0000"/>
                 </a:solidFill>
@@ -7734,7 +7679,7 @@
           <a:lstStyle/>
           <a:p>
             <a:r>
-              <a:rPr lang="en-US" sz="1400" dirty="0" smtClean="0"/>
+              <a:rPr lang="en-US" sz="1400" dirty="0"/>
               <a:t>Sample soy points</a:t>
             </a:r>
           </a:p>
@@ -7744,7 +7689,7 @@
               <a:buChar char="-"/>
             </a:pPr>
             <a:r>
-              <a:rPr lang="en-US" sz="1400" dirty="0" smtClean="0"/>
+              <a:rPr lang="en-US" sz="1400" dirty="0"/>
               <a:t>soy_pts_1</a:t>
             </a:r>
           </a:p>
@@ -7754,10 +7699,9 @@
               <a:buChar char="-"/>
             </a:pPr>
             <a:r>
-              <a:rPr lang="en-US" sz="1400" dirty="0" smtClean="0"/>
+              <a:rPr lang="en-US" sz="1400" dirty="0"/>
               <a:t>Soy_pts_agsat_1</a:t>
             </a:r>
-            <a:endParaRPr lang="en-US" sz="1400" dirty="0"/>
           </a:p>
         </p:txBody>
       </p:sp>
@@ -7789,7 +7733,7 @@
           <a:lstStyle/>
           <a:p>
             <a:r>
-              <a:rPr lang="en-US" sz="1400" dirty="0" smtClean="0"/>
+              <a:rPr lang="en-US" sz="1400" dirty="0"/>
               <a:t>Classification regions</a:t>
             </a:r>
           </a:p>
@@ -7799,7 +7743,7 @@
               <a:buChar char="-"/>
             </a:pPr>
             <a:r>
-              <a:rPr lang="en-US" sz="1400" dirty="0" smtClean="0"/>
+              <a:rPr lang="en-US" sz="1400" dirty="0"/>
               <a:t>All</a:t>
             </a:r>
           </a:p>
@@ -7809,7 +7753,7 @@
               <a:buChar char="-"/>
             </a:pPr>
             <a:r>
-              <a:rPr lang="en-US" sz="1400" dirty="0" smtClean="0"/>
+              <a:rPr lang="en-US" sz="1400" dirty="0"/>
               <a:t>MT</a:t>
             </a:r>
           </a:p>
@@ -7819,7 +7763,7 @@
               <a:buChar char="-"/>
             </a:pPr>
             <a:r>
-              <a:rPr lang="en-US" sz="1400" dirty="0" err="1" smtClean="0"/>
+              <a:rPr lang="en-US" sz="1400" dirty="0" err="1"/>
               <a:t>Matopiba</a:t>
             </a:r>
             <a:endParaRPr lang="en-US" sz="1400" dirty="0"/>
@@ -7854,7 +7798,7 @@
           <a:lstStyle/>
           <a:p>
             <a:r>
-              <a:rPr lang="en-US" sz="1400" dirty="0" smtClean="0"/>
+              <a:rPr lang="en-US" sz="1400" dirty="0"/>
               <a:t>Pre classification soy point filtering</a:t>
             </a:r>
           </a:p>
@@ -7864,7 +7808,7 @@
               <a:buChar char="-"/>
             </a:pPr>
             <a:r>
-              <a:rPr lang="en-US" sz="1400" dirty="0" smtClean="0"/>
+              <a:rPr lang="en-US" sz="1400" dirty="0"/>
               <a:t>None</a:t>
             </a:r>
           </a:p>
@@ -7874,7 +7818,7 @@
               <a:buChar char="-"/>
             </a:pPr>
             <a:r>
-              <a:rPr lang="en-US" sz="1400" dirty="0" smtClean="0"/>
+              <a:rPr lang="en-US" sz="1400" dirty="0"/>
               <a:t>Map 2.3</a:t>
             </a:r>
           </a:p>
@@ -7884,10 +7828,9 @@
               <a:buChar char="-"/>
             </a:pPr>
             <a:r>
-              <a:rPr lang="en-US" sz="1400" dirty="0" smtClean="0"/>
+              <a:rPr lang="en-US" sz="1400" dirty="0"/>
               <a:t>Map 3</a:t>
             </a:r>
-            <a:endParaRPr lang="en-US" sz="1400" dirty="0"/>
           </a:p>
         </p:txBody>
       </p:sp>
@@ -7914,18 +7857,17 @@
           <a:lstStyle/>
           <a:p>
             <a:r>
-              <a:rPr lang="en-US" sz="1400" dirty="0" smtClean="0"/>
+              <a:rPr lang="en-US" sz="1400" dirty="0"/>
               <a:t>GEE file: </a:t>
             </a:r>
             <a:r>
-              <a:rPr lang="en-US" sz="1400" dirty="0" err="1" smtClean="0"/>
+              <a:rPr lang="en-US" sz="1400" dirty="0" err="1"/>
               <a:t>LandCover</a:t>
             </a:r>
             <a:r>
-              <a:rPr lang="en-US" sz="1400" dirty="0" smtClean="0"/>
+              <a:rPr lang="en-US" sz="1400" dirty="0"/>
               <a:t>/Soy Classification Variations</a:t>
             </a:r>
-            <a:endParaRPr lang="en-US" sz="1400" dirty="0"/>
           </a:p>
         </p:txBody>
       </p:sp>
@@ -7934,7 +7876,7 @@
           <p:cNvPr id="8" name="Straight Arrow Connector 7">
             <a:extLst>
               <a:ext uri="{FF2B5EF4-FFF2-40B4-BE49-F238E27FC236}">
-                <a16:creationId xmlns:a16="http://schemas.microsoft.com/office/drawing/2014/main" xmlns="" id="{813F02CA-CF9E-4907-A047-A1D22957D875}"/>
+                <a16:creationId xmlns:a16="http://schemas.microsoft.com/office/drawing/2014/main" id="{813F02CA-CF9E-4907-A047-A1D22957D875}"/>
               </a:ext>
             </a:extLst>
           </p:cNvPr>
@@ -7999,10 +7941,9 @@
           <a:lstStyle/>
           <a:p>
             <a:r>
-              <a:rPr lang="en-US" dirty="0" smtClean="0"/>
+              <a:rPr lang="en-US" dirty="0"/>
               <a:t>classify</a:t>
             </a:r>
-            <a:endParaRPr lang="en-US" dirty="0"/>
           </a:p>
         </p:txBody>
       </p:sp>
@@ -8029,7 +7970,7 @@
           <a:lstStyle/>
           <a:p>
             <a:r>
-              <a:rPr lang="en-US" sz="1600" dirty="0" smtClean="0"/>
+              <a:rPr lang="en-US" sz="1600" dirty="0"/>
               <a:t>Accuracy metrics</a:t>
             </a:r>
           </a:p>
@@ -8039,22 +7980,22 @@
               <a:buChar char="-"/>
             </a:pPr>
             <a:r>
-              <a:rPr lang="en-US" sz="1600" dirty="0" smtClean="0"/>
+              <a:rPr lang="en-US" sz="1600" dirty="0"/>
               <a:t>Confusion matrix -&gt; </a:t>
             </a:r>
             <a:r>
-              <a:rPr lang="en-US" sz="1600" dirty="0" err="1" smtClean="0"/>
+              <a:rPr lang="en-US" sz="1600" dirty="0" err="1"/>
               <a:t>acc</a:t>
             </a:r>
             <a:r>
-              <a:rPr lang="en-US" sz="1600" dirty="0" smtClean="0"/>
+              <a:rPr lang="en-US" sz="1600" dirty="0"/>
               <a:t>, consumers/producers </a:t>
             </a:r>
             <a:r>
-              <a:rPr lang="en-US" sz="1600" dirty="0" err="1" smtClean="0"/>
+              <a:rPr lang="en-US" sz="1600" dirty="0" err="1"/>
               <a:t>acc</a:t>
             </a:r>
-            <a:endParaRPr lang="en-US" sz="1600" dirty="0" smtClean="0"/>
+            <a:endParaRPr lang="en-US" sz="1600" dirty="0"/>
           </a:p>
           <a:p>
             <a:pPr marL="285750" indent="-285750">
@@ -8062,7 +8003,7 @@
               <a:buChar char="-"/>
             </a:pPr>
             <a:r>
-              <a:rPr lang="en-US" sz="1600" dirty="0" smtClean="0">
+              <a:rPr lang="en-US" sz="1600" dirty="0">
                 <a:solidFill>
                   <a:srgbClr val="FF0000"/>
                 </a:solidFill>
@@ -8076,18 +8017,13 @@
               <a:buChar char="-"/>
             </a:pPr>
             <a:r>
-              <a:rPr lang="en-US" sz="1600" dirty="0" smtClean="0">
+              <a:rPr lang="en-US" sz="1600" dirty="0">
                 <a:solidFill>
                   <a:srgbClr val="FF0000"/>
                 </a:solidFill>
               </a:rPr>
               <a:t>Planet labs imagery</a:t>
             </a:r>
-            <a:endParaRPr lang="en-US" sz="1600" dirty="0">
-              <a:solidFill>
-                <a:srgbClr val="FF0000"/>
-              </a:solidFill>
-            </a:endParaRPr>
           </a:p>
         </p:txBody>
       </p:sp>
@@ -8114,10 +8050,9 @@
           <a:lstStyle/>
           <a:p>
             <a:r>
-              <a:rPr lang="en-US" dirty="0" smtClean="0"/>
+              <a:rPr lang="en-US" dirty="0"/>
               <a:t>Intermediate classified images</a:t>
             </a:r>
-            <a:endParaRPr lang="en-US" dirty="0"/>
           </a:p>
         </p:txBody>
       </p:sp>
@@ -8144,7 +8079,7 @@
           <a:lstStyle/>
           <a:p>
             <a:r>
-              <a:rPr lang="en-US" sz="1600" dirty="0" smtClean="0">
+              <a:rPr lang="en-US" sz="1600" dirty="0">
                 <a:solidFill>
                   <a:srgbClr val="FF0000"/>
                 </a:solidFill>
@@ -8158,7 +8093,7 @@
               <a:buChar char="-"/>
             </a:pPr>
             <a:r>
-              <a:rPr lang="en-US" sz="1600" dirty="0" smtClean="0">
+              <a:rPr lang="en-US" sz="1600" dirty="0">
                 <a:solidFill>
                   <a:srgbClr val="FF0000"/>
                 </a:solidFill>
@@ -8172,18 +8107,13 @@
               <a:buChar char="-"/>
             </a:pPr>
             <a:r>
-              <a:rPr lang="en-US" sz="1600" dirty="0" smtClean="0">
+              <a:rPr lang="en-US" sz="1600" dirty="0">
                 <a:solidFill>
                   <a:srgbClr val="FF0000"/>
                 </a:solidFill>
               </a:rPr>
               <a:t>Reasonableness of timing estimates</a:t>
             </a:r>
-            <a:endParaRPr lang="en-US" sz="1600" dirty="0">
-              <a:solidFill>
-                <a:srgbClr val="FF0000"/>
-              </a:solidFill>
-            </a:endParaRPr>
           </a:p>
         </p:txBody>
       </p:sp>
@@ -8210,10 +8140,9 @@
           <a:lstStyle/>
           <a:p>
             <a:r>
-              <a:rPr lang="en-US" dirty="0" smtClean="0"/>
+              <a:rPr lang="en-US" dirty="0"/>
               <a:t>Final classified images</a:t>
             </a:r>
-            <a:endParaRPr lang="en-US" dirty="0"/>
           </a:p>
         </p:txBody>
       </p:sp>
@@ -8222,7 +8151,7 @@
           <p:cNvPr id="17" name="Straight Arrow Connector 16">
             <a:extLst>
               <a:ext uri="{FF2B5EF4-FFF2-40B4-BE49-F238E27FC236}">
-                <a16:creationId xmlns:a16="http://schemas.microsoft.com/office/drawing/2014/main" xmlns="" id="{813F02CA-CF9E-4907-A047-A1D22957D875}"/>
+                <a16:creationId xmlns:a16="http://schemas.microsoft.com/office/drawing/2014/main" id="{813F02CA-CF9E-4907-A047-A1D22957D875}"/>
               </a:ext>
             </a:extLst>
           </p:cNvPr>
@@ -8269,7 +8198,7 @@
           <p:cNvPr id="20" name="Straight Arrow Connector 19">
             <a:extLst>
               <a:ext uri="{FF2B5EF4-FFF2-40B4-BE49-F238E27FC236}">
-                <a16:creationId xmlns:a16="http://schemas.microsoft.com/office/drawing/2014/main" xmlns="" id="{813F02CA-CF9E-4907-A047-A1D22957D875}"/>
+                <a16:creationId xmlns:a16="http://schemas.microsoft.com/office/drawing/2014/main" id="{813F02CA-CF9E-4907-A047-A1D22957D875}"/>
               </a:ext>
             </a:extLst>
           </p:cNvPr>
@@ -8316,7 +8245,7 @@
           <p:cNvPr id="23" name="Straight Arrow Connector 22">
             <a:extLst>
               <a:ext uri="{FF2B5EF4-FFF2-40B4-BE49-F238E27FC236}">
-                <a16:creationId xmlns:a16="http://schemas.microsoft.com/office/drawing/2014/main" xmlns="" id="{813F02CA-CF9E-4907-A047-A1D22957D875}"/>
+                <a16:creationId xmlns:a16="http://schemas.microsoft.com/office/drawing/2014/main" id="{813F02CA-CF9E-4907-A047-A1D22957D875}"/>
               </a:ext>
             </a:extLst>
           </p:cNvPr>
@@ -8363,7 +8292,7 @@
           <p:cNvPr id="26" name="Straight Arrow Connector 25">
             <a:extLst>
               <a:ext uri="{FF2B5EF4-FFF2-40B4-BE49-F238E27FC236}">
-                <a16:creationId xmlns:a16="http://schemas.microsoft.com/office/drawing/2014/main" xmlns="" id="{813F02CA-CF9E-4907-A047-A1D22957D875}"/>
+                <a16:creationId xmlns:a16="http://schemas.microsoft.com/office/drawing/2014/main" id="{813F02CA-CF9E-4907-A047-A1D22957D875}"/>
               </a:ext>
             </a:extLst>
           </p:cNvPr>
@@ -8410,7 +8339,7 @@
           <p:cNvPr id="31" name="Straight Arrow Connector 30">
             <a:extLst>
               <a:ext uri="{FF2B5EF4-FFF2-40B4-BE49-F238E27FC236}">
-                <a16:creationId xmlns:a16="http://schemas.microsoft.com/office/drawing/2014/main" xmlns="" id="{813F02CA-CF9E-4907-A047-A1D22957D875}"/>
+                <a16:creationId xmlns:a16="http://schemas.microsoft.com/office/drawing/2014/main" id="{813F02CA-CF9E-4907-A047-A1D22957D875}"/>
               </a:ext>
             </a:extLst>
           </p:cNvPr>
@@ -8475,18 +8404,17 @@
           <a:lstStyle/>
           <a:p>
             <a:r>
-              <a:rPr lang="en-US" sz="1400" dirty="0" smtClean="0"/>
+              <a:rPr lang="en-US" sz="1400" dirty="0"/>
               <a:t>GEE file: </a:t>
             </a:r>
             <a:r>
-              <a:rPr lang="en-US" sz="1400" dirty="0" err="1" smtClean="0"/>
+              <a:rPr lang="en-US" sz="1400" dirty="0" err="1"/>
               <a:t>LandCover</a:t>
             </a:r>
             <a:r>
-              <a:rPr lang="en-US" sz="1400" dirty="0" smtClean="0"/>
+              <a:rPr lang="en-US" sz="1400" dirty="0"/>
               <a:t>/Soy Classification Masking</a:t>
             </a:r>
-            <a:endParaRPr lang="en-US" sz="1400" dirty="0"/>
           </a:p>
         </p:txBody>
       </p:sp>
@@ -8495,7 +8423,7 @@
           <p:cNvPr id="49" name="Straight Arrow Connector 48">
             <a:extLst>
               <a:ext uri="{FF2B5EF4-FFF2-40B4-BE49-F238E27FC236}">
-                <a16:creationId xmlns:a16="http://schemas.microsoft.com/office/drawing/2014/main" xmlns="" id="{813F02CA-CF9E-4907-A047-A1D22957D875}"/>
+                <a16:creationId xmlns:a16="http://schemas.microsoft.com/office/drawing/2014/main" id="{813F02CA-CF9E-4907-A047-A1D22957D875}"/>
               </a:ext>
             </a:extLst>
           </p:cNvPr>
@@ -8542,7 +8470,7 @@
           <p:cNvPr id="54" name="Straight Arrow Connector 53">
             <a:extLst>
               <a:ext uri="{FF2B5EF4-FFF2-40B4-BE49-F238E27FC236}">
-                <a16:creationId xmlns:a16="http://schemas.microsoft.com/office/drawing/2014/main" xmlns="" id="{813F02CA-CF9E-4907-A047-A1D22957D875}"/>
+                <a16:creationId xmlns:a16="http://schemas.microsoft.com/office/drawing/2014/main" id="{813F02CA-CF9E-4907-A047-A1D22957D875}"/>
               </a:ext>
             </a:extLst>
           </p:cNvPr>

--- a/January 19 2019.pptx
+++ b/January 19 2019.pptx
@@ -123,7 +123,7 @@
   </p:defaultTextStyle>
   <p:extLst>
     <p:ext uri="{EFAFB233-063F-42B5-8137-9DF3F51BA10A}">
-      <p15:sldGuideLst xmlns:p15="http://schemas.microsoft.com/office/powerpoint/2012/main">
+      <p15:sldGuideLst xmlns:p15="http://schemas.microsoft.com/office/powerpoint/2012/main" xmlns="">
         <p15:guide id="1" orient="horz" pos="2160">
           <p15:clr>
             <a:srgbClr val="A4A3A4"/>
@@ -319,7 +319,7 @@
           <a:p>
             <a:fld id="{4ED42B7B-5B47-6B4D-9CEC-D1513411F071}" type="datetimeFigureOut">
               <a:rPr lang="en-US" smtClean="0"/>
-              <a:t>1/18/2019</a:t>
+              <a:t>1/17/19</a:t>
             </a:fld>
             <a:endParaRPr lang="en-US"/>
           </a:p>
@@ -487,7 +487,7 @@
           <a:p>
             <a:fld id="{4ED42B7B-5B47-6B4D-9CEC-D1513411F071}" type="datetimeFigureOut">
               <a:rPr lang="en-US" smtClean="0"/>
-              <a:t>1/18/2019</a:t>
+              <a:t>1/17/19</a:t>
             </a:fld>
             <a:endParaRPr lang="en-US"/>
           </a:p>
@@ -665,7 +665,7 @@
           <a:p>
             <a:fld id="{4ED42B7B-5B47-6B4D-9CEC-D1513411F071}" type="datetimeFigureOut">
               <a:rPr lang="en-US" smtClean="0"/>
-              <a:t>1/18/2019</a:t>
+              <a:t>1/17/19</a:t>
             </a:fld>
             <a:endParaRPr lang="en-US"/>
           </a:p>
@@ -833,7 +833,7 @@
           <a:p>
             <a:fld id="{4ED42B7B-5B47-6B4D-9CEC-D1513411F071}" type="datetimeFigureOut">
               <a:rPr lang="en-US" smtClean="0"/>
-              <a:t>1/18/2019</a:t>
+              <a:t>1/17/19</a:t>
             </a:fld>
             <a:endParaRPr lang="en-US"/>
           </a:p>
@@ -1078,7 +1078,7 @@
           <a:p>
             <a:fld id="{4ED42B7B-5B47-6B4D-9CEC-D1513411F071}" type="datetimeFigureOut">
               <a:rPr lang="en-US" smtClean="0"/>
-              <a:t>1/18/2019</a:t>
+              <a:t>1/17/19</a:t>
             </a:fld>
             <a:endParaRPr lang="en-US"/>
           </a:p>
@@ -1363,7 +1363,7 @@
           <a:p>
             <a:fld id="{4ED42B7B-5B47-6B4D-9CEC-D1513411F071}" type="datetimeFigureOut">
               <a:rPr lang="en-US" smtClean="0"/>
-              <a:t>1/18/2019</a:t>
+              <a:t>1/17/19</a:t>
             </a:fld>
             <a:endParaRPr lang="en-US"/>
           </a:p>
@@ -1782,7 +1782,7 @@
           <a:p>
             <a:fld id="{4ED42B7B-5B47-6B4D-9CEC-D1513411F071}" type="datetimeFigureOut">
               <a:rPr lang="en-US" smtClean="0"/>
-              <a:t>1/18/2019</a:t>
+              <a:t>1/17/19</a:t>
             </a:fld>
             <a:endParaRPr lang="en-US"/>
           </a:p>
@@ -1899,7 +1899,7 @@
           <a:p>
             <a:fld id="{4ED42B7B-5B47-6B4D-9CEC-D1513411F071}" type="datetimeFigureOut">
               <a:rPr lang="en-US" smtClean="0"/>
-              <a:t>1/18/2019</a:t>
+              <a:t>1/17/19</a:t>
             </a:fld>
             <a:endParaRPr lang="en-US"/>
           </a:p>
@@ -1994,7 +1994,7 @@
           <a:p>
             <a:fld id="{4ED42B7B-5B47-6B4D-9CEC-D1513411F071}" type="datetimeFigureOut">
               <a:rPr lang="en-US" smtClean="0"/>
-              <a:t>1/18/2019</a:t>
+              <a:t>1/17/19</a:t>
             </a:fld>
             <a:endParaRPr lang="en-US"/>
           </a:p>
@@ -2269,7 +2269,7 @@
           <a:p>
             <a:fld id="{4ED42B7B-5B47-6B4D-9CEC-D1513411F071}" type="datetimeFigureOut">
               <a:rPr lang="en-US" smtClean="0"/>
-              <a:t>1/18/2019</a:t>
+              <a:t>1/17/19</a:t>
             </a:fld>
             <a:endParaRPr lang="en-US"/>
           </a:p>
@@ -2521,7 +2521,7 @@
           <a:p>
             <a:fld id="{4ED42B7B-5B47-6B4D-9CEC-D1513411F071}" type="datetimeFigureOut">
               <a:rPr lang="en-US" smtClean="0"/>
-              <a:t>1/18/2019</a:t>
+              <a:t>1/17/19</a:t>
             </a:fld>
             <a:endParaRPr lang="en-US"/>
           </a:p>
@@ -2732,7 +2732,7 @@
           <a:p>
             <a:fld id="{4ED42B7B-5B47-6B4D-9CEC-D1513411F071}" type="datetimeFigureOut">
               <a:rPr lang="en-US" smtClean="0"/>
-              <a:t>1/18/2019</a:t>
+              <a:t>1/17/19</a:t>
             </a:fld>
             <a:endParaRPr lang="en-US"/>
           </a:p>
@@ -3480,7 +3480,7 @@
           <p:cNvPr id="2" name="Rectangle 1">
             <a:extLst>
               <a:ext uri="{FF2B5EF4-FFF2-40B4-BE49-F238E27FC236}">
-                <a16:creationId xmlns:a16="http://schemas.microsoft.com/office/drawing/2014/main" id="{3D073C0E-0B63-4498-88EE-830A1C99F3A8}"/>
+                <a16:creationId xmlns:a16="http://schemas.microsoft.com/office/drawing/2014/main" xmlns="" id="{3D073C0E-0B63-4498-88EE-830A1C99F3A8}"/>
               </a:ext>
             </a:extLst>
           </p:cNvPr>
@@ -3528,7 +3528,7 @@
           <p:cNvPr id="4" name="TextBox 3">
             <a:extLst>
               <a:ext uri="{FF2B5EF4-FFF2-40B4-BE49-F238E27FC236}">
-                <a16:creationId xmlns:a16="http://schemas.microsoft.com/office/drawing/2014/main" id="{53BA5805-4815-4DFB-A3B0-9EE75139349D}"/>
+                <a16:creationId xmlns:a16="http://schemas.microsoft.com/office/drawing/2014/main" xmlns="" id="{53BA5805-4815-4DFB-A3B0-9EE75139349D}"/>
               </a:ext>
             </a:extLst>
           </p:cNvPr>
@@ -3580,7 +3580,7 @@
           <p:cNvPr id="5" name="TextBox 4">
             <a:extLst>
               <a:ext uri="{FF2B5EF4-FFF2-40B4-BE49-F238E27FC236}">
-                <a16:creationId xmlns:a16="http://schemas.microsoft.com/office/drawing/2014/main" id="{D13A418A-6A09-4063-ABF2-79DAC7E9BD86}"/>
+                <a16:creationId xmlns:a16="http://schemas.microsoft.com/office/drawing/2014/main" xmlns="" id="{D13A418A-6A09-4063-ABF2-79DAC7E9BD86}"/>
               </a:ext>
             </a:extLst>
           </p:cNvPr>
@@ -3626,7 +3626,7 @@
           <p:cNvPr id="6" name="TextBox 5">
             <a:extLst>
               <a:ext uri="{FF2B5EF4-FFF2-40B4-BE49-F238E27FC236}">
-                <a16:creationId xmlns:a16="http://schemas.microsoft.com/office/drawing/2014/main" id="{C7628308-E941-4CEB-8E88-E4C24F850CE4}"/>
+                <a16:creationId xmlns:a16="http://schemas.microsoft.com/office/drawing/2014/main" xmlns="" id="{C7628308-E941-4CEB-8E88-E4C24F850CE4}"/>
               </a:ext>
             </a:extLst>
           </p:cNvPr>
@@ -3675,7 +3675,7 @@
           <p:cNvPr id="7" name="TextBox 6">
             <a:extLst>
               <a:ext uri="{FF2B5EF4-FFF2-40B4-BE49-F238E27FC236}">
-                <a16:creationId xmlns:a16="http://schemas.microsoft.com/office/drawing/2014/main" id="{E329F720-DE85-457F-BB52-FEE3D2C3E222}"/>
+                <a16:creationId xmlns:a16="http://schemas.microsoft.com/office/drawing/2014/main" xmlns="" id="{E329F720-DE85-457F-BB52-FEE3D2C3E222}"/>
               </a:ext>
             </a:extLst>
           </p:cNvPr>
@@ -3716,7 +3716,7 @@
           <p:cNvPr id="8" name="TextBox 7">
             <a:extLst>
               <a:ext uri="{FF2B5EF4-FFF2-40B4-BE49-F238E27FC236}">
-                <a16:creationId xmlns:a16="http://schemas.microsoft.com/office/drawing/2014/main" id="{F82FC533-76D8-4E5C-AD48-3BD1EBBE75EA}"/>
+                <a16:creationId xmlns:a16="http://schemas.microsoft.com/office/drawing/2014/main" xmlns="" id="{F82FC533-76D8-4E5C-AD48-3BD1EBBE75EA}"/>
               </a:ext>
             </a:extLst>
           </p:cNvPr>
@@ -3757,7 +3757,7 @@
           <p:cNvPr id="10" name="Straight Arrow Connector 9">
             <a:extLst>
               <a:ext uri="{FF2B5EF4-FFF2-40B4-BE49-F238E27FC236}">
-                <a16:creationId xmlns:a16="http://schemas.microsoft.com/office/drawing/2014/main" id="{797C1FAD-F13C-4F29-A2BC-0542E1D5178A}"/>
+                <a16:creationId xmlns:a16="http://schemas.microsoft.com/office/drawing/2014/main" xmlns="" id="{797C1FAD-F13C-4F29-A2BC-0542E1D5178A}"/>
               </a:ext>
             </a:extLst>
           </p:cNvPr>
@@ -3803,7 +3803,7 @@
           <p:cNvPr id="11" name="Straight Arrow Connector 10">
             <a:extLst>
               <a:ext uri="{FF2B5EF4-FFF2-40B4-BE49-F238E27FC236}">
-                <a16:creationId xmlns:a16="http://schemas.microsoft.com/office/drawing/2014/main" id="{62EE8C58-1D1B-4AE7-BF3D-A0F0D56DB49D}"/>
+                <a16:creationId xmlns:a16="http://schemas.microsoft.com/office/drawing/2014/main" xmlns="" id="{62EE8C58-1D1B-4AE7-BF3D-A0F0D56DB49D}"/>
               </a:ext>
             </a:extLst>
           </p:cNvPr>
@@ -3849,7 +3849,7 @@
           <p:cNvPr id="14" name="Straight Arrow Connector 13">
             <a:extLst>
               <a:ext uri="{FF2B5EF4-FFF2-40B4-BE49-F238E27FC236}">
-                <a16:creationId xmlns:a16="http://schemas.microsoft.com/office/drawing/2014/main" id="{813F02CA-CF9E-4907-A047-A1D22957D875}"/>
+                <a16:creationId xmlns:a16="http://schemas.microsoft.com/office/drawing/2014/main" xmlns="" id="{813F02CA-CF9E-4907-A047-A1D22957D875}"/>
               </a:ext>
             </a:extLst>
           </p:cNvPr>
@@ -3896,7 +3896,7 @@
           <p:cNvPr id="17" name="TextBox 16">
             <a:extLst>
               <a:ext uri="{FF2B5EF4-FFF2-40B4-BE49-F238E27FC236}">
-                <a16:creationId xmlns:a16="http://schemas.microsoft.com/office/drawing/2014/main" id="{27C640BE-71FC-4084-9E14-C99A65BE39D2}"/>
+                <a16:creationId xmlns:a16="http://schemas.microsoft.com/office/drawing/2014/main" xmlns="" id="{27C640BE-71FC-4084-9E14-C99A65BE39D2}"/>
               </a:ext>
             </a:extLst>
           </p:cNvPr>
@@ -3934,7 +3934,7 @@
           <p:cNvPr id="18" name="Straight Arrow Connector 17">
             <a:extLst>
               <a:ext uri="{FF2B5EF4-FFF2-40B4-BE49-F238E27FC236}">
-                <a16:creationId xmlns:a16="http://schemas.microsoft.com/office/drawing/2014/main" id="{77DDDF35-E698-40DE-B091-C5A1529B82F9}"/>
+                <a16:creationId xmlns:a16="http://schemas.microsoft.com/office/drawing/2014/main" xmlns="" id="{77DDDF35-E698-40DE-B091-C5A1529B82F9}"/>
               </a:ext>
             </a:extLst>
           </p:cNvPr>
@@ -3981,7 +3981,7 @@
           <p:cNvPr id="35" name="TextBox 34">
             <a:extLst>
               <a:ext uri="{FF2B5EF4-FFF2-40B4-BE49-F238E27FC236}">
-                <a16:creationId xmlns:a16="http://schemas.microsoft.com/office/drawing/2014/main" id="{39CC1429-A401-423B-AE2A-92350CD2B04F}"/>
+                <a16:creationId xmlns:a16="http://schemas.microsoft.com/office/drawing/2014/main" xmlns="" id="{39CC1429-A401-423B-AE2A-92350CD2B04F}"/>
               </a:ext>
             </a:extLst>
           </p:cNvPr>
@@ -4021,7 +4021,7 @@
           <p:cNvPr id="36" name="TextBox 35">
             <a:extLst>
               <a:ext uri="{FF2B5EF4-FFF2-40B4-BE49-F238E27FC236}">
-                <a16:creationId xmlns:a16="http://schemas.microsoft.com/office/drawing/2014/main" id="{3063C5A0-5F8D-483C-AD4C-D1058588A89B}"/>
+                <a16:creationId xmlns:a16="http://schemas.microsoft.com/office/drawing/2014/main" xmlns="" id="{3063C5A0-5F8D-483C-AD4C-D1058588A89B}"/>
               </a:ext>
             </a:extLst>
           </p:cNvPr>
@@ -4061,7 +4061,7 @@
           <p:cNvPr id="37" name="Straight Arrow Connector 36">
             <a:extLst>
               <a:ext uri="{FF2B5EF4-FFF2-40B4-BE49-F238E27FC236}">
-                <a16:creationId xmlns:a16="http://schemas.microsoft.com/office/drawing/2014/main" id="{1D6BEA29-7AC0-4C5D-AFA4-1AB93B3A520A}"/>
+                <a16:creationId xmlns:a16="http://schemas.microsoft.com/office/drawing/2014/main" xmlns="" id="{1D6BEA29-7AC0-4C5D-AFA4-1AB93B3A520A}"/>
               </a:ext>
             </a:extLst>
           </p:cNvPr>
@@ -4108,7 +4108,7 @@
           <p:cNvPr id="40" name="TextBox 39">
             <a:extLst>
               <a:ext uri="{FF2B5EF4-FFF2-40B4-BE49-F238E27FC236}">
-                <a16:creationId xmlns:a16="http://schemas.microsoft.com/office/drawing/2014/main" id="{AF652BA2-B19C-4FCC-AFF1-E72AA0DBA855}"/>
+                <a16:creationId xmlns:a16="http://schemas.microsoft.com/office/drawing/2014/main" xmlns="" id="{AF652BA2-B19C-4FCC-AFF1-E72AA0DBA855}"/>
               </a:ext>
             </a:extLst>
           </p:cNvPr>
@@ -4146,7 +4146,7 @@
           <p:cNvPr id="41" name="Straight Arrow Connector 40">
             <a:extLst>
               <a:ext uri="{FF2B5EF4-FFF2-40B4-BE49-F238E27FC236}">
-                <a16:creationId xmlns:a16="http://schemas.microsoft.com/office/drawing/2014/main" id="{FFCE516D-9F28-49BD-B799-B2FC9446A864}"/>
+                <a16:creationId xmlns:a16="http://schemas.microsoft.com/office/drawing/2014/main" xmlns="" id="{FFCE516D-9F28-49BD-B799-B2FC9446A864}"/>
               </a:ext>
             </a:extLst>
           </p:cNvPr>
@@ -4193,7 +4193,7 @@
           <p:cNvPr id="47" name="Straight Arrow Connector 46">
             <a:extLst>
               <a:ext uri="{FF2B5EF4-FFF2-40B4-BE49-F238E27FC236}">
-                <a16:creationId xmlns:a16="http://schemas.microsoft.com/office/drawing/2014/main" id="{3286198B-E1A5-41A5-BFB7-4800BC294A32}"/>
+                <a16:creationId xmlns:a16="http://schemas.microsoft.com/office/drawing/2014/main" xmlns="" id="{3286198B-E1A5-41A5-BFB7-4800BC294A32}"/>
               </a:ext>
             </a:extLst>
           </p:cNvPr>
@@ -4239,7 +4239,7 @@
           <p:cNvPr id="52" name="TextBox 51">
             <a:extLst>
               <a:ext uri="{FF2B5EF4-FFF2-40B4-BE49-F238E27FC236}">
-                <a16:creationId xmlns:a16="http://schemas.microsoft.com/office/drawing/2014/main" id="{A7BEBC0A-22D5-404B-969E-527EC8D40760}"/>
+                <a16:creationId xmlns:a16="http://schemas.microsoft.com/office/drawing/2014/main" xmlns="" id="{A7BEBC0A-22D5-404B-969E-527EC8D40760}"/>
               </a:ext>
             </a:extLst>
           </p:cNvPr>
@@ -4277,7 +4277,7 @@
           <p:cNvPr id="53" name="TextBox 52">
             <a:extLst>
               <a:ext uri="{FF2B5EF4-FFF2-40B4-BE49-F238E27FC236}">
-                <a16:creationId xmlns:a16="http://schemas.microsoft.com/office/drawing/2014/main" id="{B39C4787-9E31-4723-B7D4-E268E18DDE78}"/>
+                <a16:creationId xmlns:a16="http://schemas.microsoft.com/office/drawing/2014/main" xmlns="" id="{B39C4787-9E31-4723-B7D4-E268E18DDE78}"/>
               </a:ext>
             </a:extLst>
           </p:cNvPr>
@@ -4317,7 +4317,7 @@
           <p:cNvPr id="54" name="Straight Arrow Connector 53">
             <a:extLst>
               <a:ext uri="{FF2B5EF4-FFF2-40B4-BE49-F238E27FC236}">
-                <a16:creationId xmlns:a16="http://schemas.microsoft.com/office/drawing/2014/main" id="{08B2DD7A-76A6-4A9E-B00F-E1B140242E95}"/>
+                <a16:creationId xmlns:a16="http://schemas.microsoft.com/office/drawing/2014/main" xmlns="" id="{08B2DD7A-76A6-4A9E-B00F-E1B140242E95}"/>
               </a:ext>
             </a:extLst>
           </p:cNvPr>
@@ -4364,7 +4364,7 @@
           <p:cNvPr id="58" name="TextBox 57">
             <a:extLst>
               <a:ext uri="{FF2B5EF4-FFF2-40B4-BE49-F238E27FC236}">
-                <a16:creationId xmlns:a16="http://schemas.microsoft.com/office/drawing/2014/main" id="{87C24B39-E694-4E88-BD7B-1B4F400131A6}"/>
+                <a16:creationId xmlns:a16="http://schemas.microsoft.com/office/drawing/2014/main" xmlns="" id="{87C24B39-E694-4E88-BD7B-1B4F400131A6}"/>
               </a:ext>
             </a:extLst>
           </p:cNvPr>
@@ -4404,7 +4404,7 @@
           <p:cNvPr id="60" name="Straight Arrow Connector 59">
             <a:extLst>
               <a:ext uri="{FF2B5EF4-FFF2-40B4-BE49-F238E27FC236}">
-                <a16:creationId xmlns:a16="http://schemas.microsoft.com/office/drawing/2014/main" id="{9054BD95-736D-42CA-88D1-F09630D6F7F2}"/>
+                <a16:creationId xmlns:a16="http://schemas.microsoft.com/office/drawing/2014/main" xmlns="" id="{9054BD95-736D-42CA-88D1-F09630D6F7F2}"/>
               </a:ext>
             </a:extLst>
           </p:cNvPr>
@@ -4451,7 +4451,7 @@
           <p:cNvPr id="65" name="Straight Arrow Connector 64">
             <a:extLst>
               <a:ext uri="{FF2B5EF4-FFF2-40B4-BE49-F238E27FC236}">
-                <a16:creationId xmlns:a16="http://schemas.microsoft.com/office/drawing/2014/main" id="{E282940C-3568-483E-98EB-F1E7766C81B9}"/>
+                <a16:creationId xmlns:a16="http://schemas.microsoft.com/office/drawing/2014/main" xmlns="" id="{E282940C-3568-483E-98EB-F1E7766C81B9}"/>
               </a:ext>
             </a:extLst>
           </p:cNvPr>
@@ -4498,7 +4498,7 @@
           <p:cNvPr id="74" name="TextBox 73">
             <a:extLst>
               <a:ext uri="{FF2B5EF4-FFF2-40B4-BE49-F238E27FC236}">
-                <a16:creationId xmlns:a16="http://schemas.microsoft.com/office/drawing/2014/main" id="{3CE2D2DC-FD04-4EA2-95B7-CF16F32898F1}"/>
+                <a16:creationId xmlns:a16="http://schemas.microsoft.com/office/drawing/2014/main" xmlns="" id="{3CE2D2DC-FD04-4EA2-95B7-CF16F32898F1}"/>
               </a:ext>
             </a:extLst>
           </p:cNvPr>
@@ -4539,7 +4539,7 @@
           <p:cNvPr id="75" name="Straight Arrow Connector 74">
             <a:extLst>
               <a:ext uri="{FF2B5EF4-FFF2-40B4-BE49-F238E27FC236}">
-                <a16:creationId xmlns:a16="http://schemas.microsoft.com/office/drawing/2014/main" id="{2CDD7B62-2C4E-4595-B22A-7BE1E0A7F829}"/>
+                <a16:creationId xmlns:a16="http://schemas.microsoft.com/office/drawing/2014/main" xmlns="" id="{2CDD7B62-2C4E-4595-B22A-7BE1E0A7F829}"/>
               </a:ext>
             </a:extLst>
           </p:cNvPr>
@@ -4586,7 +4586,7 @@
           <p:cNvPr id="82" name="TextBox 81">
             <a:extLst>
               <a:ext uri="{FF2B5EF4-FFF2-40B4-BE49-F238E27FC236}">
-                <a16:creationId xmlns:a16="http://schemas.microsoft.com/office/drawing/2014/main" id="{C9847FC3-9665-4B01-AE57-28D1AD72D078}"/>
+                <a16:creationId xmlns:a16="http://schemas.microsoft.com/office/drawing/2014/main" xmlns="" id="{C9847FC3-9665-4B01-AE57-28D1AD72D078}"/>
               </a:ext>
             </a:extLst>
           </p:cNvPr>
@@ -4631,7 +4631,7 @@
           <p:cNvPr id="83" name="TextBox 82">
             <a:extLst>
               <a:ext uri="{FF2B5EF4-FFF2-40B4-BE49-F238E27FC236}">
-                <a16:creationId xmlns:a16="http://schemas.microsoft.com/office/drawing/2014/main" id="{9739CB89-4CAD-43F7-BA43-3D3D10DE7652}"/>
+                <a16:creationId xmlns:a16="http://schemas.microsoft.com/office/drawing/2014/main" xmlns="" id="{9739CB89-4CAD-43F7-BA43-3D3D10DE7652}"/>
               </a:ext>
             </a:extLst>
           </p:cNvPr>
@@ -4669,7 +4669,7 @@
           <p:cNvPr id="100" name="Straight Arrow Connector 99">
             <a:extLst>
               <a:ext uri="{FF2B5EF4-FFF2-40B4-BE49-F238E27FC236}">
-                <a16:creationId xmlns:a16="http://schemas.microsoft.com/office/drawing/2014/main" id="{90858639-47D8-448A-AE1C-E1FFB896BA81}"/>
+                <a16:creationId xmlns:a16="http://schemas.microsoft.com/office/drawing/2014/main" xmlns="" id="{90858639-47D8-448A-AE1C-E1FFB896BA81}"/>
               </a:ext>
             </a:extLst>
           </p:cNvPr>
@@ -4716,7 +4716,7 @@
           <p:cNvPr id="3" name="Rectangle 2">
             <a:extLst>
               <a:ext uri="{FF2B5EF4-FFF2-40B4-BE49-F238E27FC236}">
-                <a16:creationId xmlns:a16="http://schemas.microsoft.com/office/drawing/2014/main" id="{CF68750C-AC06-4BF7-B1A6-72D946341DC3}"/>
+                <a16:creationId xmlns:a16="http://schemas.microsoft.com/office/drawing/2014/main" xmlns="" id="{CF68750C-AC06-4BF7-B1A6-72D946341DC3}"/>
               </a:ext>
             </a:extLst>
           </p:cNvPr>
@@ -4750,7 +4750,7 @@
           <p:cNvPr id="34" name="TextBox 33">
             <a:extLst>
               <a:ext uri="{FF2B5EF4-FFF2-40B4-BE49-F238E27FC236}">
-                <a16:creationId xmlns:a16="http://schemas.microsoft.com/office/drawing/2014/main" id="{83A15EBB-5F6B-4E66-8887-F8404C9AF785}"/>
+                <a16:creationId xmlns:a16="http://schemas.microsoft.com/office/drawing/2014/main" xmlns="" id="{83A15EBB-5F6B-4E66-8887-F8404C9AF785}"/>
               </a:ext>
             </a:extLst>
           </p:cNvPr>
@@ -4824,7 +4824,7 @@
           <p:cNvPr id="38" name="TextBox 37">
             <a:extLst>
               <a:ext uri="{FF2B5EF4-FFF2-40B4-BE49-F238E27FC236}">
-                <a16:creationId xmlns:a16="http://schemas.microsoft.com/office/drawing/2014/main" id="{7C059894-168B-4E4E-A661-8A29896F2A2D}"/>
+                <a16:creationId xmlns:a16="http://schemas.microsoft.com/office/drawing/2014/main" xmlns="" id="{7C059894-168B-4E4E-A661-8A29896F2A2D}"/>
               </a:ext>
             </a:extLst>
           </p:cNvPr>
@@ -5281,7 +5281,7 @@
           <p:cNvPr id="8" name="Straight Arrow Connector 7">
             <a:extLst>
               <a:ext uri="{FF2B5EF4-FFF2-40B4-BE49-F238E27FC236}">
-                <a16:creationId xmlns:a16="http://schemas.microsoft.com/office/drawing/2014/main" id="{813F02CA-CF9E-4907-A047-A1D22957D875}"/>
+                <a16:creationId xmlns:a16="http://schemas.microsoft.com/office/drawing/2014/main" xmlns="" id="{813F02CA-CF9E-4907-A047-A1D22957D875}"/>
               </a:ext>
             </a:extLst>
           </p:cNvPr>
@@ -5542,7 +5542,7 @@
           <p:cNvPr id="17" name="Straight Arrow Connector 16">
             <a:extLst>
               <a:ext uri="{FF2B5EF4-FFF2-40B4-BE49-F238E27FC236}">
-                <a16:creationId xmlns:a16="http://schemas.microsoft.com/office/drawing/2014/main" id="{813F02CA-CF9E-4907-A047-A1D22957D875}"/>
+                <a16:creationId xmlns:a16="http://schemas.microsoft.com/office/drawing/2014/main" xmlns="" id="{813F02CA-CF9E-4907-A047-A1D22957D875}"/>
               </a:ext>
             </a:extLst>
           </p:cNvPr>
@@ -5589,7 +5589,7 @@
           <p:cNvPr id="20" name="Straight Arrow Connector 19">
             <a:extLst>
               <a:ext uri="{FF2B5EF4-FFF2-40B4-BE49-F238E27FC236}">
-                <a16:creationId xmlns:a16="http://schemas.microsoft.com/office/drawing/2014/main" id="{813F02CA-CF9E-4907-A047-A1D22957D875}"/>
+                <a16:creationId xmlns:a16="http://schemas.microsoft.com/office/drawing/2014/main" xmlns="" id="{813F02CA-CF9E-4907-A047-A1D22957D875}"/>
               </a:ext>
             </a:extLst>
           </p:cNvPr>
@@ -5636,7 +5636,7 @@
           <p:cNvPr id="23" name="Straight Arrow Connector 22">
             <a:extLst>
               <a:ext uri="{FF2B5EF4-FFF2-40B4-BE49-F238E27FC236}">
-                <a16:creationId xmlns:a16="http://schemas.microsoft.com/office/drawing/2014/main" id="{813F02CA-CF9E-4907-A047-A1D22957D875}"/>
+                <a16:creationId xmlns:a16="http://schemas.microsoft.com/office/drawing/2014/main" xmlns="" id="{813F02CA-CF9E-4907-A047-A1D22957D875}"/>
               </a:ext>
             </a:extLst>
           </p:cNvPr>
@@ -5683,7 +5683,7 @@
           <p:cNvPr id="26" name="Straight Arrow Connector 25">
             <a:extLst>
               <a:ext uri="{FF2B5EF4-FFF2-40B4-BE49-F238E27FC236}">
-                <a16:creationId xmlns:a16="http://schemas.microsoft.com/office/drawing/2014/main" id="{813F02CA-CF9E-4907-A047-A1D22957D875}"/>
+                <a16:creationId xmlns:a16="http://schemas.microsoft.com/office/drawing/2014/main" xmlns="" id="{813F02CA-CF9E-4907-A047-A1D22957D875}"/>
               </a:ext>
             </a:extLst>
           </p:cNvPr>
@@ -5730,7 +5730,7 @@
           <p:cNvPr id="31" name="Straight Arrow Connector 30">
             <a:extLst>
               <a:ext uri="{FF2B5EF4-FFF2-40B4-BE49-F238E27FC236}">
-                <a16:creationId xmlns:a16="http://schemas.microsoft.com/office/drawing/2014/main" id="{813F02CA-CF9E-4907-A047-A1D22957D875}"/>
+                <a16:creationId xmlns:a16="http://schemas.microsoft.com/office/drawing/2014/main" xmlns="" id="{813F02CA-CF9E-4907-A047-A1D22957D875}"/>
               </a:ext>
             </a:extLst>
           </p:cNvPr>
@@ -5814,7 +5814,7 @@
           <p:cNvPr id="49" name="Straight Arrow Connector 48">
             <a:extLst>
               <a:ext uri="{FF2B5EF4-FFF2-40B4-BE49-F238E27FC236}">
-                <a16:creationId xmlns:a16="http://schemas.microsoft.com/office/drawing/2014/main" id="{813F02CA-CF9E-4907-A047-A1D22957D875}"/>
+                <a16:creationId xmlns:a16="http://schemas.microsoft.com/office/drawing/2014/main" xmlns="" id="{813F02CA-CF9E-4907-A047-A1D22957D875}"/>
               </a:ext>
             </a:extLst>
           </p:cNvPr>
@@ -5861,7 +5861,7 @@
           <p:cNvPr id="54" name="Straight Arrow Connector 53">
             <a:extLst>
               <a:ext uri="{FF2B5EF4-FFF2-40B4-BE49-F238E27FC236}">
-                <a16:creationId xmlns:a16="http://schemas.microsoft.com/office/drawing/2014/main" id="{813F02CA-CF9E-4907-A047-A1D22957D875}"/>
+                <a16:creationId xmlns:a16="http://schemas.microsoft.com/office/drawing/2014/main" xmlns="" id="{813F02CA-CF9E-4907-A047-A1D22957D875}"/>
               </a:ext>
             </a:extLst>
           </p:cNvPr>
@@ -5908,7 +5908,7 @@
           <p:cNvPr id="10" name="Straight Connector 9">
             <a:extLst>
               <a:ext uri="{FF2B5EF4-FFF2-40B4-BE49-F238E27FC236}">
-                <a16:creationId xmlns:a16="http://schemas.microsoft.com/office/drawing/2014/main" id="{FFFB0CA4-21E5-491E-A4E6-DBA8DD7BC0B3}"/>
+                <a16:creationId xmlns:a16="http://schemas.microsoft.com/office/drawing/2014/main" xmlns="" id="{FFFB0CA4-21E5-491E-A4E6-DBA8DD7BC0B3}"/>
               </a:ext>
             </a:extLst>
           </p:cNvPr>
@@ -5974,7 +5974,7 @@
           <p:cNvPr id="2" name="Rectangle 1">
             <a:extLst>
               <a:ext uri="{FF2B5EF4-FFF2-40B4-BE49-F238E27FC236}">
-                <a16:creationId xmlns:a16="http://schemas.microsoft.com/office/drawing/2014/main" id="{0A188924-A74D-4A7B-8046-F8AA7DFCC31E}"/>
+                <a16:creationId xmlns:a16="http://schemas.microsoft.com/office/drawing/2014/main" xmlns="" id="{0A188924-A74D-4A7B-8046-F8AA7DFCC31E}"/>
               </a:ext>
             </a:extLst>
           </p:cNvPr>
@@ -6022,7 +6022,7 @@
           <p:cNvPr id="3" name="Rectangle 2">
             <a:extLst>
               <a:ext uri="{FF2B5EF4-FFF2-40B4-BE49-F238E27FC236}">
-                <a16:creationId xmlns:a16="http://schemas.microsoft.com/office/drawing/2014/main" id="{D595514F-8764-4E47-A5E0-CA4455FCE160}"/>
+                <a16:creationId xmlns:a16="http://schemas.microsoft.com/office/drawing/2014/main" xmlns="" id="{D595514F-8764-4E47-A5E0-CA4455FCE160}"/>
               </a:ext>
             </a:extLst>
           </p:cNvPr>
@@ -6188,7 +6188,7 @@
           <p:cNvPr id="4" name="Rectangle 3">
             <a:extLst>
               <a:ext uri="{FF2B5EF4-FFF2-40B4-BE49-F238E27FC236}">
-                <a16:creationId xmlns:a16="http://schemas.microsoft.com/office/drawing/2014/main" id="{9E53A49F-6AF9-4B61-BFB8-8839544AC0B1}"/>
+                <a16:creationId xmlns:a16="http://schemas.microsoft.com/office/drawing/2014/main" xmlns="" id="{9E53A49F-6AF9-4B61-BFB8-8839544AC0B1}"/>
               </a:ext>
             </a:extLst>
           </p:cNvPr>
@@ -6264,7 +6264,7 @@
           <p:cNvPr id="5" name="TextBox 4">
             <a:extLst>
               <a:ext uri="{FF2B5EF4-FFF2-40B4-BE49-F238E27FC236}">
-                <a16:creationId xmlns:a16="http://schemas.microsoft.com/office/drawing/2014/main" id="{0320CA0B-00EF-4108-AD6B-47642FC7DA37}"/>
+                <a16:creationId xmlns:a16="http://schemas.microsoft.com/office/drawing/2014/main" xmlns="" id="{0320CA0B-00EF-4108-AD6B-47642FC7DA37}"/>
               </a:ext>
             </a:extLst>
           </p:cNvPr>
@@ -6409,7 +6409,7 @@
           <p:cNvPr id="2" name="TextBox 1">
             <a:extLst>
               <a:ext uri="{FF2B5EF4-FFF2-40B4-BE49-F238E27FC236}">
-                <a16:creationId xmlns:a16="http://schemas.microsoft.com/office/drawing/2014/main" id="{FCB44CEC-5E7C-4A34-94CB-88AEAE584A50}"/>
+                <a16:creationId xmlns:a16="http://schemas.microsoft.com/office/drawing/2014/main" xmlns="" id="{FCB44CEC-5E7C-4A34-94CB-88AEAE584A50}"/>
               </a:ext>
             </a:extLst>
           </p:cNvPr>
@@ -6458,7 +6458,7 @@
           <p:cNvPr id="3" name="TextBox 2">
             <a:extLst>
               <a:ext uri="{FF2B5EF4-FFF2-40B4-BE49-F238E27FC236}">
-                <a16:creationId xmlns:a16="http://schemas.microsoft.com/office/drawing/2014/main" id="{C3E76D3B-DF5C-4541-A8C1-7F7E801D6150}"/>
+                <a16:creationId xmlns:a16="http://schemas.microsoft.com/office/drawing/2014/main" xmlns="" id="{C3E76D3B-DF5C-4541-A8C1-7F7E801D6150}"/>
               </a:ext>
             </a:extLst>
           </p:cNvPr>
@@ -6589,7 +6589,7 @@
           <p:cNvPr id="6" name="Group 5">
             <a:extLst>
               <a:ext uri="{FF2B5EF4-FFF2-40B4-BE49-F238E27FC236}">
-                <a16:creationId xmlns:a16="http://schemas.microsoft.com/office/drawing/2014/main" id="{3E9712B4-484F-47AC-9F83-7AF027175965}"/>
+                <a16:creationId xmlns:a16="http://schemas.microsoft.com/office/drawing/2014/main" xmlns="" id="{3E9712B4-484F-47AC-9F83-7AF027175965}"/>
               </a:ext>
             </a:extLst>
           </p:cNvPr>
@@ -6609,7 +6609,7 @@
             <p:cNvPr id="4" name="Picture 3">
               <a:extLst>
                 <a:ext uri="{FF2B5EF4-FFF2-40B4-BE49-F238E27FC236}">
-                  <a16:creationId xmlns:a16="http://schemas.microsoft.com/office/drawing/2014/main" id="{E0172D45-DB5E-4418-B85B-3CD93C7814ED}"/>
+                  <a16:creationId xmlns:a16="http://schemas.microsoft.com/office/drawing/2014/main" xmlns="" id="{E0172D45-DB5E-4418-B85B-3CD93C7814ED}"/>
                 </a:ext>
               </a:extLst>
             </p:cNvPr>
@@ -6644,7 +6644,7 @@
             <p:cNvPr id="5" name="TextBox 4">
               <a:extLst>
                 <a:ext uri="{FF2B5EF4-FFF2-40B4-BE49-F238E27FC236}">
-                  <a16:creationId xmlns:a16="http://schemas.microsoft.com/office/drawing/2014/main" id="{A1D98923-4460-400D-B535-FE1F57EDE605}"/>
+                  <a16:creationId xmlns:a16="http://schemas.microsoft.com/office/drawing/2014/main" xmlns="" id="{A1D98923-4460-400D-B535-FE1F57EDE605}"/>
                 </a:ext>
               </a:extLst>
             </p:cNvPr>
@@ -6688,7 +6688,7 @@
           <p:cNvPr id="9" name="Group 8">
             <a:extLst>
               <a:ext uri="{FF2B5EF4-FFF2-40B4-BE49-F238E27FC236}">
-                <a16:creationId xmlns:a16="http://schemas.microsoft.com/office/drawing/2014/main" id="{4C144C57-9F9F-442E-BB57-DB6854B810EE}"/>
+                <a16:creationId xmlns:a16="http://schemas.microsoft.com/office/drawing/2014/main" xmlns="" id="{4C144C57-9F9F-442E-BB57-DB6854B810EE}"/>
               </a:ext>
             </a:extLst>
           </p:cNvPr>
@@ -6708,7 +6708,7 @@
             <p:cNvPr id="7" name="Picture 6">
               <a:extLst>
                 <a:ext uri="{FF2B5EF4-FFF2-40B4-BE49-F238E27FC236}">
-                  <a16:creationId xmlns:a16="http://schemas.microsoft.com/office/drawing/2014/main" id="{18AE4BCC-D159-48F2-A0B1-7F1E6BC8BE8B}"/>
+                  <a16:creationId xmlns:a16="http://schemas.microsoft.com/office/drawing/2014/main" xmlns="" id="{18AE4BCC-D159-48F2-A0B1-7F1E6BC8BE8B}"/>
                 </a:ext>
               </a:extLst>
             </p:cNvPr>
@@ -6743,7 +6743,7 @@
             <p:cNvPr id="8" name="TextBox 7">
               <a:extLst>
                 <a:ext uri="{FF2B5EF4-FFF2-40B4-BE49-F238E27FC236}">
-                  <a16:creationId xmlns:a16="http://schemas.microsoft.com/office/drawing/2014/main" id="{EA248ECF-746D-4B20-A1F5-24C35DC9A18D}"/>
+                  <a16:creationId xmlns:a16="http://schemas.microsoft.com/office/drawing/2014/main" xmlns="" id="{EA248ECF-746D-4B20-A1F5-24C35DC9A18D}"/>
                 </a:ext>
               </a:extLst>
             </p:cNvPr>
@@ -6809,7 +6809,7 @@
           <p:cNvPr id="2" name="Rectangle 1">
             <a:extLst>
               <a:ext uri="{FF2B5EF4-FFF2-40B4-BE49-F238E27FC236}">
-                <a16:creationId xmlns:a16="http://schemas.microsoft.com/office/drawing/2014/main" id="{F7BA7425-3C38-4FE7-8C91-334A986526B8}"/>
+                <a16:creationId xmlns:a16="http://schemas.microsoft.com/office/drawing/2014/main" xmlns="" id="{F7BA7425-3C38-4FE7-8C91-334A986526B8}"/>
               </a:ext>
             </a:extLst>
           </p:cNvPr>
@@ -6859,7 +6859,7 @@
           <p:cNvPr id="3" name="Rectangle 2">
             <a:extLst>
               <a:ext uri="{FF2B5EF4-FFF2-40B4-BE49-F238E27FC236}">
-                <a16:creationId xmlns:a16="http://schemas.microsoft.com/office/drawing/2014/main" id="{0338E86D-4014-49AF-880B-10F4032588B5}"/>
+                <a16:creationId xmlns:a16="http://schemas.microsoft.com/office/drawing/2014/main" xmlns="" id="{0338E86D-4014-49AF-880B-10F4032588B5}"/>
               </a:ext>
             </a:extLst>
           </p:cNvPr>
@@ -7276,7 +7276,7 @@
           <p:cNvPr id="2" name="TextBox 1">
             <a:extLst>
               <a:ext uri="{FF2B5EF4-FFF2-40B4-BE49-F238E27FC236}">
-                <a16:creationId xmlns:a16="http://schemas.microsoft.com/office/drawing/2014/main" id="{A211F27A-90CB-405C-BA25-9A7ED85C5224}"/>
+                <a16:creationId xmlns:a16="http://schemas.microsoft.com/office/drawing/2014/main" xmlns="" id="{A211F27A-90CB-405C-BA25-9A7ED85C5224}"/>
               </a:ext>
             </a:extLst>
           </p:cNvPr>
@@ -7286,7 +7286,7 @@
         <p:spPr>
           <a:xfrm>
             <a:off x="0" y="17697"/>
-            <a:ext cx="8942176" cy="4801314"/>
+            <a:ext cx="8942176" cy="5355313"/>
           </a:xfrm>
           <a:prstGeom prst="rect">
             <a:avLst/>
@@ -7379,8 +7379,43 @@
             </a:pPr>
             <a:r>
               <a:rPr lang="en-US" dirty="0"/>
-              <a:t>From output of Soy Classification Variation, SC has only about 40% consumer’s accuracy and DC has about 70-85%. Probably because there’s a lot more DC in the dataset to begin with?</a:t>
-            </a:r>
+              <a:t>From output of Soy Classification Variation, SC has only about 40% consumer’s accuracy and DC has about 70-85%. Probably because there’s a lot more DC in the dataset to begin with</a:t>
+            </a:r>
+            <a:r>
+              <a:rPr lang="en-US" dirty="0" smtClean="0"/>
+              <a:t>?</a:t>
+            </a:r>
+          </a:p>
+          <a:p>
+            <a:pPr marL="285750" indent="-285750">
+              <a:buFont typeface="Arial" panose="020B0604020202020204" pitchFamily="34" charset="0"/>
+              <a:buChar char="•"/>
+            </a:pPr>
+            <a:r>
+              <a:rPr lang="en-US" dirty="0" smtClean="0"/>
+              <a:t>In 2014, after masking out </a:t>
+            </a:r>
+            <a:r>
+              <a:rPr lang="en-US" dirty="0" err="1" smtClean="0"/>
+              <a:t>Matopiba</a:t>
+            </a:r>
+            <a:r>
+              <a:rPr lang="en-US" dirty="0" smtClean="0"/>
+              <a:t> points by mapbiomas3, there are only 9 points left… not enough to see if </a:t>
+            </a:r>
+            <a:r>
+              <a:rPr lang="en-US" dirty="0" err="1" smtClean="0"/>
+              <a:t>Matopiba</a:t>
+            </a:r>
+            <a:r>
+              <a:rPr lang="en-US" dirty="0" smtClean="0"/>
+              <a:t> needs to be </a:t>
+            </a:r>
+            <a:r>
+              <a:rPr lang="en-US" smtClean="0"/>
+              <a:t>treated separately.</a:t>
+            </a:r>
+            <a:endParaRPr lang="en-US" dirty="0"/>
           </a:p>
           <a:p>
             <a:pPr marL="285750" indent="-285750">
@@ -7459,7 +7494,7 @@
           <p:cNvPr id="3" name="TextBox 2">
             <a:extLst>
               <a:ext uri="{FF2B5EF4-FFF2-40B4-BE49-F238E27FC236}">
-                <a16:creationId xmlns:a16="http://schemas.microsoft.com/office/drawing/2014/main" id="{56D0029E-0B4F-4C9F-A713-61762D844483}"/>
+                <a16:creationId xmlns:a16="http://schemas.microsoft.com/office/drawing/2014/main" xmlns="" id="{56D0029E-0B4F-4C9F-A713-61762D844483}"/>
               </a:ext>
             </a:extLst>
           </p:cNvPr>
@@ -7498,7 +7533,7 @@
           <p:cNvPr id="5" name="Group 4">
             <a:extLst>
               <a:ext uri="{FF2B5EF4-FFF2-40B4-BE49-F238E27FC236}">
-                <a16:creationId xmlns:a16="http://schemas.microsoft.com/office/drawing/2014/main" id="{F0C2B8E0-C915-4CC3-88AF-DDB1DBFD4059}"/>
+                <a16:creationId xmlns:a16="http://schemas.microsoft.com/office/drawing/2014/main" xmlns="" id="{F0C2B8E0-C915-4CC3-88AF-DDB1DBFD4059}"/>
               </a:ext>
             </a:extLst>
           </p:cNvPr>
@@ -7518,7 +7553,7 @@
             <p:cNvPr id="2" name="Picture 1">
               <a:extLst>
                 <a:ext uri="{FF2B5EF4-FFF2-40B4-BE49-F238E27FC236}">
-                  <a16:creationId xmlns:a16="http://schemas.microsoft.com/office/drawing/2014/main" id="{DB5E012C-44E3-4682-A660-44B7C66BAD5D}"/>
+                  <a16:creationId xmlns:a16="http://schemas.microsoft.com/office/drawing/2014/main" xmlns="" id="{DB5E012C-44E3-4682-A660-44B7C66BAD5D}"/>
                 </a:ext>
               </a:extLst>
             </p:cNvPr>
@@ -7553,7 +7588,7 @@
             <p:cNvPr id="4" name="TextBox 3">
               <a:extLst>
                 <a:ext uri="{FF2B5EF4-FFF2-40B4-BE49-F238E27FC236}">
-                  <a16:creationId xmlns:a16="http://schemas.microsoft.com/office/drawing/2014/main" id="{74CA63B8-77B2-4532-93F6-DAC8FDA691AB}"/>
+                  <a16:creationId xmlns:a16="http://schemas.microsoft.com/office/drawing/2014/main" xmlns="" id="{74CA63B8-77B2-4532-93F6-DAC8FDA691AB}"/>
                 </a:ext>
               </a:extLst>
             </p:cNvPr>
@@ -7594,7 +7629,7 @@
           <p:cNvPr id="8" name="Group 7">
             <a:extLst>
               <a:ext uri="{FF2B5EF4-FFF2-40B4-BE49-F238E27FC236}">
-                <a16:creationId xmlns:a16="http://schemas.microsoft.com/office/drawing/2014/main" id="{E19FB884-A82F-4D98-A77C-70F09C2F67D1}"/>
+                <a16:creationId xmlns:a16="http://schemas.microsoft.com/office/drawing/2014/main" xmlns="" id="{E19FB884-A82F-4D98-A77C-70F09C2F67D1}"/>
               </a:ext>
             </a:extLst>
           </p:cNvPr>
@@ -7614,7 +7649,7 @@
             <p:cNvPr id="6" name="Picture 5">
               <a:extLst>
                 <a:ext uri="{FF2B5EF4-FFF2-40B4-BE49-F238E27FC236}">
-                  <a16:creationId xmlns:a16="http://schemas.microsoft.com/office/drawing/2014/main" id="{FA3272AE-2030-45ED-9ACF-C5BCD4DF5A53}"/>
+                  <a16:creationId xmlns:a16="http://schemas.microsoft.com/office/drawing/2014/main" xmlns="" id="{FA3272AE-2030-45ED-9ACF-C5BCD4DF5A53}"/>
                 </a:ext>
               </a:extLst>
             </p:cNvPr>
@@ -7643,7 +7678,7 @@
             <p:cNvPr id="7" name="TextBox 6">
               <a:extLst>
                 <a:ext uri="{FF2B5EF4-FFF2-40B4-BE49-F238E27FC236}">
-                  <a16:creationId xmlns:a16="http://schemas.microsoft.com/office/drawing/2014/main" id="{B864A49F-1F0D-4902-A75B-847D8DE8FE72}"/>
+                  <a16:creationId xmlns:a16="http://schemas.microsoft.com/office/drawing/2014/main" xmlns="" id="{B864A49F-1F0D-4902-A75B-847D8DE8FE72}"/>
                 </a:ext>
               </a:extLst>
             </p:cNvPr>
@@ -7680,7 +7715,7 @@
           <p:cNvPr id="11" name="Group 10">
             <a:extLst>
               <a:ext uri="{FF2B5EF4-FFF2-40B4-BE49-F238E27FC236}">
-                <a16:creationId xmlns:a16="http://schemas.microsoft.com/office/drawing/2014/main" id="{D6F9E42B-BC53-46A0-9E33-71733948BFE9}"/>
+                <a16:creationId xmlns:a16="http://schemas.microsoft.com/office/drawing/2014/main" xmlns="" id="{D6F9E42B-BC53-46A0-9E33-71733948BFE9}"/>
               </a:ext>
             </a:extLst>
           </p:cNvPr>
@@ -7700,7 +7735,7 @@
             <p:cNvPr id="9" name="Picture 8">
               <a:extLst>
                 <a:ext uri="{FF2B5EF4-FFF2-40B4-BE49-F238E27FC236}">
-                  <a16:creationId xmlns:a16="http://schemas.microsoft.com/office/drawing/2014/main" id="{E9E214BE-0E78-4E60-9E7C-DCE76F1D8C70}"/>
+                  <a16:creationId xmlns:a16="http://schemas.microsoft.com/office/drawing/2014/main" xmlns="" id="{E9E214BE-0E78-4E60-9E7C-DCE76F1D8C70}"/>
                 </a:ext>
               </a:extLst>
             </p:cNvPr>
@@ -7729,7 +7764,7 @@
             <p:cNvPr id="10" name="TextBox 9">
               <a:extLst>
                 <a:ext uri="{FF2B5EF4-FFF2-40B4-BE49-F238E27FC236}">
-                  <a16:creationId xmlns:a16="http://schemas.microsoft.com/office/drawing/2014/main" id="{FBAB92E4-496D-4F39-BB9E-0A4652261E83}"/>
+                  <a16:creationId xmlns:a16="http://schemas.microsoft.com/office/drawing/2014/main" xmlns="" id="{FBAB92E4-496D-4F39-BB9E-0A4652261E83}"/>
                 </a:ext>
               </a:extLst>
             </p:cNvPr>
@@ -7766,7 +7801,7 @@
           <p:cNvPr id="12" name="TextBox 11">
             <a:extLst>
               <a:ext uri="{FF2B5EF4-FFF2-40B4-BE49-F238E27FC236}">
-                <a16:creationId xmlns:a16="http://schemas.microsoft.com/office/drawing/2014/main" id="{EC110DB2-E024-4FB8-982A-D07EA99246E1}"/>
+                <a16:creationId xmlns:a16="http://schemas.microsoft.com/office/drawing/2014/main" xmlns="" id="{EC110DB2-E024-4FB8-982A-D07EA99246E1}"/>
               </a:ext>
             </a:extLst>
           </p:cNvPr>
@@ -7831,7 +7866,7 @@
           <p:cNvPr id="13" name="TextBox 12">
             <a:extLst>
               <a:ext uri="{FF2B5EF4-FFF2-40B4-BE49-F238E27FC236}">
-                <a16:creationId xmlns:a16="http://schemas.microsoft.com/office/drawing/2014/main" id="{6E9A5C2D-40B8-41D4-B6F3-16C6386F1BCA}"/>
+                <a16:creationId xmlns:a16="http://schemas.microsoft.com/office/drawing/2014/main" xmlns="" id="{6E9A5C2D-40B8-41D4-B6F3-16C6386F1BCA}"/>
               </a:ext>
             </a:extLst>
           </p:cNvPr>
@@ -7886,7 +7921,7 @@
           <p:cNvPr id="14" name="TextBox 13">
             <a:extLst>
               <a:ext uri="{FF2B5EF4-FFF2-40B4-BE49-F238E27FC236}">
-                <a16:creationId xmlns:a16="http://schemas.microsoft.com/office/drawing/2014/main" id="{8C101849-3295-4893-A7DD-9B79F0BEDA17}"/>
+                <a16:creationId xmlns:a16="http://schemas.microsoft.com/office/drawing/2014/main" xmlns="" id="{8C101849-3295-4893-A7DD-9B79F0BEDA17}"/>
               </a:ext>
             </a:extLst>
           </p:cNvPr>
@@ -7981,7 +8016,7 @@
           <p:cNvPr id="2" name="Rectangle 1">
             <a:extLst>
               <a:ext uri="{FF2B5EF4-FFF2-40B4-BE49-F238E27FC236}">
-                <a16:creationId xmlns:a16="http://schemas.microsoft.com/office/drawing/2014/main" id="{3D073C0E-0B63-4498-88EE-830A1C99F3A8}"/>
+                <a16:creationId xmlns:a16="http://schemas.microsoft.com/office/drawing/2014/main" xmlns="" id="{3D073C0E-0B63-4498-88EE-830A1C99F3A8}"/>
               </a:ext>
             </a:extLst>
           </p:cNvPr>
@@ -8029,7 +8064,7 @@
           <p:cNvPr id="4" name="TextBox 3">
             <a:extLst>
               <a:ext uri="{FF2B5EF4-FFF2-40B4-BE49-F238E27FC236}">
-                <a16:creationId xmlns:a16="http://schemas.microsoft.com/office/drawing/2014/main" id="{53BA5805-4815-4DFB-A3B0-9EE75139349D}"/>
+                <a16:creationId xmlns:a16="http://schemas.microsoft.com/office/drawing/2014/main" xmlns="" id="{53BA5805-4815-4DFB-A3B0-9EE75139349D}"/>
               </a:ext>
             </a:extLst>
           </p:cNvPr>
@@ -8081,7 +8116,7 @@
           <p:cNvPr id="5" name="TextBox 4">
             <a:extLst>
               <a:ext uri="{FF2B5EF4-FFF2-40B4-BE49-F238E27FC236}">
-                <a16:creationId xmlns:a16="http://schemas.microsoft.com/office/drawing/2014/main" id="{D13A418A-6A09-4063-ABF2-79DAC7E9BD86}"/>
+                <a16:creationId xmlns:a16="http://schemas.microsoft.com/office/drawing/2014/main" xmlns="" id="{D13A418A-6A09-4063-ABF2-79DAC7E9BD86}"/>
               </a:ext>
             </a:extLst>
           </p:cNvPr>
@@ -8127,7 +8162,7 @@
           <p:cNvPr id="6" name="TextBox 5">
             <a:extLst>
               <a:ext uri="{FF2B5EF4-FFF2-40B4-BE49-F238E27FC236}">
-                <a16:creationId xmlns:a16="http://schemas.microsoft.com/office/drawing/2014/main" id="{C7628308-E941-4CEB-8E88-E4C24F850CE4}"/>
+                <a16:creationId xmlns:a16="http://schemas.microsoft.com/office/drawing/2014/main" xmlns="" id="{C7628308-E941-4CEB-8E88-E4C24F850CE4}"/>
               </a:ext>
             </a:extLst>
           </p:cNvPr>
@@ -8176,7 +8211,7 @@
           <p:cNvPr id="8" name="TextBox 7">
             <a:extLst>
               <a:ext uri="{FF2B5EF4-FFF2-40B4-BE49-F238E27FC236}">
-                <a16:creationId xmlns:a16="http://schemas.microsoft.com/office/drawing/2014/main" id="{F82FC533-76D8-4E5C-AD48-3BD1EBBE75EA}"/>
+                <a16:creationId xmlns:a16="http://schemas.microsoft.com/office/drawing/2014/main" xmlns="" id="{F82FC533-76D8-4E5C-AD48-3BD1EBBE75EA}"/>
               </a:ext>
             </a:extLst>
           </p:cNvPr>
@@ -8217,7 +8252,7 @@
           <p:cNvPr id="10" name="Straight Arrow Connector 9">
             <a:extLst>
               <a:ext uri="{FF2B5EF4-FFF2-40B4-BE49-F238E27FC236}">
-                <a16:creationId xmlns:a16="http://schemas.microsoft.com/office/drawing/2014/main" id="{797C1FAD-F13C-4F29-A2BC-0542E1D5178A}"/>
+                <a16:creationId xmlns:a16="http://schemas.microsoft.com/office/drawing/2014/main" xmlns="" id="{797C1FAD-F13C-4F29-A2BC-0542E1D5178A}"/>
               </a:ext>
             </a:extLst>
           </p:cNvPr>
@@ -8263,7 +8298,7 @@
           <p:cNvPr id="11" name="Straight Arrow Connector 10">
             <a:extLst>
               <a:ext uri="{FF2B5EF4-FFF2-40B4-BE49-F238E27FC236}">
-                <a16:creationId xmlns:a16="http://schemas.microsoft.com/office/drawing/2014/main" id="{62EE8C58-1D1B-4AE7-BF3D-A0F0D56DB49D}"/>
+                <a16:creationId xmlns:a16="http://schemas.microsoft.com/office/drawing/2014/main" xmlns="" id="{62EE8C58-1D1B-4AE7-BF3D-A0F0D56DB49D}"/>
               </a:ext>
             </a:extLst>
           </p:cNvPr>
@@ -8310,7 +8345,7 @@
           <p:cNvPr id="14" name="Straight Arrow Connector 13">
             <a:extLst>
               <a:ext uri="{FF2B5EF4-FFF2-40B4-BE49-F238E27FC236}">
-                <a16:creationId xmlns:a16="http://schemas.microsoft.com/office/drawing/2014/main" id="{813F02CA-CF9E-4907-A047-A1D22957D875}"/>
+                <a16:creationId xmlns:a16="http://schemas.microsoft.com/office/drawing/2014/main" xmlns="" id="{813F02CA-CF9E-4907-A047-A1D22957D875}"/>
               </a:ext>
             </a:extLst>
           </p:cNvPr>
@@ -8357,7 +8392,7 @@
           <p:cNvPr id="65" name="Straight Arrow Connector 64">
             <a:extLst>
               <a:ext uri="{FF2B5EF4-FFF2-40B4-BE49-F238E27FC236}">
-                <a16:creationId xmlns:a16="http://schemas.microsoft.com/office/drawing/2014/main" id="{E282940C-3568-483E-98EB-F1E7766C81B9}"/>
+                <a16:creationId xmlns:a16="http://schemas.microsoft.com/office/drawing/2014/main" xmlns="" id="{E282940C-3568-483E-98EB-F1E7766C81B9}"/>
               </a:ext>
             </a:extLst>
           </p:cNvPr>
@@ -8404,7 +8439,7 @@
           <p:cNvPr id="82" name="TextBox 81">
             <a:extLst>
               <a:ext uri="{FF2B5EF4-FFF2-40B4-BE49-F238E27FC236}">
-                <a16:creationId xmlns:a16="http://schemas.microsoft.com/office/drawing/2014/main" id="{C9847FC3-9665-4B01-AE57-28D1AD72D078}"/>
+                <a16:creationId xmlns:a16="http://schemas.microsoft.com/office/drawing/2014/main" xmlns="" id="{C9847FC3-9665-4B01-AE57-28D1AD72D078}"/>
               </a:ext>
             </a:extLst>
           </p:cNvPr>
@@ -8449,7 +8484,7 @@
           <p:cNvPr id="3" name="Rectangle 2">
             <a:extLst>
               <a:ext uri="{FF2B5EF4-FFF2-40B4-BE49-F238E27FC236}">
-                <a16:creationId xmlns:a16="http://schemas.microsoft.com/office/drawing/2014/main" id="{CF68750C-AC06-4BF7-B1A6-72D946341DC3}"/>
+                <a16:creationId xmlns:a16="http://schemas.microsoft.com/office/drawing/2014/main" xmlns="" id="{CF68750C-AC06-4BF7-B1A6-72D946341DC3}"/>
               </a:ext>
             </a:extLst>
           </p:cNvPr>
@@ -8483,7 +8518,7 @@
           <p:cNvPr id="43" name="Picture 42">
             <a:extLst>
               <a:ext uri="{FF2B5EF4-FFF2-40B4-BE49-F238E27FC236}">
-                <a16:creationId xmlns:a16="http://schemas.microsoft.com/office/drawing/2014/main" id="{41E413FD-4D18-4272-8E72-9CBEE94979FF}"/>
+                <a16:creationId xmlns:a16="http://schemas.microsoft.com/office/drawing/2014/main" xmlns="" id="{41E413FD-4D18-4272-8E72-9CBEE94979FF}"/>
               </a:ext>
             </a:extLst>
           </p:cNvPr>
@@ -8513,7 +8548,7 @@
           <p:cNvPr id="44" name="TextBox 43">
             <a:extLst>
               <a:ext uri="{FF2B5EF4-FFF2-40B4-BE49-F238E27FC236}">
-                <a16:creationId xmlns:a16="http://schemas.microsoft.com/office/drawing/2014/main" id="{0BC0C722-AE68-4615-9FC5-E4B77D5ADD42}"/>
+                <a16:creationId xmlns:a16="http://schemas.microsoft.com/office/drawing/2014/main" xmlns="" id="{0BC0C722-AE68-4615-9FC5-E4B77D5ADD42}"/>
               </a:ext>
             </a:extLst>
           </p:cNvPr>
@@ -8548,7 +8583,7 @@
           <p:cNvPr id="48" name="TextBox 47">
             <a:extLst>
               <a:ext uri="{FF2B5EF4-FFF2-40B4-BE49-F238E27FC236}">
-                <a16:creationId xmlns:a16="http://schemas.microsoft.com/office/drawing/2014/main" id="{CEF5776B-4F63-45F3-BD21-B382B688227A}"/>
+                <a16:creationId xmlns:a16="http://schemas.microsoft.com/office/drawing/2014/main" xmlns="" id="{CEF5776B-4F63-45F3-BD21-B382B688227A}"/>
               </a:ext>
             </a:extLst>
           </p:cNvPr>
@@ -8902,7 +8937,7 @@
           <p:cNvPr id="8" name="Straight Arrow Connector 7">
             <a:extLst>
               <a:ext uri="{FF2B5EF4-FFF2-40B4-BE49-F238E27FC236}">
-                <a16:creationId xmlns:a16="http://schemas.microsoft.com/office/drawing/2014/main" id="{813F02CA-CF9E-4907-A047-A1D22957D875}"/>
+                <a16:creationId xmlns:a16="http://schemas.microsoft.com/office/drawing/2014/main" xmlns="" id="{813F02CA-CF9E-4907-A047-A1D22957D875}"/>
               </a:ext>
             </a:extLst>
           </p:cNvPr>
@@ -9174,7 +9209,7 @@
           <p:cNvPr id="17" name="Straight Arrow Connector 16">
             <a:extLst>
               <a:ext uri="{FF2B5EF4-FFF2-40B4-BE49-F238E27FC236}">
-                <a16:creationId xmlns:a16="http://schemas.microsoft.com/office/drawing/2014/main" id="{813F02CA-CF9E-4907-A047-A1D22957D875}"/>
+                <a16:creationId xmlns:a16="http://schemas.microsoft.com/office/drawing/2014/main" xmlns="" id="{813F02CA-CF9E-4907-A047-A1D22957D875}"/>
               </a:ext>
             </a:extLst>
           </p:cNvPr>
@@ -9221,7 +9256,7 @@
           <p:cNvPr id="20" name="Straight Arrow Connector 19">
             <a:extLst>
               <a:ext uri="{FF2B5EF4-FFF2-40B4-BE49-F238E27FC236}">
-                <a16:creationId xmlns:a16="http://schemas.microsoft.com/office/drawing/2014/main" id="{813F02CA-CF9E-4907-A047-A1D22957D875}"/>
+                <a16:creationId xmlns:a16="http://schemas.microsoft.com/office/drawing/2014/main" xmlns="" id="{813F02CA-CF9E-4907-A047-A1D22957D875}"/>
               </a:ext>
             </a:extLst>
           </p:cNvPr>
@@ -9268,7 +9303,7 @@
           <p:cNvPr id="23" name="Straight Arrow Connector 22">
             <a:extLst>
               <a:ext uri="{FF2B5EF4-FFF2-40B4-BE49-F238E27FC236}">
-                <a16:creationId xmlns:a16="http://schemas.microsoft.com/office/drawing/2014/main" id="{813F02CA-CF9E-4907-A047-A1D22957D875}"/>
+                <a16:creationId xmlns:a16="http://schemas.microsoft.com/office/drawing/2014/main" xmlns="" id="{813F02CA-CF9E-4907-A047-A1D22957D875}"/>
               </a:ext>
             </a:extLst>
           </p:cNvPr>
@@ -9315,7 +9350,7 @@
           <p:cNvPr id="26" name="Straight Arrow Connector 25">
             <a:extLst>
               <a:ext uri="{FF2B5EF4-FFF2-40B4-BE49-F238E27FC236}">
-                <a16:creationId xmlns:a16="http://schemas.microsoft.com/office/drawing/2014/main" id="{813F02CA-CF9E-4907-A047-A1D22957D875}"/>
+                <a16:creationId xmlns:a16="http://schemas.microsoft.com/office/drawing/2014/main" xmlns="" id="{813F02CA-CF9E-4907-A047-A1D22957D875}"/>
               </a:ext>
             </a:extLst>
           </p:cNvPr>
@@ -9362,7 +9397,7 @@
           <p:cNvPr id="31" name="Straight Arrow Connector 30">
             <a:extLst>
               <a:ext uri="{FF2B5EF4-FFF2-40B4-BE49-F238E27FC236}">
-                <a16:creationId xmlns:a16="http://schemas.microsoft.com/office/drawing/2014/main" id="{813F02CA-CF9E-4907-A047-A1D22957D875}"/>
+                <a16:creationId xmlns:a16="http://schemas.microsoft.com/office/drawing/2014/main" xmlns="" id="{813F02CA-CF9E-4907-A047-A1D22957D875}"/>
               </a:ext>
             </a:extLst>
           </p:cNvPr>
@@ -9409,7 +9444,7 @@
           <p:cNvPr id="49" name="Straight Arrow Connector 48">
             <a:extLst>
               <a:ext uri="{FF2B5EF4-FFF2-40B4-BE49-F238E27FC236}">
-                <a16:creationId xmlns:a16="http://schemas.microsoft.com/office/drawing/2014/main" id="{813F02CA-CF9E-4907-A047-A1D22957D875}"/>
+                <a16:creationId xmlns:a16="http://schemas.microsoft.com/office/drawing/2014/main" xmlns="" id="{813F02CA-CF9E-4907-A047-A1D22957D875}"/>
               </a:ext>
             </a:extLst>
           </p:cNvPr>
@@ -9456,7 +9491,7 @@
           <p:cNvPr id="54" name="Straight Arrow Connector 53">
             <a:extLst>
               <a:ext uri="{FF2B5EF4-FFF2-40B4-BE49-F238E27FC236}">
-                <a16:creationId xmlns:a16="http://schemas.microsoft.com/office/drawing/2014/main" id="{813F02CA-CF9E-4907-A047-A1D22957D875}"/>
+                <a16:creationId xmlns:a16="http://schemas.microsoft.com/office/drawing/2014/main" xmlns="" id="{813F02CA-CF9E-4907-A047-A1D22957D875}"/>
               </a:ext>
             </a:extLst>
           </p:cNvPr>
@@ -9503,7 +9538,7 @@
           <p:cNvPr id="32" name="TextBox 31">
             <a:extLst>
               <a:ext uri="{FF2B5EF4-FFF2-40B4-BE49-F238E27FC236}">
-                <a16:creationId xmlns:a16="http://schemas.microsoft.com/office/drawing/2014/main" id="{E2EA0342-0338-4581-B88A-DF9BE8CA9093}"/>
+                <a16:creationId xmlns:a16="http://schemas.microsoft.com/office/drawing/2014/main" xmlns="" id="{E2EA0342-0338-4581-B88A-DF9BE8CA9093}"/>
               </a:ext>
             </a:extLst>
           </p:cNvPr>
@@ -9603,7 +9638,7 @@
           <p:cNvPr id="33" name="TextBox 32">
             <a:extLst>
               <a:ext uri="{FF2B5EF4-FFF2-40B4-BE49-F238E27FC236}">
-                <a16:creationId xmlns:a16="http://schemas.microsoft.com/office/drawing/2014/main" id="{8E6B4A04-1572-43F7-9434-0C7574F489DD}"/>
+                <a16:creationId xmlns:a16="http://schemas.microsoft.com/office/drawing/2014/main" xmlns="" id="{8E6B4A04-1572-43F7-9434-0C7574F489DD}"/>
               </a:ext>
             </a:extLst>
           </p:cNvPr>
@@ -9702,7 +9737,7 @@
           <p:cNvPr id="3" name="TextBox 2">
             <a:extLst>
               <a:ext uri="{FF2B5EF4-FFF2-40B4-BE49-F238E27FC236}">
-                <a16:creationId xmlns:a16="http://schemas.microsoft.com/office/drawing/2014/main" id="{56D0029E-0B4F-4C9F-A713-61762D844483}"/>
+                <a16:creationId xmlns:a16="http://schemas.microsoft.com/office/drawing/2014/main" xmlns="" id="{56D0029E-0B4F-4C9F-A713-61762D844483}"/>
               </a:ext>
             </a:extLst>
           </p:cNvPr>
@@ -9741,7 +9776,7 @@
           <p:cNvPr id="5" name="Group 4">
             <a:extLst>
               <a:ext uri="{FF2B5EF4-FFF2-40B4-BE49-F238E27FC236}">
-                <a16:creationId xmlns:a16="http://schemas.microsoft.com/office/drawing/2014/main" id="{F0C2B8E0-C915-4CC3-88AF-DDB1DBFD4059}"/>
+                <a16:creationId xmlns:a16="http://schemas.microsoft.com/office/drawing/2014/main" xmlns="" id="{F0C2B8E0-C915-4CC3-88AF-DDB1DBFD4059}"/>
               </a:ext>
             </a:extLst>
           </p:cNvPr>
@@ -9761,7 +9796,7 @@
             <p:cNvPr id="2" name="Picture 1">
               <a:extLst>
                 <a:ext uri="{FF2B5EF4-FFF2-40B4-BE49-F238E27FC236}">
-                  <a16:creationId xmlns:a16="http://schemas.microsoft.com/office/drawing/2014/main" id="{DB5E012C-44E3-4682-A660-44B7C66BAD5D}"/>
+                  <a16:creationId xmlns:a16="http://schemas.microsoft.com/office/drawing/2014/main" xmlns="" id="{DB5E012C-44E3-4682-A660-44B7C66BAD5D}"/>
                 </a:ext>
               </a:extLst>
             </p:cNvPr>
@@ -9796,7 +9831,7 @@
             <p:cNvPr id="4" name="TextBox 3">
               <a:extLst>
                 <a:ext uri="{FF2B5EF4-FFF2-40B4-BE49-F238E27FC236}">
-                  <a16:creationId xmlns:a16="http://schemas.microsoft.com/office/drawing/2014/main" id="{74CA63B8-77B2-4532-93F6-DAC8FDA691AB}"/>
+                  <a16:creationId xmlns:a16="http://schemas.microsoft.com/office/drawing/2014/main" xmlns="" id="{74CA63B8-77B2-4532-93F6-DAC8FDA691AB}"/>
                 </a:ext>
               </a:extLst>
             </p:cNvPr>
@@ -9837,7 +9872,7 @@
           <p:cNvPr id="8" name="Group 7">
             <a:extLst>
               <a:ext uri="{FF2B5EF4-FFF2-40B4-BE49-F238E27FC236}">
-                <a16:creationId xmlns:a16="http://schemas.microsoft.com/office/drawing/2014/main" id="{E19FB884-A82F-4D98-A77C-70F09C2F67D1}"/>
+                <a16:creationId xmlns:a16="http://schemas.microsoft.com/office/drawing/2014/main" xmlns="" id="{E19FB884-A82F-4D98-A77C-70F09C2F67D1}"/>
               </a:ext>
             </a:extLst>
           </p:cNvPr>
@@ -9857,7 +9892,7 @@
             <p:cNvPr id="6" name="Picture 5">
               <a:extLst>
                 <a:ext uri="{FF2B5EF4-FFF2-40B4-BE49-F238E27FC236}">
-                  <a16:creationId xmlns:a16="http://schemas.microsoft.com/office/drawing/2014/main" id="{FA3272AE-2030-45ED-9ACF-C5BCD4DF5A53}"/>
+                  <a16:creationId xmlns:a16="http://schemas.microsoft.com/office/drawing/2014/main" xmlns="" id="{FA3272AE-2030-45ED-9ACF-C5BCD4DF5A53}"/>
                 </a:ext>
               </a:extLst>
             </p:cNvPr>
@@ -9886,7 +9921,7 @@
             <p:cNvPr id="7" name="TextBox 6">
               <a:extLst>
                 <a:ext uri="{FF2B5EF4-FFF2-40B4-BE49-F238E27FC236}">
-                  <a16:creationId xmlns:a16="http://schemas.microsoft.com/office/drawing/2014/main" id="{B864A49F-1F0D-4902-A75B-847D8DE8FE72}"/>
+                  <a16:creationId xmlns:a16="http://schemas.microsoft.com/office/drawing/2014/main" xmlns="" id="{B864A49F-1F0D-4902-A75B-847D8DE8FE72}"/>
                 </a:ext>
               </a:extLst>
             </p:cNvPr>
@@ -9923,7 +9958,7 @@
           <p:cNvPr id="11" name="Group 10">
             <a:extLst>
               <a:ext uri="{FF2B5EF4-FFF2-40B4-BE49-F238E27FC236}">
-                <a16:creationId xmlns:a16="http://schemas.microsoft.com/office/drawing/2014/main" id="{D6F9E42B-BC53-46A0-9E33-71733948BFE9}"/>
+                <a16:creationId xmlns:a16="http://schemas.microsoft.com/office/drawing/2014/main" xmlns="" id="{D6F9E42B-BC53-46A0-9E33-71733948BFE9}"/>
               </a:ext>
             </a:extLst>
           </p:cNvPr>
@@ -9943,7 +9978,7 @@
             <p:cNvPr id="9" name="Picture 8">
               <a:extLst>
                 <a:ext uri="{FF2B5EF4-FFF2-40B4-BE49-F238E27FC236}">
-                  <a16:creationId xmlns:a16="http://schemas.microsoft.com/office/drawing/2014/main" id="{E9E214BE-0E78-4E60-9E7C-DCE76F1D8C70}"/>
+                  <a16:creationId xmlns:a16="http://schemas.microsoft.com/office/drawing/2014/main" xmlns="" id="{E9E214BE-0E78-4E60-9E7C-DCE76F1D8C70}"/>
                 </a:ext>
               </a:extLst>
             </p:cNvPr>
@@ -9972,7 +10007,7 @@
             <p:cNvPr id="10" name="TextBox 9">
               <a:extLst>
                 <a:ext uri="{FF2B5EF4-FFF2-40B4-BE49-F238E27FC236}">
-                  <a16:creationId xmlns:a16="http://schemas.microsoft.com/office/drawing/2014/main" id="{FBAB92E4-496D-4F39-BB9E-0A4652261E83}"/>
+                  <a16:creationId xmlns:a16="http://schemas.microsoft.com/office/drawing/2014/main" xmlns="" id="{FBAB92E4-496D-4F39-BB9E-0A4652261E83}"/>
                 </a:ext>
               </a:extLst>
             </p:cNvPr>
@@ -10009,7 +10044,7 @@
           <p:cNvPr id="12" name="TextBox 11">
             <a:extLst>
               <a:ext uri="{FF2B5EF4-FFF2-40B4-BE49-F238E27FC236}">
-                <a16:creationId xmlns:a16="http://schemas.microsoft.com/office/drawing/2014/main" id="{EC110DB2-E024-4FB8-982A-D07EA99246E1}"/>
+                <a16:creationId xmlns:a16="http://schemas.microsoft.com/office/drawing/2014/main" xmlns="" id="{EC110DB2-E024-4FB8-982A-D07EA99246E1}"/>
               </a:ext>
             </a:extLst>
           </p:cNvPr>
@@ -10074,7 +10109,7 @@
           <p:cNvPr id="13" name="TextBox 12">
             <a:extLst>
               <a:ext uri="{FF2B5EF4-FFF2-40B4-BE49-F238E27FC236}">
-                <a16:creationId xmlns:a16="http://schemas.microsoft.com/office/drawing/2014/main" id="{6E9A5C2D-40B8-41D4-B6F3-16C6386F1BCA}"/>
+                <a16:creationId xmlns:a16="http://schemas.microsoft.com/office/drawing/2014/main" xmlns="" id="{6E9A5C2D-40B8-41D4-B6F3-16C6386F1BCA}"/>
               </a:ext>
             </a:extLst>
           </p:cNvPr>
@@ -10129,7 +10164,7 @@
           <p:cNvPr id="14" name="TextBox 13">
             <a:extLst>
               <a:ext uri="{FF2B5EF4-FFF2-40B4-BE49-F238E27FC236}">
-                <a16:creationId xmlns:a16="http://schemas.microsoft.com/office/drawing/2014/main" id="{8C101849-3295-4893-A7DD-9B79F0BEDA17}"/>
+                <a16:creationId xmlns:a16="http://schemas.microsoft.com/office/drawing/2014/main" xmlns="" id="{8C101849-3295-4893-A7DD-9B79F0BEDA17}"/>
               </a:ext>
             </a:extLst>
           </p:cNvPr>
@@ -10224,7 +10259,7 @@
           <p:cNvPr id="2" name="TextBox 1">
             <a:extLst>
               <a:ext uri="{FF2B5EF4-FFF2-40B4-BE49-F238E27FC236}">
-                <a16:creationId xmlns:a16="http://schemas.microsoft.com/office/drawing/2014/main" id="{A3D15DD0-84C4-4FA6-98D8-994E4DC6EC9B}"/>
+                <a16:creationId xmlns:a16="http://schemas.microsoft.com/office/drawing/2014/main" xmlns="" id="{A3D15DD0-84C4-4FA6-98D8-994E4DC6EC9B}"/>
               </a:ext>
             </a:extLst>
           </p:cNvPr>
@@ -10234,7 +10269,7 @@
         <p:spPr>
           <a:xfrm>
             <a:off x="1797627" y="1319569"/>
-            <a:ext cx="5444837" cy="1754326"/>
+            <a:ext cx="5444837" cy="2031325"/>
           </a:xfrm>
           <a:prstGeom prst="rect">
             <a:avLst/>
@@ -10272,8 +10307,12 @@
               <a:t>Finish ‘quality masking’ of </a:t>
             </a:r>
             <a:r>
-              <a:rPr lang="en-US" dirty="0" err="1"/>
+              <a:rPr lang="en-US" dirty="0" err="1" smtClean="0"/>
               <a:t>soymaps</a:t>
+            </a:r>
+            <a:r>
+              <a:rPr lang="en-US" dirty="0" smtClean="0"/>
+              <a:t>, including ‘consistency mask’</a:t>
             </a:r>
             <a:endParaRPr lang="en-US" dirty="0"/>
           </a:p>
